--- a/Data Access Framework.pptx
+++ b/Data Access Framework.pptx
@@ -7,12 +7,14 @@
   <p:sldIdLst>
     <p:sldId id="256" r:id="rId2"/>
     <p:sldId id="257" r:id="rId3"/>
-    <p:sldId id="261" r:id="rId4"/>
-    <p:sldId id="258" r:id="rId5"/>
-    <p:sldId id="259" r:id="rId6"/>
-    <p:sldId id="260" r:id="rId7"/>
-    <p:sldId id="262" r:id="rId8"/>
-    <p:sldId id="263" r:id="rId9"/>
+    <p:sldId id="264" r:id="rId4"/>
+    <p:sldId id="265" r:id="rId5"/>
+    <p:sldId id="261" r:id="rId6"/>
+    <p:sldId id="258" r:id="rId7"/>
+    <p:sldId id="259" r:id="rId8"/>
+    <p:sldId id="260" r:id="rId9"/>
+    <p:sldId id="262" r:id="rId10"/>
+    <p:sldId id="263" r:id="rId11"/>
   </p:sldIdLst>
   <p:sldSz cx="9144000" cy="6858000" type="screen4x3"/>
   <p:notesSz cx="6858000" cy="9144000"/>
@@ -295,7 +297,7 @@
           <a:p>
             <a:fld id="{5F7A2D3A-4389-4000-8BBC-EAC8917E7181}" type="datetimeFigureOut">
               <a:rPr lang="en-US" smtClean="0"/>
-              <a:t>5/9/2013</a:t>
+              <a:t>5/15/2013</a:t>
             </a:fld>
             <a:endParaRPr lang="en-US"/>
           </a:p>
@@ -465,7 +467,7 @@
           <a:p>
             <a:fld id="{5F7A2D3A-4389-4000-8BBC-EAC8917E7181}" type="datetimeFigureOut">
               <a:rPr lang="en-US" smtClean="0"/>
-              <a:t>5/9/2013</a:t>
+              <a:t>5/15/2013</a:t>
             </a:fld>
             <a:endParaRPr lang="en-US"/>
           </a:p>
@@ -645,7 +647,7 @@
           <a:p>
             <a:fld id="{5F7A2D3A-4389-4000-8BBC-EAC8917E7181}" type="datetimeFigureOut">
               <a:rPr lang="en-US" smtClean="0"/>
-              <a:t>5/9/2013</a:t>
+              <a:t>5/15/2013</a:t>
             </a:fld>
             <a:endParaRPr lang="en-US"/>
           </a:p>
@@ -815,7 +817,7 @@
           <a:p>
             <a:fld id="{5F7A2D3A-4389-4000-8BBC-EAC8917E7181}" type="datetimeFigureOut">
               <a:rPr lang="en-US" smtClean="0"/>
-              <a:t>5/9/2013</a:t>
+              <a:t>5/15/2013</a:t>
             </a:fld>
             <a:endParaRPr lang="en-US"/>
           </a:p>
@@ -1061,7 +1063,7 @@
           <a:p>
             <a:fld id="{5F7A2D3A-4389-4000-8BBC-EAC8917E7181}" type="datetimeFigureOut">
               <a:rPr lang="en-US" smtClean="0"/>
-              <a:t>5/9/2013</a:t>
+              <a:t>5/15/2013</a:t>
             </a:fld>
             <a:endParaRPr lang="en-US"/>
           </a:p>
@@ -1349,7 +1351,7 @@
           <a:p>
             <a:fld id="{5F7A2D3A-4389-4000-8BBC-EAC8917E7181}" type="datetimeFigureOut">
               <a:rPr lang="en-US" smtClean="0"/>
-              <a:t>5/9/2013</a:t>
+              <a:t>5/15/2013</a:t>
             </a:fld>
             <a:endParaRPr lang="en-US"/>
           </a:p>
@@ -1771,7 +1773,7 @@
           <a:p>
             <a:fld id="{5F7A2D3A-4389-4000-8BBC-EAC8917E7181}" type="datetimeFigureOut">
               <a:rPr lang="en-US" smtClean="0"/>
-              <a:t>5/9/2013</a:t>
+              <a:t>5/15/2013</a:t>
             </a:fld>
             <a:endParaRPr lang="en-US"/>
           </a:p>
@@ -1889,7 +1891,7 @@
           <a:p>
             <a:fld id="{5F7A2D3A-4389-4000-8BBC-EAC8917E7181}" type="datetimeFigureOut">
               <a:rPr lang="en-US" smtClean="0"/>
-              <a:t>5/9/2013</a:t>
+              <a:t>5/15/2013</a:t>
             </a:fld>
             <a:endParaRPr lang="en-US"/>
           </a:p>
@@ -1984,7 +1986,7 @@
           <a:p>
             <a:fld id="{5F7A2D3A-4389-4000-8BBC-EAC8917E7181}" type="datetimeFigureOut">
               <a:rPr lang="en-US" smtClean="0"/>
-              <a:t>5/9/2013</a:t>
+              <a:t>5/15/2013</a:t>
             </a:fld>
             <a:endParaRPr lang="en-US"/>
           </a:p>
@@ -2261,7 +2263,7 @@
           <a:p>
             <a:fld id="{5F7A2D3A-4389-4000-8BBC-EAC8917E7181}" type="datetimeFigureOut">
               <a:rPr lang="en-US" smtClean="0"/>
-              <a:t>5/9/2013</a:t>
+              <a:t>5/15/2013</a:t>
             </a:fld>
             <a:endParaRPr lang="en-US"/>
           </a:p>
@@ -2514,7 +2516,7 @@
           <a:p>
             <a:fld id="{5F7A2D3A-4389-4000-8BBC-EAC8917E7181}" type="datetimeFigureOut">
               <a:rPr lang="en-US" smtClean="0"/>
-              <a:t>5/9/2013</a:t>
+              <a:t>5/15/2013</a:t>
             </a:fld>
             <a:endParaRPr lang="en-US"/>
           </a:p>
@@ -2727,7 +2729,7 @@
           <a:p>
             <a:fld id="{5F7A2D3A-4389-4000-8BBC-EAC8917E7181}" type="datetimeFigureOut">
               <a:rPr lang="en-US" smtClean="0"/>
-              <a:t>5/9/2013</a:t>
+              <a:t>5/15/2013</a:t>
             </a:fld>
             <a:endParaRPr lang="en-US"/>
           </a:p>
@@ -3167,6 +3169,135 @@
 </p:sld>
 </file>
 
+<file path=ppt/slides/slide10.xml><?xml version="1.0" encoding="utf-8"?>
+<p:sld xmlns:a="http://schemas.openxmlformats.org/drawingml/2006/main" xmlns:r="http://schemas.openxmlformats.org/officeDocument/2006/relationships" xmlns:p="http://schemas.openxmlformats.org/presentationml/2006/main">
+  <p:cSld>
+    <p:spTree>
+      <p:nvGrpSpPr>
+        <p:cNvPr id="1" name=""/>
+        <p:cNvGrpSpPr/>
+        <p:nvPr/>
+      </p:nvGrpSpPr>
+      <p:grpSpPr>
+        <a:xfrm>
+          <a:off x="0" y="0"/>
+          <a:ext cx="0" cy="0"/>
+          <a:chOff x="0" y="0"/>
+          <a:chExt cx="0" cy="0"/>
+        </a:xfrm>
+      </p:grpSpPr>
+      <p:sp>
+        <p:nvSpPr>
+          <p:cNvPr id="2" name="Title 1"/>
+          <p:cNvSpPr>
+            <a:spLocks noGrp="1"/>
+          </p:cNvSpPr>
+          <p:nvPr>
+            <p:ph type="title"/>
+          </p:nvPr>
+        </p:nvSpPr>
+        <p:spPr/>
+        <p:txBody>
+          <a:bodyPr/>
+          <a:lstStyle/>
+          <a:p>
+            <a:r>
+              <a:rPr lang="en-US" dirty="0" smtClean="0"/>
+              <a:t>EF – Architecture Ideas</a:t>
+            </a:r>
+            <a:endParaRPr lang="en-US" dirty="0"/>
+          </a:p>
+        </p:txBody>
+      </p:sp>
+      <p:sp>
+        <p:nvSpPr>
+          <p:cNvPr id="3" name="Content Placeholder 2"/>
+          <p:cNvSpPr>
+            <a:spLocks noGrp="1"/>
+          </p:cNvSpPr>
+          <p:nvPr>
+            <p:ph idx="1"/>
+          </p:nvPr>
+        </p:nvSpPr>
+        <p:spPr/>
+        <p:txBody>
+          <a:bodyPr/>
+          <a:lstStyle/>
+          <a:p>
+            <a:r>
+              <a:rPr lang="en-US" dirty="0" err="1" smtClean="0"/>
+              <a:t>ObjectContext</a:t>
+            </a:r>
+            <a:endParaRPr lang="en-US" dirty="0" smtClean="0"/>
+          </a:p>
+          <a:p>
+            <a:pPr lvl="1"/>
+            <a:r>
+              <a:rPr lang="en-US" dirty="0" smtClean="0"/>
+              <a:t>Holds configuration/model</a:t>
+            </a:r>
+          </a:p>
+          <a:p>
+            <a:pPr lvl="1"/>
+            <a:r>
+              <a:rPr lang="en-US" dirty="0" smtClean="0"/>
+              <a:t>Acts like </a:t>
+            </a:r>
+            <a:r>
+              <a:rPr lang="en-US" dirty="0" err="1" smtClean="0"/>
+              <a:t>UnitOfWork</a:t>
+            </a:r>
+            <a:endParaRPr lang="en-US" dirty="0" smtClean="0"/>
+          </a:p>
+          <a:p>
+            <a:r>
+              <a:rPr lang="en-US" dirty="0" err="1" smtClean="0"/>
+              <a:t>DBContext</a:t>
+            </a:r>
+            <a:r>
+              <a:rPr lang="en-US" dirty="0" smtClean="0"/>
+              <a:t>: Wrapper of </a:t>
+            </a:r>
+            <a:r>
+              <a:rPr lang="en-US" dirty="0" err="1" smtClean="0"/>
+              <a:t>ObjectContext</a:t>
+            </a:r>
+            <a:endParaRPr lang="en-US" dirty="0" smtClean="0"/>
+          </a:p>
+          <a:p>
+            <a:pPr lvl="1"/>
+            <a:r>
+              <a:rPr lang="en-US" dirty="0" smtClean="0"/>
+              <a:t>Provides easier API to </a:t>
+            </a:r>
+            <a:r>
+              <a:rPr lang="en-US" dirty="0" err="1" smtClean="0"/>
+              <a:t>ObjectContext</a:t>
+            </a:r>
+            <a:endParaRPr lang="en-US" dirty="0" smtClean="0"/>
+          </a:p>
+          <a:p>
+            <a:pPr lvl="1"/>
+            <a:r>
+              <a:rPr lang="en-US" dirty="0" smtClean="0"/>
+              <a:t>Enables Code First approach</a:t>
+            </a:r>
+          </a:p>
+        </p:txBody>
+      </p:sp>
+    </p:spTree>
+    <p:extLst>
+      <p:ext uri="{BB962C8B-B14F-4D97-AF65-F5344CB8AC3E}">
+        <p14:creationId xmlns:p14="http://schemas.microsoft.com/office/powerpoint/2010/main" val="586397514"/>
+      </p:ext>
+    </p:extLst>
+  </p:cSld>
+  <p:clrMapOvr>
+    <a:masterClrMapping/>
+  </p:clrMapOvr>
+</p:sld>
+</file>
+
 <file path=ppt/slides/slide2.xml><?xml version="1.0" encoding="utf-8"?>
 <p:sld xmlns:a="http://schemas.openxmlformats.org/drawingml/2006/main" xmlns:r="http://schemas.openxmlformats.org/officeDocument/2006/relationships" xmlns:p="http://schemas.openxmlformats.org/presentationml/2006/main">
   <p:cSld>
@@ -3315,7 +3446,7 @@
           <a:p>
             <a:r>
               <a:rPr lang="en-US" dirty="0" smtClean="0"/>
-              <a:t>ORM</a:t>
+              <a:t>Data Access Frame</a:t>
             </a:r>
             <a:endParaRPr lang="en-US" dirty="0"/>
           </a:p>
@@ -3338,45 +3469,91 @@
           <a:p>
             <a:r>
               <a:rPr lang="en-US" dirty="0" smtClean="0"/>
-              <a:t>ORM is NOT the only way</a:t>
+              <a:t>Persistence Framework</a:t>
+            </a:r>
+          </a:p>
+          <a:p>
+            <a:r>
+              <a:rPr lang="en-US" dirty="0" smtClean="0">
+                <a:solidFill>
+                  <a:srgbClr val="FF0000"/>
+                </a:solidFill>
+              </a:rPr>
+              <a:t>CRUD</a:t>
+            </a:r>
+          </a:p>
+          <a:p>
+            <a:r>
+              <a:rPr lang="en-US" dirty="0" smtClean="0"/>
+              <a:t>Application does all the work in memory</a:t>
             </a:r>
           </a:p>
           <a:p>
             <a:pPr lvl="1"/>
             <a:r>
               <a:rPr lang="en-US" dirty="0" smtClean="0"/>
-              <a:t>Stored Procedure Mapping</a:t>
+              <a:t>based on some already stored data (</a:t>
+            </a:r>
+            <a:r>
+              <a:rPr lang="en-US" dirty="0" smtClean="0">
+                <a:solidFill>
+                  <a:srgbClr val="FF0000"/>
+                </a:solidFill>
+              </a:rPr>
+              <a:t>R</a:t>
+            </a:r>
+            <a:r>
+              <a:rPr lang="en-US" dirty="0" smtClean="0"/>
+              <a:t>etrieve)</a:t>
             </a:r>
           </a:p>
           <a:p>
             <a:pPr lvl="1"/>
             <a:r>
               <a:rPr lang="en-US" dirty="0" smtClean="0"/>
-              <a:t>Table Data Gateway </a:t>
-            </a:r>
-          </a:p>
-          <a:p>
-            <a:pPr lvl="1"/>
-            <a:r>
-              <a:rPr lang="en-US" dirty="0" smtClean="0"/>
-              <a:t>Row Data Gateway</a:t>
-            </a:r>
-          </a:p>
-          <a:p>
-            <a:pPr lvl="1"/>
-            <a:r>
-              <a:rPr lang="en-US" dirty="0" smtClean="0"/>
-              <a:t>Active Record</a:t>
-            </a:r>
-          </a:p>
-          <a:p>
-            <a:r>
-              <a:rPr lang="en-US" dirty="0" smtClean="0"/>
-              <a:t>Or, why Relational Database? </a:t>
-            </a:r>
-            <a:r>
-              <a:rPr lang="en-US" dirty="0" err="1" smtClean="0"/>
-              <a:t>NoSQL</a:t>
+              <a:t>eventually, you need to store back changes (</a:t>
+            </a:r>
+            <a:r>
+              <a:rPr lang="en-US" dirty="0" smtClean="0">
+                <a:solidFill>
+                  <a:srgbClr val="FF0000"/>
+                </a:solidFill>
+              </a:rPr>
+              <a:t>C</a:t>
+            </a:r>
+            <a:r>
+              <a:rPr lang="en-US" dirty="0" smtClean="0"/>
+              <a:t>reate, </a:t>
+            </a:r>
+            <a:r>
+              <a:rPr lang="en-US" dirty="0" smtClean="0">
+                <a:solidFill>
+                  <a:srgbClr val="FF0000"/>
+                </a:solidFill>
+              </a:rPr>
+              <a:t>U</a:t>
+            </a:r>
+            <a:r>
+              <a:rPr lang="en-US" dirty="0" smtClean="0"/>
+              <a:t>pdate, </a:t>
+            </a:r>
+            <a:r>
+              <a:rPr lang="en-US" dirty="0" smtClean="0">
+                <a:solidFill>
+                  <a:srgbClr val="FF0000"/>
+                </a:solidFill>
+              </a:rPr>
+              <a:t>D</a:t>
+            </a:r>
+            <a:r>
+              <a:rPr lang="en-US" dirty="0" smtClean="0"/>
+              <a:t>elete)</a:t>
+            </a:r>
+          </a:p>
+          <a:p>
+            <a:r>
+              <a:rPr lang="en-US" dirty="0" smtClean="0"/>
+              <a:t>It just happens Relational Database is the popular choice for most business</a:t>
             </a:r>
             <a:endParaRPr lang="en-US" dirty="0"/>
           </a:p>
@@ -3385,7 +3562,7 @@
     </p:spTree>
     <p:extLst>
       <p:ext uri="{BB962C8B-B14F-4D97-AF65-F5344CB8AC3E}">
-        <p14:creationId xmlns:p14="http://schemas.microsoft.com/office/powerpoint/2010/main" val="385287127"/>
+        <p14:creationId xmlns:p14="http://schemas.microsoft.com/office/powerpoint/2010/main" val="1869506865"/>
       </p:ext>
     </p:extLst>
   </p:cSld>
@@ -3428,8 +3605,16 @@
           <a:lstStyle/>
           <a:p>
             <a:r>
-              <a:rPr lang="en-US" dirty="0" err="1" smtClean="0"/>
-              <a:t>NHibernate</a:t>
+              <a:rPr lang="en-US" dirty="0" smtClean="0">
+                <a:solidFill>
+                  <a:srgbClr val="FF0000"/>
+                </a:solidFill>
+              </a:rPr>
+              <a:t>O</a:t>
+            </a:r>
+            <a:r>
+              <a:rPr lang="en-US" dirty="0" smtClean="0"/>
+              <a:t>RM</a:t>
             </a:r>
             <a:endParaRPr lang="en-US" dirty="0"/>
           </a:p>
@@ -3452,37 +3637,26 @@
           <a:p>
             <a:r>
               <a:rPr lang="en-US" dirty="0" smtClean="0"/>
-              <a:t>Ported from Java Hibernate</a:t>
-            </a:r>
-          </a:p>
-          <a:p>
-            <a:r>
-              <a:rPr lang="en-US" dirty="0" smtClean="0"/>
-              <a:t>Latest Version: 3.3 (as of April 2013)</a:t>
-            </a:r>
-          </a:p>
-          <a:p>
-            <a:r>
-              <a:rPr lang="en-US" dirty="0" smtClean="0"/>
-              <a:t>Mapping Objects to Relations</a:t>
-            </a:r>
-          </a:p>
-          <a:p>
-            <a:r>
-              <a:rPr lang="en-US" dirty="0" smtClean="0"/>
-              <a:t>Implemented Architectural Ideas of ORM</a:t>
-            </a:r>
-          </a:p>
-          <a:p>
-            <a:r>
-              <a:rPr lang="en-US" dirty="0" smtClean="0"/>
-              <a:t>Quasi-standard of ORM</a:t>
-            </a:r>
-          </a:p>
-          <a:p>
-            <a:endParaRPr lang="en-US" dirty="0" smtClean="0"/>
-          </a:p>
-          <a:p>
+              <a:t>Object Oriented Development</a:t>
+            </a:r>
+          </a:p>
+          <a:p>
+            <a:r>
+              <a:rPr lang="en-US" dirty="0" smtClean="0"/>
+              <a:t>We have objects in our system</a:t>
+            </a:r>
+          </a:p>
+          <a:p>
+            <a:r>
+              <a:rPr lang="en-US" dirty="0" smtClean="0"/>
+              <a:t>Objects are normally graph</a:t>
+            </a:r>
+          </a:p>
+          <a:p>
+            <a:r>
+              <a:rPr lang="en-US" dirty="0" smtClean="0"/>
+              <a:t>Creating of Objects</a:t>
+            </a:r>
             <a:endParaRPr lang="en-US" dirty="0"/>
           </a:p>
         </p:txBody>
@@ -3490,7 +3664,7 @@
     </p:spTree>
     <p:extLst>
       <p:ext uri="{BB962C8B-B14F-4D97-AF65-F5344CB8AC3E}">
-        <p14:creationId xmlns:p14="http://schemas.microsoft.com/office/powerpoint/2010/main" val="4132717108"/>
+        <p14:creationId xmlns:p14="http://schemas.microsoft.com/office/powerpoint/2010/main" val="3615353800"/>
       </p:ext>
     </p:extLst>
   </p:cSld>
@@ -3534,7 +3708,7 @@
           <a:p>
             <a:r>
               <a:rPr lang="en-US" dirty="0" smtClean="0"/>
-              <a:t>Entity Framework</a:t>
+              <a:t>ORM</a:t>
             </a:r>
             <a:endParaRPr lang="en-US" dirty="0"/>
           </a:p>
@@ -3557,36 +3731,45 @@
           <a:p>
             <a:r>
               <a:rPr lang="en-US" dirty="0" smtClean="0"/>
-              <a:t>Me too product</a:t>
-            </a:r>
-          </a:p>
-          <a:p>
-            <a:r>
-              <a:rPr lang="en-US" dirty="0" smtClean="0"/>
-              <a:t>Had very ambitious goals</a:t>
-            </a:r>
-          </a:p>
-          <a:p>
-            <a:r>
-              <a:rPr lang="en-US" dirty="0" smtClean="0"/>
-              <a:t>Failed to deliver even the same features of </a:t>
+              <a:t>ORM is NOT the only way</a:t>
+            </a:r>
+          </a:p>
+          <a:p>
+            <a:pPr lvl="1"/>
+            <a:r>
+              <a:rPr lang="en-US" dirty="0" smtClean="0"/>
+              <a:t>Stored Procedure Mapping</a:t>
+            </a:r>
+          </a:p>
+          <a:p>
+            <a:pPr lvl="1"/>
+            <a:r>
+              <a:rPr lang="en-US" dirty="0" smtClean="0"/>
+              <a:t>Table Data Gateway </a:t>
+            </a:r>
+          </a:p>
+          <a:p>
+            <a:pPr lvl="1"/>
+            <a:r>
+              <a:rPr lang="en-US" dirty="0" smtClean="0"/>
+              <a:t>Row Data Gateway</a:t>
+            </a:r>
+          </a:p>
+          <a:p>
+            <a:pPr lvl="1"/>
+            <a:r>
+              <a:rPr lang="en-US" dirty="0" smtClean="0"/>
+              <a:t>Active Record</a:t>
+            </a:r>
+          </a:p>
+          <a:p>
+            <a:r>
+              <a:rPr lang="en-US" dirty="0" smtClean="0"/>
+              <a:t>Or, why Relational Database? </a:t>
             </a:r>
             <a:r>
               <a:rPr lang="en-US" dirty="0" err="1" smtClean="0"/>
-              <a:t>NHibernate</a:t>
-            </a:r>
-            <a:endParaRPr lang="en-US" dirty="0" smtClean="0"/>
-          </a:p>
-          <a:p>
-            <a:r>
-              <a:rPr lang="en-US" dirty="0" smtClean="0"/>
-              <a:t>Yet, still capture a lot of developer base</a:t>
-            </a:r>
-          </a:p>
-          <a:p>
-            <a:r>
-              <a:rPr lang="en-US" dirty="0" smtClean="0"/>
-              <a:t>However, it’s been gradually improved</a:t>
+              <a:t>NoSQL</a:t>
             </a:r>
             <a:endParaRPr lang="en-US" dirty="0"/>
           </a:p>
@@ -3595,7 +3778,7 @@
     </p:spTree>
     <p:extLst>
       <p:ext uri="{BB962C8B-B14F-4D97-AF65-F5344CB8AC3E}">
-        <p14:creationId xmlns:p14="http://schemas.microsoft.com/office/powerpoint/2010/main" val="355774912"/>
+        <p14:creationId xmlns:p14="http://schemas.microsoft.com/office/powerpoint/2010/main" val="385287127"/>
       </p:ext>
     </p:extLst>
   </p:cSld>
@@ -3638,8 +3821,8 @@
           <a:lstStyle/>
           <a:p>
             <a:r>
-              <a:rPr lang="en-US" dirty="0" smtClean="0"/>
-              <a:t>ORM Architecture Ideas</a:t>
+              <a:rPr lang="en-US" dirty="0" err="1" smtClean="0"/>
+              <a:t>NHibernate</a:t>
             </a:r>
             <a:endParaRPr lang="en-US" dirty="0"/>
           </a:p>
@@ -3657,89 +3840,42 @@
         </p:nvSpPr>
         <p:spPr/>
         <p:txBody>
-          <a:bodyPr>
-            <a:normAutofit fontScale="85000" lnSpcReduction="20000"/>
-          </a:bodyPr>
-          <a:lstStyle/>
-          <a:p>
-            <a:r>
-              <a:rPr lang="en-US" dirty="0" smtClean="0"/>
-              <a:t>Object Mapping</a:t>
-            </a:r>
-          </a:p>
-          <a:p>
-            <a:pPr lvl="1"/>
-            <a:r>
-              <a:rPr lang="en-US" dirty="0" err="1" smtClean="0"/>
-              <a:t>Enum</a:t>
-            </a:r>
-            <a:r>
-              <a:rPr lang="en-US" dirty="0" smtClean="0"/>
-              <a:t> Mapping</a:t>
-            </a:r>
-          </a:p>
-          <a:p>
-            <a:pPr lvl="1"/>
-            <a:r>
-              <a:rPr lang="en-US" dirty="0" smtClean="0"/>
-              <a:t>Embedded Value</a:t>
-            </a:r>
-          </a:p>
-          <a:p>
-            <a:pPr lvl="1"/>
-            <a:r>
-              <a:rPr lang="en-US" dirty="0" smtClean="0"/>
-              <a:t>LOB Serialization</a:t>
-            </a:r>
-          </a:p>
-          <a:p>
-            <a:r>
-              <a:rPr lang="en-US" dirty="0" smtClean="0"/>
-              <a:t>Identity </a:t>
-            </a:r>
-            <a:r>
-              <a:rPr lang="en-US" dirty="0" err="1" smtClean="0"/>
-              <a:t>Managemet</a:t>
-            </a:r>
+          <a:bodyPr/>
+          <a:lstStyle/>
+          <a:p>
+            <a:r>
+              <a:rPr lang="en-US" dirty="0" smtClean="0"/>
+              <a:t>Ported from Java Hibernate</a:t>
+            </a:r>
+          </a:p>
+          <a:p>
+            <a:r>
+              <a:rPr lang="en-US" dirty="0" smtClean="0"/>
+              <a:t>Latest Version: 3.3 (as of April 2013)</a:t>
+            </a:r>
+          </a:p>
+          <a:p>
+            <a:r>
+              <a:rPr lang="en-US" dirty="0" smtClean="0"/>
+              <a:t>Mapping Objects to Relations</a:t>
+            </a:r>
+          </a:p>
+          <a:p>
+            <a:r>
+              <a:rPr lang="en-US" dirty="0" smtClean="0"/>
+              <a:t>Implemented Architectural Ideas of ORM</a:t>
+            </a:r>
+          </a:p>
+          <a:p>
+            <a:r>
+              <a:rPr lang="en-US" dirty="0" smtClean="0"/>
+              <a:t>Quasi-standard of ORM</a:t>
+            </a:r>
+          </a:p>
+          <a:p>
             <a:endParaRPr lang="en-US" dirty="0" smtClean="0"/>
           </a:p>
           <a:p>
-            <a:pPr lvl="1"/>
-            <a:r>
-              <a:rPr lang="en-US" dirty="0" smtClean="0"/>
-              <a:t>Identity Field</a:t>
-            </a:r>
-          </a:p>
-          <a:p>
-            <a:pPr lvl="1"/>
-            <a:r>
-              <a:rPr lang="en-US" dirty="0" smtClean="0"/>
-              <a:t>Identity Mapping</a:t>
-            </a:r>
-          </a:p>
-          <a:p>
-            <a:r>
-              <a:rPr lang="en-US" dirty="0" smtClean="0"/>
-              <a:t>Unit of Work</a:t>
-            </a:r>
-          </a:p>
-          <a:p>
-            <a:r>
-              <a:rPr lang="en-US" dirty="0" smtClean="0"/>
-              <a:t>Lazy/Eager Load</a:t>
-            </a:r>
-          </a:p>
-          <a:p>
-            <a:r>
-              <a:rPr lang="en-US" dirty="0" smtClean="0"/>
-              <a:t>Inheritance Mapping</a:t>
-            </a:r>
-          </a:p>
-          <a:p>
-            <a:r>
-              <a:rPr lang="en-US" dirty="0" smtClean="0"/>
-              <a:t>Repository</a:t>
-            </a:r>
             <a:endParaRPr lang="en-US" dirty="0"/>
           </a:p>
         </p:txBody>
@@ -3747,7 +3883,7 @@
     </p:spTree>
     <p:extLst>
       <p:ext uri="{BB962C8B-B14F-4D97-AF65-F5344CB8AC3E}">
-        <p14:creationId xmlns:p14="http://schemas.microsoft.com/office/powerpoint/2010/main" val="1309587586"/>
+        <p14:creationId xmlns:p14="http://schemas.microsoft.com/office/powerpoint/2010/main" val="4132717108"/>
       </p:ext>
     </p:extLst>
   </p:cSld>
@@ -3790,57 +3926,60 @@
           <a:lstStyle/>
           <a:p>
             <a:r>
+              <a:rPr lang="en-US" dirty="0" smtClean="0"/>
+              <a:t>Entity Framework</a:t>
+            </a:r>
+            <a:endParaRPr lang="en-US" dirty="0"/>
+          </a:p>
+        </p:txBody>
+      </p:sp>
+      <p:sp>
+        <p:nvSpPr>
+          <p:cNvPr id="3" name="Content Placeholder 2"/>
+          <p:cNvSpPr>
+            <a:spLocks noGrp="1"/>
+          </p:cNvSpPr>
+          <p:nvPr>
+            <p:ph idx="1"/>
+          </p:nvPr>
+        </p:nvSpPr>
+        <p:spPr/>
+        <p:txBody>
+          <a:bodyPr/>
+          <a:lstStyle/>
+          <a:p>
+            <a:r>
+              <a:rPr lang="en-US" dirty="0" smtClean="0"/>
+              <a:t>Me too product</a:t>
+            </a:r>
+          </a:p>
+          <a:p>
+            <a:r>
+              <a:rPr lang="en-US" dirty="0" smtClean="0"/>
+              <a:t>Had very ambitious goals</a:t>
+            </a:r>
+          </a:p>
+          <a:p>
+            <a:r>
+              <a:rPr lang="en-US" dirty="0" smtClean="0"/>
+              <a:t>Failed to deliver even the same features of </a:t>
+            </a:r>
+            <a:r>
               <a:rPr lang="en-US" dirty="0" err="1" smtClean="0"/>
               <a:t>NHibernate</a:t>
             </a:r>
-            <a:r>
-              <a:rPr lang="en-US" dirty="0" smtClean="0"/>
-              <a:t> – Architecture Idea</a:t>
-            </a:r>
-            <a:endParaRPr lang="en-US" dirty="0"/>
-          </a:p>
-        </p:txBody>
-      </p:sp>
-      <p:sp>
-        <p:nvSpPr>
-          <p:cNvPr id="3" name="Content Placeholder 2"/>
-          <p:cNvSpPr>
-            <a:spLocks noGrp="1"/>
-          </p:cNvSpPr>
-          <p:nvPr>
-            <p:ph idx="1"/>
-          </p:nvPr>
-        </p:nvSpPr>
-        <p:spPr/>
-        <p:txBody>
-          <a:bodyPr/>
-          <a:lstStyle/>
-          <a:p>
-            <a:r>
-              <a:rPr lang="en-US" smtClean="0"/>
-              <a:t>Configuration</a:t>
-            </a:r>
             <a:endParaRPr lang="en-US" dirty="0" smtClean="0"/>
           </a:p>
           <a:p>
             <a:r>
-              <a:rPr lang="en-US" dirty="0" err="1" smtClean="0"/>
-              <a:t>ISessionFactory</a:t>
-            </a:r>
-            <a:endParaRPr lang="en-US" dirty="0" smtClean="0"/>
-          </a:p>
-          <a:p>
-            <a:r>
-              <a:rPr lang="en-US" dirty="0" err="1" smtClean="0"/>
-              <a:t>ISession</a:t>
-            </a:r>
-            <a:endParaRPr lang="en-US" dirty="0" smtClean="0"/>
-          </a:p>
-          <a:p>
-            <a:pPr lvl="1"/>
-            <a:r>
-              <a:rPr lang="en-US" dirty="0" smtClean="0"/>
-              <a:t>lightweight</a:t>
+              <a:rPr lang="en-US" dirty="0" smtClean="0"/>
+              <a:t>Yet, still capture a lot of developer base</a:t>
+            </a:r>
+          </a:p>
+          <a:p>
+            <a:r>
+              <a:rPr lang="en-US" dirty="0" smtClean="0"/>
+              <a:t>However, it’s been gradually improved</a:t>
             </a:r>
             <a:endParaRPr lang="en-US" dirty="0"/>
           </a:p>
@@ -3849,7 +3988,7 @@
     </p:spTree>
     <p:extLst>
       <p:ext uri="{BB962C8B-B14F-4D97-AF65-F5344CB8AC3E}">
-        <p14:creationId xmlns:p14="http://schemas.microsoft.com/office/powerpoint/2010/main" val="1860968687"/>
+        <p14:creationId xmlns:p14="http://schemas.microsoft.com/office/powerpoint/2010/main" val="355774912"/>
       </p:ext>
     </p:extLst>
   </p:cSld>
@@ -3893,7 +4032,7 @@
           <a:p>
             <a:r>
               <a:rPr lang="en-US" dirty="0" smtClean="0"/>
-              <a:t>EF – Architecture Ideas</a:t>
+              <a:t>ORM Architecture Ideas</a:t>
             </a:r>
             <a:endParaRPr lang="en-US" dirty="0"/>
           </a:p>
@@ -3911,12 +4050,49 @@
         </p:nvSpPr>
         <p:spPr/>
         <p:txBody>
-          <a:bodyPr/>
-          <a:lstStyle/>
-          <a:p>
+          <a:bodyPr>
+            <a:normAutofit fontScale="85000" lnSpcReduction="20000"/>
+          </a:bodyPr>
+          <a:lstStyle/>
+          <a:p>
+            <a:r>
+              <a:rPr lang="en-US" dirty="0" smtClean="0"/>
+              <a:t>Object Mapping</a:t>
+            </a:r>
+          </a:p>
+          <a:p>
+            <a:pPr lvl="1"/>
             <a:r>
               <a:rPr lang="en-US" dirty="0" err="1" smtClean="0"/>
-              <a:t>ObjectContext</a:t>
+              <a:t>Enum</a:t>
+            </a:r>
+            <a:r>
+              <a:rPr lang="en-US" dirty="0" smtClean="0"/>
+              <a:t> Mapping</a:t>
+            </a:r>
+          </a:p>
+          <a:p>
+            <a:pPr lvl="1"/>
+            <a:r>
+              <a:rPr lang="en-US" dirty="0" smtClean="0"/>
+              <a:t>Embedded Value</a:t>
+            </a:r>
+          </a:p>
+          <a:p>
+            <a:pPr lvl="1"/>
+            <a:r>
+              <a:rPr lang="en-US" dirty="0" smtClean="0"/>
+              <a:t>LOB Serialization</a:t>
+            </a:r>
+          </a:p>
+          <a:p>
+            <a:r>
+              <a:rPr lang="en-US" dirty="0" smtClean="0"/>
+              <a:t>Identity </a:t>
+            </a:r>
+            <a:r>
+              <a:rPr lang="en-US" dirty="0" err="1" smtClean="0"/>
+              <a:t>Managemet</a:t>
             </a:r>
             <a:endParaRPr lang="en-US" dirty="0" smtClean="0"/>
           </a:p>
@@ -3924,61 +4100,149 @@
             <a:pPr lvl="1"/>
             <a:r>
               <a:rPr lang="en-US" dirty="0" smtClean="0"/>
-              <a:t>Holds configuration/model</a:t>
+              <a:t>Identity Field</a:t>
             </a:r>
           </a:p>
           <a:p>
             <a:pPr lvl="1"/>
             <a:r>
               <a:rPr lang="en-US" dirty="0" smtClean="0"/>
-              <a:t>Acts like </a:t>
-            </a:r>
-            <a:r>
-              <a:rPr lang="en-US" dirty="0" err="1" smtClean="0"/>
-              <a:t>UnitOfWork</a:t>
-            </a:r>
-            <a:endParaRPr lang="en-US" dirty="0" smtClean="0"/>
-          </a:p>
-          <a:p>
-            <a:r>
-              <a:rPr lang="en-US" dirty="0" err="1" smtClean="0"/>
-              <a:t>DBContext</a:t>
-            </a:r>
-            <a:r>
-              <a:rPr lang="en-US" dirty="0" smtClean="0"/>
-              <a:t>: Wrapper of </a:t>
-            </a:r>
-            <a:r>
-              <a:rPr lang="en-US" dirty="0" err="1" smtClean="0"/>
-              <a:t>ObjectContext</a:t>
-            </a:r>
-            <a:endParaRPr lang="en-US" dirty="0" smtClean="0"/>
-          </a:p>
-          <a:p>
-            <a:pPr lvl="1"/>
-            <a:r>
-              <a:rPr lang="en-US" dirty="0" smtClean="0"/>
-              <a:t>Provides easier API to </a:t>
-            </a:r>
-            <a:r>
-              <a:rPr lang="en-US" dirty="0" err="1" smtClean="0"/>
-              <a:t>ObjectContext</a:t>
-            </a:r>
-            <a:endParaRPr lang="en-US" dirty="0" smtClean="0"/>
-          </a:p>
-          <a:p>
-            <a:pPr lvl="1"/>
-            <a:r>
-              <a:rPr lang="en-US" dirty="0" smtClean="0"/>
-              <a:t>Enables Code First approach</a:t>
-            </a:r>
+              <a:t>Identity Mapping</a:t>
+            </a:r>
+          </a:p>
+          <a:p>
+            <a:r>
+              <a:rPr lang="en-US" dirty="0" smtClean="0"/>
+              <a:t>Unit of Work</a:t>
+            </a:r>
+          </a:p>
+          <a:p>
+            <a:r>
+              <a:rPr lang="en-US" dirty="0" smtClean="0"/>
+              <a:t>Lazy/Eager Load</a:t>
+            </a:r>
+          </a:p>
+          <a:p>
+            <a:r>
+              <a:rPr lang="en-US" dirty="0" smtClean="0"/>
+              <a:t>Inheritance Mapping</a:t>
+            </a:r>
+          </a:p>
+          <a:p>
+            <a:r>
+              <a:rPr lang="en-US" dirty="0" smtClean="0"/>
+              <a:t>Repository</a:t>
+            </a:r>
+            <a:endParaRPr lang="en-US" dirty="0"/>
           </a:p>
         </p:txBody>
       </p:sp>
     </p:spTree>
     <p:extLst>
       <p:ext uri="{BB962C8B-B14F-4D97-AF65-F5344CB8AC3E}">
-        <p14:creationId xmlns:p14="http://schemas.microsoft.com/office/powerpoint/2010/main" val="586397514"/>
+        <p14:creationId xmlns:p14="http://schemas.microsoft.com/office/powerpoint/2010/main" val="1309587586"/>
+      </p:ext>
+    </p:extLst>
+  </p:cSld>
+  <p:clrMapOvr>
+    <a:masterClrMapping/>
+  </p:clrMapOvr>
+</p:sld>
+</file>
+
+<file path=ppt/slides/slide9.xml><?xml version="1.0" encoding="utf-8"?>
+<p:sld xmlns:a="http://schemas.openxmlformats.org/drawingml/2006/main" xmlns:r="http://schemas.openxmlformats.org/officeDocument/2006/relationships" xmlns:p="http://schemas.openxmlformats.org/presentationml/2006/main">
+  <p:cSld>
+    <p:spTree>
+      <p:nvGrpSpPr>
+        <p:cNvPr id="1" name=""/>
+        <p:cNvGrpSpPr/>
+        <p:nvPr/>
+      </p:nvGrpSpPr>
+      <p:grpSpPr>
+        <a:xfrm>
+          <a:off x="0" y="0"/>
+          <a:ext cx="0" cy="0"/>
+          <a:chOff x="0" y="0"/>
+          <a:chExt cx="0" cy="0"/>
+        </a:xfrm>
+      </p:grpSpPr>
+      <p:sp>
+        <p:nvSpPr>
+          <p:cNvPr id="2" name="Title 1"/>
+          <p:cNvSpPr>
+            <a:spLocks noGrp="1"/>
+          </p:cNvSpPr>
+          <p:nvPr>
+            <p:ph type="title"/>
+          </p:nvPr>
+        </p:nvSpPr>
+        <p:spPr/>
+        <p:txBody>
+          <a:bodyPr/>
+          <a:lstStyle/>
+          <a:p>
+            <a:r>
+              <a:rPr lang="en-US" dirty="0" err="1" smtClean="0"/>
+              <a:t>NHibernate</a:t>
+            </a:r>
+            <a:r>
+              <a:rPr lang="en-US" dirty="0" smtClean="0"/>
+              <a:t> – Architecture Idea</a:t>
+            </a:r>
+            <a:endParaRPr lang="en-US" dirty="0"/>
+          </a:p>
+        </p:txBody>
+      </p:sp>
+      <p:sp>
+        <p:nvSpPr>
+          <p:cNvPr id="3" name="Content Placeholder 2"/>
+          <p:cNvSpPr>
+            <a:spLocks noGrp="1"/>
+          </p:cNvSpPr>
+          <p:nvPr>
+            <p:ph idx="1"/>
+          </p:nvPr>
+        </p:nvSpPr>
+        <p:spPr/>
+        <p:txBody>
+          <a:bodyPr/>
+          <a:lstStyle/>
+          <a:p>
+            <a:r>
+              <a:rPr lang="en-US" smtClean="0"/>
+              <a:t>Configuration</a:t>
+            </a:r>
+            <a:endParaRPr lang="en-US" dirty="0" smtClean="0"/>
+          </a:p>
+          <a:p>
+            <a:r>
+              <a:rPr lang="en-US" dirty="0" err="1" smtClean="0"/>
+              <a:t>ISessionFactory</a:t>
+            </a:r>
+            <a:endParaRPr lang="en-US" dirty="0" smtClean="0"/>
+          </a:p>
+          <a:p>
+            <a:r>
+              <a:rPr lang="en-US" dirty="0" err="1" smtClean="0"/>
+              <a:t>ISession</a:t>
+            </a:r>
+            <a:endParaRPr lang="en-US" dirty="0" smtClean="0"/>
+          </a:p>
+          <a:p>
+            <a:pPr lvl="1"/>
+            <a:r>
+              <a:rPr lang="en-US" dirty="0" smtClean="0"/>
+              <a:t>lightweight</a:t>
+            </a:r>
+            <a:endParaRPr lang="en-US" dirty="0"/>
+          </a:p>
+        </p:txBody>
+      </p:sp>
+    </p:spTree>
+    <p:extLst>
+      <p:ext uri="{BB962C8B-B14F-4D97-AF65-F5344CB8AC3E}">
+        <p14:creationId xmlns:p14="http://schemas.microsoft.com/office/powerpoint/2010/main" val="1860968687"/>
       </p:ext>
     </p:extLst>
   </p:cSld>

--- a/Data Access Framework.pptx
+++ b/Data Access Framework.pptx
@@ -8,13 +8,15 @@
     <p:sldId id="256" r:id="rId2"/>
     <p:sldId id="257" r:id="rId3"/>
     <p:sldId id="264" r:id="rId4"/>
-    <p:sldId id="265" r:id="rId5"/>
-    <p:sldId id="261" r:id="rId6"/>
-    <p:sldId id="258" r:id="rId7"/>
-    <p:sldId id="259" r:id="rId8"/>
-    <p:sldId id="260" r:id="rId9"/>
-    <p:sldId id="262" r:id="rId10"/>
-    <p:sldId id="263" r:id="rId11"/>
+    <p:sldId id="267" r:id="rId5"/>
+    <p:sldId id="266" r:id="rId6"/>
+    <p:sldId id="265" r:id="rId7"/>
+    <p:sldId id="261" r:id="rId8"/>
+    <p:sldId id="258" r:id="rId9"/>
+    <p:sldId id="259" r:id="rId10"/>
+    <p:sldId id="260" r:id="rId11"/>
+    <p:sldId id="262" r:id="rId12"/>
+    <p:sldId id="263" r:id="rId13"/>
   </p:sldIdLst>
   <p:sldSz cx="9144000" cy="6858000" type="screen4x3"/>
   <p:notesSz cx="6858000" cy="9144000"/>
@@ -3203,6 +3205,260 @@
           <a:p>
             <a:r>
               <a:rPr lang="en-US" dirty="0" smtClean="0"/>
+              <a:t>ORM Architecture Ideas</a:t>
+            </a:r>
+            <a:endParaRPr lang="en-US" dirty="0"/>
+          </a:p>
+        </p:txBody>
+      </p:sp>
+      <p:sp>
+        <p:nvSpPr>
+          <p:cNvPr id="3" name="Content Placeholder 2"/>
+          <p:cNvSpPr>
+            <a:spLocks noGrp="1"/>
+          </p:cNvSpPr>
+          <p:nvPr>
+            <p:ph idx="1"/>
+          </p:nvPr>
+        </p:nvSpPr>
+        <p:spPr/>
+        <p:txBody>
+          <a:bodyPr>
+            <a:normAutofit fontScale="85000" lnSpcReduction="20000"/>
+          </a:bodyPr>
+          <a:lstStyle/>
+          <a:p>
+            <a:r>
+              <a:rPr lang="en-US" dirty="0" smtClean="0"/>
+              <a:t>Object Mapping</a:t>
+            </a:r>
+          </a:p>
+          <a:p>
+            <a:pPr lvl="1"/>
+            <a:r>
+              <a:rPr lang="en-US" dirty="0" err="1" smtClean="0"/>
+              <a:t>Enum</a:t>
+            </a:r>
+            <a:r>
+              <a:rPr lang="en-US" dirty="0" smtClean="0"/>
+              <a:t> Mapping</a:t>
+            </a:r>
+          </a:p>
+          <a:p>
+            <a:pPr lvl="1"/>
+            <a:r>
+              <a:rPr lang="en-US" dirty="0" smtClean="0"/>
+              <a:t>Embedded Value</a:t>
+            </a:r>
+          </a:p>
+          <a:p>
+            <a:pPr lvl="1"/>
+            <a:r>
+              <a:rPr lang="en-US" dirty="0" smtClean="0"/>
+              <a:t>LOB Serialization</a:t>
+            </a:r>
+          </a:p>
+          <a:p>
+            <a:r>
+              <a:rPr lang="en-US" dirty="0" smtClean="0"/>
+              <a:t>Identity </a:t>
+            </a:r>
+            <a:r>
+              <a:rPr lang="en-US" dirty="0" err="1" smtClean="0"/>
+              <a:t>Managemet</a:t>
+            </a:r>
+            <a:endParaRPr lang="en-US" dirty="0" smtClean="0"/>
+          </a:p>
+          <a:p>
+            <a:pPr lvl="1"/>
+            <a:r>
+              <a:rPr lang="en-US" dirty="0" smtClean="0"/>
+              <a:t>Identity Field</a:t>
+            </a:r>
+          </a:p>
+          <a:p>
+            <a:pPr lvl="1"/>
+            <a:r>
+              <a:rPr lang="en-US" dirty="0" smtClean="0"/>
+              <a:t>Identity Mapping</a:t>
+            </a:r>
+          </a:p>
+          <a:p>
+            <a:r>
+              <a:rPr lang="en-US" dirty="0" smtClean="0"/>
+              <a:t>Unit of Work</a:t>
+            </a:r>
+          </a:p>
+          <a:p>
+            <a:r>
+              <a:rPr lang="en-US" dirty="0" smtClean="0"/>
+              <a:t>Lazy/Eager Load</a:t>
+            </a:r>
+          </a:p>
+          <a:p>
+            <a:r>
+              <a:rPr lang="en-US" dirty="0" smtClean="0"/>
+              <a:t>Inheritance Mapping</a:t>
+            </a:r>
+          </a:p>
+          <a:p>
+            <a:r>
+              <a:rPr lang="en-US" dirty="0" smtClean="0"/>
+              <a:t>Repository</a:t>
+            </a:r>
+            <a:endParaRPr lang="en-US" dirty="0"/>
+          </a:p>
+        </p:txBody>
+      </p:sp>
+    </p:spTree>
+    <p:extLst>
+      <p:ext uri="{BB962C8B-B14F-4D97-AF65-F5344CB8AC3E}">
+        <p14:creationId xmlns:p14="http://schemas.microsoft.com/office/powerpoint/2010/main" val="1309587586"/>
+      </p:ext>
+    </p:extLst>
+  </p:cSld>
+  <p:clrMapOvr>
+    <a:masterClrMapping/>
+  </p:clrMapOvr>
+</p:sld>
+</file>
+
+<file path=ppt/slides/slide11.xml><?xml version="1.0" encoding="utf-8"?>
+<p:sld xmlns:a="http://schemas.openxmlformats.org/drawingml/2006/main" xmlns:r="http://schemas.openxmlformats.org/officeDocument/2006/relationships" xmlns:p="http://schemas.openxmlformats.org/presentationml/2006/main">
+  <p:cSld>
+    <p:spTree>
+      <p:nvGrpSpPr>
+        <p:cNvPr id="1" name=""/>
+        <p:cNvGrpSpPr/>
+        <p:nvPr/>
+      </p:nvGrpSpPr>
+      <p:grpSpPr>
+        <a:xfrm>
+          <a:off x="0" y="0"/>
+          <a:ext cx="0" cy="0"/>
+          <a:chOff x="0" y="0"/>
+          <a:chExt cx="0" cy="0"/>
+        </a:xfrm>
+      </p:grpSpPr>
+      <p:sp>
+        <p:nvSpPr>
+          <p:cNvPr id="2" name="Title 1"/>
+          <p:cNvSpPr>
+            <a:spLocks noGrp="1"/>
+          </p:cNvSpPr>
+          <p:nvPr>
+            <p:ph type="title"/>
+          </p:nvPr>
+        </p:nvSpPr>
+        <p:spPr/>
+        <p:txBody>
+          <a:bodyPr/>
+          <a:lstStyle/>
+          <a:p>
+            <a:r>
+              <a:rPr lang="en-US" dirty="0" err="1" smtClean="0"/>
+              <a:t>NHibernate</a:t>
+            </a:r>
+            <a:r>
+              <a:rPr lang="en-US" dirty="0" smtClean="0"/>
+              <a:t> – Architecture Idea</a:t>
+            </a:r>
+            <a:endParaRPr lang="en-US" dirty="0"/>
+          </a:p>
+        </p:txBody>
+      </p:sp>
+      <p:sp>
+        <p:nvSpPr>
+          <p:cNvPr id="3" name="Content Placeholder 2"/>
+          <p:cNvSpPr>
+            <a:spLocks noGrp="1"/>
+          </p:cNvSpPr>
+          <p:nvPr>
+            <p:ph idx="1"/>
+          </p:nvPr>
+        </p:nvSpPr>
+        <p:spPr/>
+        <p:txBody>
+          <a:bodyPr/>
+          <a:lstStyle/>
+          <a:p>
+            <a:r>
+              <a:rPr lang="en-US" smtClean="0"/>
+              <a:t>Configuration</a:t>
+            </a:r>
+            <a:endParaRPr lang="en-US" dirty="0" smtClean="0"/>
+          </a:p>
+          <a:p>
+            <a:r>
+              <a:rPr lang="en-US" dirty="0" err="1" smtClean="0"/>
+              <a:t>ISessionFactory</a:t>
+            </a:r>
+            <a:endParaRPr lang="en-US" dirty="0" smtClean="0"/>
+          </a:p>
+          <a:p>
+            <a:r>
+              <a:rPr lang="en-US" dirty="0" err="1" smtClean="0"/>
+              <a:t>ISession</a:t>
+            </a:r>
+            <a:endParaRPr lang="en-US" dirty="0" smtClean="0"/>
+          </a:p>
+          <a:p>
+            <a:pPr lvl="1"/>
+            <a:r>
+              <a:rPr lang="en-US" dirty="0" smtClean="0"/>
+              <a:t>lightweight</a:t>
+            </a:r>
+            <a:endParaRPr lang="en-US" dirty="0"/>
+          </a:p>
+        </p:txBody>
+      </p:sp>
+    </p:spTree>
+    <p:extLst>
+      <p:ext uri="{BB962C8B-B14F-4D97-AF65-F5344CB8AC3E}">
+        <p14:creationId xmlns:p14="http://schemas.microsoft.com/office/powerpoint/2010/main" val="1860968687"/>
+      </p:ext>
+    </p:extLst>
+  </p:cSld>
+  <p:clrMapOvr>
+    <a:masterClrMapping/>
+  </p:clrMapOvr>
+</p:sld>
+</file>
+
+<file path=ppt/slides/slide12.xml><?xml version="1.0" encoding="utf-8"?>
+<p:sld xmlns:a="http://schemas.openxmlformats.org/drawingml/2006/main" xmlns:r="http://schemas.openxmlformats.org/officeDocument/2006/relationships" xmlns:p="http://schemas.openxmlformats.org/presentationml/2006/main">
+  <p:cSld>
+    <p:spTree>
+      <p:nvGrpSpPr>
+        <p:cNvPr id="1" name=""/>
+        <p:cNvGrpSpPr/>
+        <p:nvPr/>
+      </p:nvGrpSpPr>
+      <p:grpSpPr>
+        <a:xfrm>
+          <a:off x="0" y="0"/>
+          <a:ext cx="0" cy="0"/>
+          <a:chOff x="0" y="0"/>
+          <a:chExt cx="0" cy="0"/>
+        </a:xfrm>
+      </p:grpSpPr>
+      <p:sp>
+        <p:nvSpPr>
+          <p:cNvPr id="2" name="Title 1"/>
+          <p:cNvSpPr>
+            <a:spLocks noGrp="1"/>
+          </p:cNvSpPr>
+          <p:nvPr>
+            <p:ph type="title"/>
+          </p:nvPr>
+        </p:nvSpPr>
+        <p:spPr/>
+        <p:txBody>
+          <a:bodyPr/>
+          <a:lstStyle/>
+          <a:p>
+            <a:r>
+              <a:rPr lang="en-US" dirty="0" smtClean="0"/>
               <a:t>EF – Architecture Ideas</a:t>
             </a:r>
             <a:endParaRPr lang="en-US" dirty="0"/>
@@ -3446,7 +3702,11 @@
           <a:p>
             <a:r>
               <a:rPr lang="en-US" dirty="0" smtClean="0"/>
-              <a:t>Data Access Frame</a:t>
+              <a:t>Data Access </a:t>
+            </a:r>
+            <a:r>
+              <a:rPr lang="en-US" dirty="0" smtClean="0"/>
+              <a:t>Framework</a:t>
             </a:r>
             <a:endParaRPr lang="en-US" dirty="0"/>
           </a:p>
@@ -3604,19 +3864,7 @@
           <a:bodyPr/>
           <a:lstStyle/>
           <a:p>
-            <a:r>
-              <a:rPr lang="en-US" dirty="0" smtClean="0">
-                <a:solidFill>
-                  <a:srgbClr val="FF0000"/>
-                </a:solidFill>
-              </a:rPr>
-              <a:t>O</a:t>
-            </a:r>
-            <a:r>
-              <a:rPr lang="en-US" dirty="0" smtClean="0"/>
-              <a:t>RM</a:t>
-            </a:r>
-            <a:endParaRPr lang="en-US" dirty="0"/>
+            <a:endParaRPr lang="en-US"/>
           </a:p>
         </p:txBody>
       </p:sp>
@@ -3635,36 +3883,14 @@
           <a:bodyPr/>
           <a:lstStyle/>
           <a:p>
-            <a:r>
-              <a:rPr lang="en-US" dirty="0" smtClean="0"/>
-              <a:t>Object Oriented Development</a:t>
-            </a:r>
-          </a:p>
-          <a:p>
-            <a:r>
-              <a:rPr lang="en-US" dirty="0" smtClean="0"/>
-              <a:t>We have objects in our system</a:t>
-            </a:r>
-          </a:p>
-          <a:p>
-            <a:r>
-              <a:rPr lang="en-US" dirty="0" smtClean="0"/>
-              <a:t>Objects are normally graph</a:t>
-            </a:r>
-          </a:p>
-          <a:p>
-            <a:r>
-              <a:rPr lang="en-US" dirty="0" smtClean="0"/>
-              <a:t>Creating of Objects</a:t>
-            </a:r>
-            <a:endParaRPr lang="en-US" dirty="0"/>
+            <a:endParaRPr lang="en-US"/>
           </a:p>
         </p:txBody>
       </p:sp>
     </p:spTree>
     <p:extLst>
       <p:ext uri="{BB962C8B-B14F-4D97-AF65-F5344CB8AC3E}">
-        <p14:creationId xmlns:p14="http://schemas.microsoft.com/office/powerpoint/2010/main" val="3615353800"/>
+        <p14:creationId xmlns:p14="http://schemas.microsoft.com/office/powerpoint/2010/main" val="1767043178"/>
       </p:ext>
     </p:extLst>
   </p:cSld>
@@ -3708,7 +3934,7 @@
           <a:p>
             <a:r>
               <a:rPr lang="en-US" dirty="0" smtClean="0"/>
-              <a:t>ORM</a:t>
+              <a:t>Pre-ORM</a:t>
             </a:r>
             <a:endParaRPr lang="en-US" dirty="0"/>
           </a:p>
@@ -3731,45 +3957,32 @@
           <a:p>
             <a:r>
               <a:rPr lang="en-US" dirty="0" smtClean="0"/>
-              <a:t>ORM is NOT the only way</a:t>
-            </a:r>
-          </a:p>
-          <a:p>
-            <a:pPr lvl="1"/>
-            <a:r>
-              <a:rPr lang="en-US" dirty="0" smtClean="0"/>
-              <a:t>Stored Procedure Mapping</a:t>
-            </a:r>
-          </a:p>
-          <a:p>
-            <a:pPr lvl="1"/>
-            <a:r>
-              <a:rPr lang="en-US" dirty="0" smtClean="0"/>
-              <a:t>Table Data Gateway </a:t>
-            </a:r>
-          </a:p>
-          <a:p>
-            <a:pPr lvl="1"/>
-            <a:r>
-              <a:rPr lang="en-US" dirty="0" smtClean="0"/>
-              <a:t>Row Data Gateway</a:t>
-            </a:r>
-          </a:p>
-          <a:p>
-            <a:pPr lvl="1"/>
-            <a:r>
-              <a:rPr lang="en-US" dirty="0" smtClean="0"/>
-              <a:t>Active Record</a:t>
-            </a:r>
-          </a:p>
-          <a:p>
-            <a:r>
-              <a:rPr lang="en-US" dirty="0" smtClean="0"/>
-              <a:t>Or, why Relational Database? </a:t>
-            </a:r>
-            <a:r>
-              <a:rPr lang="en-US" dirty="0" err="1" smtClean="0"/>
-              <a:t>NoSQL</a:t>
+              <a:t>Call stored procedure or direct SQL, receive data in rows </a:t>
+            </a:r>
+          </a:p>
+          <a:p>
+            <a:r>
+              <a:rPr lang="en-US" dirty="0" smtClean="0"/>
+              <a:t>Loop through the rows, manually populate objects using the data in each row</a:t>
+            </a:r>
+          </a:p>
+          <a:p>
+            <a:r>
+              <a:rPr lang="en-US" dirty="0" smtClean="0"/>
+              <a:t>Nothing wrong</a:t>
+            </a:r>
+          </a:p>
+          <a:p>
+            <a:r>
+              <a:rPr lang="en-US" dirty="0" smtClean="0"/>
+              <a:t>Just tedious and easy to become inconsistent</a:t>
+            </a:r>
+            <a:br>
+              <a:rPr lang="en-US" dirty="0" smtClean="0"/>
+            </a:br>
+            <a:r>
+              <a:rPr lang="en-US" dirty="0" smtClean="0"/>
+              <a:t>(same type of object populated by different stored-procedures)</a:t>
             </a:r>
             <a:endParaRPr lang="en-US" dirty="0"/>
           </a:p>
@@ -3778,7 +3991,7 @@
     </p:spTree>
     <p:extLst>
       <p:ext uri="{BB962C8B-B14F-4D97-AF65-F5344CB8AC3E}">
-        <p14:creationId xmlns:p14="http://schemas.microsoft.com/office/powerpoint/2010/main" val="385287127"/>
+        <p14:creationId xmlns:p14="http://schemas.microsoft.com/office/powerpoint/2010/main" val="1121183573"/>
       </p:ext>
     </p:extLst>
   </p:cSld>
@@ -3821,8 +4034,16 @@
           <a:lstStyle/>
           <a:p>
             <a:r>
-              <a:rPr lang="en-US" dirty="0" err="1" smtClean="0"/>
-              <a:t>NHibernate</a:t>
+              <a:rPr lang="en-US" dirty="0" smtClean="0">
+                <a:solidFill>
+                  <a:srgbClr val="FF0000"/>
+                </a:solidFill>
+              </a:rPr>
+              <a:t>O</a:t>
+            </a:r>
+            <a:r>
+              <a:rPr lang="en-US" dirty="0" smtClean="0"/>
+              <a:t>RM</a:t>
             </a:r>
             <a:endParaRPr lang="en-US" dirty="0"/>
           </a:p>
@@ -3845,37 +4066,26 @@
           <a:p>
             <a:r>
               <a:rPr lang="en-US" dirty="0" smtClean="0"/>
-              <a:t>Ported from Java Hibernate</a:t>
-            </a:r>
-          </a:p>
-          <a:p>
-            <a:r>
-              <a:rPr lang="en-US" dirty="0" smtClean="0"/>
-              <a:t>Latest Version: 3.3 (as of April 2013)</a:t>
-            </a:r>
-          </a:p>
-          <a:p>
-            <a:r>
-              <a:rPr lang="en-US" dirty="0" smtClean="0"/>
-              <a:t>Mapping Objects to Relations</a:t>
-            </a:r>
-          </a:p>
-          <a:p>
-            <a:r>
-              <a:rPr lang="en-US" dirty="0" smtClean="0"/>
-              <a:t>Implemented Architectural Ideas of ORM</a:t>
-            </a:r>
-          </a:p>
-          <a:p>
-            <a:r>
-              <a:rPr lang="en-US" dirty="0" smtClean="0"/>
-              <a:t>Quasi-standard of ORM</a:t>
-            </a:r>
-          </a:p>
-          <a:p>
-            <a:endParaRPr lang="en-US" dirty="0" smtClean="0"/>
-          </a:p>
-          <a:p>
+              <a:t>Object Oriented Development</a:t>
+            </a:r>
+          </a:p>
+          <a:p>
+            <a:r>
+              <a:rPr lang="en-US" dirty="0" smtClean="0"/>
+              <a:t>We have objects in our system</a:t>
+            </a:r>
+          </a:p>
+          <a:p>
+            <a:r>
+              <a:rPr lang="en-US" dirty="0" smtClean="0"/>
+              <a:t>Objects are normally graph</a:t>
+            </a:r>
+          </a:p>
+          <a:p>
+            <a:r>
+              <a:rPr lang="en-US" dirty="0" smtClean="0"/>
+              <a:t>Creating of Objects</a:t>
+            </a:r>
             <a:endParaRPr lang="en-US" dirty="0"/>
           </a:p>
         </p:txBody>
@@ -3883,7 +4093,7 @@
     </p:spTree>
     <p:extLst>
       <p:ext uri="{BB962C8B-B14F-4D97-AF65-F5344CB8AC3E}">
-        <p14:creationId xmlns:p14="http://schemas.microsoft.com/office/powerpoint/2010/main" val="4132717108"/>
+        <p14:creationId xmlns:p14="http://schemas.microsoft.com/office/powerpoint/2010/main" val="3615353800"/>
       </p:ext>
     </p:extLst>
   </p:cSld>
@@ -3927,7 +4137,7 @@
           <a:p>
             <a:r>
               <a:rPr lang="en-US" dirty="0" smtClean="0"/>
-              <a:t>Entity Framework</a:t>
+              <a:t>ORM</a:t>
             </a:r>
             <a:endParaRPr lang="en-US" dirty="0"/>
           </a:p>
@@ -3950,36 +4160,45 @@
           <a:p>
             <a:r>
               <a:rPr lang="en-US" dirty="0" smtClean="0"/>
-              <a:t>Me too product</a:t>
-            </a:r>
-          </a:p>
-          <a:p>
-            <a:r>
-              <a:rPr lang="en-US" dirty="0" smtClean="0"/>
-              <a:t>Had very ambitious goals</a:t>
-            </a:r>
-          </a:p>
-          <a:p>
-            <a:r>
-              <a:rPr lang="en-US" dirty="0" smtClean="0"/>
-              <a:t>Failed to deliver even the same features of </a:t>
+              <a:t>ORM is NOT the only way</a:t>
+            </a:r>
+          </a:p>
+          <a:p>
+            <a:pPr lvl="1"/>
+            <a:r>
+              <a:rPr lang="en-US" dirty="0" smtClean="0"/>
+              <a:t>Stored Procedure Mapping</a:t>
+            </a:r>
+          </a:p>
+          <a:p>
+            <a:pPr lvl="1"/>
+            <a:r>
+              <a:rPr lang="en-US" dirty="0" smtClean="0"/>
+              <a:t>Table Data Gateway </a:t>
+            </a:r>
+          </a:p>
+          <a:p>
+            <a:pPr lvl="1"/>
+            <a:r>
+              <a:rPr lang="en-US" dirty="0" smtClean="0"/>
+              <a:t>Row Data Gateway</a:t>
+            </a:r>
+          </a:p>
+          <a:p>
+            <a:pPr lvl="1"/>
+            <a:r>
+              <a:rPr lang="en-US" dirty="0" smtClean="0"/>
+              <a:t>Active Record</a:t>
+            </a:r>
+          </a:p>
+          <a:p>
+            <a:r>
+              <a:rPr lang="en-US" dirty="0" smtClean="0"/>
+              <a:t>Or, why Relational Database? </a:t>
             </a:r>
             <a:r>
               <a:rPr lang="en-US" dirty="0" err="1" smtClean="0"/>
-              <a:t>NHibernate</a:t>
-            </a:r>
-            <a:endParaRPr lang="en-US" dirty="0" smtClean="0"/>
-          </a:p>
-          <a:p>
-            <a:r>
-              <a:rPr lang="en-US" dirty="0" smtClean="0"/>
-              <a:t>Yet, still capture a lot of developer base</a:t>
-            </a:r>
-          </a:p>
-          <a:p>
-            <a:r>
-              <a:rPr lang="en-US" dirty="0" smtClean="0"/>
-              <a:t>However, it’s been gradually improved</a:t>
+              <a:t>NoSQL</a:t>
             </a:r>
             <a:endParaRPr lang="en-US" dirty="0"/>
           </a:p>
@@ -3988,7 +4207,7 @@
     </p:spTree>
     <p:extLst>
       <p:ext uri="{BB962C8B-B14F-4D97-AF65-F5344CB8AC3E}">
-        <p14:creationId xmlns:p14="http://schemas.microsoft.com/office/powerpoint/2010/main" val="355774912"/>
+        <p14:creationId xmlns:p14="http://schemas.microsoft.com/office/powerpoint/2010/main" val="385287127"/>
       </p:ext>
     </p:extLst>
   </p:cSld>
@@ -4031,8 +4250,8 @@
           <a:lstStyle/>
           <a:p>
             <a:r>
-              <a:rPr lang="en-US" dirty="0" smtClean="0"/>
-              <a:t>ORM Architecture Ideas</a:t>
+              <a:rPr lang="en-US" dirty="0" err="1" smtClean="0"/>
+              <a:t>NHibernate</a:t>
             </a:r>
             <a:endParaRPr lang="en-US" dirty="0"/>
           </a:p>
@@ -4050,89 +4269,42 @@
         </p:nvSpPr>
         <p:spPr/>
         <p:txBody>
-          <a:bodyPr>
-            <a:normAutofit fontScale="85000" lnSpcReduction="20000"/>
-          </a:bodyPr>
-          <a:lstStyle/>
-          <a:p>
-            <a:r>
-              <a:rPr lang="en-US" dirty="0" smtClean="0"/>
-              <a:t>Object Mapping</a:t>
-            </a:r>
-          </a:p>
-          <a:p>
-            <a:pPr lvl="1"/>
-            <a:r>
-              <a:rPr lang="en-US" dirty="0" err="1" smtClean="0"/>
-              <a:t>Enum</a:t>
-            </a:r>
-            <a:r>
-              <a:rPr lang="en-US" dirty="0" smtClean="0"/>
-              <a:t> Mapping</a:t>
-            </a:r>
-          </a:p>
-          <a:p>
-            <a:pPr lvl="1"/>
-            <a:r>
-              <a:rPr lang="en-US" dirty="0" smtClean="0"/>
-              <a:t>Embedded Value</a:t>
-            </a:r>
-          </a:p>
-          <a:p>
-            <a:pPr lvl="1"/>
-            <a:r>
-              <a:rPr lang="en-US" dirty="0" smtClean="0"/>
-              <a:t>LOB Serialization</a:t>
-            </a:r>
-          </a:p>
-          <a:p>
-            <a:r>
-              <a:rPr lang="en-US" dirty="0" smtClean="0"/>
-              <a:t>Identity </a:t>
-            </a:r>
-            <a:r>
-              <a:rPr lang="en-US" dirty="0" err="1" smtClean="0"/>
-              <a:t>Managemet</a:t>
-            </a:r>
+          <a:bodyPr/>
+          <a:lstStyle/>
+          <a:p>
+            <a:r>
+              <a:rPr lang="en-US" dirty="0" smtClean="0"/>
+              <a:t>Ported from Java Hibernate</a:t>
+            </a:r>
+          </a:p>
+          <a:p>
+            <a:r>
+              <a:rPr lang="en-US" dirty="0" smtClean="0"/>
+              <a:t>Latest Version: 3.3 (as of April 2013)</a:t>
+            </a:r>
+          </a:p>
+          <a:p>
+            <a:r>
+              <a:rPr lang="en-US" dirty="0" smtClean="0"/>
+              <a:t>Mapping Objects to Relations</a:t>
+            </a:r>
+          </a:p>
+          <a:p>
+            <a:r>
+              <a:rPr lang="en-US" dirty="0" smtClean="0"/>
+              <a:t>Implemented Architectural Ideas of ORM</a:t>
+            </a:r>
+          </a:p>
+          <a:p>
+            <a:r>
+              <a:rPr lang="en-US" dirty="0" smtClean="0"/>
+              <a:t>Quasi-standard of ORM</a:t>
+            </a:r>
+          </a:p>
+          <a:p>
             <a:endParaRPr lang="en-US" dirty="0" smtClean="0"/>
           </a:p>
           <a:p>
-            <a:pPr lvl="1"/>
-            <a:r>
-              <a:rPr lang="en-US" dirty="0" smtClean="0"/>
-              <a:t>Identity Field</a:t>
-            </a:r>
-          </a:p>
-          <a:p>
-            <a:pPr lvl="1"/>
-            <a:r>
-              <a:rPr lang="en-US" dirty="0" smtClean="0"/>
-              <a:t>Identity Mapping</a:t>
-            </a:r>
-          </a:p>
-          <a:p>
-            <a:r>
-              <a:rPr lang="en-US" dirty="0" smtClean="0"/>
-              <a:t>Unit of Work</a:t>
-            </a:r>
-          </a:p>
-          <a:p>
-            <a:r>
-              <a:rPr lang="en-US" dirty="0" smtClean="0"/>
-              <a:t>Lazy/Eager Load</a:t>
-            </a:r>
-          </a:p>
-          <a:p>
-            <a:r>
-              <a:rPr lang="en-US" dirty="0" smtClean="0"/>
-              <a:t>Inheritance Mapping</a:t>
-            </a:r>
-          </a:p>
-          <a:p>
-            <a:r>
-              <a:rPr lang="en-US" dirty="0" smtClean="0"/>
-              <a:t>Repository</a:t>
-            </a:r>
             <a:endParaRPr lang="en-US" dirty="0"/>
           </a:p>
         </p:txBody>
@@ -4140,7 +4312,7 @@
     </p:spTree>
     <p:extLst>
       <p:ext uri="{BB962C8B-B14F-4D97-AF65-F5344CB8AC3E}">
-        <p14:creationId xmlns:p14="http://schemas.microsoft.com/office/powerpoint/2010/main" val="1309587586"/>
+        <p14:creationId xmlns:p14="http://schemas.microsoft.com/office/powerpoint/2010/main" val="4132717108"/>
       </p:ext>
     </p:extLst>
   </p:cSld>
@@ -4183,57 +4355,60 @@
           <a:lstStyle/>
           <a:p>
             <a:r>
+              <a:rPr lang="en-US" dirty="0" smtClean="0"/>
+              <a:t>Entity Framework</a:t>
+            </a:r>
+            <a:endParaRPr lang="en-US" dirty="0"/>
+          </a:p>
+        </p:txBody>
+      </p:sp>
+      <p:sp>
+        <p:nvSpPr>
+          <p:cNvPr id="3" name="Content Placeholder 2"/>
+          <p:cNvSpPr>
+            <a:spLocks noGrp="1"/>
+          </p:cNvSpPr>
+          <p:nvPr>
+            <p:ph idx="1"/>
+          </p:nvPr>
+        </p:nvSpPr>
+        <p:spPr/>
+        <p:txBody>
+          <a:bodyPr/>
+          <a:lstStyle/>
+          <a:p>
+            <a:r>
+              <a:rPr lang="en-US" dirty="0" smtClean="0"/>
+              <a:t>Me too product</a:t>
+            </a:r>
+          </a:p>
+          <a:p>
+            <a:r>
+              <a:rPr lang="en-US" dirty="0" smtClean="0"/>
+              <a:t>Had very ambitious goals</a:t>
+            </a:r>
+          </a:p>
+          <a:p>
+            <a:r>
+              <a:rPr lang="en-US" dirty="0" smtClean="0"/>
+              <a:t>Failed to deliver even the same features of </a:t>
+            </a:r>
+            <a:r>
               <a:rPr lang="en-US" dirty="0" err="1" smtClean="0"/>
               <a:t>NHibernate</a:t>
             </a:r>
-            <a:r>
-              <a:rPr lang="en-US" dirty="0" smtClean="0"/>
-              <a:t> – Architecture Idea</a:t>
-            </a:r>
-            <a:endParaRPr lang="en-US" dirty="0"/>
-          </a:p>
-        </p:txBody>
-      </p:sp>
-      <p:sp>
-        <p:nvSpPr>
-          <p:cNvPr id="3" name="Content Placeholder 2"/>
-          <p:cNvSpPr>
-            <a:spLocks noGrp="1"/>
-          </p:cNvSpPr>
-          <p:nvPr>
-            <p:ph idx="1"/>
-          </p:nvPr>
-        </p:nvSpPr>
-        <p:spPr/>
-        <p:txBody>
-          <a:bodyPr/>
-          <a:lstStyle/>
-          <a:p>
-            <a:r>
-              <a:rPr lang="en-US" smtClean="0"/>
-              <a:t>Configuration</a:t>
-            </a:r>
             <a:endParaRPr lang="en-US" dirty="0" smtClean="0"/>
           </a:p>
           <a:p>
             <a:r>
-              <a:rPr lang="en-US" dirty="0" err="1" smtClean="0"/>
-              <a:t>ISessionFactory</a:t>
-            </a:r>
-            <a:endParaRPr lang="en-US" dirty="0" smtClean="0"/>
-          </a:p>
-          <a:p>
-            <a:r>
-              <a:rPr lang="en-US" dirty="0" err="1" smtClean="0"/>
-              <a:t>ISession</a:t>
-            </a:r>
-            <a:endParaRPr lang="en-US" dirty="0" smtClean="0"/>
-          </a:p>
-          <a:p>
-            <a:pPr lvl="1"/>
-            <a:r>
-              <a:rPr lang="en-US" dirty="0" smtClean="0"/>
-              <a:t>lightweight</a:t>
+              <a:rPr lang="en-US" dirty="0" smtClean="0"/>
+              <a:t>Yet, still capture a lot of developer base</a:t>
+            </a:r>
+          </a:p>
+          <a:p>
+            <a:r>
+              <a:rPr lang="en-US" dirty="0" smtClean="0"/>
+              <a:t>However, it’s been gradually improved</a:t>
             </a:r>
             <a:endParaRPr lang="en-US" dirty="0"/>
           </a:p>
@@ -4242,7 +4417,7 @@
     </p:spTree>
     <p:extLst>
       <p:ext uri="{BB962C8B-B14F-4D97-AF65-F5344CB8AC3E}">
-        <p14:creationId xmlns:p14="http://schemas.microsoft.com/office/powerpoint/2010/main" val="1860968687"/>
+        <p14:creationId xmlns:p14="http://schemas.microsoft.com/office/powerpoint/2010/main" val="355774912"/>
       </p:ext>
     </p:extLst>
   </p:cSld>

--- a/Data Access Framework.pptx
+++ b/Data Access Framework.pptx
@@ -17,6 +17,8 @@
     <p:sldId id="260" r:id="rId11"/>
     <p:sldId id="262" r:id="rId12"/>
     <p:sldId id="263" r:id="rId13"/>
+    <p:sldId id="268" r:id="rId14"/>
+    <p:sldId id="269" r:id="rId15"/>
   </p:sldIdLst>
   <p:sldSz cx="9144000" cy="6858000" type="screen4x3"/>
   <p:notesSz cx="6858000" cy="9144000"/>
@@ -299,7 +301,8 @@
           <a:p>
             <a:fld id="{5F7A2D3A-4389-4000-8BBC-EAC8917E7181}" type="datetimeFigureOut">
               <a:rPr lang="en-US" smtClean="0"/>
-              <a:t>5/15/2013</a:t>
+              <a:pPr/>
+              <a:t>5/16/2013</a:t>
             </a:fld>
             <a:endParaRPr lang="en-US"/>
           </a:p>
@@ -341,6 +344,7 @@
           <a:p>
             <a:fld id="{D9301AB7-6526-4950-9650-47779585D98F}" type="slidenum">
               <a:rPr lang="en-US" smtClean="0"/>
+              <a:pPr/>
               <a:t>‹#›</a:t>
             </a:fld>
             <a:endParaRPr lang="en-US"/>
@@ -350,7 +354,7 @@
     </p:spTree>
     <p:extLst>
       <p:ext uri="{BB962C8B-B14F-4D97-AF65-F5344CB8AC3E}">
-        <p14:creationId xmlns:p14="http://schemas.microsoft.com/office/powerpoint/2010/main" val="3904161444"/>
+        <p14:creationId xmlns:p14="http://schemas.microsoft.com/office/powerpoint/2010/main" xmlns="" val="3904161444"/>
       </p:ext>
     </p:extLst>
   </p:cSld>
@@ -469,7 +473,8 @@
           <a:p>
             <a:fld id="{5F7A2D3A-4389-4000-8BBC-EAC8917E7181}" type="datetimeFigureOut">
               <a:rPr lang="en-US" smtClean="0"/>
-              <a:t>5/15/2013</a:t>
+              <a:pPr/>
+              <a:t>5/16/2013</a:t>
             </a:fld>
             <a:endParaRPr lang="en-US"/>
           </a:p>
@@ -511,6 +516,7 @@
           <a:p>
             <a:fld id="{D9301AB7-6526-4950-9650-47779585D98F}" type="slidenum">
               <a:rPr lang="en-US" smtClean="0"/>
+              <a:pPr/>
               <a:t>‹#›</a:t>
             </a:fld>
             <a:endParaRPr lang="en-US"/>
@@ -520,7 +526,7 @@
     </p:spTree>
     <p:extLst>
       <p:ext uri="{BB962C8B-B14F-4D97-AF65-F5344CB8AC3E}">
-        <p14:creationId xmlns:p14="http://schemas.microsoft.com/office/powerpoint/2010/main" val="3615976683"/>
+        <p14:creationId xmlns:p14="http://schemas.microsoft.com/office/powerpoint/2010/main" xmlns="" val="3615976683"/>
       </p:ext>
     </p:extLst>
   </p:cSld>
@@ -649,7 +655,8 @@
           <a:p>
             <a:fld id="{5F7A2D3A-4389-4000-8BBC-EAC8917E7181}" type="datetimeFigureOut">
               <a:rPr lang="en-US" smtClean="0"/>
-              <a:t>5/15/2013</a:t>
+              <a:pPr/>
+              <a:t>5/16/2013</a:t>
             </a:fld>
             <a:endParaRPr lang="en-US"/>
           </a:p>
@@ -691,6 +698,7 @@
           <a:p>
             <a:fld id="{D9301AB7-6526-4950-9650-47779585D98F}" type="slidenum">
               <a:rPr lang="en-US" smtClean="0"/>
+              <a:pPr/>
               <a:t>‹#›</a:t>
             </a:fld>
             <a:endParaRPr lang="en-US"/>
@@ -700,7 +708,7 @@
     </p:spTree>
     <p:extLst>
       <p:ext uri="{BB962C8B-B14F-4D97-AF65-F5344CB8AC3E}">
-        <p14:creationId xmlns:p14="http://schemas.microsoft.com/office/powerpoint/2010/main" val="2157255715"/>
+        <p14:creationId xmlns:p14="http://schemas.microsoft.com/office/powerpoint/2010/main" xmlns="" val="2157255715"/>
       </p:ext>
     </p:extLst>
   </p:cSld>
@@ -819,7 +827,8 @@
           <a:p>
             <a:fld id="{5F7A2D3A-4389-4000-8BBC-EAC8917E7181}" type="datetimeFigureOut">
               <a:rPr lang="en-US" smtClean="0"/>
-              <a:t>5/15/2013</a:t>
+              <a:pPr/>
+              <a:t>5/16/2013</a:t>
             </a:fld>
             <a:endParaRPr lang="en-US"/>
           </a:p>
@@ -861,6 +870,7 @@
           <a:p>
             <a:fld id="{D9301AB7-6526-4950-9650-47779585D98F}" type="slidenum">
               <a:rPr lang="en-US" smtClean="0"/>
+              <a:pPr/>
               <a:t>‹#›</a:t>
             </a:fld>
             <a:endParaRPr lang="en-US"/>
@@ -870,7 +880,7 @@
     </p:spTree>
     <p:extLst>
       <p:ext uri="{BB962C8B-B14F-4D97-AF65-F5344CB8AC3E}">
-        <p14:creationId xmlns:p14="http://schemas.microsoft.com/office/powerpoint/2010/main" val="3990059746"/>
+        <p14:creationId xmlns:p14="http://schemas.microsoft.com/office/powerpoint/2010/main" xmlns="" val="3990059746"/>
       </p:ext>
     </p:extLst>
   </p:cSld>
@@ -1065,7 +1075,8 @@
           <a:p>
             <a:fld id="{5F7A2D3A-4389-4000-8BBC-EAC8917E7181}" type="datetimeFigureOut">
               <a:rPr lang="en-US" smtClean="0"/>
-              <a:t>5/15/2013</a:t>
+              <a:pPr/>
+              <a:t>5/16/2013</a:t>
             </a:fld>
             <a:endParaRPr lang="en-US"/>
           </a:p>
@@ -1107,6 +1118,7 @@
           <a:p>
             <a:fld id="{D9301AB7-6526-4950-9650-47779585D98F}" type="slidenum">
               <a:rPr lang="en-US" smtClean="0"/>
+              <a:pPr/>
               <a:t>‹#›</a:t>
             </a:fld>
             <a:endParaRPr lang="en-US"/>
@@ -1116,7 +1128,7 @@
     </p:spTree>
     <p:extLst>
       <p:ext uri="{BB962C8B-B14F-4D97-AF65-F5344CB8AC3E}">
-        <p14:creationId xmlns:p14="http://schemas.microsoft.com/office/powerpoint/2010/main" val="2320092870"/>
+        <p14:creationId xmlns:p14="http://schemas.microsoft.com/office/powerpoint/2010/main" xmlns="" val="2320092870"/>
       </p:ext>
     </p:extLst>
   </p:cSld>
@@ -1353,7 +1365,8 @@
           <a:p>
             <a:fld id="{5F7A2D3A-4389-4000-8BBC-EAC8917E7181}" type="datetimeFigureOut">
               <a:rPr lang="en-US" smtClean="0"/>
-              <a:t>5/15/2013</a:t>
+              <a:pPr/>
+              <a:t>5/16/2013</a:t>
             </a:fld>
             <a:endParaRPr lang="en-US"/>
           </a:p>
@@ -1395,6 +1408,7 @@
           <a:p>
             <a:fld id="{D9301AB7-6526-4950-9650-47779585D98F}" type="slidenum">
               <a:rPr lang="en-US" smtClean="0"/>
+              <a:pPr/>
               <a:t>‹#›</a:t>
             </a:fld>
             <a:endParaRPr lang="en-US"/>
@@ -1404,7 +1418,7 @@
     </p:spTree>
     <p:extLst>
       <p:ext uri="{BB962C8B-B14F-4D97-AF65-F5344CB8AC3E}">
-        <p14:creationId xmlns:p14="http://schemas.microsoft.com/office/powerpoint/2010/main" val="972544740"/>
+        <p14:creationId xmlns:p14="http://schemas.microsoft.com/office/powerpoint/2010/main" xmlns="" val="972544740"/>
       </p:ext>
     </p:extLst>
   </p:cSld>
@@ -1775,7 +1789,8 @@
           <a:p>
             <a:fld id="{5F7A2D3A-4389-4000-8BBC-EAC8917E7181}" type="datetimeFigureOut">
               <a:rPr lang="en-US" smtClean="0"/>
-              <a:t>5/15/2013</a:t>
+              <a:pPr/>
+              <a:t>5/16/2013</a:t>
             </a:fld>
             <a:endParaRPr lang="en-US"/>
           </a:p>
@@ -1817,6 +1832,7 @@
           <a:p>
             <a:fld id="{D9301AB7-6526-4950-9650-47779585D98F}" type="slidenum">
               <a:rPr lang="en-US" smtClean="0"/>
+              <a:pPr/>
               <a:t>‹#›</a:t>
             </a:fld>
             <a:endParaRPr lang="en-US"/>
@@ -1826,7 +1842,7 @@
     </p:spTree>
     <p:extLst>
       <p:ext uri="{BB962C8B-B14F-4D97-AF65-F5344CB8AC3E}">
-        <p14:creationId xmlns:p14="http://schemas.microsoft.com/office/powerpoint/2010/main" val="2184852314"/>
+        <p14:creationId xmlns:p14="http://schemas.microsoft.com/office/powerpoint/2010/main" xmlns="" val="2184852314"/>
       </p:ext>
     </p:extLst>
   </p:cSld>
@@ -1893,7 +1909,8 @@
           <a:p>
             <a:fld id="{5F7A2D3A-4389-4000-8BBC-EAC8917E7181}" type="datetimeFigureOut">
               <a:rPr lang="en-US" smtClean="0"/>
-              <a:t>5/15/2013</a:t>
+              <a:pPr/>
+              <a:t>5/16/2013</a:t>
             </a:fld>
             <a:endParaRPr lang="en-US"/>
           </a:p>
@@ -1935,6 +1952,7 @@
           <a:p>
             <a:fld id="{D9301AB7-6526-4950-9650-47779585D98F}" type="slidenum">
               <a:rPr lang="en-US" smtClean="0"/>
+              <a:pPr/>
               <a:t>‹#›</a:t>
             </a:fld>
             <a:endParaRPr lang="en-US"/>
@@ -1944,7 +1962,7 @@
     </p:spTree>
     <p:extLst>
       <p:ext uri="{BB962C8B-B14F-4D97-AF65-F5344CB8AC3E}">
-        <p14:creationId xmlns:p14="http://schemas.microsoft.com/office/powerpoint/2010/main" val="1409141690"/>
+        <p14:creationId xmlns:p14="http://schemas.microsoft.com/office/powerpoint/2010/main" xmlns="" val="1409141690"/>
       </p:ext>
     </p:extLst>
   </p:cSld>
@@ -1988,7 +2006,8 @@
           <a:p>
             <a:fld id="{5F7A2D3A-4389-4000-8BBC-EAC8917E7181}" type="datetimeFigureOut">
               <a:rPr lang="en-US" smtClean="0"/>
-              <a:t>5/15/2013</a:t>
+              <a:pPr/>
+              <a:t>5/16/2013</a:t>
             </a:fld>
             <a:endParaRPr lang="en-US"/>
           </a:p>
@@ -2030,6 +2049,7 @@
           <a:p>
             <a:fld id="{D9301AB7-6526-4950-9650-47779585D98F}" type="slidenum">
               <a:rPr lang="en-US" smtClean="0"/>
+              <a:pPr/>
               <a:t>‹#›</a:t>
             </a:fld>
             <a:endParaRPr lang="en-US"/>
@@ -2039,7 +2059,7 @@
     </p:spTree>
     <p:extLst>
       <p:ext uri="{BB962C8B-B14F-4D97-AF65-F5344CB8AC3E}">
-        <p14:creationId xmlns:p14="http://schemas.microsoft.com/office/powerpoint/2010/main" val="3082393418"/>
+        <p14:creationId xmlns:p14="http://schemas.microsoft.com/office/powerpoint/2010/main" xmlns="" val="3082393418"/>
       </p:ext>
     </p:extLst>
   </p:cSld>
@@ -2265,7 +2285,8 @@
           <a:p>
             <a:fld id="{5F7A2D3A-4389-4000-8BBC-EAC8917E7181}" type="datetimeFigureOut">
               <a:rPr lang="en-US" smtClean="0"/>
-              <a:t>5/15/2013</a:t>
+              <a:pPr/>
+              <a:t>5/16/2013</a:t>
             </a:fld>
             <a:endParaRPr lang="en-US"/>
           </a:p>
@@ -2307,6 +2328,7 @@
           <a:p>
             <a:fld id="{D9301AB7-6526-4950-9650-47779585D98F}" type="slidenum">
               <a:rPr lang="en-US" smtClean="0"/>
+              <a:pPr/>
               <a:t>‹#›</a:t>
             </a:fld>
             <a:endParaRPr lang="en-US"/>
@@ -2316,7 +2338,7 @@
     </p:spTree>
     <p:extLst>
       <p:ext uri="{BB962C8B-B14F-4D97-AF65-F5344CB8AC3E}">
-        <p14:creationId xmlns:p14="http://schemas.microsoft.com/office/powerpoint/2010/main" val="2283734537"/>
+        <p14:creationId xmlns:p14="http://schemas.microsoft.com/office/powerpoint/2010/main" xmlns="" val="2283734537"/>
       </p:ext>
     </p:extLst>
   </p:cSld>
@@ -2518,7 +2540,8 @@
           <a:p>
             <a:fld id="{5F7A2D3A-4389-4000-8BBC-EAC8917E7181}" type="datetimeFigureOut">
               <a:rPr lang="en-US" smtClean="0"/>
-              <a:t>5/15/2013</a:t>
+              <a:pPr/>
+              <a:t>5/16/2013</a:t>
             </a:fld>
             <a:endParaRPr lang="en-US"/>
           </a:p>
@@ -2560,6 +2583,7 @@
           <a:p>
             <a:fld id="{D9301AB7-6526-4950-9650-47779585D98F}" type="slidenum">
               <a:rPr lang="en-US" smtClean="0"/>
+              <a:pPr/>
               <a:t>‹#›</a:t>
             </a:fld>
             <a:endParaRPr lang="en-US"/>
@@ -2569,7 +2593,7 @@
     </p:spTree>
     <p:extLst>
       <p:ext uri="{BB962C8B-B14F-4D97-AF65-F5344CB8AC3E}">
-        <p14:creationId xmlns:p14="http://schemas.microsoft.com/office/powerpoint/2010/main" val="2177445655"/>
+        <p14:creationId xmlns:p14="http://schemas.microsoft.com/office/powerpoint/2010/main" xmlns="" val="2177445655"/>
       </p:ext>
     </p:extLst>
   </p:cSld>
@@ -2731,7 +2755,8 @@
           <a:p>
             <a:fld id="{5F7A2D3A-4389-4000-8BBC-EAC8917E7181}" type="datetimeFigureOut">
               <a:rPr lang="en-US" smtClean="0"/>
-              <a:t>5/15/2013</a:t>
+              <a:pPr/>
+              <a:t>5/16/2013</a:t>
             </a:fld>
             <a:endParaRPr lang="en-US"/>
           </a:p>
@@ -2809,6 +2834,7 @@
           <a:p>
             <a:fld id="{D9301AB7-6526-4950-9650-47779585D98F}" type="slidenum">
               <a:rPr lang="en-US" smtClean="0"/>
+              <a:pPr/>
               <a:t>‹#›</a:t>
             </a:fld>
             <a:endParaRPr lang="en-US"/>
@@ -2818,7 +2844,7 @@
     </p:spTree>
     <p:extLst>
       <p:ext uri="{BB962C8B-B14F-4D97-AF65-F5344CB8AC3E}">
-        <p14:creationId xmlns:p14="http://schemas.microsoft.com/office/powerpoint/2010/main" val="4184703300"/>
+        <p14:creationId xmlns:p14="http://schemas.microsoft.com/office/powerpoint/2010/main" xmlns="" val="4184703300"/>
       </p:ext>
     </p:extLst>
   </p:cSld>
@@ -3161,7 +3187,7 @@
     </p:spTree>
     <p:extLst>
       <p:ext uri="{BB962C8B-B14F-4D97-AF65-F5344CB8AC3E}">
-        <p14:creationId xmlns:p14="http://schemas.microsoft.com/office/powerpoint/2010/main" val="590857642"/>
+        <p14:creationId xmlns:p14="http://schemas.microsoft.com/office/powerpoint/2010/main" xmlns="" val="590857642"/>
       </p:ext>
     </p:extLst>
   </p:cSld>
@@ -3313,7 +3339,7 @@
     </p:spTree>
     <p:extLst>
       <p:ext uri="{BB962C8B-B14F-4D97-AF65-F5344CB8AC3E}">
-        <p14:creationId xmlns:p14="http://schemas.microsoft.com/office/powerpoint/2010/main" val="1309587586"/>
+        <p14:creationId xmlns:p14="http://schemas.microsoft.com/office/powerpoint/2010/main" xmlns="" val="1309587586"/>
       </p:ext>
     </p:extLst>
   </p:cSld>
@@ -3415,7 +3441,7 @@
     </p:spTree>
     <p:extLst>
       <p:ext uri="{BB962C8B-B14F-4D97-AF65-F5344CB8AC3E}">
-        <p14:creationId xmlns:p14="http://schemas.microsoft.com/office/powerpoint/2010/main" val="1860968687"/>
+        <p14:creationId xmlns:p14="http://schemas.microsoft.com/office/powerpoint/2010/main" xmlns="" val="1860968687"/>
       </p:ext>
     </p:extLst>
   </p:cSld>
@@ -3544,9 +3570,245 @@
     </p:spTree>
     <p:extLst>
       <p:ext uri="{BB962C8B-B14F-4D97-AF65-F5344CB8AC3E}">
-        <p14:creationId xmlns:p14="http://schemas.microsoft.com/office/powerpoint/2010/main" val="586397514"/>
+        <p14:creationId xmlns:p14="http://schemas.microsoft.com/office/powerpoint/2010/main" xmlns="" val="586397514"/>
       </p:ext>
     </p:extLst>
+  </p:cSld>
+  <p:clrMapOvr>
+    <a:masterClrMapping/>
+  </p:clrMapOvr>
+</p:sld>
+</file>
+
+<file path=ppt/slides/slide13.xml><?xml version="1.0" encoding="utf-8"?>
+<p:sld xmlns:a="http://schemas.openxmlformats.org/drawingml/2006/main" xmlns:r="http://schemas.openxmlformats.org/officeDocument/2006/relationships" xmlns:p="http://schemas.openxmlformats.org/presentationml/2006/main">
+  <p:cSld>
+    <p:spTree>
+      <p:nvGrpSpPr>
+        <p:cNvPr id="1" name=""/>
+        <p:cNvGrpSpPr/>
+        <p:nvPr/>
+      </p:nvGrpSpPr>
+      <p:grpSpPr>
+        <a:xfrm>
+          <a:off x="0" y="0"/>
+          <a:ext cx="0" cy="0"/>
+          <a:chOff x="0" y="0"/>
+          <a:chExt cx="0" cy="0"/>
+        </a:xfrm>
+      </p:grpSpPr>
+      <p:sp>
+        <p:nvSpPr>
+          <p:cNvPr id="2" name="Title 1"/>
+          <p:cNvSpPr>
+            <a:spLocks noGrp="1"/>
+          </p:cNvSpPr>
+          <p:nvPr>
+            <p:ph type="title"/>
+          </p:nvPr>
+        </p:nvSpPr>
+        <p:spPr/>
+        <p:txBody>
+          <a:bodyPr/>
+          <a:lstStyle/>
+          <a:p>
+            <a:r>
+              <a:rPr lang="en-US" dirty="0" smtClean="0"/>
+              <a:t>POCO Support</a:t>
+            </a:r>
+            <a:endParaRPr lang="en-US" dirty="0"/>
+          </a:p>
+        </p:txBody>
+      </p:sp>
+      <p:sp>
+        <p:nvSpPr>
+          <p:cNvPr id="3" name="Content Placeholder 2"/>
+          <p:cNvSpPr>
+            <a:spLocks noGrp="1"/>
+          </p:cNvSpPr>
+          <p:nvPr>
+            <p:ph idx="1"/>
+          </p:nvPr>
+        </p:nvSpPr>
+        <p:spPr/>
+        <p:txBody>
+          <a:bodyPr/>
+          <a:lstStyle/>
+          <a:p>
+            <a:r>
+              <a:rPr lang="en-US" dirty="0" smtClean="0"/>
+              <a:t>Do you need POCO?</a:t>
+            </a:r>
+          </a:p>
+          <a:p>
+            <a:pPr lvl="1"/>
+            <a:r>
+              <a:rPr lang="en-US" dirty="0" smtClean="0"/>
+              <a:t>A lot of projects are still database-centric </a:t>
+            </a:r>
+            <a:r>
+              <a:rPr lang="en-US" dirty="0" smtClean="0">
+                <a:sym typeface="Wingdings" pitchFamily="2" charset="2"/>
+              </a:rPr>
+              <a:t> use Data objects directly</a:t>
+            </a:r>
+            <a:endParaRPr lang="en-US" dirty="0" smtClean="0"/>
+          </a:p>
+          <a:p>
+            <a:pPr lvl="1"/>
+            <a:r>
+              <a:rPr lang="en-US" dirty="0" smtClean="0"/>
+              <a:t>Some projects use OO extensively </a:t>
+            </a:r>
+            <a:r>
+              <a:rPr lang="en-US" dirty="0" smtClean="0">
+                <a:sym typeface="Wingdings" pitchFamily="2" charset="2"/>
+              </a:rPr>
+              <a:t> use POCO to ensure the object model does NOT get influenced by relational model</a:t>
+            </a:r>
+          </a:p>
+          <a:p>
+            <a:r>
+              <a:rPr lang="en-US" dirty="0" smtClean="0">
+                <a:sym typeface="Wingdings" pitchFamily="2" charset="2"/>
+              </a:rPr>
+              <a:t>Truth: most projects using Entity Framework because they are database-centric</a:t>
+            </a:r>
+            <a:endParaRPr lang="en-US" dirty="0"/>
+          </a:p>
+        </p:txBody>
+      </p:sp>
+    </p:spTree>
+  </p:cSld>
+  <p:clrMapOvr>
+    <a:masterClrMapping/>
+  </p:clrMapOvr>
+</p:sld>
+</file>
+
+<file path=ppt/slides/slide14.xml><?xml version="1.0" encoding="utf-8"?>
+<p:sld xmlns:a="http://schemas.openxmlformats.org/drawingml/2006/main" xmlns:r="http://schemas.openxmlformats.org/officeDocument/2006/relationships" xmlns:p="http://schemas.openxmlformats.org/presentationml/2006/main">
+  <p:cSld>
+    <p:spTree>
+      <p:nvGrpSpPr>
+        <p:cNvPr id="1" name=""/>
+        <p:cNvGrpSpPr/>
+        <p:nvPr/>
+      </p:nvGrpSpPr>
+      <p:grpSpPr>
+        <a:xfrm>
+          <a:off x="0" y="0"/>
+          <a:ext cx="0" cy="0"/>
+          <a:chOff x="0" y="0"/>
+          <a:chExt cx="0" cy="0"/>
+        </a:xfrm>
+      </p:grpSpPr>
+      <p:sp>
+        <p:nvSpPr>
+          <p:cNvPr id="2" name="Title 1"/>
+          <p:cNvSpPr>
+            <a:spLocks noGrp="1"/>
+          </p:cNvSpPr>
+          <p:nvPr>
+            <p:ph type="title"/>
+          </p:nvPr>
+        </p:nvSpPr>
+        <p:spPr/>
+        <p:txBody>
+          <a:bodyPr/>
+          <a:lstStyle/>
+          <a:p>
+            <a:r>
+              <a:rPr lang="en-US" dirty="0" smtClean="0"/>
+              <a:t>Mapping</a:t>
+            </a:r>
+            <a:endParaRPr lang="en-US" dirty="0"/>
+          </a:p>
+        </p:txBody>
+      </p:sp>
+      <p:sp>
+        <p:nvSpPr>
+          <p:cNvPr id="3" name="Content Placeholder 2"/>
+          <p:cNvSpPr>
+            <a:spLocks noGrp="1"/>
+          </p:cNvSpPr>
+          <p:nvPr>
+            <p:ph idx="1"/>
+          </p:nvPr>
+        </p:nvSpPr>
+        <p:spPr/>
+        <p:txBody>
+          <a:bodyPr/>
+          <a:lstStyle/>
+          <a:p>
+            <a:r>
+              <a:rPr lang="en-US" dirty="0" smtClean="0"/>
+              <a:t>Allow mapping relations to objects</a:t>
+            </a:r>
+          </a:p>
+          <a:p>
+            <a:r>
+              <a:rPr lang="en-US" dirty="0" smtClean="0"/>
+              <a:t>How?</a:t>
+            </a:r>
+          </a:p>
+          <a:p>
+            <a:pPr lvl="1"/>
+            <a:r>
+              <a:rPr lang="en-US" dirty="0" smtClean="0"/>
+              <a:t>Format</a:t>
+            </a:r>
+          </a:p>
+          <a:p>
+            <a:pPr lvl="2"/>
+            <a:r>
+              <a:rPr lang="en-US" dirty="0" smtClean="0"/>
+              <a:t>XML file</a:t>
+            </a:r>
+          </a:p>
+          <a:p>
+            <a:pPr lvl="2"/>
+            <a:r>
+              <a:rPr lang="en-US" dirty="0" smtClean="0"/>
+              <a:t>Attribute</a:t>
+            </a:r>
+          </a:p>
+          <a:p>
+            <a:pPr lvl="2"/>
+            <a:r>
+              <a:rPr lang="en-US" dirty="0" smtClean="0"/>
+              <a:t>Code</a:t>
+            </a:r>
+          </a:p>
+          <a:p>
+            <a:pPr lvl="1"/>
+            <a:r>
+              <a:rPr lang="en-US" dirty="0" err="1" smtClean="0"/>
+              <a:t>Autogen</a:t>
+            </a:r>
+            <a:r>
+              <a:rPr lang="en-US" dirty="0" smtClean="0"/>
+              <a:t> </a:t>
+            </a:r>
+          </a:p>
+          <a:p>
+            <a:pPr lvl="2"/>
+            <a:r>
+              <a:rPr lang="en-US" dirty="0" smtClean="0"/>
+              <a:t>Generate Code from DB </a:t>
+            </a:r>
+          </a:p>
+          <a:p>
+            <a:pPr lvl="2"/>
+            <a:r>
+              <a:rPr lang="en-US" dirty="0" smtClean="0"/>
+              <a:t>Generate DB from Code</a:t>
+            </a:r>
+            <a:endParaRPr lang="en-US" dirty="0"/>
+          </a:p>
+        </p:txBody>
+      </p:sp>
+    </p:spTree>
   </p:cSld>
   <p:clrMapOvr>
     <a:masterClrMapping/>
@@ -3658,7 +3920,7 @@
     </p:spTree>
     <p:extLst>
       <p:ext uri="{BB962C8B-B14F-4D97-AF65-F5344CB8AC3E}">
-        <p14:creationId xmlns:p14="http://schemas.microsoft.com/office/powerpoint/2010/main" val="3911603256"/>
+        <p14:creationId xmlns:p14="http://schemas.microsoft.com/office/powerpoint/2010/main" xmlns="" val="3911603256"/>
       </p:ext>
     </p:extLst>
   </p:cSld>
@@ -3702,11 +3964,7 @@
           <a:p>
             <a:r>
               <a:rPr lang="en-US" dirty="0" smtClean="0"/>
-              <a:t>Data Access </a:t>
-            </a:r>
-            <a:r>
-              <a:rPr lang="en-US" dirty="0" smtClean="0"/>
-              <a:t>Framework</a:t>
+              <a:t>Data Access Framework</a:t>
             </a:r>
             <a:endParaRPr lang="en-US" dirty="0"/>
           </a:p>
@@ -3822,7 +4080,7 @@
     </p:spTree>
     <p:extLst>
       <p:ext uri="{BB962C8B-B14F-4D97-AF65-F5344CB8AC3E}">
-        <p14:creationId xmlns:p14="http://schemas.microsoft.com/office/powerpoint/2010/main" val="1869506865"/>
+        <p14:creationId xmlns:p14="http://schemas.microsoft.com/office/powerpoint/2010/main" xmlns="" val="1869506865"/>
       </p:ext>
     </p:extLst>
   </p:cSld>
@@ -3890,7 +4148,7 @@
     </p:spTree>
     <p:extLst>
       <p:ext uri="{BB962C8B-B14F-4D97-AF65-F5344CB8AC3E}">
-        <p14:creationId xmlns:p14="http://schemas.microsoft.com/office/powerpoint/2010/main" val="1767043178"/>
+        <p14:creationId xmlns:p14="http://schemas.microsoft.com/office/powerpoint/2010/main" xmlns="" val="1767043178"/>
       </p:ext>
     </p:extLst>
   </p:cSld>
@@ -3991,7 +4249,7 @@
     </p:spTree>
     <p:extLst>
       <p:ext uri="{BB962C8B-B14F-4D97-AF65-F5344CB8AC3E}">
-        <p14:creationId xmlns:p14="http://schemas.microsoft.com/office/powerpoint/2010/main" val="1121183573"/>
+        <p14:creationId xmlns:p14="http://schemas.microsoft.com/office/powerpoint/2010/main" xmlns="" val="1121183573"/>
       </p:ext>
     </p:extLst>
   </p:cSld>
@@ -4093,7 +4351,7 @@
     </p:spTree>
     <p:extLst>
       <p:ext uri="{BB962C8B-B14F-4D97-AF65-F5344CB8AC3E}">
-        <p14:creationId xmlns:p14="http://schemas.microsoft.com/office/powerpoint/2010/main" val="3615353800"/>
+        <p14:creationId xmlns:p14="http://schemas.microsoft.com/office/powerpoint/2010/main" xmlns="" val="3615353800"/>
       </p:ext>
     </p:extLst>
   </p:cSld>
@@ -4207,7 +4465,7 @@
     </p:spTree>
     <p:extLst>
       <p:ext uri="{BB962C8B-B14F-4D97-AF65-F5344CB8AC3E}">
-        <p14:creationId xmlns:p14="http://schemas.microsoft.com/office/powerpoint/2010/main" val="385287127"/>
+        <p14:creationId xmlns:p14="http://schemas.microsoft.com/office/powerpoint/2010/main" xmlns="" val="385287127"/>
       </p:ext>
     </p:extLst>
   </p:cSld>
@@ -4312,7 +4570,7 @@
     </p:spTree>
     <p:extLst>
       <p:ext uri="{BB962C8B-B14F-4D97-AF65-F5344CB8AC3E}">
-        <p14:creationId xmlns:p14="http://schemas.microsoft.com/office/powerpoint/2010/main" val="4132717108"/>
+        <p14:creationId xmlns:p14="http://schemas.microsoft.com/office/powerpoint/2010/main" xmlns="" val="4132717108"/>
       </p:ext>
     </p:extLst>
   </p:cSld>
@@ -4417,7 +4675,7 @@
     </p:spTree>
     <p:extLst>
       <p:ext uri="{BB962C8B-B14F-4D97-AF65-F5344CB8AC3E}">
-        <p14:creationId xmlns:p14="http://schemas.microsoft.com/office/powerpoint/2010/main" val="355774912"/>
+        <p14:creationId xmlns:p14="http://schemas.microsoft.com/office/powerpoint/2010/main" xmlns="" val="355774912"/>
       </p:ext>
     </p:extLst>
   </p:cSld>

--- a/Data Access Framework.pptx
+++ b/Data Access Framework.pptx
@@ -4,6 +4,9 @@
   <p:sldMasterIdLst>
     <p:sldMasterId id="2147483648" r:id="rId1"/>
   </p:sldMasterIdLst>
+  <p:notesMasterIdLst>
+    <p:notesMasterId r:id="rId22"/>
+  </p:notesMasterIdLst>
   <p:sldIdLst>
     <p:sldId id="256" r:id="rId2"/>
     <p:sldId id="257" r:id="rId3"/>
@@ -19,6 +22,12 @@
     <p:sldId id="263" r:id="rId13"/>
     <p:sldId id="268" r:id="rId14"/>
     <p:sldId id="269" r:id="rId15"/>
+    <p:sldId id="270" r:id="rId16"/>
+    <p:sldId id="271" r:id="rId17"/>
+    <p:sldId id="272" r:id="rId18"/>
+    <p:sldId id="273" r:id="rId19"/>
+    <p:sldId id="274" r:id="rId20"/>
+    <p:sldId id="275" r:id="rId21"/>
   </p:sldIdLst>
   <p:sldSz cx="9144000" cy="6858000" type="screen4x3"/>
   <p:notesSz cx="6858000" cy="9144000"/>
@@ -120,6 +129,455 @@
 </p:presentation>
 </file>
 
+<file path=ppt/notesMasters/notesMaster1.xml><?xml version="1.0" encoding="utf-8"?>
+<p:notesMaster xmlns:a="http://schemas.openxmlformats.org/drawingml/2006/main" xmlns:r="http://schemas.openxmlformats.org/officeDocument/2006/relationships" xmlns:p="http://schemas.openxmlformats.org/presentationml/2006/main">
+  <p:cSld>
+    <p:bg>
+      <p:bgRef idx="1001">
+        <a:schemeClr val="bg1"/>
+      </p:bgRef>
+    </p:bg>
+    <p:spTree>
+      <p:nvGrpSpPr>
+        <p:cNvPr id="1" name=""/>
+        <p:cNvGrpSpPr/>
+        <p:nvPr/>
+      </p:nvGrpSpPr>
+      <p:grpSpPr>
+        <a:xfrm>
+          <a:off x="0" y="0"/>
+          <a:ext cx="0" cy="0"/>
+          <a:chOff x="0" y="0"/>
+          <a:chExt cx="0" cy="0"/>
+        </a:xfrm>
+      </p:grpSpPr>
+      <p:sp>
+        <p:nvSpPr>
+          <p:cNvPr id="2" name="Header Placeholder 1"/>
+          <p:cNvSpPr>
+            <a:spLocks noGrp="1"/>
+          </p:cNvSpPr>
+          <p:nvPr>
+            <p:ph type="hdr" sz="quarter"/>
+          </p:nvPr>
+        </p:nvSpPr>
+        <p:spPr>
+          <a:xfrm>
+            <a:off x="0" y="0"/>
+            <a:ext cx="2971800" cy="457200"/>
+          </a:xfrm>
+          <a:prstGeom prst="rect">
+            <a:avLst/>
+          </a:prstGeom>
+        </p:spPr>
+        <p:txBody>
+          <a:bodyPr vert="horz" lIns="91440" tIns="45720" rIns="91440" bIns="45720" rtlCol="0"/>
+          <a:lstStyle>
+            <a:lvl1pPr algn="l">
+              <a:defRPr sz="1200"/>
+            </a:lvl1pPr>
+          </a:lstStyle>
+          <a:p>
+            <a:endParaRPr lang="en-US"/>
+          </a:p>
+        </p:txBody>
+      </p:sp>
+      <p:sp>
+        <p:nvSpPr>
+          <p:cNvPr id="3" name="Date Placeholder 2"/>
+          <p:cNvSpPr>
+            <a:spLocks noGrp="1"/>
+          </p:cNvSpPr>
+          <p:nvPr>
+            <p:ph type="dt" idx="1"/>
+          </p:nvPr>
+        </p:nvSpPr>
+        <p:spPr>
+          <a:xfrm>
+            <a:off x="3884613" y="0"/>
+            <a:ext cx="2971800" cy="457200"/>
+          </a:xfrm>
+          <a:prstGeom prst="rect">
+            <a:avLst/>
+          </a:prstGeom>
+        </p:spPr>
+        <p:txBody>
+          <a:bodyPr vert="horz" lIns="91440" tIns="45720" rIns="91440" bIns="45720" rtlCol="0"/>
+          <a:lstStyle>
+            <a:lvl1pPr algn="r">
+              <a:defRPr sz="1200"/>
+            </a:lvl1pPr>
+          </a:lstStyle>
+          <a:p>
+            <a:fld id="{84A8F7E2-2F0E-4735-8B13-E77030B67893}" type="datetimeFigureOut">
+              <a:rPr lang="en-US" smtClean="0"/>
+              <a:t>5/21/2013</a:t>
+            </a:fld>
+            <a:endParaRPr lang="en-US"/>
+          </a:p>
+        </p:txBody>
+      </p:sp>
+      <p:sp>
+        <p:nvSpPr>
+          <p:cNvPr id="4" name="Slide Image Placeholder 3"/>
+          <p:cNvSpPr>
+            <a:spLocks noGrp="1" noRot="1" noChangeAspect="1"/>
+          </p:cNvSpPr>
+          <p:nvPr>
+            <p:ph type="sldImg" idx="2"/>
+          </p:nvPr>
+        </p:nvSpPr>
+        <p:spPr>
+          <a:xfrm>
+            <a:off x="1143000" y="685800"/>
+            <a:ext cx="4572000" cy="3429000"/>
+          </a:xfrm>
+          <a:prstGeom prst="rect">
+            <a:avLst/>
+          </a:prstGeom>
+          <a:noFill/>
+          <a:ln w="12700">
+            <a:solidFill>
+              <a:prstClr val="black"/>
+            </a:solidFill>
+          </a:ln>
+        </p:spPr>
+        <p:txBody>
+          <a:bodyPr vert="horz" lIns="91440" tIns="45720" rIns="91440" bIns="45720" rtlCol="0" anchor="ctr"/>
+          <a:lstStyle/>
+          <a:p>
+            <a:endParaRPr lang="en-US"/>
+          </a:p>
+        </p:txBody>
+      </p:sp>
+      <p:sp>
+        <p:nvSpPr>
+          <p:cNvPr id="5" name="Notes Placeholder 4"/>
+          <p:cNvSpPr>
+            <a:spLocks noGrp="1"/>
+          </p:cNvSpPr>
+          <p:nvPr>
+            <p:ph type="body" sz="quarter" idx="3"/>
+          </p:nvPr>
+        </p:nvSpPr>
+        <p:spPr>
+          <a:xfrm>
+            <a:off x="685800" y="4343400"/>
+            <a:ext cx="5486400" cy="4114800"/>
+          </a:xfrm>
+          <a:prstGeom prst="rect">
+            <a:avLst/>
+          </a:prstGeom>
+        </p:spPr>
+        <p:txBody>
+          <a:bodyPr vert="horz" lIns="91440" tIns="45720" rIns="91440" bIns="45720" rtlCol="0"/>
+          <a:lstStyle/>
+          <a:p>
+            <a:pPr lvl="0"/>
+            <a:r>
+              <a:rPr lang="en-US" smtClean="0"/>
+              <a:t>Click to edit Master text styles</a:t>
+            </a:r>
+          </a:p>
+          <a:p>
+            <a:pPr lvl="1"/>
+            <a:r>
+              <a:rPr lang="en-US" smtClean="0"/>
+              <a:t>Second level</a:t>
+            </a:r>
+          </a:p>
+          <a:p>
+            <a:pPr lvl="2"/>
+            <a:r>
+              <a:rPr lang="en-US" smtClean="0"/>
+              <a:t>Third level</a:t>
+            </a:r>
+          </a:p>
+          <a:p>
+            <a:pPr lvl="3"/>
+            <a:r>
+              <a:rPr lang="en-US" smtClean="0"/>
+              <a:t>Fourth level</a:t>
+            </a:r>
+          </a:p>
+          <a:p>
+            <a:pPr lvl="4"/>
+            <a:r>
+              <a:rPr lang="en-US" smtClean="0"/>
+              <a:t>Fifth level</a:t>
+            </a:r>
+            <a:endParaRPr lang="en-US"/>
+          </a:p>
+        </p:txBody>
+      </p:sp>
+      <p:sp>
+        <p:nvSpPr>
+          <p:cNvPr id="6" name="Footer Placeholder 5"/>
+          <p:cNvSpPr>
+            <a:spLocks noGrp="1"/>
+          </p:cNvSpPr>
+          <p:nvPr>
+            <p:ph type="ftr" sz="quarter" idx="4"/>
+          </p:nvPr>
+        </p:nvSpPr>
+        <p:spPr>
+          <a:xfrm>
+            <a:off x="0" y="8685213"/>
+            <a:ext cx="2971800" cy="457200"/>
+          </a:xfrm>
+          <a:prstGeom prst="rect">
+            <a:avLst/>
+          </a:prstGeom>
+        </p:spPr>
+        <p:txBody>
+          <a:bodyPr vert="horz" lIns="91440" tIns="45720" rIns="91440" bIns="45720" rtlCol="0" anchor="b"/>
+          <a:lstStyle>
+            <a:lvl1pPr algn="l">
+              <a:defRPr sz="1200"/>
+            </a:lvl1pPr>
+          </a:lstStyle>
+          <a:p>
+            <a:endParaRPr lang="en-US"/>
+          </a:p>
+        </p:txBody>
+      </p:sp>
+      <p:sp>
+        <p:nvSpPr>
+          <p:cNvPr id="7" name="Slide Number Placeholder 6"/>
+          <p:cNvSpPr>
+            <a:spLocks noGrp="1"/>
+          </p:cNvSpPr>
+          <p:nvPr>
+            <p:ph type="sldNum" sz="quarter" idx="5"/>
+          </p:nvPr>
+        </p:nvSpPr>
+        <p:spPr>
+          <a:xfrm>
+            <a:off x="3884613" y="8685213"/>
+            <a:ext cx="2971800" cy="457200"/>
+          </a:xfrm>
+          <a:prstGeom prst="rect">
+            <a:avLst/>
+          </a:prstGeom>
+        </p:spPr>
+        <p:txBody>
+          <a:bodyPr vert="horz" lIns="91440" tIns="45720" rIns="91440" bIns="45720" rtlCol="0" anchor="b"/>
+          <a:lstStyle>
+            <a:lvl1pPr algn="r">
+              <a:defRPr sz="1200"/>
+            </a:lvl1pPr>
+          </a:lstStyle>
+          <a:p>
+            <a:fld id="{B9F2808E-0F5B-4CF0-94C7-EB2723229868}" type="slidenum">
+              <a:rPr lang="en-US" smtClean="0"/>
+              <a:t>‹#›</a:t>
+            </a:fld>
+            <a:endParaRPr lang="en-US"/>
+          </a:p>
+        </p:txBody>
+      </p:sp>
+    </p:spTree>
+    <p:extLst>
+      <p:ext uri="{BB962C8B-B14F-4D97-AF65-F5344CB8AC3E}">
+        <p14:creationId xmlns:p14="http://schemas.microsoft.com/office/powerpoint/2010/main" val="3859228907"/>
+      </p:ext>
+    </p:extLst>
+  </p:cSld>
+  <p:clrMap bg1="lt1" tx1="dk1" bg2="lt2" tx2="dk2" accent1="accent1" accent2="accent2" accent3="accent3" accent4="accent4" accent5="accent5" accent6="accent6" hlink="hlink" folHlink="folHlink"/>
+  <p:notesStyle>
+    <a:lvl1pPr marL="0" algn="l" defTabSz="914400" rtl="0" eaLnBrk="1" latinLnBrk="0" hangingPunct="1">
+      <a:defRPr sz="1200" kern="1200">
+        <a:solidFill>
+          <a:schemeClr val="tx1"/>
+        </a:solidFill>
+        <a:latin typeface="+mn-lt"/>
+        <a:ea typeface="+mn-ea"/>
+        <a:cs typeface="+mn-cs"/>
+      </a:defRPr>
+    </a:lvl1pPr>
+    <a:lvl2pPr marL="457200" algn="l" defTabSz="914400" rtl="0" eaLnBrk="1" latinLnBrk="0" hangingPunct="1">
+      <a:defRPr sz="1200" kern="1200">
+        <a:solidFill>
+          <a:schemeClr val="tx1"/>
+        </a:solidFill>
+        <a:latin typeface="+mn-lt"/>
+        <a:ea typeface="+mn-ea"/>
+        <a:cs typeface="+mn-cs"/>
+      </a:defRPr>
+    </a:lvl2pPr>
+    <a:lvl3pPr marL="914400" algn="l" defTabSz="914400" rtl="0" eaLnBrk="1" latinLnBrk="0" hangingPunct="1">
+      <a:defRPr sz="1200" kern="1200">
+        <a:solidFill>
+          <a:schemeClr val="tx1"/>
+        </a:solidFill>
+        <a:latin typeface="+mn-lt"/>
+        <a:ea typeface="+mn-ea"/>
+        <a:cs typeface="+mn-cs"/>
+      </a:defRPr>
+    </a:lvl3pPr>
+    <a:lvl4pPr marL="1371600" algn="l" defTabSz="914400" rtl="0" eaLnBrk="1" latinLnBrk="0" hangingPunct="1">
+      <a:defRPr sz="1200" kern="1200">
+        <a:solidFill>
+          <a:schemeClr val="tx1"/>
+        </a:solidFill>
+        <a:latin typeface="+mn-lt"/>
+        <a:ea typeface="+mn-ea"/>
+        <a:cs typeface="+mn-cs"/>
+      </a:defRPr>
+    </a:lvl4pPr>
+    <a:lvl5pPr marL="1828800" algn="l" defTabSz="914400" rtl="0" eaLnBrk="1" latinLnBrk="0" hangingPunct="1">
+      <a:defRPr sz="1200" kern="1200">
+        <a:solidFill>
+          <a:schemeClr val="tx1"/>
+        </a:solidFill>
+        <a:latin typeface="+mn-lt"/>
+        <a:ea typeface="+mn-ea"/>
+        <a:cs typeface="+mn-cs"/>
+      </a:defRPr>
+    </a:lvl5pPr>
+    <a:lvl6pPr marL="2286000" algn="l" defTabSz="914400" rtl="0" eaLnBrk="1" latinLnBrk="0" hangingPunct="1">
+      <a:defRPr sz="1200" kern="1200">
+        <a:solidFill>
+          <a:schemeClr val="tx1"/>
+        </a:solidFill>
+        <a:latin typeface="+mn-lt"/>
+        <a:ea typeface="+mn-ea"/>
+        <a:cs typeface="+mn-cs"/>
+      </a:defRPr>
+    </a:lvl6pPr>
+    <a:lvl7pPr marL="2743200" algn="l" defTabSz="914400" rtl="0" eaLnBrk="1" latinLnBrk="0" hangingPunct="1">
+      <a:defRPr sz="1200" kern="1200">
+        <a:solidFill>
+          <a:schemeClr val="tx1"/>
+        </a:solidFill>
+        <a:latin typeface="+mn-lt"/>
+        <a:ea typeface="+mn-ea"/>
+        <a:cs typeface="+mn-cs"/>
+      </a:defRPr>
+    </a:lvl7pPr>
+    <a:lvl8pPr marL="3200400" algn="l" defTabSz="914400" rtl="0" eaLnBrk="1" latinLnBrk="0" hangingPunct="1">
+      <a:defRPr sz="1200" kern="1200">
+        <a:solidFill>
+          <a:schemeClr val="tx1"/>
+        </a:solidFill>
+        <a:latin typeface="+mn-lt"/>
+        <a:ea typeface="+mn-ea"/>
+        <a:cs typeface="+mn-cs"/>
+      </a:defRPr>
+    </a:lvl8pPr>
+    <a:lvl9pPr marL="3657600" algn="l" defTabSz="914400" rtl="0" eaLnBrk="1" latinLnBrk="0" hangingPunct="1">
+      <a:defRPr sz="1200" kern="1200">
+        <a:solidFill>
+          <a:schemeClr val="tx1"/>
+        </a:solidFill>
+        <a:latin typeface="+mn-lt"/>
+        <a:ea typeface="+mn-ea"/>
+        <a:cs typeface="+mn-cs"/>
+      </a:defRPr>
+    </a:lvl9pPr>
+  </p:notesStyle>
+</p:notesMaster>
+</file>
+
+<file path=ppt/notesSlides/notesSlide1.xml><?xml version="1.0" encoding="utf-8"?>
+<p:notes xmlns:a="http://schemas.openxmlformats.org/drawingml/2006/main" xmlns:r="http://schemas.openxmlformats.org/officeDocument/2006/relationships" xmlns:p="http://schemas.openxmlformats.org/presentationml/2006/main">
+  <p:cSld>
+    <p:spTree>
+      <p:nvGrpSpPr>
+        <p:cNvPr id="1" name=""/>
+        <p:cNvGrpSpPr/>
+        <p:nvPr/>
+      </p:nvGrpSpPr>
+      <p:grpSpPr>
+        <a:xfrm>
+          <a:off x="0" y="0"/>
+          <a:ext cx="0" cy="0"/>
+          <a:chOff x="0" y="0"/>
+          <a:chExt cx="0" cy="0"/>
+        </a:xfrm>
+      </p:grpSpPr>
+      <p:sp>
+        <p:nvSpPr>
+          <p:cNvPr id="2" name="Slide Image Placeholder 1"/>
+          <p:cNvSpPr>
+            <a:spLocks noGrp="1" noRot="1" noChangeAspect="1"/>
+          </p:cNvSpPr>
+          <p:nvPr>
+            <p:ph type="sldImg"/>
+          </p:nvPr>
+        </p:nvSpPr>
+        <p:spPr/>
+      </p:sp>
+      <p:sp>
+        <p:nvSpPr>
+          <p:cNvPr id="3" name="Notes Placeholder 2"/>
+          <p:cNvSpPr>
+            <a:spLocks noGrp="1"/>
+          </p:cNvSpPr>
+          <p:nvPr>
+            <p:ph type="body" idx="1"/>
+          </p:nvPr>
+        </p:nvSpPr>
+        <p:spPr/>
+        <p:txBody>
+          <a:bodyPr/>
+          <a:lstStyle/>
+          <a:p>
+            <a:r>
+              <a:rPr lang="en-US" dirty="0" smtClean="0">
+                <a:hlinkClick r:id="rId3"/>
+              </a:rPr>
+              <a:t>http://www.mindscapehq.com/blog/index.php/2011/12/05/5-reasons-not-to-use-a-micro-orm/</a:t>
+            </a:r>
+            <a:endParaRPr lang="en-US" dirty="0" smtClean="0"/>
+          </a:p>
+          <a:p>
+            <a:r>
+              <a:rPr lang="en-US" smtClean="0">
+                <a:hlinkClick r:id="rId4"/>
+              </a:rPr>
+              <a:t>http://www.slideshare.net/kievaltnet/microorm-introduction-dont-overcomplicate</a:t>
+            </a:r>
+            <a:endParaRPr lang="en-US"/>
+          </a:p>
+        </p:txBody>
+      </p:sp>
+      <p:sp>
+        <p:nvSpPr>
+          <p:cNvPr id="4" name="Slide Number Placeholder 3"/>
+          <p:cNvSpPr>
+            <a:spLocks noGrp="1"/>
+          </p:cNvSpPr>
+          <p:nvPr>
+            <p:ph type="sldNum" sz="quarter" idx="10"/>
+          </p:nvPr>
+        </p:nvSpPr>
+        <p:spPr/>
+        <p:txBody>
+          <a:bodyPr/>
+          <a:lstStyle/>
+          <a:p>
+            <a:fld id="{B9F2808E-0F5B-4CF0-94C7-EB2723229868}" type="slidenum">
+              <a:rPr lang="en-US" smtClean="0"/>
+              <a:t>19</a:t>
+            </a:fld>
+            <a:endParaRPr lang="en-US"/>
+          </a:p>
+        </p:txBody>
+      </p:sp>
+    </p:spTree>
+    <p:extLst>
+      <p:ext uri="{BB962C8B-B14F-4D97-AF65-F5344CB8AC3E}">
+        <p14:creationId xmlns:p14="http://schemas.microsoft.com/office/powerpoint/2010/main" val="1654043103"/>
+      </p:ext>
+    </p:extLst>
+  </p:cSld>
+  <p:clrMapOvr>
+    <a:masterClrMapping/>
+  </p:clrMapOvr>
+</p:notes>
+</file>
+
 <file path=ppt/slideLayouts/slideLayout1.xml><?xml version="1.0" encoding="utf-8"?>
 <p:sldLayout xmlns:a="http://schemas.openxmlformats.org/drawingml/2006/main" xmlns:r="http://schemas.openxmlformats.org/officeDocument/2006/relationships" xmlns:p="http://schemas.openxmlformats.org/presentationml/2006/main" type="title" preserve="1">
   <p:cSld name="Title Slide">
@@ -302,7 +760,7 @@
             <a:fld id="{5F7A2D3A-4389-4000-8BBC-EAC8917E7181}" type="datetimeFigureOut">
               <a:rPr lang="en-US" smtClean="0"/>
               <a:pPr/>
-              <a:t>5/16/2013</a:t>
+              <a:t>5/21/2013</a:t>
             </a:fld>
             <a:endParaRPr lang="en-US"/>
           </a:p>
@@ -354,7 +812,7 @@
     </p:spTree>
     <p:extLst>
       <p:ext uri="{BB962C8B-B14F-4D97-AF65-F5344CB8AC3E}">
-        <p14:creationId xmlns:p14="http://schemas.microsoft.com/office/powerpoint/2010/main" xmlns="" val="3904161444"/>
+        <p14:creationId xmlns:p14="http://schemas.microsoft.com/office/powerpoint/2010/main" val="3904161444"/>
       </p:ext>
     </p:extLst>
   </p:cSld>
@@ -474,7 +932,7 @@
             <a:fld id="{5F7A2D3A-4389-4000-8BBC-EAC8917E7181}" type="datetimeFigureOut">
               <a:rPr lang="en-US" smtClean="0"/>
               <a:pPr/>
-              <a:t>5/16/2013</a:t>
+              <a:t>5/21/2013</a:t>
             </a:fld>
             <a:endParaRPr lang="en-US"/>
           </a:p>
@@ -526,7 +984,7 @@
     </p:spTree>
     <p:extLst>
       <p:ext uri="{BB962C8B-B14F-4D97-AF65-F5344CB8AC3E}">
-        <p14:creationId xmlns:p14="http://schemas.microsoft.com/office/powerpoint/2010/main" xmlns="" val="3615976683"/>
+        <p14:creationId xmlns:p14="http://schemas.microsoft.com/office/powerpoint/2010/main" val="3615976683"/>
       </p:ext>
     </p:extLst>
   </p:cSld>
@@ -656,7 +1114,7 @@
             <a:fld id="{5F7A2D3A-4389-4000-8BBC-EAC8917E7181}" type="datetimeFigureOut">
               <a:rPr lang="en-US" smtClean="0"/>
               <a:pPr/>
-              <a:t>5/16/2013</a:t>
+              <a:t>5/21/2013</a:t>
             </a:fld>
             <a:endParaRPr lang="en-US"/>
           </a:p>
@@ -708,7 +1166,7 @@
     </p:spTree>
     <p:extLst>
       <p:ext uri="{BB962C8B-B14F-4D97-AF65-F5344CB8AC3E}">
-        <p14:creationId xmlns:p14="http://schemas.microsoft.com/office/powerpoint/2010/main" xmlns="" val="2157255715"/>
+        <p14:creationId xmlns:p14="http://schemas.microsoft.com/office/powerpoint/2010/main" val="2157255715"/>
       </p:ext>
     </p:extLst>
   </p:cSld>
@@ -828,7 +1286,7 @@
             <a:fld id="{5F7A2D3A-4389-4000-8BBC-EAC8917E7181}" type="datetimeFigureOut">
               <a:rPr lang="en-US" smtClean="0"/>
               <a:pPr/>
-              <a:t>5/16/2013</a:t>
+              <a:t>5/21/2013</a:t>
             </a:fld>
             <a:endParaRPr lang="en-US"/>
           </a:p>
@@ -880,7 +1338,7 @@
     </p:spTree>
     <p:extLst>
       <p:ext uri="{BB962C8B-B14F-4D97-AF65-F5344CB8AC3E}">
-        <p14:creationId xmlns:p14="http://schemas.microsoft.com/office/powerpoint/2010/main" xmlns="" val="3990059746"/>
+        <p14:creationId xmlns:p14="http://schemas.microsoft.com/office/powerpoint/2010/main" val="3990059746"/>
       </p:ext>
     </p:extLst>
   </p:cSld>
@@ -1076,7 +1534,7 @@
             <a:fld id="{5F7A2D3A-4389-4000-8BBC-EAC8917E7181}" type="datetimeFigureOut">
               <a:rPr lang="en-US" smtClean="0"/>
               <a:pPr/>
-              <a:t>5/16/2013</a:t>
+              <a:t>5/21/2013</a:t>
             </a:fld>
             <a:endParaRPr lang="en-US"/>
           </a:p>
@@ -1128,7 +1586,7 @@
     </p:spTree>
     <p:extLst>
       <p:ext uri="{BB962C8B-B14F-4D97-AF65-F5344CB8AC3E}">
-        <p14:creationId xmlns:p14="http://schemas.microsoft.com/office/powerpoint/2010/main" xmlns="" val="2320092870"/>
+        <p14:creationId xmlns:p14="http://schemas.microsoft.com/office/powerpoint/2010/main" val="2320092870"/>
       </p:ext>
     </p:extLst>
   </p:cSld>
@@ -1366,7 +1824,7 @@
             <a:fld id="{5F7A2D3A-4389-4000-8BBC-EAC8917E7181}" type="datetimeFigureOut">
               <a:rPr lang="en-US" smtClean="0"/>
               <a:pPr/>
-              <a:t>5/16/2013</a:t>
+              <a:t>5/21/2013</a:t>
             </a:fld>
             <a:endParaRPr lang="en-US"/>
           </a:p>
@@ -1418,7 +1876,7 @@
     </p:spTree>
     <p:extLst>
       <p:ext uri="{BB962C8B-B14F-4D97-AF65-F5344CB8AC3E}">
-        <p14:creationId xmlns:p14="http://schemas.microsoft.com/office/powerpoint/2010/main" xmlns="" val="972544740"/>
+        <p14:creationId xmlns:p14="http://schemas.microsoft.com/office/powerpoint/2010/main" val="972544740"/>
       </p:ext>
     </p:extLst>
   </p:cSld>
@@ -1790,7 +2248,7 @@
             <a:fld id="{5F7A2D3A-4389-4000-8BBC-EAC8917E7181}" type="datetimeFigureOut">
               <a:rPr lang="en-US" smtClean="0"/>
               <a:pPr/>
-              <a:t>5/16/2013</a:t>
+              <a:t>5/21/2013</a:t>
             </a:fld>
             <a:endParaRPr lang="en-US"/>
           </a:p>
@@ -1842,7 +2300,7 @@
     </p:spTree>
     <p:extLst>
       <p:ext uri="{BB962C8B-B14F-4D97-AF65-F5344CB8AC3E}">
-        <p14:creationId xmlns:p14="http://schemas.microsoft.com/office/powerpoint/2010/main" xmlns="" val="2184852314"/>
+        <p14:creationId xmlns:p14="http://schemas.microsoft.com/office/powerpoint/2010/main" val="2184852314"/>
       </p:ext>
     </p:extLst>
   </p:cSld>
@@ -1910,7 +2368,7 @@
             <a:fld id="{5F7A2D3A-4389-4000-8BBC-EAC8917E7181}" type="datetimeFigureOut">
               <a:rPr lang="en-US" smtClean="0"/>
               <a:pPr/>
-              <a:t>5/16/2013</a:t>
+              <a:t>5/21/2013</a:t>
             </a:fld>
             <a:endParaRPr lang="en-US"/>
           </a:p>
@@ -1962,7 +2420,7 @@
     </p:spTree>
     <p:extLst>
       <p:ext uri="{BB962C8B-B14F-4D97-AF65-F5344CB8AC3E}">
-        <p14:creationId xmlns:p14="http://schemas.microsoft.com/office/powerpoint/2010/main" xmlns="" val="1409141690"/>
+        <p14:creationId xmlns:p14="http://schemas.microsoft.com/office/powerpoint/2010/main" val="1409141690"/>
       </p:ext>
     </p:extLst>
   </p:cSld>
@@ -2007,7 +2465,7 @@
             <a:fld id="{5F7A2D3A-4389-4000-8BBC-EAC8917E7181}" type="datetimeFigureOut">
               <a:rPr lang="en-US" smtClean="0"/>
               <a:pPr/>
-              <a:t>5/16/2013</a:t>
+              <a:t>5/21/2013</a:t>
             </a:fld>
             <a:endParaRPr lang="en-US"/>
           </a:p>
@@ -2059,7 +2517,7 @@
     </p:spTree>
     <p:extLst>
       <p:ext uri="{BB962C8B-B14F-4D97-AF65-F5344CB8AC3E}">
-        <p14:creationId xmlns:p14="http://schemas.microsoft.com/office/powerpoint/2010/main" xmlns="" val="3082393418"/>
+        <p14:creationId xmlns:p14="http://schemas.microsoft.com/office/powerpoint/2010/main" val="3082393418"/>
       </p:ext>
     </p:extLst>
   </p:cSld>
@@ -2286,7 +2744,7 @@
             <a:fld id="{5F7A2D3A-4389-4000-8BBC-EAC8917E7181}" type="datetimeFigureOut">
               <a:rPr lang="en-US" smtClean="0"/>
               <a:pPr/>
-              <a:t>5/16/2013</a:t>
+              <a:t>5/21/2013</a:t>
             </a:fld>
             <a:endParaRPr lang="en-US"/>
           </a:p>
@@ -2338,7 +2796,7 @@
     </p:spTree>
     <p:extLst>
       <p:ext uri="{BB962C8B-B14F-4D97-AF65-F5344CB8AC3E}">
-        <p14:creationId xmlns:p14="http://schemas.microsoft.com/office/powerpoint/2010/main" xmlns="" val="2283734537"/>
+        <p14:creationId xmlns:p14="http://schemas.microsoft.com/office/powerpoint/2010/main" val="2283734537"/>
       </p:ext>
     </p:extLst>
   </p:cSld>
@@ -2541,7 +2999,7 @@
             <a:fld id="{5F7A2D3A-4389-4000-8BBC-EAC8917E7181}" type="datetimeFigureOut">
               <a:rPr lang="en-US" smtClean="0"/>
               <a:pPr/>
-              <a:t>5/16/2013</a:t>
+              <a:t>5/21/2013</a:t>
             </a:fld>
             <a:endParaRPr lang="en-US"/>
           </a:p>
@@ -2593,7 +3051,7 @@
     </p:spTree>
     <p:extLst>
       <p:ext uri="{BB962C8B-B14F-4D97-AF65-F5344CB8AC3E}">
-        <p14:creationId xmlns:p14="http://schemas.microsoft.com/office/powerpoint/2010/main" xmlns="" val="2177445655"/>
+        <p14:creationId xmlns:p14="http://schemas.microsoft.com/office/powerpoint/2010/main" val="2177445655"/>
       </p:ext>
     </p:extLst>
   </p:cSld>
@@ -2756,7 +3214,7 @@
             <a:fld id="{5F7A2D3A-4389-4000-8BBC-EAC8917E7181}" type="datetimeFigureOut">
               <a:rPr lang="en-US" smtClean="0"/>
               <a:pPr/>
-              <a:t>5/16/2013</a:t>
+              <a:t>5/21/2013</a:t>
             </a:fld>
             <a:endParaRPr lang="en-US"/>
           </a:p>
@@ -2844,7 +3302,7 @@
     </p:spTree>
     <p:extLst>
       <p:ext uri="{BB962C8B-B14F-4D97-AF65-F5344CB8AC3E}">
-        <p14:creationId xmlns:p14="http://schemas.microsoft.com/office/powerpoint/2010/main" xmlns="" val="4184703300"/>
+        <p14:creationId xmlns:p14="http://schemas.microsoft.com/office/powerpoint/2010/main" val="4184703300"/>
       </p:ext>
     </p:extLst>
   </p:cSld>
@@ -3187,13 +3645,20 @@
     </p:spTree>
     <p:extLst>
       <p:ext uri="{BB962C8B-B14F-4D97-AF65-F5344CB8AC3E}">
-        <p14:creationId xmlns:p14="http://schemas.microsoft.com/office/powerpoint/2010/main" xmlns="" val="590857642"/>
+        <p14:creationId xmlns:p14="http://schemas.microsoft.com/office/powerpoint/2010/main" val="590857642"/>
       </p:ext>
     </p:extLst>
   </p:cSld>
   <p:clrMapOvr>
     <a:masterClrMapping/>
   </p:clrMapOvr>
+  <p:timing>
+    <p:tnLst>
+      <p:par>
+        <p:cTn id="1" dur="indefinite" restart="never" nodeType="tmRoot"/>
+      </p:par>
+    </p:tnLst>
+  </p:timing>
 </p:sld>
 </file>
 
@@ -3339,7 +3804,7 @@
     </p:spTree>
     <p:extLst>
       <p:ext uri="{BB962C8B-B14F-4D97-AF65-F5344CB8AC3E}">
-        <p14:creationId xmlns:p14="http://schemas.microsoft.com/office/powerpoint/2010/main" xmlns="" val="1309587586"/>
+        <p14:creationId xmlns:p14="http://schemas.microsoft.com/office/powerpoint/2010/main" val="1309587586"/>
       </p:ext>
     </p:extLst>
   </p:cSld>
@@ -3441,7 +3906,7 @@
     </p:spTree>
     <p:extLst>
       <p:ext uri="{BB962C8B-B14F-4D97-AF65-F5344CB8AC3E}">
-        <p14:creationId xmlns:p14="http://schemas.microsoft.com/office/powerpoint/2010/main" xmlns="" val="1860968687"/>
+        <p14:creationId xmlns:p14="http://schemas.microsoft.com/office/powerpoint/2010/main" val="1860968687"/>
       </p:ext>
     </p:extLst>
   </p:cSld>
@@ -3570,7 +4035,7 @@
     </p:spTree>
     <p:extLst>
       <p:ext uri="{BB962C8B-B14F-4D97-AF65-F5344CB8AC3E}">
-        <p14:creationId xmlns:p14="http://schemas.microsoft.com/office/powerpoint/2010/main" xmlns="" val="586397514"/>
+        <p14:creationId xmlns:p14="http://schemas.microsoft.com/office/powerpoint/2010/main" val="586397514"/>
       </p:ext>
     </p:extLst>
   </p:cSld>
@@ -3813,6 +4278,2399 @@
   <p:clrMapOvr>
     <a:masterClrMapping/>
   </p:clrMapOvr>
+  <p:timing>
+    <p:tnLst>
+      <p:par>
+        <p:cTn id="1" dur="indefinite" restart="never" nodeType="tmRoot"/>
+      </p:par>
+    </p:tnLst>
+  </p:timing>
+</p:sld>
+</file>
+
+<file path=ppt/slides/slide15.xml><?xml version="1.0" encoding="utf-8"?>
+<p:sld xmlns:a="http://schemas.openxmlformats.org/drawingml/2006/main" xmlns:r="http://schemas.openxmlformats.org/officeDocument/2006/relationships" xmlns:p="http://schemas.openxmlformats.org/presentationml/2006/main">
+  <p:cSld>
+    <p:spTree>
+      <p:nvGrpSpPr>
+        <p:cNvPr id="1" name=""/>
+        <p:cNvGrpSpPr/>
+        <p:nvPr/>
+      </p:nvGrpSpPr>
+      <p:grpSpPr>
+        <a:xfrm>
+          <a:off x="0" y="0"/>
+          <a:ext cx="0" cy="0"/>
+          <a:chOff x="0" y="0"/>
+          <a:chExt cx="0" cy="0"/>
+        </a:xfrm>
+      </p:grpSpPr>
+      <p:sp>
+        <p:nvSpPr>
+          <p:cNvPr id="7" name="Rectangle 6"/>
+          <p:cNvSpPr/>
+          <p:nvPr/>
+        </p:nvSpPr>
+        <p:spPr>
+          <a:xfrm>
+            <a:off x="4003089" y="1995251"/>
+            <a:ext cx="2538274" cy="1708212"/>
+          </a:xfrm>
+          <a:prstGeom prst="rect">
+            <a:avLst/>
+          </a:prstGeom>
+        </p:spPr>
+        <p:style>
+          <a:lnRef idx="2">
+            <a:schemeClr val="accent1"/>
+          </a:lnRef>
+          <a:fillRef idx="1">
+            <a:schemeClr val="lt1"/>
+          </a:fillRef>
+          <a:effectRef idx="0">
+            <a:schemeClr val="accent1"/>
+          </a:effectRef>
+          <a:fontRef idx="minor">
+            <a:schemeClr val="dk1"/>
+          </a:fontRef>
+        </p:style>
+        <p:txBody>
+          <a:bodyPr rtlCol="0" anchor="ctr"/>
+          <a:lstStyle/>
+          <a:p>
+            <a:pPr algn="ctr"/>
+            <a:r>
+              <a:rPr lang="en-US" dirty="0" err="1" smtClean="0"/>
+              <a:t>ResiOnlineService</a:t>
+            </a:r>
+            <a:endParaRPr lang="en-US" dirty="0" smtClean="0"/>
+          </a:p>
+          <a:p>
+            <a:pPr algn="ctr"/>
+            <a:endParaRPr lang="en-US" dirty="0"/>
+          </a:p>
+          <a:p>
+            <a:pPr algn="ctr"/>
+            <a:endParaRPr lang="en-US" dirty="0" smtClean="0"/>
+          </a:p>
+          <a:p>
+            <a:pPr algn="ctr"/>
+            <a:endParaRPr lang="en-US" dirty="0"/>
+          </a:p>
+          <a:p>
+            <a:pPr algn="ctr"/>
+            <a:endParaRPr lang="en-US" dirty="0" smtClean="0"/>
+          </a:p>
+          <a:p>
+            <a:pPr algn="ctr"/>
+            <a:endParaRPr lang="en-US" dirty="0"/>
+          </a:p>
+        </p:txBody>
+      </p:sp>
+      <p:sp>
+        <p:nvSpPr>
+          <p:cNvPr id="2" name="Title 1"/>
+          <p:cNvSpPr>
+            <a:spLocks noGrp="1"/>
+          </p:cNvSpPr>
+          <p:nvPr>
+            <p:ph type="title"/>
+          </p:nvPr>
+        </p:nvSpPr>
+        <p:spPr/>
+        <p:txBody>
+          <a:bodyPr/>
+          <a:lstStyle/>
+          <a:p>
+            <a:r>
+              <a:rPr lang="en-US" dirty="0" smtClean="0"/>
+              <a:t>How has it been done?</a:t>
+            </a:r>
+            <a:endParaRPr lang="en-US" dirty="0"/>
+          </a:p>
+        </p:txBody>
+      </p:sp>
+      <p:sp>
+        <p:nvSpPr>
+          <p:cNvPr id="3" name="Content Placeholder 2"/>
+          <p:cNvSpPr>
+            <a:spLocks noGrp="1"/>
+          </p:cNvSpPr>
+          <p:nvPr>
+            <p:ph idx="1"/>
+          </p:nvPr>
+        </p:nvSpPr>
+        <p:spPr/>
+        <p:txBody>
+          <a:bodyPr/>
+          <a:lstStyle/>
+          <a:p>
+            <a:r>
+              <a:rPr lang="en-US" dirty="0" smtClean="0"/>
+              <a:t>Pre-ORM</a:t>
+            </a:r>
+            <a:endParaRPr lang="en-US" dirty="0"/>
+          </a:p>
+          <a:p>
+            <a:endParaRPr lang="en-US" dirty="0"/>
+          </a:p>
+        </p:txBody>
+      </p:sp>
+      <p:sp>
+        <p:nvSpPr>
+          <p:cNvPr id="4" name="Can 3"/>
+          <p:cNvSpPr/>
+          <p:nvPr/>
+        </p:nvSpPr>
+        <p:spPr>
+          <a:xfrm>
+            <a:off x="6553200" y="4953000"/>
+            <a:ext cx="1066800" cy="914400"/>
+          </a:xfrm>
+          <a:prstGeom prst="can">
+            <a:avLst/>
+          </a:prstGeom>
+        </p:spPr>
+        <p:style>
+          <a:lnRef idx="2">
+            <a:schemeClr val="accent1"/>
+          </a:lnRef>
+          <a:fillRef idx="1">
+            <a:schemeClr val="lt1"/>
+          </a:fillRef>
+          <a:effectRef idx="0">
+            <a:schemeClr val="accent1"/>
+          </a:effectRef>
+          <a:fontRef idx="minor">
+            <a:schemeClr val="dk1"/>
+          </a:fontRef>
+        </p:style>
+        <p:txBody>
+          <a:bodyPr rtlCol="0" anchor="ctr"/>
+          <a:lstStyle/>
+          <a:p>
+            <a:pPr algn="ctr"/>
+            <a:endParaRPr lang="en-US"/>
+          </a:p>
+        </p:txBody>
+      </p:sp>
+      <p:sp>
+        <p:nvSpPr>
+          <p:cNvPr id="5" name="Rectangle 4"/>
+          <p:cNvSpPr/>
+          <p:nvPr/>
+        </p:nvSpPr>
+        <p:spPr>
+          <a:xfrm>
+            <a:off x="6019800" y="4084463"/>
+            <a:ext cx="2133600" cy="381000"/>
+          </a:xfrm>
+          <a:prstGeom prst="rect">
+            <a:avLst/>
+          </a:prstGeom>
+        </p:spPr>
+        <p:style>
+          <a:lnRef idx="2">
+            <a:schemeClr val="accent1"/>
+          </a:lnRef>
+          <a:fillRef idx="1">
+            <a:schemeClr val="lt1"/>
+          </a:fillRef>
+          <a:effectRef idx="0">
+            <a:schemeClr val="accent1"/>
+          </a:effectRef>
+          <a:fontRef idx="minor">
+            <a:schemeClr val="dk1"/>
+          </a:fontRef>
+        </p:style>
+        <p:txBody>
+          <a:bodyPr rtlCol="0" anchor="ctr"/>
+          <a:lstStyle/>
+          <a:p>
+            <a:pPr algn="ctr"/>
+            <a:r>
+              <a:rPr lang="en-US" dirty="0" smtClean="0"/>
+              <a:t>Stored Procedure</a:t>
+            </a:r>
+            <a:endParaRPr lang="en-US" dirty="0"/>
+          </a:p>
+        </p:txBody>
+      </p:sp>
+      <p:sp>
+        <p:nvSpPr>
+          <p:cNvPr id="6" name="Rectangle 5"/>
+          <p:cNvSpPr/>
+          <p:nvPr/>
+        </p:nvSpPr>
+        <p:spPr>
+          <a:xfrm>
+            <a:off x="4573480" y="2468357"/>
+            <a:ext cx="2133600" cy="381000"/>
+          </a:xfrm>
+          <a:prstGeom prst="rect">
+            <a:avLst/>
+          </a:prstGeom>
+        </p:spPr>
+        <p:style>
+          <a:lnRef idx="2">
+            <a:schemeClr val="accent1"/>
+          </a:lnRef>
+          <a:fillRef idx="1">
+            <a:schemeClr val="lt1"/>
+          </a:fillRef>
+          <a:effectRef idx="0">
+            <a:schemeClr val="accent1"/>
+          </a:effectRef>
+          <a:fontRef idx="minor">
+            <a:schemeClr val="dk1"/>
+          </a:fontRef>
+        </p:style>
+        <p:txBody>
+          <a:bodyPr rtlCol="0" anchor="ctr"/>
+          <a:lstStyle/>
+          <a:p>
+            <a:pPr algn="ctr"/>
+            <a:r>
+              <a:rPr lang="en-US" dirty="0" smtClean="0"/>
+              <a:t>Data Manager</a:t>
+            </a:r>
+            <a:endParaRPr lang="en-US" dirty="0"/>
+          </a:p>
+        </p:txBody>
+      </p:sp>
+      <p:sp>
+        <p:nvSpPr>
+          <p:cNvPr id="8" name="Rectangle 7"/>
+          <p:cNvSpPr/>
+          <p:nvPr/>
+        </p:nvSpPr>
+        <p:spPr>
+          <a:xfrm>
+            <a:off x="3872144" y="3151928"/>
+            <a:ext cx="2133600" cy="381000"/>
+          </a:xfrm>
+          <a:prstGeom prst="rect">
+            <a:avLst/>
+          </a:prstGeom>
+        </p:spPr>
+        <p:style>
+          <a:lnRef idx="2">
+            <a:schemeClr val="accent1"/>
+          </a:lnRef>
+          <a:fillRef idx="1">
+            <a:schemeClr val="lt1"/>
+          </a:fillRef>
+          <a:effectRef idx="0">
+            <a:schemeClr val="accent1"/>
+          </a:effectRef>
+          <a:fontRef idx="minor">
+            <a:schemeClr val="dk1"/>
+          </a:fontRef>
+        </p:style>
+        <p:txBody>
+          <a:bodyPr rtlCol="0" anchor="ctr"/>
+          <a:lstStyle/>
+          <a:p>
+            <a:pPr algn="ctr"/>
+            <a:r>
+              <a:rPr lang="en-US" dirty="0" smtClean="0"/>
+              <a:t>Residential Data</a:t>
+            </a:r>
+            <a:endParaRPr lang="en-US" dirty="0"/>
+          </a:p>
+        </p:txBody>
+      </p:sp>
+      <p:sp>
+        <p:nvSpPr>
+          <p:cNvPr id="9" name="Rectangle 8"/>
+          <p:cNvSpPr/>
+          <p:nvPr/>
+        </p:nvSpPr>
+        <p:spPr>
+          <a:xfrm>
+            <a:off x="457200" y="2704355"/>
+            <a:ext cx="2538274" cy="1708212"/>
+          </a:xfrm>
+          <a:prstGeom prst="rect">
+            <a:avLst/>
+          </a:prstGeom>
+        </p:spPr>
+        <p:style>
+          <a:lnRef idx="2">
+            <a:schemeClr val="accent1"/>
+          </a:lnRef>
+          <a:fillRef idx="1">
+            <a:schemeClr val="lt1"/>
+          </a:fillRef>
+          <a:effectRef idx="0">
+            <a:schemeClr val="accent1"/>
+          </a:effectRef>
+          <a:fontRef idx="minor">
+            <a:schemeClr val="dk1"/>
+          </a:fontRef>
+        </p:style>
+        <p:txBody>
+          <a:bodyPr rtlCol="0" anchor="ctr"/>
+          <a:lstStyle/>
+          <a:p>
+            <a:pPr algn="ctr"/>
+            <a:r>
+              <a:rPr lang="en-US" dirty="0" smtClean="0"/>
+              <a:t>Application</a:t>
+            </a:r>
+          </a:p>
+          <a:p>
+            <a:pPr algn="ctr"/>
+            <a:endParaRPr lang="en-US" dirty="0"/>
+          </a:p>
+          <a:p>
+            <a:pPr algn="ctr"/>
+            <a:endParaRPr lang="en-US" dirty="0" smtClean="0"/>
+          </a:p>
+          <a:p>
+            <a:pPr algn="ctr"/>
+            <a:endParaRPr lang="en-US" dirty="0"/>
+          </a:p>
+          <a:p>
+            <a:pPr algn="ctr"/>
+            <a:endParaRPr lang="en-US" dirty="0" smtClean="0"/>
+          </a:p>
+          <a:p>
+            <a:pPr algn="ctr"/>
+            <a:endParaRPr lang="en-US" dirty="0"/>
+          </a:p>
+        </p:txBody>
+      </p:sp>
+      <p:sp>
+        <p:nvSpPr>
+          <p:cNvPr id="10" name="Rectangle 9"/>
+          <p:cNvSpPr/>
+          <p:nvPr/>
+        </p:nvSpPr>
+        <p:spPr>
+          <a:xfrm>
+            <a:off x="990600" y="3703463"/>
+            <a:ext cx="2133600" cy="381000"/>
+          </a:xfrm>
+          <a:prstGeom prst="rect">
+            <a:avLst/>
+          </a:prstGeom>
+        </p:spPr>
+        <p:style>
+          <a:lnRef idx="2">
+            <a:schemeClr val="accent1"/>
+          </a:lnRef>
+          <a:fillRef idx="1">
+            <a:schemeClr val="lt1"/>
+          </a:fillRef>
+          <a:effectRef idx="0">
+            <a:schemeClr val="accent1"/>
+          </a:effectRef>
+          <a:fontRef idx="minor">
+            <a:schemeClr val="dk1"/>
+          </a:fontRef>
+        </p:style>
+        <p:txBody>
+          <a:bodyPr rtlCol="0" anchor="ctr"/>
+          <a:lstStyle/>
+          <a:p>
+            <a:pPr algn="ctr"/>
+            <a:r>
+              <a:rPr lang="en-US" dirty="0" smtClean="0"/>
+              <a:t>SMB API DLL</a:t>
+            </a:r>
+            <a:endParaRPr lang="en-US" dirty="0"/>
+          </a:p>
+        </p:txBody>
+      </p:sp>
+      <p:sp>
+        <p:nvSpPr>
+          <p:cNvPr id="11" name="Smiley Face 10"/>
+          <p:cNvSpPr/>
+          <p:nvPr/>
+        </p:nvSpPr>
+        <p:spPr>
+          <a:xfrm>
+            <a:off x="990600" y="5257800"/>
+            <a:ext cx="609600" cy="609600"/>
+          </a:xfrm>
+          <a:prstGeom prst="smileyFace">
+            <a:avLst/>
+          </a:prstGeom>
+        </p:spPr>
+        <p:style>
+          <a:lnRef idx="2">
+            <a:schemeClr val="accent1"/>
+          </a:lnRef>
+          <a:fillRef idx="1">
+            <a:schemeClr val="lt1"/>
+          </a:fillRef>
+          <a:effectRef idx="0">
+            <a:schemeClr val="accent1"/>
+          </a:effectRef>
+          <a:fontRef idx="minor">
+            <a:schemeClr val="dk1"/>
+          </a:fontRef>
+        </p:style>
+        <p:txBody>
+          <a:bodyPr rtlCol="0" anchor="ctr"/>
+          <a:lstStyle/>
+          <a:p>
+            <a:pPr algn="ctr"/>
+            <a:endParaRPr lang="en-US"/>
+          </a:p>
+        </p:txBody>
+      </p:sp>
+      <p:cxnSp>
+        <p:nvCxnSpPr>
+          <p:cNvPr id="13" name="Straight Arrow Connector 12"/>
+          <p:cNvCxnSpPr>
+            <a:stCxn id="11" idx="0"/>
+            <a:endCxn id="9" idx="2"/>
+          </p:cNvCxnSpPr>
+          <p:nvPr/>
+        </p:nvCxnSpPr>
+        <p:spPr>
+          <a:xfrm flipV="1">
+            <a:off x="1295400" y="4412567"/>
+            <a:ext cx="430937" cy="845233"/>
+          </a:xfrm>
+          <a:prstGeom prst="straightConnector1">
+            <a:avLst/>
+          </a:prstGeom>
+          <a:ln>
+            <a:tailEnd type="arrow"/>
+          </a:ln>
+        </p:spPr>
+        <p:style>
+          <a:lnRef idx="1">
+            <a:schemeClr val="accent1"/>
+          </a:lnRef>
+          <a:fillRef idx="0">
+            <a:schemeClr val="accent1"/>
+          </a:fillRef>
+          <a:effectRef idx="0">
+            <a:schemeClr val="accent1"/>
+          </a:effectRef>
+          <a:fontRef idx="minor">
+            <a:schemeClr val="tx1"/>
+          </a:fontRef>
+        </p:style>
+      </p:cxnSp>
+      <p:cxnSp>
+        <p:nvCxnSpPr>
+          <p:cNvPr id="19" name="Straight Arrow Connector 18"/>
+          <p:cNvCxnSpPr>
+            <a:stCxn id="10" idx="3"/>
+            <a:endCxn id="7" idx="1"/>
+          </p:cNvCxnSpPr>
+          <p:nvPr/>
+        </p:nvCxnSpPr>
+        <p:spPr>
+          <a:xfrm flipV="1">
+            <a:off x="3124200" y="2849357"/>
+            <a:ext cx="878889" cy="1044606"/>
+          </a:xfrm>
+          <a:prstGeom prst="straightConnector1">
+            <a:avLst/>
+          </a:prstGeom>
+          <a:ln>
+            <a:tailEnd type="arrow"/>
+          </a:ln>
+        </p:spPr>
+        <p:style>
+          <a:lnRef idx="1">
+            <a:schemeClr val="accent1"/>
+          </a:lnRef>
+          <a:fillRef idx="0">
+            <a:schemeClr val="accent1"/>
+          </a:fillRef>
+          <a:effectRef idx="0">
+            <a:schemeClr val="accent1"/>
+          </a:effectRef>
+          <a:fontRef idx="minor">
+            <a:schemeClr val="tx1"/>
+          </a:fontRef>
+        </p:style>
+      </p:cxnSp>
+      <p:cxnSp>
+        <p:nvCxnSpPr>
+          <p:cNvPr id="23" name="Straight Arrow Connector 22"/>
+          <p:cNvCxnSpPr>
+            <a:stCxn id="6" idx="3"/>
+            <a:endCxn id="5" idx="0"/>
+          </p:cNvCxnSpPr>
+          <p:nvPr/>
+        </p:nvCxnSpPr>
+        <p:spPr>
+          <a:xfrm>
+            <a:off x="6707080" y="2658857"/>
+            <a:ext cx="379520" cy="1425606"/>
+          </a:xfrm>
+          <a:prstGeom prst="straightConnector1">
+            <a:avLst/>
+          </a:prstGeom>
+          <a:ln>
+            <a:tailEnd type="arrow"/>
+          </a:ln>
+        </p:spPr>
+        <p:style>
+          <a:lnRef idx="1">
+            <a:schemeClr val="accent1"/>
+          </a:lnRef>
+          <a:fillRef idx="0">
+            <a:schemeClr val="accent1"/>
+          </a:fillRef>
+          <a:effectRef idx="0">
+            <a:schemeClr val="accent1"/>
+          </a:effectRef>
+          <a:fontRef idx="minor">
+            <a:schemeClr val="tx1"/>
+          </a:fontRef>
+        </p:style>
+      </p:cxnSp>
+      <p:cxnSp>
+        <p:nvCxnSpPr>
+          <p:cNvPr id="27" name="Straight Arrow Connector 26"/>
+          <p:cNvCxnSpPr>
+            <a:stCxn id="5" idx="2"/>
+            <a:endCxn id="4" idx="1"/>
+          </p:cNvCxnSpPr>
+          <p:nvPr/>
+        </p:nvCxnSpPr>
+        <p:spPr>
+          <a:xfrm>
+            <a:off x="7086600" y="4465463"/>
+            <a:ext cx="0" cy="487537"/>
+          </a:xfrm>
+          <a:prstGeom prst="straightConnector1">
+            <a:avLst/>
+          </a:prstGeom>
+          <a:ln>
+            <a:tailEnd type="arrow"/>
+          </a:ln>
+        </p:spPr>
+        <p:style>
+          <a:lnRef idx="1">
+            <a:schemeClr val="accent1"/>
+          </a:lnRef>
+          <a:fillRef idx="0">
+            <a:schemeClr val="accent1"/>
+          </a:fillRef>
+          <a:effectRef idx="0">
+            <a:schemeClr val="accent1"/>
+          </a:effectRef>
+          <a:fontRef idx="minor">
+            <a:schemeClr val="tx1"/>
+          </a:fontRef>
+        </p:style>
+      </p:cxnSp>
+      <p:cxnSp>
+        <p:nvCxnSpPr>
+          <p:cNvPr id="30" name="Straight Arrow Connector 29"/>
+          <p:cNvCxnSpPr>
+            <a:stCxn id="6" idx="2"/>
+            <a:endCxn id="8" idx="0"/>
+          </p:cNvCxnSpPr>
+          <p:nvPr/>
+        </p:nvCxnSpPr>
+        <p:spPr>
+          <a:xfrm flipH="1">
+            <a:off x="4938944" y="2849357"/>
+            <a:ext cx="701336" cy="302571"/>
+          </a:xfrm>
+          <a:prstGeom prst="straightConnector1">
+            <a:avLst/>
+          </a:prstGeom>
+          <a:ln>
+            <a:tailEnd type="arrow"/>
+          </a:ln>
+        </p:spPr>
+        <p:style>
+          <a:lnRef idx="1">
+            <a:schemeClr val="accent1"/>
+          </a:lnRef>
+          <a:fillRef idx="0">
+            <a:schemeClr val="accent1"/>
+          </a:fillRef>
+          <a:effectRef idx="0">
+            <a:schemeClr val="accent1"/>
+          </a:effectRef>
+          <a:fontRef idx="minor">
+            <a:schemeClr val="tx1"/>
+          </a:fontRef>
+        </p:style>
+      </p:cxnSp>
+      <p:cxnSp>
+        <p:nvCxnSpPr>
+          <p:cNvPr id="33" name="Straight Arrow Connector 32"/>
+          <p:cNvCxnSpPr>
+            <a:stCxn id="8" idx="1"/>
+            <a:endCxn id="10" idx="3"/>
+          </p:cNvCxnSpPr>
+          <p:nvPr/>
+        </p:nvCxnSpPr>
+        <p:spPr>
+          <a:xfrm flipH="1">
+            <a:off x="3124200" y="3342428"/>
+            <a:ext cx="747944" cy="551535"/>
+          </a:xfrm>
+          <a:prstGeom prst="straightConnector1">
+            <a:avLst/>
+          </a:prstGeom>
+          <a:ln>
+            <a:tailEnd type="arrow"/>
+          </a:ln>
+        </p:spPr>
+        <p:style>
+          <a:lnRef idx="1">
+            <a:schemeClr val="accent1"/>
+          </a:lnRef>
+          <a:fillRef idx="0">
+            <a:schemeClr val="accent1"/>
+          </a:fillRef>
+          <a:effectRef idx="0">
+            <a:schemeClr val="accent1"/>
+          </a:effectRef>
+          <a:fontRef idx="minor">
+            <a:schemeClr val="tx1"/>
+          </a:fontRef>
+        </p:style>
+      </p:cxnSp>
+      <p:cxnSp>
+        <p:nvCxnSpPr>
+          <p:cNvPr id="36" name="Straight Arrow Connector 35"/>
+          <p:cNvCxnSpPr>
+            <a:endCxn id="11" idx="7"/>
+          </p:cNvCxnSpPr>
+          <p:nvPr/>
+        </p:nvCxnSpPr>
+        <p:spPr>
+          <a:xfrm flipH="1">
+            <a:off x="1510926" y="4412567"/>
+            <a:ext cx="1079875" cy="934507"/>
+          </a:xfrm>
+          <a:prstGeom prst="straightConnector1">
+            <a:avLst/>
+          </a:prstGeom>
+          <a:ln>
+            <a:tailEnd type="arrow"/>
+          </a:ln>
+        </p:spPr>
+        <p:style>
+          <a:lnRef idx="1">
+            <a:schemeClr val="accent1"/>
+          </a:lnRef>
+          <a:fillRef idx="0">
+            <a:schemeClr val="accent1"/>
+          </a:fillRef>
+          <a:effectRef idx="0">
+            <a:schemeClr val="accent1"/>
+          </a:effectRef>
+          <a:fontRef idx="minor">
+            <a:schemeClr val="tx1"/>
+          </a:fontRef>
+        </p:style>
+      </p:cxnSp>
+      <p:sp>
+        <p:nvSpPr>
+          <p:cNvPr id="39" name="Heptagon 38"/>
+          <p:cNvSpPr/>
+          <p:nvPr/>
+        </p:nvSpPr>
+        <p:spPr>
+          <a:xfrm>
+            <a:off x="1170373" y="4762530"/>
+            <a:ext cx="250054" cy="234579"/>
+          </a:xfrm>
+          <a:prstGeom prst="heptagon">
+            <a:avLst/>
+          </a:prstGeom>
+        </p:spPr>
+        <p:style>
+          <a:lnRef idx="2">
+            <a:schemeClr val="accent1"/>
+          </a:lnRef>
+          <a:fillRef idx="1">
+            <a:schemeClr val="lt1"/>
+          </a:fillRef>
+          <a:effectRef idx="0">
+            <a:schemeClr val="accent1"/>
+          </a:effectRef>
+          <a:fontRef idx="minor">
+            <a:schemeClr val="dk1"/>
+          </a:fontRef>
+        </p:style>
+        <p:txBody>
+          <a:bodyPr rtlCol="0" anchor="ctr"/>
+          <a:lstStyle/>
+          <a:p>
+            <a:pPr algn="ctr"/>
+            <a:r>
+              <a:rPr lang="en-US" dirty="0" smtClean="0"/>
+              <a:t>1</a:t>
+            </a:r>
+            <a:endParaRPr lang="en-US" dirty="0"/>
+          </a:p>
+        </p:txBody>
+      </p:sp>
+      <p:sp>
+        <p:nvSpPr>
+          <p:cNvPr id="40" name="Heptagon 39"/>
+          <p:cNvSpPr/>
+          <p:nvPr/>
+        </p:nvSpPr>
+        <p:spPr>
+          <a:xfrm>
+            <a:off x="3438617" y="3009980"/>
+            <a:ext cx="250054" cy="234579"/>
+          </a:xfrm>
+          <a:prstGeom prst="heptagon">
+            <a:avLst/>
+          </a:prstGeom>
+        </p:spPr>
+        <p:style>
+          <a:lnRef idx="2">
+            <a:schemeClr val="accent1"/>
+          </a:lnRef>
+          <a:fillRef idx="1">
+            <a:schemeClr val="lt1"/>
+          </a:fillRef>
+          <a:effectRef idx="0">
+            <a:schemeClr val="accent1"/>
+          </a:effectRef>
+          <a:fontRef idx="minor">
+            <a:schemeClr val="dk1"/>
+          </a:fontRef>
+        </p:style>
+        <p:txBody>
+          <a:bodyPr rtlCol="0" anchor="ctr"/>
+          <a:lstStyle/>
+          <a:p>
+            <a:pPr algn="ctr"/>
+            <a:r>
+              <a:rPr lang="en-US" dirty="0" smtClean="0"/>
+              <a:t>2</a:t>
+            </a:r>
+            <a:endParaRPr lang="en-US" dirty="0"/>
+          </a:p>
+        </p:txBody>
+      </p:sp>
+      <p:sp>
+        <p:nvSpPr>
+          <p:cNvPr id="41" name="Heptagon 40"/>
+          <p:cNvSpPr/>
+          <p:nvPr/>
+        </p:nvSpPr>
+        <p:spPr>
+          <a:xfrm>
+            <a:off x="6896840" y="3107849"/>
+            <a:ext cx="250054" cy="234579"/>
+          </a:xfrm>
+          <a:prstGeom prst="heptagon">
+            <a:avLst/>
+          </a:prstGeom>
+        </p:spPr>
+        <p:style>
+          <a:lnRef idx="2">
+            <a:schemeClr val="accent1"/>
+          </a:lnRef>
+          <a:fillRef idx="1">
+            <a:schemeClr val="lt1"/>
+          </a:fillRef>
+          <a:effectRef idx="0">
+            <a:schemeClr val="accent1"/>
+          </a:effectRef>
+          <a:fontRef idx="minor">
+            <a:schemeClr val="dk1"/>
+          </a:fontRef>
+        </p:style>
+        <p:txBody>
+          <a:bodyPr rtlCol="0" anchor="ctr"/>
+          <a:lstStyle/>
+          <a:p>
+            <a:pPr algn="ctr"/>
+            <a:r>
+              <a:rPr lang="en-US" dirty="0" smtClean="0"/>
+              <a:t>3</a:t>
+            </a:r>
+            <a:endParaRPr lang="en-US" dirty="0"/>
+          </a:p>
+        </p:txBody>
+      </p:sp>
+      <p:sp>
+        <p:nvSpPr>
+          <p:cNvPr id="42" name="Heptagon 41"/>
+          <p:cNvSpPr/>
+          <p:nvPr/>
+        </p:nvSpPr>
+        <p:spPr>
+          <a:xfrm>
+            <a:off x="7146894" y="4591941"/>
+            <a:ext cx="250054" cy="234579"/>
+          </a:xfrm>
+          <a:prstGeom prst="heptagon">
+            <a:avLst/>
+          </a:prstGeom>
+        </p:spPr>
+        <p:style>
+          <a:lnRef idx="2">
+            <a:schemeClr val="accent1"/>
+          </a:lnRef>
+          <a:fillRef idx="1">
+            <a:schemeClr val="lt1"/>
+          </a:fillRef>
+          <a:effectRef idx="0">
+            <a:schemeClr val="accent1"/>
+          </a:effectRef>
+          <a:fontRef idx="minor">
+            <a:schemeClr val="dk1"/>
+          </a:fontRef>
+        </p:style>
+        <p:txBody>
+          <a:bodyPr rtlCol="0" anchor="ctr"/>
+          <a:lstStyle/>
+          <a:p>
+            <a:pPr algn="ctr"/>
+            <a:r>
+              <a:rPr lang="en-US" dirty="0" smtClean="0"/>
+              <a:t>4</a:t>
+            </a:r>
+            <a:endParaRPr lang="en-US" dirty="0"/>
+          </a:p>
+        </p:txBody>
+      </p:sp>
+      <p:sp>
+        <p:nvSpPr>
+          <p:cNvPr id="45" name="Heptagon 44"/>
+          <p:cNvSpPr/>
+          <p:nvPr/>
+        </p:nvSpPr>
+        <p:spPr>
+          <a:xfrm>
+            <a:off x="6227686" y="3323872"/>
+            <a:ext cx="250054" cy="234579"/>
+          </a:xfrm>
+          <a:prstGeom prst="heptagon">
+            <a:avLst/>
+          </a:prstGeom>
+        </p:spPr>
+        <p:style>
+          <a:lnRef idx="2">
+            <a:schemeClr val="accent1"/>
+          </a:lnRef>
+          <a:fillRef idx="1">
+            <a:schemeClr val="lt1"/>
+          </a:fillRef>
+          <a:effectRef idx="0">
+            <a:schemeClr val="accent1"/>
+          </a:effectRef>
+          <a:fontRef idx="minor">
+            <a:schemeClr val="dk1"/>
+          </a:fontRef>
+        </p:style>
+        <p:txBody>
+          <a:bodyPr rtlCol="0" anchor="ctr"/>
+          <a:lstStyle/>
+          <a:p>
+            <a:pPr algn="ctr"/>
+            <a:r>
+              <a:rPr lang="en-US" dirty="0" smtClean="0"/>
+              <a:t>5</a:t>
+            </a:r>
+            <a:endParaRPr lang="en-US" dirty="0"/>
+          </a:p>
+        </p:txBody>
+      </p:sp>
+      <p:cxnSp>
+        <p:nvCxnSpPr>
+          <p:cNvPr id="46" name="Straight Arrow Connector 45"/>
+          <p:cNvCxnSpPr/>
+          <p:nvPr/>
+        </p:nvCxnSpPr>
+        <p:spPr>
+          <a:xfrm flipH="1" flipV="1">
+            <a:off x="6248400" y="2883352"/>
+            <a:ext cx="458680" cy="1201111"/>
+          </a:xfrm>
+          <a:prstGeom prst="straightConnector1">
+            <a:avLst/>
+          </a:prstGeom>
+          <a:ln>
+            <a:tailEnd type="arrow"/>
+          </a:ln>
+        </p:spPr>
+        <p:style>
+          <a:lnRef idx="1">
+            <a:schemeClr val="accent1"/>
+          </a:lnRef>
+          <a:fillRef idx="0">
+            <a:schemeClr val="accent1"/>
+          </a:fillRef>
+          <a:effectRef idx="0">
+            <a:schemeClr val="accent1"/>
+          </a:effectRef>
+          <a:fontRef idx="minor">
+            <a:schemeClr val="tx1"/>
+          </a:fontRef>
+        </p:style>
+      </p:cxnSp>
+      <p:sp>
+        <p:nvSpPr>
+          <p:cNvPr id="51" name="Heptagon 50"/>
+          <p:cNvSpPr/>
+          <p:nvPr/>
+        </p:nvSpPr>
+        <p:spPr>
+          <a:xfrm>
+            <a:off x="5415380" y="2892690"/>
+            <a:ext cx="250054" cy="234579"/>
+          </a:xfrm>
+          <a:prstGeom prst="heptagon">
+            <a:avLst/>
+          </a:prstGeom>
+        </p:spPr>
+        <p:style>
+          <a:lnRef idx="2">
+            <a:schemeClr val="accent1"/>
+          </a:lnRef>
+          <a:fillRef idx="1">
+            <a:schemeClr val="lt1"/>
+          </a:fillRef>
+          <a:effectRef idx="0">
+            <a:schemeClr val="accent1"/>
+          </a:effectRef>
+          <a:fontRef idx="minor">
+            <a:schemeClr val="dk1"/>
+          </a:fontRef>
+        </p:style>
+        <p:txBody>
+          <a:bodyPr rtlCol="0" anchor="ctr"/>
+          <a:lstStyle/>
+          <a:p>
+            <a:pPr algn="ctr"/>
+            <a:r>
+              <a:rPr lang="en-US" dirty="0" smtClean="0"/>
+              <a:t>6</a:t>
+            </a:r>
+            <a:endParaRPr lang="en-US" dirty="0"/>
+          </a:p>
+        </p:txBody>
+      </p:sp>
+      <p:sp>
+        <p:nvSpPr>
+          <p:cNvPr id="52" name="Heptagon 51"/>
+          <p:cNvSpPr/>
+          <p:nvPr/>
+        </p:nvSpPr>
+        <p:spPr>
+          <a:xfrm>
+            <a:off x="3498172" y="3593561"/>
+            <a:ext cx="250054" cy="234579"/>
+          </a:xfrm>
+          <a:prstGeom prst="heptagon">
+            <a:avLst/>
+          </a:prstGeom>
+        </p:spPr>
+        <p:style>
+          <a:lnRef idx="2">
+            <a:schemeClr val="accent1"/>
+          </a:lnRef>
+          <a:fillRef idx="1">
+            <a:schemeClr val="lt1"/>
+          </a:fillRef>
+          <a:effectRef idx="0">
+            <a:schemeClr val="accent1"/>
+          </a:effectRef>
+          <a:fontRef idx="minor">
+            <a:schemeClr val="dk1"/>
+          </a:fontRef>
+        </p:style>
+        <p:txBody>
+          <a:bodyPr rtlCol="0" anchor="ctr"/>
+          <a:lstStyle/>
+          <a:p>
+            <a:pPr algn="ctr"/>
+            <a:r>
+              <a:rPr lang="en-US" dirty="0" smtClean="0"/>
+              <a:t>7</a:t>
+            </a:r>
+            <a:endParaRPr lang="en-US" dirty="0"/>
+          </a:p>
+        </p:txBody>
+      </p:sp>
+      <p:sp>
+        <p:nvSpPr>
+          <p:cNvPr id="53" name="Heptagon 52"/>
+          <p:cNvSpPr/>
+          <p:nvPr/>
+        </p:nvSpPr>
+        <p:spPr>
+          <a:xfrm>
+            <a:off x="2034587" y="4879820"/>
+            <a:ext cx="250054" cy="234579"/>
+          </a:xfrm>
+          <a:prstGeom prst="heptagon">
+            <a:avLst/>
+          </a:prstGeom>
+        </p:spPr>
+        <p:style>
+          <a:lnRef idx="2">
+            <a:schemeClr val="accent1"/>
+          </a:lnRef>
+          <a:fillRef idx="1">
+            <a:schemeClr val="lt1"/>
+          </a:fillRef>
+          <a:effectRef idx="0">
+            <a:schemeClr val="accent1"/>
+          </a:effectRef>
+          <a:fontRef idx="minor">
+            <a:schemeClr val="dk1"/>
+          </a:fontRef>
+        </p:style>
+        <p:txBody>
+          <a:bodyPr rtlCol="0" anchor="ctr"/>
+          <a:lstStyle/>
+          <a:p>
+            <a:pPr algn="ctr"/>
+            <a:r>
+              <a:rPr lang="en-US" dirty="0" smtClean="0"/>
+              <a:t>8</a:t>
+            </a:r>
+            <a:endParaRPr lang="en-US" dirty="0"/>
+          </a:p>
+        </p:txBody>
+      </p:sp>
+      <p:sp>
+        <p:nvSpPr>
+          <p:cNvPr id="54" name="Lightning Bolt 53"/>
+          <p:cNvSpPr/>
+          <p:nvPr/>
+        </p:nvSpPr>
+        <p:spPr>
+          <a:xfrm rot="13420779">
+            <a:off x="4855076" y="3148878"/>
+            <a:ext cx="577481" cy="1492548"/>
+          </a:xfrm>
+          <a:prstGeom prst="lightningBolt">
+            <a:avLst/>
+          </a:prstGeom>
+        </p:spPr>
+        <p:style>
+          <a:lnRef idx="2">
+            <a:schemeClr val="accent6">
+              <a:shade val="50000"/>
+            </a:schemeClr>
+          </a:lnRef>
+          <a:fillRef idx="1">
+            <a:schemeClr val="accent6"/>
+          </a:fillRef>
+          <a:effectRef idx="0">
+            <a:schemeClr val="accent6"/>
+          </a:effectRef>
+          <a:fontRef idx="minor">
+            <a:schemeClr val="lt1"/>
+          </a:fontRef>
+        </p:style>
+        <p:txBody>
+          <a:bodyPr rtlCol="0" anchor="ctr"/>
+          <a:lstStyle/>
+          <a:p>
+            <a:pPr algn="ctr"/>
+            <a:endParaRPr lang="en-US"/>
+          </a:p>
+        </p:txBody>
+      </p:sp>
+      <p:sp>
+        <p:nvSpPr>
+          <p:cNvPr id="55" name="TextBox 54"/>
+          <p:cNvSpPr txBox="1"/>
+          <p:nvPr/>
+        </p:nvSpPr>
+        <p:spPr>
+          <a:xfrm>
+            <a:off x="3825060" y="4429303"/>
+            <a:ext cx="2042974" cy="369332"/>
+          </a:xfrm>
+          <a:prstGeom prst="rect">
+            <a:avLst/>
+          </a:prstGeom>
+          <a:noFill/>
+        </p:spPr>
+        <p:txBody>
+          <a:bodyPr wrap="square" rtlCol="0">
+            <a:spAutoFit/>
+          </a:bodyPr>
+          <a:lstStyle/>
+          <a:p>
+            <a:r>
+              <a:rPr lang="en-US" dirty="0" smtClean="0"/>
+              <a:t>O-R Mapping</a:t>
+            </a:r>
+            <a:endParaRPr lang="en-US" dirty="0"/>
+          </a:p>
+        </p:txBody>
+      </p:sp>
+    </p:spTree>
+    <p:extLst>
+      <p:ext uri="{BB962C8B-B14F-4D97-AF65-F5344CB8AC3E}">
+        <p14:creationId xmlns:p14="http://schemas.microsoft.com/office/powerpoint/2010/main" val="1057406908"/>
+      </p:ext>
+    </p:extLst>
+  </p:cSld>
+  <p:clrMapOvr>
+    <a:masterClrMapping/>
+  </p:clrMapOvr>
+  <p:timing>
+    <p:tnLst>
+      <p:par>
+        <p:cTn id="1" dur="indefinite" restart="never" nodeType="tmRoot"/>
+      </p:par>
+    </p:tnLst>
+  </p:timing>
+</p:sld>
+</file>
+
+<file path=ppt/slides/slide16.xml><?xml version="1.0" encoding="utf-8"?>
+<p:sld xmlns:a="http://schemas.openxmlformats.org/drawingml/2006/main" xmlns:r="http://schemas.openxmlformats.org/officeDocument/2006/relationships" xmlns:p="http://schemas.openxmlformats.org/presentationml/2006/main">
+  <p:cSld>
+    <p:spTree>
+      <p:nvGrpSpPr>
+        <p:cNvPr id="1" name=""/>
+        <p:cNvGrpSpPr/>
+        <p:nvPr/>
+      </p:nvGrpSpPr>
+      <p:grpSpPr>
+        <a:xfrm>
+          <a:off x="0" y="0"/>
+          <a:ext cx="0" cy="0"/>
+          <a:chOff x="0" y="0"/>
+          <a:chExt cx="0" cy="0"/>
+        </a:xfrm>
+      </p:grpSpPr>
+      <p:sp>
+        <p:nvSpPr>
+          <p:cNvPr id="2" name="Title 1"/>
+          <p:cNvSpPr>
+            <a:spLocks noGrp="1"/>
+          </p:cNvSpPr>
+          <p:nvPr>
+            <p:ph type="title"/>
+          </p:nvPr>
+        </p:nvSpPr>
+        <p:spPr/>
+        <p:txBody>
+          <a:bodyPr/>
+          <a:lstStyle/>
+          <a:p>
+            <a:r>
+              <a:rPr lang="en-US" dirty="0" smtClean="0"/>
+              <a:t>How has it been done?</a:t>
+            </a:r>
+            <a:endParaRPr lang="en-US" dirty="0"/>
+          </a:p>
+        </p:txBody>
+      </p:sp>
+      <p:sp>
+        <p:nvSpPr>
+          <p:cNvPr id="3" name="Content Placeholder 2"/>
+          <p:cNvSpPr>
+            <a:spLocks noGrp="1"/>
+          </p:cNvSpPr>
+          <p:nvPr>
+            <p:ph idx="1"/>
+          </p:nvPr>
+        </p:nvSpPr>
+        <p:spPr>
+          <a:xfrm>
+            <a:off x="457200" y="2743200"/>
+            <a:ext cx="8229600" cy="3382963"/>
+          </a:xfrm>
+        </p:spPr>
+        <p:txBody>
+          <a:bodyPr>
+            <a:noAutofit/>
+          </a:bodyPr>
+          <a:lstStyle/>
+          <a:p>
+            <a:pPr marL="0" indent="0">
+              <a:buNone/>
+            </a:pPr>
+            <a:r>
+              <a:rPr lang="en-US" sz="1800" dirty="0" err="1" smtClean="0">
+                <a:latin typeface="Consolas" pitchFamily="49" charset="0"/>
+                <a:cs typeface="Consolas" pitchFamily="49" charset="0"/>
+              </a:rPr>
+              <a:t>var</a:t>
+            </a:r>
+            <a:r>
+              <a:rPr lang="en-US" sz="1800" dirty="0" smtClean="0">
+                <a:latin typeface="Consolas" pitchFamily="49" charset="0"/>
+                <a:cs typeface="Consolas" pitchFamily="49" charset="0"/>
+              </a:rPr>
+              <a:t> </a:t>
+            </a:r>
+            <a:r>
+              <a:rPr lang="en-US" sz="1800" dirty="0" err="1" smtClean="0">
+                <a:latin typeface="Consolas" pitchFamily="49" charset="0"/>
+                <a:cs typeface="Consolas" pitchFamily="49" charset="0"/>
+              </a:rPr>
+              <a:t>proc</a:t>
+            </a:r>
+            <a:r>
+              <a:rPr lang="en-US" sz="1800" dirty="0" smtClean="0">
+                <a:latin typeface="Consolas" pitchFamily="49" charset="0"/>
+                <a:cs typeface="Consolas" pitchFamily="49" charset="0"/>
+              </a:rPr>
+              <a:t> = "OLN.PKG_Residential_LookUps.SP2_GetResponseData";</a:t>
+            </a:r>
+          </a:p>
+          <a:p>
+            <a:pPr marL="0" indent="0">
+              <a:buNone/>
+            </a:pPr>
+            <a:r>
+              <a:rPr lang="en-US" sz="1800" dirty="0" err="1" smtClean="0">
+                <a:latin typeface="Consolas" pitchFamily="49" charset="0"/>
+                <a:cs typeface="Consolas" pitchFamily="49" charset="0"/>
+              </a:rPr>
+              <a:t>ResponseData</a:t>
+            </a:r>
+            <a:r>
+              <a:rPr lang="en-US" sz="1800" dirty="0" smtClean="0">
+                <a:latin typeface="Consolas" pitchFamily="49" charset="0"/>
+                <a:cs typeface="Consolas" pitchFamily="49" charset="0"/>
+              </a:rPr>
+              <a:t> </a:t>
+            </a:r>
+            <a:r>
+              <a:rPr lang="en-US" sz="1800" dirty="0">
+                <a:latin typeface="Consolas" pitchFamily="49" charset="0"/>
+                <a:cs typeface="Consolas" pitchFamily="49" charset="0"/>
+              </a:rPr>
+              <a:t>data = new </a:t>
+            </a:r>
+            <a:r>
+              <a:rPr lang="en-US" sz="1800" dirty="0" err="1">
+                <a:latin typeface="Consolas" pitchFamily="49" charset="0"/>
+                <a:cs typeface="Consolas" pitchFamily="49" charset="0"/>
+              </a:rPr>
+              <a:t>ResponseData</a:t>
+            </a:r>
+            <a:r>
+              <a:rPr lang="en-US" sz="1800" dirty="0" smtClean="0">
+                <a:latin typeface="Consolas" pitchFamily="49" charset="0"/>
+                <a:cs typeface="Consolas" pitchFamily="49" charset="0"/>
+              </a:rPr>
+              <a:t>(); // object to be filled</a:t>
+            </a:r>
+            <a:endParaRPr lang="en-US" sz="1800" dirty="0">
+              <a:latin typeface="Consolas" pitchFamily="49" charset="0"/>
+              <a:cs typeface="Consolas" pitchFamily="49" charset="0"/>
+            </a:endParaRPr>
+          </a:p>
+          <a:p>
+            <a:pPr marL="0" indent="0">
+              <a:buNone/>
+            </a:pPr>
+            <a:endParaRPr lang="en-US" sz="1800" dirty="0" smtClean="0">
+              <a:latin typeface="Consolas" pitchFamily="49" charset="0"/>
+              <a:cs typeface="Consolas" pitchFamily="49" charset="0"/>
+            </a:endParaRPr>
+          </a:p>
+          <a:p>
+            <a:pPr marL="0" indent="0">
+              <a:buNone/>
+            </a:pPr>
+            <a:r>
+              <a:rPr lang="en-US" sz="1800" dirty="0" smtClean="0">
+                <a:latin typeface="Consolas" pitchFamily="49" charset="0"/>
+                <a:cs typeface="Consolas" pitchFamily="49" charset="0"/>
+              </a:rPr>
+              <a:t>... // get data</a:t>
+            </a:r>
+          </a:p>
+          <a:p>
+            <a:pPr marL="0" indent="0">
+              <a:buNone/>
+            </a:pPr>
+            <a:r>
+              <a:rPr lang="en-US" sz="1800" dirty="0" smtClean="0">
+                <a:latin typeface="Consolas" pitchFamily="49" charset="0"/>
+                <a:cs typeface="Consolas" pitchFamily="49" charset="0"/>
+              </a:rPr>
+              <a:t>ds </a:t>
+            </a:r>
+            <a:r>
+              <a:rPr lang="en-US" sz="1800" dirty="0">
+                <a:latin typeface="Consolas" pitchFamily="49" charset="0"/>
+                <a:cs typeface="Consolas" pitchFamily="49" charset="0"/>
+              </a:rPr>
+              <a:t>= </a:t>
+            </a:r>
+            <a:r>
+              <a:rPr lang="en-US" sz="1800" dirty="0" err="1">
+                <a:latin typeface="Consolas" pitchFamily="49" charset="0"/>
+                <a:cs typeface="Consolas" pitchFamily="49" charset="0"/>
+              </a:rPr>
+              <a:t>oda.GetDataSet</a:t>
+            </a:r>
+            <a:r>
+              <a:rPr lang="en-US" sz="1800" dirty="0">
+                <a:latin typeface="Consolas" pitchFamily="49" charset="0"/>
+                <a:cs typeface="Consolas" pitchFamily="49" charset="0"/>
+              </a:rPr>
+              <a:t>(</a:t>
+            </a:r>
+            <a:r>
+              <a:rPr lang="en-US" sz="1800" dirty="0" err="1">
+                <a:latin typeface="Consolas" pitchFamily="49" charset="0"/>
+                <a:cs typeface="Consolas" pitchFamily="49" charset="0"/>
+              </a:rPr>
+              <a:t>dbInfo</a:t>
+            </a:r>
+            <a:r>
+              <a:rPr lang="en-US" sz="1800" dirty="0">
+                <a:latin typeface="Consolas" pitchFamily="49" charset="0"/>
+                <a:cs typeface="Consolas" pitchFamily="49" charset="0"/>
+              </a:rPr>
+              <a:t>);</a:t>
+            </a:r>
+          </a:p>
+          <a:p>
+            <a:pPr marL="0" indent="0">
+              <a:buNone/>
+            </a:pPr>
+            <a:endParaRPr lang="en-US" sz="1800" dirty="0" smtClean="0">
+              <a:latin typeface="Consolas" pitchFamily="49" charset="0"/>
+              <a:cs typeface="Consolas" pitchFamily="49" charset="0"/>
+            </a:endParaRPr>
+          </a:p>
+          <a:p>
+            <a:pPr marL="0" indent="0">
+              <a:buNone/>
+            </a:pPr>
+            <a:r>
+              <a:rPr lang="en-US" sz="1800" dirty="0" err="1" smtClean="0">
+                <a:latin typeface="Consolas" pitchFamily="49" charset="0"/>
+                <a:cs typeface="Consolas" pitchFamily="49" charset="0"/>
+              </a:rPr>
+              <a:t>data.BillTypeCode</a:t>
+            </a:r>
+            <a:r>
+              <a:rPr lang="en-US" sz="1800" dirty="0" smtClean="0">
+                <a:latin typeface="Consolas" pitchFamily="49" charset="0"/>
+                <a:cs typeface="Consolas" pitchFamily="49" charset="0"/>
+              </a:rPr>
+              <a:t> = (</a:t>
+            </a:r>
+            <a:r>
+              <a:rPr lang="en-US" sz="1800" dirty="0" err="1" smtClean="0">
+                <a:latin typeface="Consolas" pitchFamily="49" charset="0"/>
+                <a:cs typeface="Consolas" pitchFamily="49" charset="0"/>
+              </a:rPr>
+              <a:t>ds.Tables</a:t>
+            </a:r>
+            <a:r>
+              <a:rPr lang="en-US" sz="1800" dirty="0" smtClean="0">
+                <a:latin typeface="Consolas" pitchFamily="49" charset="0"/>
+                <a:cs typeface="Consolas" pitchFamily="49" charset="0"/>
+              </a:rPr>
+              <a:t>[0].Rows[0]["</a:t>
+            </a:r>
+            <a:r>
+              <a:rPr lang="en-US" sz="1800" dirty="0" err="1" smtClean="0">
+                <a:latin typeface="Consolas" pitchFamily="49" charset="0"/>
+                <a:cs typeface="Consolas" pitchFamily="49" charset="0"/>
+              </a:rPr>
+              <a:t>Bill_TYPE_CODE</a:t>
+            </a:r>
+            <a:r>
+              <a:rPr lang="en-US" sz="1800" dirty="0" smtClean="0">
+                <a:latin typeface="Consolas" pitchFamily="49" charset="0"/>
+                <a:cs typeface="Consolas" pitchFamily="49" charset="0"/>
+              </a:rPr>
+              <a:t>"]);</a:t>
+            </a:r>
+          </a:p>
+          <a:p>
+            <a:pPr marL="0" indent="0">
+              <a:buNone/>
+            </a:pPr>
+            <a:r>
+              <a:rPr lang="en-US" sz="1800" dirty="0" err="1" smtClean="0">
+                <a:latin typeface="Consolas" pitchFamily="49" charset="0"/>
+                <a:cs typeface="Consolas" pitchFamily="49" charset="0"/>
+              </a:rPr>
+              <a:t>data.PromoPlanID</a:t>
+            </a:r>
+            <a:r>
+              <a:rPr lang="en-US" sz="1800" dirty="0" smtClean="0">
+                <a:latin typeface="Consolas" pitchFamily="49" charset="0"/>
+                <a:cs typeface="Consolas" pitchFamily="49" charset="0"/>
+              </a:rPr>
+              <a:t> </a:t>
+            </a:r>
+            <a:r>
+              <a:rPr lang="en-US" sz="1800" dirty="0">
+                <a:latin typeface="Consolas" pitchFamily="49" charset="0"/>
+                <a:cs typeface="Consolas" pitchFamily="49" charset="0"/>
+              </a:rPr>
+              <a:t>= </a:t>
+            </a:r>
+            <a:r>
+              <a:rPr lang="en-US" sz="1800" dirty="0" smtClean="0">
+                <a:latin typeface="Consolas" pitchFamily="49" charset="0"/>
+                <a:cs typeface="Consolas" pitchFamily="49" charset="0"/>
+              </a:rPr>
+              <a:t>(</a:t>
+            </a:r>
+            <a:r>
+              <a:rPr lang="en-US" sz="1800" dirty="0" err="1" smtClean="0">
+                <a:latin typeface="Consolas" pitchFamily="49" charset="0"/>
+                <a:cs typeface="Consolas" pitchFamily="49" charset="0"/>
+              </a:rPr>
+              <a:t>ds.Tables</a:t>
+            </a:r>
+            <a:r>
+              <a:rPr lang="en-US" sz="1800" dirty="0" smtClean="0">
+                <a:latin typeface="Consolas" pitchFamily="49" charset="0"/>
+                <a:cs typeface="Consolas" pitchFamily="49" charset="0"/>
+              </a:rPr>
+              <a:t>[0</a:t>
+            </a:r>
+            <a:r>
+              <a:rPr lang="en-US" sz="1800" dirty="0">
+                <a:latin typeface="Consolas" pitchFamily="49" charset="0"/>
+                <a:cs typeface="Consolas" pitchFamily="49" charset="0"/>
+              </a:rPr>
+              <a:t>].Rows[0]["</a:t>
+            </a:r>
+            <a:r>
+              <a:rPr lang="en-US" sz="1800" dirty="0" err="1">
+                <a:latin typeface="Consolas" pitchFamily="49" charset="0"/>
+                <a:cs typeface="Consolas" pitchFamily="49" charset="0"/>
+              </a:rPr>
+              <a:t>promo_plan_id</a:t>
+            </a:r>
+            <a:r>
+              <a:rPr lang="en-US" sz="1800" dirty="0">
+                <a:latin typeface="Consolas" pitchFamily="49" charset="0"/>
+                <a:cs typeface="Consolas" pitchFamily="49" charset="0"/>
+              </a:rPr>
+              <a:t>"]);</a:t>
+            </a:r>
+          </a:p>
+          <a:p>
+            <a:pPr marL="0" indent="0">
+              <a:buNone/>
+            </a:pPr>
+            <a:endParaRPr lang="en-US" sz="1800" dirty="0" smtClean="0">
+              <a:latin typeface="Consolas" pitchFamily="49" charset="0"/>
+              <a:cs typeface="Consolas" pitchFamily="49" charset="0"/>
+            </a:endParaRPr>
+          </a:p>
+          <a:p>
+            <a:pPr marL="0" indent="0">
+              <a:buNone/>
+            </a:pPr>
+            <a:r>
+              <a:rPr lang="en-US" sz="1800" dirty="0" smtClean="0">
+                <a:latin typeface="Consolas" pitchFamily="49" charset="0"/>
+                <a:cs typeface="Consolas" pitchFamily="49" charset="0"/>
+              </a:rPr>
+              <a:t>...</a:t>
+            </a:r>
+            <a:endParaRPr lang="en-US" sz="1800" dirty="0">
+              <a:latin typeface="Consolas" pitchFamily="49" charset="0"/>
+              <a:cs typeface="Consolas" pitchFamily="49" charset="0"/>
+            </a:endParaRPr>
+          </a:p>
+          <a:p>
+            <a:pPr marL="0" indent="0">
+              <a:buNone/>
+            </a:pPr>
+            <a:r>
+              <a:rPr lang="en-US" sz="1800" dirty="0" smtClean="0">
+                <a:latin typeface="Consolas" pitchFamily="49" charset="0"/>
+                <a:cs typeface="Consolas" pitchFamily="49" charset="0"/>
+              </a:rPr>
+              <a:t>return data;</a:t>
+            </a:r>
+          </a:p>
+        </p:txBody>
+      </p:sp>
+      <p:sp>
+        <p:nvSpPr>
+          <p:cNvPr id="31" name="Content Placeholder 2"/>
+          <p:cNvSpPr txBox="1">
+            <a:spLocks/>
+          </p:cNvSpPr>
+          <p:nvPr/>
+        </p:nvSpPr>
+        <p:spPr>
+          <a:xfrm>
+            <a:off x="457200" y="1600200"/>
+            <a:ext cx="8229600" cy="4525963"/>
+          </a:xfrm>
+          <a:prstGeom prst="rect">
+            <a:avLst/>
+          </a:prstGeom>
+        </p:spPr>
+        <p:txBody>
+          <a:bodyPr vert="horz" lIns="91440" tIns="45720" rIns="91440" bIns="45720" rtlCol="0">
+            <a:normAutofit/>
+          </a:bodyPr>
+          <a:lstStyle>
+            <a:lvl1pPr marL="342900" indent="-342900" algn="l" defTabSz="914400" rtl="0" eaLnBrk="1" latinLnBrk="0" hangingPunct="1">
+              <a:spcBef>
+                <a:spcPct val="20000"/>
+              </a:spcBef>
+              <a:buFont typeface="Arial" pitchFamily="34" charset="0"/>
+              <a:buChar char="•"/>
+              <a:defRPr sz="3200" kern="1200">
+                <a:solidFill>
+                  <a:schemeClr val="tx1"/>
+                </a:solidFill>
+                <a:latin typeface="+mn-lt"/>
+                <a:ea typeface="+mn-ea"/>
+                <a:cs typeface="+mn-cs"/>
+              </a:defRPr>
+            </a:lvl1pPr>
+            <a:lvl2pPr marL="742950" indent="-285750" algn="l" defTabSz="914400" rtl="0" eaLnBrk="1" latinLnBrk="0" hangingPunct="1">
+              <a:spcBef>
+                <a:spcPct val="20000"/>
+              </a:spcBef>
+              <a:buFont typeface="Arial" pitchFamily="34" charset="0"/>
+              <a:buChar char="–"/>
+              <a:defRPr sz="2800" kern="1200">
+                <a:solidFill>
+                  <a:schemeClr val="tx1"/>
+                </a:solidFill>
+                <a:latin typeface="+mn-lt"/>
+                <a:ea typeface="+mn-ea"/>
+                <a:cs typeface="+mn-cs"/>
+              </a:defRPr>
+            </a:lvl2pPr>
+            <a:lvl3pPr marL="1143000" indent="-228600" algn="l" defTabSz="914400" rtl="0" eaLnBrk="1" latinLnBrk="0" hangingPunct="1">
+              <a:spcBef>
+                <a:spcPct val="20000"/>
+              </a:spcBef>
+              <a:buFont typeface="Arial" pitchFamily="34" charset="0"/>
+              <a:buChar char="•"/>
+              <a:defRPr sz="2400" kern="1200">
+                <a:solidFill>
+                  <a:schemeClr val="tx1"/>
+                </a:solidFill>
+                <a:latin typeface="+mn-lt"/>
+                <a:ea typeface="+mn-ea"/>
+                <a:cs typeface="+mn-cs"/>
+              </a:defRPr>
+            </a:lvl3pPr>
+            <a:lvl4pPr marL="1600200" indent="-228600" algn="l" defTabSz="914400" rtl="0" eaLnBrk="1" latinLnBrk="0" hangingPunct="1">
+              <a:spcBef>
+                <a:spcPct val="20000"/>
+              </a:spcBef>
+              <a:buFont typeface="Arial" pitchFamily="34" charset="0"/>
+              <a:buChar char="–"/>
+              <a:defRPr sz="2000" kern="1200">
+                <a:solidFill>
+                  <a:schemeClr val="tx1"/>
+                </a:solidFill>
+                <a:latin typeface="+mn-lt"/>
+                <a:ea typeface="+mn-ea"/>
+                <a:cs typeface="+mn-cs"/>
+              </a:defRPr>
+            </a:lvl4pPr>
+            <a:lvl5pPr marL="2057400" indent="-228600" algn="l" defTabSz="914400" rtl="0" eaLnBrk="1" latinLnBrk="0" hangingPunct="1">
+              <a:spcBef>
+                <a:spcPct val="20000"/>
+              </a:spcBef>
+              <a:buFont typeface="Arial" pitchFamily="34" charset="0"/>
+              <a:buChar char="»"/>
+              <a:defRPr sz="2000" kern="1200">
+                <a:solidFill>
+                  <a:schemeClr val="tx1"/>
+                </a:solidFill>
+                <a:latin typeface="+mn-lt"/>
+                <a:ea typeface="+mn-ea"/>
+                <a:cs typeface="+mn-cs"/>
+              </a:defRPr>
+            </a:lvl5pPr>
+            <a:lvl6pPr marL="2514600" indent="-228600" algn="l" defTabSz="914400" rtl="0" eaLnBrk="1" latinLnBrk="0" hangingPunct="1">
+              <a:spcBef>
+                <a:spcPct val="20000"/>
+              </a:spcBef>
+              <a:buFont typeface="Arial" pitchFamily="34" charset="0"/>
+              <a:buChar char="•"/>
+              <a:defRPr sz="2000" kern="1200">
+                <a:solidFill>
+                  <a:schemeClr val="tx1"/>
+                </a:solidFill>
+                <a:latin typeface="+mn-lt"/>
+                <a:ea typeface="+mn-ea"/>
+                <a:cs typeface="+mn-cs"/>
+              </a:defRPr>
+            </a:lvl6pPr>
+            <a:lvl7pPr marL="2971800" indent="-228600" algn="l" defTabSz="914400" rtl="0" eaLnBrk="1" latinLnBrk="0" hangingPunct="1">
+              <a:spcBef>
+                <a:spcPct val="20000"/>
+              </a:spcBef>
+              <a:buFont typeface="Arial" pitchFamily="34" charset="0"/>
+              <a:buChar char="•"/>
+              <a:defRPr sz="2000" kern="1200">
+                <a:solidFill>
+                  <a:schemeClr val="tx1"/>
+                </a:solidFill>
+                <a:latin typeface="+mn-lt"/>
+                <a:ea typeface="+mn-ea"/>
+                <a:cs typeface="+mn-cs"/>
+              </a:defRPr>
+            </a:lvl7pPr>
+            <a:lvl8pPr marL="3429000" indent="-228600" algn="l" defTabSz="914400" rtl="0" eaLnBrk="1" latinLnBrk="0" hangingPunct="1">
+              <a:spcBef>
+                <a:spcPct val="20000"/>
+              </a:spcBef>
+              <a:buFont typeface="Arial" pitchFamily="34" charset="0"/>
+              <a:buChar char="•"/>
+              <a:defRPr sz="2000" kern="1200">
+                <a:solidFill>
+                  <a:schemeClr val="tx1"/>
+                </a:solidFill>
+                <a:latin typeface="+mn-lt"/>
+                <a:ea typeface="+mn-ea"/>
+                <a:cs typeface="+mn-cs"/>
+              </a:defRPr>
+            </a:lvl8pPr>
+            <a:lvl9pPr marL="3886200" indent="-228600" algn="l" defTabSz="914400" rtl="0" eaLnBrk="1" latinLnBrk="0" hangingPunct="1">
+              <a:spcBef>
+                <a:spcPct val="20000"/>
+              </a:spcBef>
+              <a:buFont typeface="Arial" pitchFamily="34" charset="0"/>
+              <a:buChar char="•"/>
+              <a:defRPr sz="2000" kern="1200">
+                <a:solidFill>
+                  <a:schemeClr val="tx1"/>
+                </a:solidFill>
+                <a:latin typeface="+mn-lt"/>
+                <a:ea typeface="+mn-ea"/>
+                <a:cs typeface="+mn-cs"/>
+              </a:defRPr>
+            </a:lvl9pPr>
+          </a:lstStyle>
+          <a:p>
+            <a:r>
+              <a:rPr lang="en-US" dirty="0" smtClean="0"/>
+              <a:t>Manual Mapping</a:t>
+            </a:r>
+          </a:p>
+          <a:p>
+            <a:endParaRPr lang="en-US" dirty="0"/>
+          </a:p>
+        </p:txBody>
+      </p:sp>
+    </p:spTree>
+    <p:extLst>
+      <p:ext uri="{BB962C8B-B14F-4D97-AF65-F5344CB8AC3E}">
+        <p14:creationId xmlns:p14="http://schemas.microsoft.com/office/powerpoint/2010/main" val="4114507348"/>
+      </p:ext>
+    </p:extLst>
+  </p:cSld>
+  <p:clrMapOvr>
+    <a:masterClrMapping/>
+  </p:clrMapOvr>
+  <p:timing>
+    <p:tnLst>
+      <p:par>
+        <p:cTn id="1" dur="indefinite" restart="never" nodeType="tmRoot"/>
+      </p:par>
+    </p:tnLst>
+  </p:timing>
+</p:sld>
+</file>
+
+<file path=ppt/slides/slide17.xml><?xml version="1.0" encoding="utf-8"?>
+<p:sld xmlns:a="http://schemas.openxmlformats.org/drawingml/2006/main" xmlns:r="http://schemas.openxmlformats.org/officeDocument/2006/relationships" xmlns:p="http://schemas.openxmlformats.org/presentationml/2006/main">
+  <p:cSld>
+    <p:spTree>
+      <p:nvGrpSpPr>
+        <p:cNvPr id="1" name=""/>
+        <p:cNvGrpSpPr/>
+        <p:nvPr/>
+      </p:nvGrpSpPr>
+      <p:grpSpPr>
+        <a:xfrm>
+          <a:off x="0" y="0"/>
+          <a:ext cx="0" cy="0"/>
+          <a:chOff x="0" y="0"/>
+          <a:chExt cx="0" cy="0"/>
+        </a:xfrm>
+      </p:grpSpPr>
+      <p:sp>
+        <p:nvSpPr>
+          <p:cNvPr id="2" name="Title 1"/>
+          <p:cNvSpPr>
+            <a:spLocks noGrp="1"/>
+          </p:cNvSpPr>
+          <p:nvPr>
+            <p:ph type="title"/>
+          </p:nvPr>
+        </p:nvSpPr>
+        <p:spPr/>
+        <p:txBody>
+          <a:bodyPr/>
+          <a:lstStyle/>
+          <a:p>
+            <a:r>
+              <a:rPr lang="en-US" dirty="0" smtClean="0"/>
+              <a:t>Entity Framework – M4</a:t>
+            </a:r>
+            <a:endParaRPr lang="en-US" dirty="0"/>
+          </a:p>
+        </p:txBody>
+      </p:sp>
+      <p:sp>
+        <p:nvSpPr>
+          <p:cNvPr id="3" name="Content Placeholder 2"/>
+          <p:cNvSpPr>
+            <a:spLocks noGrp="1"/>
+          </p:cNvSpPr>
+          <p:nvPr>
+            <p:ph idx="1"/>
+          </p:nvPr>
+        </p:nvSpPr>
+        <p:spPr/>
+        <p:txBody>
+          <a:bodyPr/>
+          <a:lstStyle/>
+          <a:p>
+            <a:r>
+              <a:rPr lang="en-US" dirty="0" smtClean="0"/>
+              <a:t>Entity Framework Mapping</a:t>
+            </a:r>
+            <a:endParaRPr lang="en-US" dirty="0"/>
+          </a:p>
+        </p:txBody>
+      </p:sp>
+      <p:sp>
+        <p:nvSpPr>
+          <p:cNvPr id="5" name="Can 4"/>
+          <p:cNvSpPr/>
+          <p:nvPr/>
+        </p:nvSpPr>
+        <p:spPr>
+          <a:xfrm>
+            <a:off x="6553200" y="4953000"/>
+            <a:ext cx="1066800" cy="914400"/>
+          </a:xfrm>
+          <a:prstGeom prst="can">
+            <a:avLst/>
+          </a:prstGeom>
+        </p:spPr>
+        <p:style>
+          <a:lnRef idx="2">
+            <a:schemeClr val="accent1"/>
+          </a:lnRef>
+          <a:fillRef idx="1">
+            <a:schemeClr val="lt1"/>
+          </a:fillRef>
+          <a:effectRef idx="0">
+            <a:schemeClr val="accent1"/>
+          </a:effectRef>
+          <a:fontRef idx="minor">
+            <a:schemeClr val="dk1"/>
+          </a:fontRef>
+        </p:style>
+        <p:txBody>
+          <a:bodyPr rtlCol="0" anchor="ctr"/>
+          <a:lstStyle/>
+          <a:p>
+            <a:pPr algn="ctr"/>
+            <a:endParaRPr lang="en-US"/>
+          </a:p>
+        </p:txBody>
+      </p:sp>
+      <p:sp>
+        <p:nvSpPr>
+          <p:cNvPr id="9" name="Rectangle 8"/>
+          <p:cNvSpPr/>
+          <p:nvPr/>
+        </p:nvSpPr>
+        <p:spPr>
+          <a:xfrm>
+            <a:off x="2159614" y="2715269"/>
+            <a:ext cx="2538274" cy="1708212"/>
+          </a:xfrm>
+          <a:prstGeom prst="rect">
+            <a:avLst/>
+          </a:prstGeom>
+        </p:spPr>
+        <p:style>
+          <a:lnRef idx="2">
+            <a:schemeClr val="accent1"/>
+          </a:lnRef>
+          <a:fillRef idx="1">
+            <a:schemeClr val="lt1"/>
+          </a:fillRef>
+          <a:effectRef idx="0">
+            <a:schemeClr val="accent1"/>
+          </a:effectRef>
+          <a:fontRef idx="minor">
+            <a:schemeClr val="dk1"/>
+          </a:fontRef>
+        </p:style>
+        <p:txBody>
+          <a:bodyPr rtlCol="0" anchor="ctr"/>
+          <a:lstStyle/>
+          <a:p>
+            <a:pPr algn="ctr"/>
+            <a:r>
+              <a:rPr lang="en-US" dirty="0" smtClean="0"/>
+              <a:t>M4 Application</a:t>
+            </a:r>
+          </a:p>
+          <a:p>
+            <a:pPr algn="ctr"/>
+            <a:endParaRPr lang="en-US" dirty="0"/>
+          </a:p>
+          <a:p>
+            <a:pPr algn="ctr"/>
+            <a:endParaRPr lang="en-US" dirty="0" smtClean="0"/>
+          </a:p>
+          <a:p>
+            <a:pPr algn="ctr"/>
+            <a:endParaRPr lang="en-US" dirty="0"/>
+          </a:p>
+          <a:p>
+            <a:pPr algn="ctr"/>
+            <a:endParaRPr lang="en-US" dirty="0" smtClean="0"/>
+          </a:p>
+          <a:p>
+            <a:pPr algn="ctr"/>
+            <a:endParaRPr lang="en-US" dirty="0"/>
+          </a:p>
+        </p:txBody>
+      </p:sp>
+      <p:sp>
+        <p:nvSpPr>
+          <p:cNvPr id="10" name="Rectangle 9"/>
+          <p:cNvSpPr/>
+          <p:nvPr/>
+        </p:nvSpPr>
+        <p:spPr>
+          <a:xfrm>
+            <a:off x="2693014" y="3714377"/>
+            <a:ext cx="2133600" cy="381000"/>
+          </a:xfrm>
+          <a:prstGeom prst="rect">
+            <a:avLst/>
+          </a:prstGeom>
+        </p:spPr>
+        <p:style>
+          <a:lnRef idx="2">
+            <a:schemeClr val="accent1"/>
+          </a:lnRef>
+          <a:fillRef idx="1">
+            <a:schemeClr val="lt1"/>
+          </a:fillRef>
+          <a:effectRef idx="0">
+            <a:schemeClr val="accent1"/>
+          </a:effectRef>
+          <a:fontRef idx="minor">
+            <a:schemeClr val="dk1"/>
+          </a:fontRef>
+        </p:style>
+        <p:txBody>
+          <a:bodyPr rtlCol="0" anchor="ctr"/>
+          <a:lstStyle/>
+          <a:p>
+            <a:pPr algn="ctr"/>
+            <a:r>
+              <a:rPr lang="en-US" dirty="0" smtClean="0"/>
+              <a:t>Entity Framework</a:t>
+            </a:r>
+            <a:endParaRPr lang="en-US" dirty="0"/>
+          </a:p>
+        </p:txBody>
+      </p:sp>
+      <p:sp>
+        <p:nvSpPr>
+          <p:cNvPr id="11" name="Smiley Face 10"/>
+          <p:cNvSpPr/>
+          <p:nvPr/>
+        </p:nvSpPr>
+        <p:spPr>
+          <a:xfrm>
+            <a:off x="2693014" y="5268714"/>
+            <a:ext cx="609600" cy="609600"/>
+          </a:xfrm>
+          <a:prstGeom prst="smileyFace">
+            <a:avLst/>
+          </a:prstGeom>
+        </p:spPr>
+        <p:style>
+          <a:lnRef idx="2">
+            <a:schemeClr val="accent1"/>
+          </a:lnRef>
+          <a:fillRef idx="1">
+            <a:schemeClr val="lt1"/>
+          </a:fillRef>
+          <a:effectRef idx="0">
+            <a:schemeClr val="accent1"/>
+          </a:effectRef>
+          <a:fontRef idx="minor">
+            <a:schemeClr val="dk1"/>
+          </a:fontRef>
+        </p:style>
+        <p:txBody>
+          <a:bodyPr rtlCol="0" anchor="ctr"/>
+          <a:lstStyle/>
+          <a:p>
+            <a:pPr algn="ctr"/>
+            <a:endParaRPr lang="en-US"/>
+          </a:p>
+        </p:txBody>
+      </p:sp>
+      <p:cxnSp>
+        <p:nvCxnSpPr>
+          <p:cNvPr id="12" name="Straight Arrow Connector 11"/>
+          <p:cNvCxnSpPr>
+            <a:stCxn id="11" idx="0"/>
+            <a:endCxn id="9" idx="2"/>
+          </p:cNvCxnSpPr>
+          <p:nvPr/>
+        </p:nvCxnSpPr>
+        <p:spPr>
+          <a:xfrm flipV="1">
+            <a:off x="2997814" y="4423481"/>
+            <a:ext cx="430937" cy="845233"/>
+          </a:xfrm>
+          <a:prstGeom prst="straightConnector1">
+            <a:avLst/>
+          </a:prstGeom>
+          <a:ln>
+            <a:tailEnd type="arrow"/>
+          </a:ln>
+        </p:spPr>
+        <p:style>
+          <a:lnRef idx="1">
+            <a:schemeClr val="accent1"/>
+          </a:lnRef>
+          <a:fillRef idx="0">
+            <a:schemeClr val="accent1"/>
+          </a:fillRef>
+          <a:effectRef idx="0">
+            <a:schemeClr val="accent1"/>
+          </a:effectRef>
+          <a:fontRef idx="minor">
+            <a:schemeClr val="tx1"/>
+          </a:fontRef>
+        </p:style>
+      </p:cxnSp>
+      <p:cxnSp>
+        <p:nvCxnSpPr>
+          <p:cNvPr id="15" name="Straight Arrow Connector 14"/>
+          <p:cNvCxnSpPr>
+            <a:stCxn id="10" idx="3"/>
+            <a:endCxn id="5" idx="1"/>
+          </p:cNvCxnSpPr>
+          <p:nvPr/>
+        </p:nvCxnSpPr>
+        <p:spPr>
+          <a:xfrm>
+            <a:off x="4826614" y="3904877"/>
+            <a:ext cx="2259986" cy="1048123"/>
+          </a:xfrm>
+          <a:prstGeom prst="straightConnector1">
+            <a:avLst/>
+          </a:prstGeom>
+          <a:ln>
+            <a:tailEnd type="arrow"/>
+          </a:ln>
+        </p:spPr>
+        <p:style>
+          <a:lnRef idx="1">
+            <a:schemeClr val="accent1"/>
+          </a:lnRef>
+          <a:fillRef idx="0">
+            <a:schemeClr val="accent1"/>
+          </a:fillRef>
+          <a:effectRef idx="0">
+            <a:schemeClr val="accent1"/>
+          </a:effectRef>
+          <a:fontRef idx="minor">
+            <a:schemeClr val="tx1"/>
+          </a:fontRef>
+        </p:style>
+      </p:cxnSp>
+      <p:cxnSp>
+        <p:nvCxnSpPr>
+          <p:cNvPr id="18" name="Straight Arrow Connector 17"/>
+          <p:cNvCxnSpPr>
+            <a:endCxn id="11" idx="7"/>
+          </p:cNvCxnSpPr>
+          <p:nvPr/>
+        </p:nvCxnSpPr>
+        <p:spPr>
+          <a:xfrm flipH="1">
+            <a:off x="3213340" y="4423481"/>
+            <a:ext cx="1079875" cy="934507"/>
+          </a:xfrm>
+          <a:prstGeom prst="straightConnector1">
+            <a:avLst/>
+          </a:prstGeom>
+          <a:ln>
+            <a:tailEnd type="arrow"/>
+          </a:ln>
+        </p:spPr>
+        <p:style>
+          <a:lnRef idx="1">
+            <a:schemeClr val="accent1"/>
+          </a:lnRef>
+          <a:fillRef idx="0">
+            <a:schemeClr val="accent1"/>
+          </a:fillRef>
+          <a:effectRef idx="0">
+            <a:schemeClr val="accent1"/>
+          </a:effectRef>
+          <a:fontRef idx="minor">
+            <a:schemeClr val="tx1"/>
+          </a:fontRef>
+        </p:style>
+      </p:cxnSp>
+      <p:sp>
+        <p:nvSpPr>
+          <p:cNvPr id="19" name="Heptagon 18"/>
+          <p:cNvSpPr/>
+          <p:nvPr/>
+        </p:nvSpPr>
+        <p:spPr>
+          <a:xfrm>
+            <a:off x="2872787" y="4773444"/>
+            <a:ext cx="250054" cy="234579"/>
+          </a:xfrm>
+          <a:prstGeom prst="heptagon">
+            <a:avLst/>
+          </a:prstGeom>
+        </p:spPr>
+        <p:style>
+          <a:lnRef idx="2">
+            <a:schemeClr val="accent1"/>
+          </a:lnRef>
+          <a:fillRef idx="1">
+            <a:schemeClr val="lt1"/>
+          </a:fillRef>
+          <a:effectRef idx="0">
+            <a:schemeClr val="accent1"/>
+          </a:effectRef>
+          <a:fontRef idx="minor">
+            <a:schemeClr val="dk1"/>
+          </a:fontRef>
+        </p:style>
+        <p:txBody>
+          <a:bodyPr rtlCol="0" anchor="ctr"/>
+          <a:lstStyle/>
+          <a:p>
+            <a:pPr algn="ctr"/>
+            <a:r>
+              <a:rPr lang="en-US" dirty="0" smtClean="0"/>
+              <a:t>1</a:t>
+            </a:r>
+            <a:endParaRPr lang="en-US" dirty="0"/>
+          </a:p>
+        </p:txBody>
+      </p:sp>
+      <p:sp>
+        <p:nvSpPr>
+          <p:cNvPr id="27" name="Heptagon 26"/>
+          <p:cNvSpPr/>
+          <p:nvPr/>
+        </p:nvSpPr>
+        <p:spPr>
+          <a:xfrm>
+            <a:off x="5562600" y="3978087"/>
+            <a:ext cx="250054" cy="234579"/>
+          </a:xfrm>
+          <a:prstGeom prst="heptagon">
+            <a:avLst/>
+          </a:prstGeom>
+        </p:spPr>
+        <p:style>
+          <a:lnRef idx="2">
+            <a:schemeClr val="accent1"/>
+          </a:lnRef>
+          <a:fillRef idx="1">
+            <a:schemeClr val="lt1"/>
+          </a:fillRef>
+          <a:effectRef idx="0">
+            <a:schemeClr val="accent1"/>
+          </a:effectRef>
+          <a:fontRef idx="minor">
+            <a:schemeClr val="dk1"/>
+          </a:fontRef>
+        </p:style>
+        <p:txBody>
+          <a:bodyPr rtlCol="0" anchor="ctr"/>
+          <a:lstStyle/>
+          <a:p>
+            <a:pPr algn="ctr"/>
+            <a:r>
+              <a:rPr lang="en-US" dirty="0" smtClean="0"/>
+              <a:t>2</a:t>
+            </a:r>
+            <a:endParaRPr lang="en-US" dirty="0"/>
+          </a:p>
+        </p:txBody>
+      </p:sp>
+      <p:sp>
+        <p:nvSpPr>
+          <p:cNvPr id="32" name="Heptagon 31"/>
+          <p:cNvSpPr/>
+          <p:nvPr/>
+        </p:nvSpPr>
+        <p:spPr>
+          <a:xfrm>
+            <a:off x="3886200" y="4846097"/>
+            <a:ext cx="250054" cy="234579"/>
+          </a:xfrm>
+          <a:prstGeom prst="heptagon">
+            <a:avLst/>
+          </a:prstGeom>
+        </p:spPr>
+        <p:style>
+          <a:lnRef idx="2">
+            <a:schemeClr val="accent1"/>
+          </a:lnRef>
+          <a:fillRef idx="1">
+            <a:schemeClr val="lt1"/>
+          </a:fillRef>
+          <a:effectRef idx="0">
+            <a:schemeClr val="accent1"/>
+          </a:effectRef>
+          <a:fontRef idx="minor">
+            <a:schemeClr val="dk1"/>
+          </a:fontRef>
+        </p:style>
+        <p:txBody>
+          <a:bodyPr rtlCol="0" anchor="ctr"/>
+          <a:lstStyle/>
+          <a:p>
+            <a:pPr algn="ctr"/>
+            <a:r>
+              <a:rPr lang="en-US" dirty="0" smtClean="0"/>
+              <a:t>3</a:t>
+            </a:r>
+            <a:endParaRPr lang="en-US" dirty="0"/>
+          </a:p>
+        </p:txBody>
+      </p:sp>
+    </p:spTree>
+    <p:extLst>
+      <p:ext uri="{BB962C8B-B14F-4D97-AF65-F5344CB8AC3E}">
+        <p14:creationId xmlns:p14="http://schemas.microsoft.com/office/powerpoint/2010/main" val="150448000"/>
+      </p:ext>
+    </p:extLst>
+  </p:cSld>
+  <p:clrMapOvr>
+    <a:masterClrMapping/>
+  </p:clrMapOvr>
+  <p:timing>
+    <p:tnLst>
+      <p:par>
+        <p:cTn id="1" dur="indefinite" restart="never" nodeType="tmRoot"/>
+      </p:par>
+    </p:tnLst>
+  </p:timing>
+</p:sld>
+</file>
+
+<file path=ppt/slides/slide18.xml><?xml version="1.0" encoding="utf-8"?>
+<p:sld xmlns:a="http://schemas.openxmlformats.org/drawingml/2006/main" xmlns:r="http://schemas.openxmlformats.org/officeDocument/2006/relationships" xmlns:p="http://schemas.openxmlformats.org/presentationml/2006/main">
+  <p:cSld>
+    <p:spTree>
+      <p:nvGrpSpPr>
+        <p:cNvPr id="1" name=""/>
+        <p:cNvGrpSpPr/>
+        <p:nvPr/>
+      </p:nvGrpSpPr>
+      <p:grpSpPr>
+        <a:xfrm>
+          <a:off x="0" y="0"/>
+          <a:ext cx="0" cy="0"/>
+          <a:chOff x="0" y="0"/>
+          <a:chExt cx="0" cy="0"/>
+        </a:xfrm>
+      </p:grpSpPr>
+      <p:sp>
+        <p:nvSpPr>
+          <p:cNvPr id="2" name="Title 1"/>
+          <p:cNvSpPr>
+            <a:spLocks noGrp="1"/>
+          </p:cNvSpPr>
+          <p:nvPr>
+            <p:ph type="title"/>
+          </p:nvPr>
+        </p:nvSpPr>
+        <p:spPr/>
+        <p:txBody>
+          <a:bodyPr/>
+          <a:lstStyle/>
+          <a:p>
+            <a:r>
+              <a:rPr lang="en-US" dirty="0" smtClean="0"/>
+              <a:t>Entity Framework – Notification</a:t>
+            </a:r>
+            <a:endParaRPr lang="en-US" dirty="0"/>
+          </a:p>
+        </p:txBody>
+      </p:sp>
+      <p:sp>
+        <p:nvSpPr>
+          <p:cNvPr id="3" name="Content Placeholder 2"/>
+          <p:cNvSpPr>
+            <a:spLocks noGrp="1"/>
+          </p:cNvSpPr>
+          <p:nvPr>
+            <p:ph idx="1"/>
+          </p:nvPr>
+        </p:nvSpPr>
+        <p:spPr/>
+        <p:txBody>
+          <a:bodyPr/>
+          <a:lstStyle/>
+          <a:p>
+            <a:endParaRPr lang="en-US"/>
+          </a:p>
+        </p:txBody>
+      </p:sp>
+    </p:spTree>
+    <p:extLst>
+      <p:ext uri="{BB962C8B-B14F-4D97-AF65-F5344CB8AC3E}">
+        <p14:creationId xmlns:p14="http://schemas.microsoft.com/office/powerpoint/2010/main" val="1631547554"/>
+      </p:ext>
+    </p:extLst>
+  </p:cSld>
+  <p:clrMapOvr>
+    <a:masterClrMapping/>
+  </p:clrMapOvr>
+  <p:timing>
+    <p:tnLst>
+      <p:par>
+        <p:cTn id="1" dur="indefinite" restart="never" nodeType="tmRoot"/>
+      </p:par>
+    </p:tnLst>
+  </p:timing>
+</p:sld>
+</file>
+
+<file path=ppt/slides/slide19.xml><?xml version="1.0" encoding="utf-8"?>
+<p:sld xmlns:a="http://schemas.openxmlformats.org/drawingml/2006/main" xmlns:r="http://schemas.openxmlformats.org/officeDocument/2006/relationships" xmlns:p="http://schemas.openxmlformats.org/presentationml/2006/main">
+  <p:cSld>
+    <p:spTree>
+      <p:nvGrpSpPr>
+        <p:cNvPr id="1" name=""/>
+        <p:cNvGrpSpPr/>
+        <p:nvPr/>
+      </p:nvGrpSpPr>
+      <p:grpSpPr>
+        <a:xfrm>
+          <a:off x="0" y="0"/>
+          <a:ext cx="0" cy="0"/>
+          <a:chOff x="0" y="0"/>
+          <a:chExt cx="0" cy="0"/>
+        </a:xfrm>
+      </p:grpSpPr>
+      <p:sp>
+        <p:nvSpPr>
+          <p:cNvPr id="2" name="Title 1"/>
+          <p:cNvSpPr>
+            <a:spLocks noGrp="1"/>
+          </p:cNvSpPr>
+          <p:nvPr>
+            <p:ph type="title"/>
+          </p:nvPr>
+        </p:nvSpPr>
+        <p:spPr/>
+        <p:txBody>
+          <a:bodyPr/>
+          <a:lstStyle/>
+          <a:p>
+            <a:r>
+              <a:rPr lang="en-US" dirty="0" smtClean="0"/>
+              <a:t>Micro-ORM</a:t>
+            </a:r>
+            <a:endParaRPr lang="en-US" dirty="0"/>
+          </a:p>
+        </p:txBody>
+      </p:sp>
+      <p:sp>
+        <p:nvSpPr>
+          <p:cNvPr id="3" name="Content Placeholder 2"/>
+          <p:cNvSpPr>
+            <a:spLocks noGrp="1"/>
+          </p:cNvSpPr>
+          <p:nvPr>
+            <p:ph idx="1"/>
+          </p:nvPr>
+        </p:nvSpPr>
+        <p:spPr/>
+        <p:txBody>
+          <a:bodyPr/>
+          <a:lstStyle/>
+          <a:p>
+            <a:r>
+              <a:rPr lang="en-US" dirty="0" smtClean="0"/>
+              <a:t>I don’t need all the features, just retrieve data, map it to an object, and return the object to me ...</a:t>
+            </a:r>
+          </a:p>
+          <a:p>
+            <a:r>
+              <a:rPr lang="en-US" dirty="0" smtClean="0"/>
+              <a:t>Micro-ORM</a:t>
+            </a:r>
+          </a:p>
+          <a:p>
+            <a:pPr lvl="1"/>
+            <a:r>
+              <a:rPr lang="en-US" dirty="0" smtClean="0"/>
+              <a:t>Massive</a:t>
+            </a:r>
+          </a:p>
+          <a:p>
+            <a:pPr lvl="1"/>
+            <a:r>
+              <a:rPr lang="en-US" dirty="0" smtClean="0"/>
+              <a:t>Dapper (</a:t>
+            </a:r>
+            <a:r>
+              <a:rPr lang="en-US" dirty="0" err="1" smtClean="0"/>
+              <a:t>StackOverflow</a:t>
+            </a:r>
+            <a:r>
+              <a:rPr lang="en-US" smtClean="0"/>
+              <a:t>)</a:t>
+            </a:r>
+            <a:endParaRPr lang="en-US" dirty="0"/>
+          </a:p>
+        </p:txBody>
+      </p:sp>
+    </p:spTree>
+    <p:extLst>
+      <p:ext uri="{BB962C8B-B14F-4D97-AF65-F5344CB8AC3E}">
+        <p14:creationId xmlns:p14="http://schemas.microsoft.com/office/powerpoint/2010/main" val="2085101604"/>
+      </p:ext>
+    </p:extLst>
+  </p:cSld>
+  <p:clrMapOvr>
+    <a:masterClrMapping/>
+  </p:clrMapOvr>
+  <p:timing>
+    <p:tnLst>
+      <p:par>
+        <p:cTn id="1" dur="indefinite" restart="never" nodeType="tmRoot"/>
+      </p:par>
+    </p:tnLst>
+  </p:timing>
 </p:sld>
 </file>
 
@@ -3920,7 +6778,83 @@
     </p:spTree>
     <p:extLst>
       <p:ext uri="{BB962C8B-B14F-4D97-AF65-F5344CB8AC3E}">
-        <p14:creationId xmlns:p14="http://schemas.microsoft.com/office/powerpoint/2010/main" xmlns="" val="3911603256"/>
+        <p14:creationId xmlns:p14="http://schemas.microsoft.com/office/powerpoint/2010/main" val="3911603256"/>
+      </p:ext>
+    </p:extLst>
+  </p:cSld>
+  <p:clrMapOvr>
+    <a:masterClrMapping/>
+  </p:clrMapOvr>
+</p:sld>
+</file>
+
+<file path=ppt/slides/slide20.xml><?xml version="1.0" encoding="utf-8"?>
+<p:sld xmlns:a="http://schemas.openxmlformats.org/drawingml/2006/main" xmlns:r="http://schemas.openxmlformats.org/officeDocument/2006/relationships" xmlns:p="http://schemas.openxmlformats.org/presentationml/2006/main">
+  <p:cSld>
+    <p:spTree>
+      <p:nvGrpSpPr>
+        <p:cNvPr id="1" name=""/>
+        <p:cNvGrpSpPr/>
+        <p:nvPr/>
+      </p:nvGrpSpPr>
+      <p:grpSpPr>
+        <a:xfrm>
+          <a:off x="0" y="0"/>
+          <a:ext cx="0" cy="0"/>
+          <a:chOff x="0" y="0"/>
+          <a:chExt cx="0" cy="0"/>
+        </a:xfrm>
+      </p:grpSpPr>
+      <p:sp>
+        <p:nvSpPr>
+          <p:cNvPr id="2" name="Title 1"/>
+          <p:cNvSpPr>
+            <a:spLocks noGrp="1"/>
+          </p:cNvSpPr>
+          <p:nvPr>
+            <p:ph type="title"/>
+          </p:nvPr>
+        </p:nvSpPr>
+        <p:spPr/>
+        <p:txBody>
+          <a:bodyPr/>
+          <a:lstStyle/>
+          <a:p>
+            <a:r>
+              <a:rPr lang="en-US" dirty="0" smtClean="0"/>
+              <a:t>T4 Template</a:t>
+            </a:r>
+            <a:endParaRPr lang="en-US" dirty="0"/>
+          </a:p>
+        </p:txBody>
+      </p:sp>
+      <p:sp>
+        <p:nvSpPr>
+          <p:cNvPr id="3" name="Content Placeholder 2"/>
+          <p:cNvSpPr>
+            <a:spLocks noGrp="1"/>
+          </p:cNvSpPr>
+          <p:nvPr>
+            <p:ph idx="1"/>
+          </p:nvPr>
+        </p:nvSpPr>
+        <p:spPr/>
+        <p:txBody>
+          <a:bodyPr/>
+          <a:lstStyle/>
+          <a:p>
+            <a:r>
+              <a:rPr lang="en-US" dirty="0" smtClean="0"/>
+              <a:t>For generating C# code based on the mapping (EDM)</a:t>
+            </a:r>
+            <a:endParaRPr lang="en-US" dirty="0"/>
+          </a:p>
+        </p:txBody>
+      </p:sp>
+    </p:spTree>
+    <p:extLst>
+      <p:ext uri="{BB962C8B-B14F-4D97-AF65-F5344CB8AC3E}">
+        <p14:creationId xmlns:p14="http://schemas.microsoft.com/office/powerpoint/2010/main" val="3400995736"/>
       </p:ext>
     </p:extLst>
   </p:cSld>
@@ -4080,13 +7014,20 @@
     </p:spTree>
     <p:extLst>
       <p:ext uri="{BB962C8B-B14F-4D97-AF65-F5344CB8AC3E}">
-        <p14:creationId xmlns:p14="http://schemas.microsoft.com/office/powerpoint/2010/main" xmlns="" val="1869506865"/>
+        <p14:creationId xmlns:p14="http://schemas.microsoft.com/office/powerpoint/2010/main" val="1869506865"/>
       </p:ext>
     </p:extLst>
   </p:cSld>
   <p:clrMapOvr>
     <a:masterClrMapping/>
   </p:clrMapOvr>
+  <p:timing>
+    <p:tnLst>
+      <p:par>
+        <p:cTn id="1" dur="indefinite" restart="never" nodeType="tmRoot"/>
+      </p:par>
+    </p:tnLst>
+  </p:timing>
 </p:sld>
 </file>
 
@@ -4148,13 +7089,20 @@
     </p:spTree>
     <p:extLst>
       <p:ext uri="{BB962C8B-B14F-4D97-AF65-F5344CB8AC3E}">
-        <p14:creationId xmlns:p14="http://schemas.microsoft.com/office/powerpoint/2010/main" xmlns="" val="1767043178"/>
+        <p14:creationId xmlns:p14="http://schemas.microsoft.com/office/powerpoint/2010/main" val="1767043178"/>
       </p:ext>
     </p:extLst>
   </p:cSld>
   <p:clrMapOvr>
     <a:masterClrMapping/>
   </p:clrMapOvr>
+  <p:timing>
+    <p:tnLst>
+      <p:par>
+        <p:cTn id="1" dur="indefinite" restart="never" nodeType="tmRoot"/>
+      </p:par>
+    </p:tnLst>
+  </p:timing>
 </p:sld>
 </file>
 
@@ -4249,7 +7197,7 @@
     </p:spTree>
     <p:extLst>
       <p:ext uri="{BB962C8B-B14F-4D97-AF65-F5344CB8AC3E}">
-        <p14:creationId xmlns:p14="http://schemas.microsoft.com/office/powerpoint/2010/main" xmlns="" val="1121183573"/>
+        <p14:creationId xmlns:p14="http://schemas.microsoft.com/office/powerpoint/2010/main" val="1121183573"/>
       </p:ext>
     </p:extLst>
   </p:cSld>
@@ -4351,13 +7299,20 @@
     </p:spTree>
     <p:extLst>
       <p:ext uri="{BB962C8B-B14F-4D97-AF65-F5344CB8AC3E}">
-        <p14:creationId xmlns:p14="http://schemas.microsoft.com/office/powerpoint/2010/main" xmlns="" val="3615353800"/>
+        <p14:creationId xmlns:p14="http://schemas.microsoft.com/office/powerpoint/2010/main" val="3615353800"/>
       </p:ext>
     </p:extLst>
   </p:cSld>
   <p:clrMapOvr>
     <a:masterClrMapping/>
   </p:clrMapOvr>
+  <p:timing>
+    <p:tnLst>
+      <p:par>
+        <p:cTn id="1" dur="indefinite" restart="never" nodeType="tmRoot"/>
+      </p:par>
+    </p:tnLst>
+  </p:timing>
 </p:sld>
 </file>
 
@@ -4465,7 +7420,7 @@
     </p:spTree>
     <p:extLst>
       <p:ext uri="{BB962C8B-B14F-4D97-AF65-F5344CB8AC3E}">
-        <p14:creationId xmlns:p14="http://schemas.microsoft.com/office/powerpoint/2010/main" xmlns="" val="385287127"/>
+        <p14:creationId xmlns:p14="http://schemas.microsoft.com/office/powerpoint/2010/main" val="385287127"/>
       </p:ext>
     </p:extLst>
   </p:cSld>
@@ -4570,7 +7525,7 @@
     </p:spTree>
     <p:extLst>
       <p:ext uri="{BB962C8B-B14F-4D97-AF65-F5344CB8AC3E}">
-        <p14:creationId xmlns:p14="http://schemas.microsoft.com/office/powerpoint/2010/main" xmlns="" val="4132717108"/>
+        <p14:creationId xmlns:p14="http://schemas.microsoft.com/office/powerpoint/2010/main" val="4132717108"/>
       </p:ext>
     </p:extLst>
   </p:cSld>
@@ -4675,7 +7630,7 @@
     </p:spTree>
     <p:extLst>
       <p:ext uri="{BB962C8B-B14F-4D97-AF65-F5344CB8AC3E}">
-        <p14:creationId xmlns:p14="http://schemas.microsoft.com/office/powerpoint/2010/main" xmlns="" val="355774912"/>
+        <p14:creationId xmlns:p14="http://schemas.microsoft.com/office/powerpoint/2010/main" val="355774912"/>
       </p:ext>
     </p:extLst>
   </p:cSld>
@@ -4968,4 +7923,289 @@
   <a:objectDefaults/>
   <a:extraClrSchemeLst/>
 </a:theme>
+</file>
+
+<file path=ppt/theme/theme2.xml><?xml version="1.0" encoding="utf-8"?>
+<a:theme xmlns:a="http://schemas.openxmlformats.org/drawingml/2006/main" name="Office Theme">
+  <a:themeElements>
+    <a:clrScheme name="Office">
+      <a:dk1>
+        <a:sysClr val="windowText" lastClr="000000"/>
+      </a:dk1>
+      <a:lt1>
+        <a:sysClr val="window" lastClr="FFFFFF"/>
+      </a:lt1>
+      <a:dk2>
+        <a:srgbClr val="1F497D"/>
+      </a:dk2>
+      <a:lt2>
+        <a:srgbClr val="EEECE1"/>
+      </a:lt2>
+      <a:accent1>
+        <a:srgbClr val="4F81BD"/>
+      </a:accent1>
+      <a:accent2>
+        <a:srgbClr val="C0504D"/>
+      </a:accent2>
+      <a:accent3>
+        <a:srgbClr val="9BBB59"/>
+      </a:accent3>
+      <a:accent4>
+        <a:srgbClr val="8064A2"/>
+      </a:accent4>
+      <a:accent5>
+        <a:srgbClr val="4BACC6"/>
+      </a:accent5>
+      <a:accent6>
+        <a:srgbClr val="F79646"/>
+      </a:accent6>
+      <a:hlink>
+        <a:srgbClr val="0000FF"/>
+      </a:hlink>
+      <a:folHlink>
+        <a:srgbClr val="800080"/>
+      </a:folHlink>
+    </a:clrScheme>
+    <a:fontScheme name="Office">
+      <a:majorFont>
+        <a:latin typeface="Calibri"/>
+        <a:ea typeface=""/>
+        <a:cs typeface=""/>
+        <a:font script="Jpan" typeface="ＭＳ Ｐゴシック"/>
+        <a:font script="Hang" typeface="맑은 고딕"/>
+        <a:font script="Hans" typeface="宋体"/>
+        <a:font script="Hant" typeface="新細明體"/>
+        <a:font script="Arab" typeface="Times New Roman"/>
+        <a:font script="Hebr" typeface="Times New Roman"/>
+        <a:font script="Thai" typeface="Angsana New"/>
+        <a:font script="Ethi" typeface="Nyala"/>
+        <a:font script="Beng" typeface="Vrinda"/>
+        <a:font script="Gujr" typeface="Shruti"/>
+        <a:font script="Khmr" typeface="MoolBoran"/>
+        <a:font script="Knda" typeface="Tunga"/>
+        <a:font script="Guru" typeface="Raavi"/>
+        <a:font script="Cans" typeface="Euphemia"/>
+        <a:font script="Cher" typeface="Plantagenet Cherokee"/>
+        <a:font script="Yiii" typeface="Microsoft Yi Baiti"/>
+        <a:font script="Tibt" typeface="Microsoft Himalaya"/>
+        <a:font script="Thaa" typeface="MV Boli"/>
+        <a:font script="Deva" typeface="Mangal"/>
+        <a:font script="Telu" typeface="Gautami"/>
+        <a:font script="Taml" typeface="Latha"/>
+        <a:font script="Syrc" typeface="Estrangelo Edessa"/>
+        <a:font script="Orya" typeface="Kalinga"/>
+        <a:font script="Mlym" typeface="Kartika"/>
+        <a:font script="Laoo" typeface="DokChampa"/>
+        <a:font script="Sinh" typeface="Iskoola Pota"/>
+        <a:font script="Mong" typeface="Mongolian Baiti"/>
+        <a:font script="Viet" typeface="Times New Roman"/>
+        <a:font script="Uigh" typeface="Microsoft Uighur"/>
+        <a:font script="Geor" typeface="Sylfaen"/>
+      </a:majorFont>
+      <a:minorFont>
+        <a:latin typeface="Calibri"/>
+        <a:ea typeface=""/>
+        <a:cs typeface=""/>
+        <a:font script="Jpan" typeface="ＭＳ Ｐゴシック"/>
+        <a:font script="Hang" typeface="맑은 고딕"/>
+        <a:font script="Hans" typeface="宋体"/>
+        <a:font script="Hant" typeface="新細明體"/>
+        <a:font script="Arab" typeface="Arial"/>
+        <a:font script="Hebr" typeface="Arial"/>
+        <a:font script="Thai" typeface="Cordia New"/>
+        <a:font script="Ethi" typeface="Nyala"/>
+        <a:font script="Beng" typeface="Vrinda"/>
+        <a:font script="Gujr" typeface="Shruti"/>
+        <a:font script="Khmr" typeface="DaunPenh"/>
+        <a:font script="Knda" typeface="Tunga"/>
+        <a:font script="Guru" typeface="Raavi"/>
+        <a:font script="Cans" typeface="Euphemia"/>
+        <a:font script="Cher" typeface="Plantagenet Cherokee"/>
+        <a:font script="Yiii" typeface="Microsoft Yi Baiti"/>
+        <a:font script="Tibt" typeface="Microsoft Himalaya"/>
+        <a:font script="Thaa" typeface="MV Boli"/>
+        <a:font script="Deva" typeface="Mangal"/>
+        <a:font script="Telu" typeface="Gautami"/>
+        <a:font script="Taml" typeface="Latha"/>
+        <a:font script="Syrc" typeface="Estrangelo Edessa"/>
+        <a:font script="Orya" typeface="Kalinga"/>
+        <a:font script="Mlym" typeface="Kartika"/>
+        <a:font script="Laoo" typeface="DokChampa"/>
+        <a:font script="Sinh" typeface="Iskoola Pota"/>
+        <a:font script="Mong" typeface="Mongolian Baiti"/>
+        <a:font script="Viet" typeface="Arial"/>
+        <a:font script="Uigh" typeface="Microsoft Uighur"/>
+        <a:font script="Geor" typeface="Sylfaen"/>
+      </a:minorFont>
+    </a:fontScheme>
+    <a:fmtScheme name="Office">
+      <a:fillStyleLst>
+        <a:solidFill>
+          <a:schemeClr val="phClr"/>
+        </a:solidFill>
+        <a:gradFill rotWithShape="1">
+          <a:gsLst>
+            <a:gs pos="0">
+              <a:schemeClr val="phClr">
+                <a:tint val="50000"/>
+                <a:satMod val="300000"/>
+              </a:schemeClr>
+            </a:gs>
+            <a:gs pos="35000">
+              <a:schemeClr val="phClr">
+                <a:tint val="37000"/>
+                <a:satMod val="300000"/>
+              </a:schemeClr>
+            </a:gs>
+            <a:gs pos="100000">
+              <a:schemeClr val="phClr">
+                <a:tint val="15000"/>
+                <a:satMod val="350000"/>
+              </a:schemeClr>
+            </a:gs>
+          </a:gsLst>
+          <a:lin ang="16200000" scaled="1"/>
+        </a:gradFill>
+        <a:gradFill rotWithShape="1">
+          <a:gsLst>
+            <a:gs pos="0">
+              <a:schemeClr val="phClr">
+                <a:shade val="51000"/>
+                <a:satMod val="130000"/>
+              </a:schemeClr>
+            </a:gs>
+            <a:gs pos="80000">
+              <a:schemeClr val="phClr">
+                <a:shade val="93000"/>
+                <a:satMod val="130000"/>
+              </a:schemeClr>
+            </a:gs>
+            <a:gs pos="100000">
+              <a:schemeClr val="phClr">
+                <a:shade val="94000"/>
+                <a:satMod val="135000"/>
+              </a:schemeClr>
+            </a:gs>
+          </a:gsLst>
+          <a:lin ang="16200000" scaled="0"/>
+        </a:gradFill>
+      </a:fillStyleLst>
+      <a:lnStyleLst>
+        <a:ln w="9525" cap="flat" cmpd="sng" algn="ctr">
+          <a:solidFill>
+            <a:schemeClr val="phClr">
+              <a:shade val="95000"/>
+              <a:satMod val="105000"/>
+            </a:schemeClr>
+          </a:solidFill>
+          <a:prstDash val="solid"/>
+        </a:ln>
+        <a:ln w="25400" cap="flat" cmpd="sng" algn="ctr">
+          <a:solidFill>
+            <a:schemeClr val="phClr"/>
+          </a:solidFill>
+          <a:prstDash val="solid"/>
+        </a:ln>
+        <a:ln w="38100" cap="flat" cmpd="sng" algn="ctr">
+          <a:solidFill>
+            <a:schemeClr val="phClr"/>
+          </a:solidFill>
+          <a:prstDash val="solid"/>
+        </a:ln>
+      </a:lnStyleLst>
+      <a:effectStyleLst>
+        <a:effectStyle>
+          <a:effectLst>
+            <a:outerShdw blurRad="40000" dist="20000" dir="5400000" rotWithShape="0">
+              <a:srgbClr val="000000">
+                <a:alpha val="38000"/>
+              </a:srgbClr>
+            </a:outerShdw>
+          </a:effectLst>
+        </a:effectStyle>
+        <a:effectStyle>
+          <a:effectLst>
+            <a:outerShdw blurRad="40000" dist="23000" dir="5400000" rotWithShape="0">
+              <a:srgbClr val="000000">
+                <a:alpha val="35000"/>
+              </a:srgbClr>
+            </a:outerShdw>
+          </a:effectLst>
+        </a:effectStyle>
+        <a:effectStyle>
+          <a:effectLst>
+            <a:outerShdw blurRad="40000" dist="23000" dir="5400000" rotWithShape="0">
+              <a:srgbClr val="000000">
+                <a:alpha val="35000"/>
+              </a:srgbClr>
+            </a:outerShdw>
+          </a:effectLst>
+          <a:scene3d>
+            <a:camera prst="orthographicFront">
+              <a:rot lat="0" lon="0" rev="0"/>
+            </a:camera>
+            <a:lightRig rig="threePt" dir="t">
+              <a:rot lat="0" lon="0" rev="1200000"/>
+            </a:lightRig>
+          </a:scene3d>
+          <a:sp3d>
+            <a:bevelT w="63500" h="25400"/>
+          </a:sp3d>
+        </a:effectStyle>
+      </a:effectStyleLst>
+      <a:bgFillStyleLst>
+        <a:solidFill>
+          <a:schemeClr val="phClr"/>
+        </a:solidFill>
+        <a:gradFill rotWithShape="1">
+          <a:gsLst>
+            <a:gs pos="0">
+              <a:schemeClr val="phClr">
+                <a:tint val="40000"/>
+                <a:satMod val="350000"/>
+              </a:schemeClr>
+            </a:gs>
+            <a:gs pos="40000">
+              <a:schemeClr val="phClr">
+                <a:tint val="45000"/>
+                <a:shade val="99000"/>
+                <a:satMod val="350000"/>
+              </a:schemeClr>
+            </a:gs>
+            <a:gs pos="100000">
+              <a:schemeClr val="phClr">
+                <a:shade val="20000"/>
+                <a:satMod val="255000"/>
+              </a:schemeClr>
+            </a:gs>
+          </a:gsLst>
+          <a:path path="circle">
+            <a:fillToRect l="50000" t="-80000" r="50000" b="180000"/>
+          </a:path>
+        </a:gradFill>
+        <a:gradFill rotWithShape="1">
+          <a:gsLst>
+            <a:gs pos="0">
+              <a:schemeClr val="phClr">
+                <a:tint val="80000"/>
+                <a:satMod val="300000"/>
+              </a:schemeClr>
+            </a:gs>
+            <a:gs pos="100000">
+              <a:schemeClr val="phClr">
+                <a:shade val="30000"/>
+                <a:satMod val="200000"/>
+              </a:schemeClr>
+            </a:gs>
+          </a:gsLst>
+          <a:path path="circle">
+            <a:fillToRect l="50000" t="50000" r="50000" b="50000"/>
+          </a:path>
+        </a:gradFill>
+      </a:bgFillStyleLst>
+    </a:fmtScheme>
+  </a:themeElements>
+  <a:objectDefaults/>
+  <a:extraClrSchemeLst/>
+</a:theme>
 </file>
--- a/Data Access Framework.pptx
+++ b/Data Access Framework.pptx
@@ -5,29 +5,34 @@
     <p:sldMasterId id="2147483648" r:id="rId1"/>
   </p:sldMasterIdLst>
   <p:notesMasterIdLst>
-    <p:notesMasterId r:id="rId22"/>
+    <p:notesMasterId r:id="rId27"/>
   </p:notesMasterIdLst>
   <p:sldIdLst>
     <p:sldId id="256" r:id="rId2"/>
-    <p:sldId id="257" r:id="rId3"/>
-    <p:sldId id="264" r:id="rId4"/>
-    <p:sldId id="267" r:id="rId5"/>
-    <p:sldId id="266" r:id="rId6"/>
-    <p:sldId id="265" r:id="rId7"/>
-    <p:sldId id="261" r:id="rId8"/>
-    <p:sldId id="258" r:id="rId9"/>
-    <p:sldId id="259" r:id="rId10"/>
-    <p:sldId id="260" r:id="rId11"/>
-    <p:sldId id="262" r:id="rId12"/>
-    <p:sldId id="263" r:id="rId13"/>
-    <p:sldId id="268" r:id="rId14"/>
-    <p:sldId id="269" r:id="rId15"/>
-    <p:sldId id="270" r:id="rId16"/>
-    <p:sldId id="271" r:id="rId17"/>
-    <p:sldId id="272" r:id="rId18"/>
-    <p:sldId id="273" r:id="rId19"/>
-    <p:sldId id="274" r:id="rId20"/>
-    <p:sldId id="275" r:id="rId21"/>
+    <p:sldId id="276" r:id="rId3"/>
+    <p:sldId id="278" r:id="rId4"/>
+    <p:sldId id="279" r:id="rId5"/>
+    <p:sldId id="277" r:id="rId6"/>
+    <p:sldId id="280" r:id="rId7"/>
+    <p:sldId id="281" r:id="rId8"/>
+    <p:sldId id="257" r:id="rId9"/>
+    <p:sldId id="264" r:id="rId10"/>
+    <p:sldId id="266" r:id="rId11"/>
+    <p:sldId id="265" r:id="rId12"/>
+    <p:sldId id="261" r:id="rId13"/>
+    <p:sldId id="258" r:id="rId14"/>
+    <p:sldId id="259" r:id="rId15"/>
+    <p:sldId id="260" r:id="rId16"/>
+    <p:sldId id="262" r:id="rId17"/>
+    <p:sldId id="263" r:id="rId18"/>
+    <p:sldId id="268" r:id="rId19"/>
+    <p:sldId id="269" r:id="rId20"/>
+    <p:sldId id="270" r:id="rId21"/>
+    <p:sldId id="271" r:id="rId22"/>
+    <p:sldId id="272" r:id="rId23"/>
+    <p:sldId id="273" r:id="rId24"/>
+    <p:sldId id="274" r:id="rId25"/>
+    <p:sldId id="275" r:id="rId26"/>
   </p:sldIdLst>
   <p:sldSz cx="9144000" cy="6858000" type="screen4x3"/>
   <p:notesSz cx="6858000" cy="9144000"/>
@@ -211,7 +216,7 @@
           <a:p>
             <a:fld id="{84A8F7E2-2F0E-4735-8B13-E77030B67893}" type="datetimeFigureOut">
               <a:rPr lang="en-US" smtClean="0"/>
-              <a:t>5/21/2013</a:t>
+              <a:t>5/30/2013</a:t>
             </a:fld>
             <a:endParaRPr lang="en-US"/>
           </a:p>
@@ -559,7 +564,7 @@
           <a:p>
             <a:fld id="{B9F2808E-0F5B-4CF0-94C7-EB2723229868}" type="slidenum">
               <a:rPr lang="en-US" smtClean="0"/>
-              <a:t>19</a:t>
+              <a:t>24</a:t>
             </a:fld>
             <a:endParaRPr lang="en-US"/>
           </a:p>
@@ -760,7 +765,7 @@
             <a:fld id="{5F7A2D3A-4389-4000-8BBC-EAC8917E7181}" type="datetimeFigureOut">
               <a:rPr lang="en-US" smtClean="0"/>
               <a:pPr/>
-              <a:t>5/21/2013</a:t>
+              <a:t>5/30/2013</a:t>
             </a:fld>
             <a:endParaRPr lang="en-US"/>
           </a:p>
@@ -932,7 +937,7 @@
             <a:fld id="{5F7A2D3A-4389-4000-8BBC-EAC8917E7181}" type="datetimeFigureOut">
               <a:rPr lang="en-US" smtClean="0"/>
               <a:pPr/>
-              <a:t>5/21/2013</a:t>
+              <a:t>5/30/2013</a:t>
             </a:fld>
             <a:endParaRPr lang="en-US"/>
           </a:p>
@@ -1114,7 +1119,7 @@
             <a:fld id="{5F7A2D3A-4389-4000-8BBC-EAC8917E7181}" type="datetimeFigureOut">
               <a:rPr lang="en-US" smtClean="0"/>
               <a:pPr/>
-              <a:t>5/21/2013</a:t>
+              <a:t>5/30/2013</a:t>
             </a:fld>
             <a:endParaRPr lang="en-US"/>
           </a:p>
@@ -1286,7 +1291,7 @@
             <a:fld id="{5F7A2D3A-4389-4000-8BBC-EAC8917E7181}" type="datetimeFigureOut">
               <a:rPr lang="en-US" smtClean="0"/>
               <a:pPr/>
-              <a:t>5/21/2013</a:t>
+              <a:t>5/30/2013</a:t>
             </a:fld>
             <a:endParaRPr lang="en-US"/>
           </a:p>
@@ -1534,7 +1539,7 @@
             <a:fld id="{5F7A2D3A-4389-4000-8BBC-EAC8917E7181}" type="datetimeFigureOut">
               <a:rPr lang="en-US" smtClean="0"/>
               <a:pPr/>
-              <a:t>5/21/2013</a:t>
+              <a:t>5/30/2013</a:t>
             </a:fld>
             <a:endParaRPr lang="en-US"/>
           </a:p>
@@ -1824,7 +1829,7 @@
             <a:fld id="{5F7A2D3A-4389-4000-8BBC-EAC8917E7181}" type="datetimeFigureOut">
               <a:rPr lang="en-US" smtClean="0"/>
               <a:pPr/>
-              <a:t>5/21/2013</a:t>
+              <a:t>5/30/2013</a:t>
             </a:fld>
             <a:endParaRPr lang="en-US"/>
           </a:p>
@@ -2248,7 +2253,7 @@
             <a:fld id="{5F7A2D3A-4389-4000-8BBC-EAC8917E7181}" type="datetimeFigureOut">
               <a:rPr lang="en-US" smtClean="0"/>
               <a:pPr/>
-              <a:t>5/21/2013</a:t>
+              <a:t>5/30/2013</a:t>
             </a:fld>
             <a:endParaRPr lang="en-US"/>
           </a:p>
@@ -2368,7 +2373,7 @@
             <a:fld id="{5F7A2D3A-4389-4000-8BBC-EAC8917E7181}" type="datetimeFigureOut">
               <a:rPr lang="en-US" smtClean="0"/>
               <a:pPr/>
-              <a:t>5/21/2013</a:t>
+              <a:t>5/30/2013</a:t>
             </a:fld>
             <a:endParaRPr lang="en-US"/>
           </a:p>
@@ -2465,7 +2470,7 @@
             <a:fld id="{5F7A2D3A-4389-4000-8BBC-EAC8917E7181}" type="datetimeFigureOut">
               <a:rPr lang="en-US" smtClean="0"/>
               <a:pPr/>
-              <a:t>5/21/2013</a:t>
+              <a:t>5/30/2013</a:t>
             </a:fld>
             <a:endParaRPr lang="en-US"/>
           </a:p>
@@ -2744,7 +2749,7 @@
             <a:fld id="{5F7A2D3A-4389-4000-8BBC-EAC8917E7181}" type="datetimeFigureOut">
               <a:rPr lang="en-US" smtClean="0"/>
               <a:pPr/>
-              <a:t>5/21/2013</a:t>
+              <a:t>5/30/2013</a:t>
             </a:fld>
             <a:endParaRPr lang="en-US"/>
           </a:p>
@@ -2999,7 +3004,7 @@
             <a:fld id="{5F7A2D3A-4389-4000-8BBC-EAC8917E7181}" type="datetimeFigureOut">
               <a:rPr lang="en-US" smtClean="0"/>
               <a:pPr/>
-              <a:t>5/21/2013</a:t>
+              <a:t>5/30/2013</a:t>
             </a:fld>
             <a:endParaRPr lang="en-US"/>
           </a:p>
@@ -3214,7 +3219,7 @@
             <a:fld id="{5F7A2D3A-4389-4000-8BBC-EAC8917E7181}" type="datetimeFigureOut">
               <a:rPr lang="en-US" smtClean="0"/>
               <a:pPr/>
-              <a:t>5/21/2013</a:t>
+              <a:t>5/30/2013</a:t>
             </a:fld>
             <a:endParaRPr lang="en-US"/>
           </a:p>
@@ -3630,8 +3635,17 @@
           <a:p>
             <a:r>
               <a:rPr lang="en-US" dirty="0" smtClean="0"/>
-              <a:t>Or, I thought we solved this years ago</a:t>
-            </a:r>
+              <a:t>Entity Framework, </a:t>
+            </a:r>
+            <a:r>
+              <a:rPr lang="en-US" dirty="0" err="1" smtClean="0"/>
+              <a:t>NHibernate</a:t>
+            </a:r>
+            <a:r>
+              <a:rPr lang="en-US" dirty="0" smtClean="0"/>
+              <a:t>, ORMs</a:t>
+            </a:r>
+            <a:endParaRPr lang="en-US" dirty="0" smtClean="0"/>
           </a:p>
           <a:p>
             <a:r>
@@ -3696,7 +3710,7 @@
           <a:p>
             <a:r>
               <a:rPr lang="en-US" dirty="0" smtClean="0"/>
-              <a:t>ORM Architecture Ideas</a:t>
+              <a:t>Pre-ORM</a:t>
             </a:r>
             <a:endParaRPr lang="en-US" dirty="0"/>
           </a:p>
@@ -3714,88 +3728,37 @@
         </p:nvSpPr>
         <p:spPr/>
         <p:txBody>
-          <a:bodyPr>
-            <a:normAutofit fontScale="85000" lnSpcReduction="20000"/>
-          </a:bodyPr>
-          <a:lstStyle/>
-          <a:p>
-            <a:r>
-              <a:rPr lang="en-US" dirty="0" smtClean="0"/>
-              <a:t>Object Mapping</a:t>
-            </a:r>
-          </a:p>
-          <a:p>
-            <a:pPr lvl="1"/>
-            <a:r>
-              <a:rPr lang="en-US" dirty="0" err="1" smtClean="0"/>
-              <a:t>Enum</a:t>
-            </a:r>
-            <a:r>
-              <a:rPr lang="en-US" dirty="0" smtClean="0"/>
-              <a:t> Mapping</a:t>
-            </a:r>
-          </a:p>
-          <a:p>
-            <a:pPr lvl="1"/>
-            <a:r>
-              <a:rPr lang="en-US" dirty="0" smtClean="0"/>
-              <a:t>Embedded Value</a:t>
-            </a:r>
-          </a:p>
-          <a:p>
-            <a:pPr lvl="1"/>
-            <a:r>
-              <a:rPr lang="en-US" dirty="0" smtClean="0"/>
-              <a:t>LOB Serialization</a:t>
-            </a:r>
-          </a:p>
-          <a:p>
-            <a:r>
-              <a:rPr lang="en-US" dirty="0" smtClean="0"/>
-              <a:t>Identity </a:t>
-            </a:r>
-            <a:r>
-              <a:rPr lang="en-US" dirty="0" err="1" smtClean="0"/>
-              <a:t>Managemet</a:t>
-            </a:r>
-            <a:endParaRPr lang="en-US" dirty="0" smtClean="0"/>
-          </a:p>
-          <a:p>
-            <a:pPr lvl="1"/>
-            <a:r>
-              <a:rPr lang="en-US" dirty="0" smtClean="0"/>
-              <a:t>Identity Field</a:t>
-            </a:r>
-          </a:p>
-          <a:p>
-            <a:pPr lvl="1"/>
-            <a:r>
-              <a:rPr lang="en-US" dirty="0" smtClean="0"/>
-              <a:t>Identity Mapping</a:t>
-            </a:r>
-          </a:p>
-          <a:p>
-            <a:r>
-              <a:rPr lang="en-US" dirty="0" smtClean="0"/>
-              <a:t>Unit of Work</a:t>
-            </a:r>
-          </a:p>
-          <a:p>
-            <a:r>
-              <a:rPr lang="en-US" dirty="0" smtClean="0"/>
-              <a:t>Lazy/Eager Load</a:t>
-            </a:r>
-          </a:p>
-          <a:p>
-            <a:r>
-              <a:rPr lang="en-US" dirty="0" smtClean="0"/>
-              <a:t>Inheritance Mapping</a:t>
-            </a:r>
-          </a:p>
-          <a:p>
-            <a:r>
-              <a:rPr lang="en-US" dirty="0" smtClean="0"/>
-              <a:t>Repository</a:t>
+          <a:bodyPr/>
+          <a:lstStyle/>
+          <a:p>
+            <a:r>
+              <a:rPr lang="en-US" dirty="0" smtClean="0"/>
+              <a:t>Call stored procedure or direct SQL, receive data in rows </a:t>
+            </a:r>
+          </a:p>
+          <a:p>
+            <a:r>
+              <a:rPr lang="en-US" dirty="0" smtClean="0"/>
+              <a:t>Loop through the rows, manually populate objects using the data in each row</a:t>
+            </a:r>
+          </a:p>
+          <a:p>
+            <a:r>
+              <a:rPr lang="en-US" dirty="0" smtClean="0"/>
+              <a:t>Nothing wrong</a:t>
+            </a:r>
+          </a:p>
+          <a:p>
+            <a:r>
+              <a:rPr lang="en-US" dirty="0" smtClean="0"/>
+              <a:t>Just tedious and easy to become inconsistent</a:t>
+            </a:r>
+            <a:br>
+              <a:rPr lang="en-US" dirty="0" smtClean="0"/>
+            </a:br>
+            <a:r>
+              <a:rPr lang="en-US" dirty="0" smtClean="0"/>
+              <a:t>(same type of object populated by different stored-procedures)</a:t>
             </a:r>
             <a:endParaRPr lang="en-US" dirty="0"/>
           </a:p>
@@ -3804,7 +3767,7 @@
     </p:spTree>
     <p:extLst>
       <p:ext uri="{BB962C8B-B14F-4D97-AF65-F5344CB8AC3E}">
-        <p14:creationId xmlns:p14="http://schemas.microsoft.com/office/powerpoint/2010/main" val="1309587586"/>
+        <p14:creationId xmlns:p14="http://schemas.microsoft.com/office/powerpoint/2010/main" val="1121183573"/>
       </p:ext>
     </p:extLst>
   </p:cSld>
@@ -3847,12 +3810,16 @@
           <a:lstStyle/>
           <a:p>
             <a:r>
-              <a:rPr lang="en-US" dirty="0" err="1" smtClean="0"/>
-              <a:t>NHibernate</a:t>
-            </a:r>
-            <a:r>
-              <a:rPr lang="en-US" dirty="0" smtClean="0"/>
-              <a:t> – Architecture Idea</a:t>
+              <a:rPr lang="en-US" dirty="0" smtClean="0">
+                <a:solidFill>
+                  <a:srgbClr val="FF0000"/>
+                </a:solidFill>
+              </a:rPr>
+              <a:t>O</a:t>
+            </a:r>
+            <a:r>
+              <a:rPr lang="en-US" dirty="0" smtClean="0"/>
+              <a:t>RM</a:t>
             </a:r>
             <a:endParaRPr lang="en-US" dirty="0"/>
           </a:p>
@@ -3874,30 +3841,26 @@
           <a:lstStyle/>
           <a:p>
             <a:r>
-              <a:rPr lang="en-US" smtClean="0"/>
-              <a:t>Configuration</a:t>
-            </a:r>
-            <a:endParaRPr lang="en-US" dirty="0" smtClean="0"/>
-          </a:p>
-          <a:p>
-            <a:r>
-              <a:rPr lang="en-US" dirty="0" err="1" smtClean="0"/>
-              <a:t>ISessionFactory</a:t>
-            </a:r>
-            <a:endParaRPr lang="en-US" dirty="0" smtClean="0"/>
-          </a:p>
-          <a:p>
-            <a:r>
-              <a:rPr lang="en-US" dirty="0" err="1" smtClean="0"/>
-              <a:t>ISession</a:t>
-            </a:r>
-            <a:endParaRPr lang="en-US" dirty="0" smtClean="0"/>
-          </a:p>
-          <a:p>
-            <a:pPr lvl="1"/>
-            <a:r>
-              <a:rPr lang="en-US" dirty="0" smtClean="0"/>
-              <a:t>lightweight</a:t>
+              <a:rPr lang="en-US" dirty="0" smtClean="0"/>
+              <a:t>Object Oriented Development</a:t>
+            </a:r>
+          </a:p>
+          <a:p>
+            <a:r>
+              <a:rPr lang="en-US" dirty="0" smtClean="0"/>
+              <a:t>We have objects in our system</a:t>
+            </a:r>
+          </a:p>
+          <a:p>
+            <a:r>
+              <a:rPr lang="en-US" dirty="0" smtClean="0"/>
+              <a:t>Objects are normally graph</a:t>
+            </a:r>
+          </a:p>
+          <a:p>
+            <a:r>
+              <a:rPr lang="en-US" dirty="0" smtClean="0"/>
+              <a:t>Creating of Objects</a:t>
             </a:r>
             <a:endParaRPr lang="en-US" dirty="0"/>
           </a:p>
@@ -3906,13 +3869,20 @@
     </p:spTree>
     <p:extLst>
       <p:ext uri="{BB962C8B-B14F-4D97-AF65-F5344CB8AC3E}">
-        <p14:creationId xmlns:p14="http://schemas.microsoft.com/office/powerpoint/2010/main" val="1860968687"/>
+        <p14:creationId xmlns:p14="http://schemas.microsoft.com/office/powerpoint/2010/main" val="3615353800"/>
       </p:ext>
     </p:extLst>
   </p:cSld>
   <p:clrMapOvr>
     <a:masterClrMapping/>
   </p:clrMapOvr>
+  <p:timing>
+    <p:tnLst>
+      <p:par>
+        <p:cTn id="1" dur="indefinite" restart="never" nodeType="tmRoot"/>
+      </p:par>
+    </p:tnLst>
+  </p:timing>
 </p:sld>
 </file>
 
@@ -3950,7 +3920,7 @@
           <a:p>
             <a:r>
               <a:rPr lang="en-US" dirty="0" smtClean="0"/>
-              <a:t>EF – Architecture Ideas</a:t>
+              <a:t>ORM</a:t>
             </a:r>
             <a:endParaRPr lang="en-US" dirty="0"/>
           </a:p>
@@ -3972,70 +3942,55 @@
           <a:lstStyle/>
           <a:p>
             <a:r>
+              <a:rPr lang="en-US" dirty="0" smtClean="0"/>
+              <a:t>ORM is NOT the only way</a:t>
+            </a:r>
+          </a:p>
+          <a:p>
+            <a:pPr lvl="1"/>
+            <a:r>
+              <a:rPr lang="en-US" dirty="0" smtClean="0"/>
+              <a:t>Stored Procedure Mapping</a:t>
+            </a:r>
+          </a:p>
+          <a:p>
+            <a:pPr lvl="1"/>
+            <a:r>
+              <a:rPr lang="en-US" dirty="0" smtClean="0"/>
+              <a:t>Table Data Gateway </a:t>
+            </a:r>
+          </a:p>
+          <a:p>
+            <a:pPr lvl="1"/>
+            <a:r>
+              <a:rPr lang="en-US" dirty="0" smtClean="0"/>
+              <a:t>Row Data Gateway</a:t>
+            </a:r>
+          </a:p>
+          <a:p>
+            <a:pPr lvl="1"/>
+            <a:r>
+              <a:rPr lang="en-US" dirty="0" smtClean="0"/>
+              <a:t>Active Record</a:t>
+            </a:r>
+          </a:p>
+          <a:p>
+            <a:r>
+              <a:rPr lang="en-US" dirty="0" smtClean="0"/>
+              <a:t>Or, why Relational Database? </a:t>
+            </a:r>
+            <a:r>
               <a:rPr lang="en-US" dirty="0" err="1" smtClean="0"/>
-              <a:t>ObjectContext</a:t>
-            </a:r>
-            <a:endParaRPr lang="en-US" dirty="0" smtClean="0"/>
-          </a:p>
-          <a:p>
-            <a:pPr lvl="1"/>
-            <a:r>
-              <a:rPr lang="en-US" dirty="0" smtClean="0"/>
-              <a:t>Holds configuration/model</a:t>
-            </a:r>
-          </a:p>
-          <a:p>
-            <a:pPr lvl="1"/>
-            <a:r>
-              <a:rPr lang="en-US" dirty="0" smtClean="0"/>
-              <a:t>Acts like </a:t>
-            </a:r>
-            <a:r>
-              <a:rPr lang="en-US" dirty="0" err="1" smtClean="0"/>
-              <a:t>UnitOfWork</a:t>
-            </a:r>
-            <a:endParaRPr lang="en-US" dirty="0" smtClean="0"/>
-          </a:p>
-          <a:p>
-            <a:r>
-              <a:rPr lang="en-US" dirty="0" err="1" smtClean="0"/>
-              <a:t>DBContext</a:t>
-            </a:r>
-            <a:r>
-              <a:rPr lang="en-US" dirty="0" smtClean="0"/>
-              <a:t>: Wrapper of </a:t>
-            </a:r>
-            <a:r>
-              <a:rPr lang="en-US" dirty="0" err="1" smtClean="0"/>
-              <a:t>ObjectContext</a:t>
-            </a:r>
-            <a:endParaRPr lang="en-US" dirty="0" smtClean="0"/>
-          </a:p>
-          <a:p>
-            <a:pPr lvl="1"/>
-            <a:r>
-              <a:rPr lang="en-US" dirty="0" smtClean="0"/>
-              <a:t>Provides easier API to </a:t>
-            </a:r>
-            <a:r>
-              <a:rPr lang="en-US" dirty="0" err="1" smtClean="0"/>
-              <a:t>ObjectContext</a:t>
-            </a:r>
-            <a:endParaRPr lang="en-US" dirty="0" smtClean="0"/>
-          </a:p>
-          <a:p>
-            <a:pPr lvl="1"/>
-            <a:r>
-              <a:rPr lang="en-US" dirty="0" smtClean="0"/>
-              <a:t>Enables Code First approach</a:t>
-            </a:r>
+              <a:t>NoSQL</a:t>
+            </a:r>
+            <a:endParaRPr lang="en-US" dirty="0"/>
           </a:p>
         </p:txBody>
       </p:sp>
     </p:spTree>
     <p:extLst>
       <p:ext uri="{BB962C8B-B14F-4D97-AF65-F5344CB8AC3E}">
-        <p14:creationId xmlns:p14="http://schemas.microsoft.com/office/powerpoint/2010/main" val="586397514"/>
+        <p14:creationId xmlns:p14="http://schemas.microsoft.com/office/powerpoint/2010/main" val="385287127"/>
       </p:ext>
     </p:extLst>
   </p:cSld>
@@ -4078,8 +4033,8 @@
           <a:lstStyle/>
           <a:p>
             <a:r>
-              <a:rPr lang="en-US" dirty="0" smtClean="0"/>
-              <a:t>POCO Support</a:t>
+              <a:rPr lang="en-US" dirty="0" err="1" smtClean="0"/>
+              <a:t>NHibernate</a:t>
             </a:r>
             <a:endParaRPr lang="en-US" dirty="0"/>
           </a:p>
@@ -4102,48 +4057,47 @@
           <a:p>
             <a:r>
               <a:rPr lang="en-US" dirty="0" smtClean="0"/>
-              <a:t>Do you need POCO?</a:t>
-            </a:r>
-          </a:p>
-          <a:p>
-            <a:pPr lvl="1"/>
-            <a:r>
-              <a:rPr lang="en-US" dirty="0" smtClean="0"/>
-              <a:t>A lot of projects are still database-centric </a:t>
-            </a:r>
-            <a:r>
-              <a:rPr lang="en-US" dirty="0" smtClean="0">
-                <a:sym typeface="Wingdings" pitchFamily="2" charset="2"/>
-              </a:rPr>
-              <a:t> use Data objects directly</a:t>
-            </a:r>
+              <a:t>Ported from Java Hibernate</a:t>
+            </a:r>
+          </a:p>
+          <a:p>
+            <a:r>
+              <a:rPr lang="en-US" dirty="0" smtClean="0"/>
+              <a:t>Latest Version: 3.3 (as of April 2013)</a:t>
+            </a:r>
+          </a:p>
+          <a:p>
+            <a:r>
+              <a:rPr lang="en-US" dirty="0" smtClean="0"/>
+              <a:t>Mapping Objects to Relations</a:t>
+            </a:r>
+          </a:p>
+          <a:p>
+            <a:r>
+              <a:rPr lang="en-US" dirty="0" smtClean="0"/>
+              <a:t>Implemented Architectural Ideas of ORM</a:t>
+            </a:r>
+          </a:p>
+          <a:p>
+            <a:r>
+              <a:rPr lang="en-US" dirty="0" smtClean="0"/>
+              <a:t>Quasi-standard of ORM</a:t>
+            </a:r>
+          </a:p>
+          <a:p>
             <a:endParaRPr lang="en-US" dirty="0" smtClean="0"/>
           </a:p>
           <a:p>
-            <a:pPr lvl="1"/>
-            <a:r>
-              <a:rPr lang="en-US" dirty="0" smtClean="0"/>
-              <a:t>Some projects use OO extensively </a:t>
-            </a:r>
-            <a:r>
-              <a:rPr lang="en-US" dirty="0" smtClean="0">
-                <a:sym typeface="Wingdings" pitchFamily="2" charset="2"/>
-              </a:rPr>
-              <a:t> use POCO to ensure the object model does NOT get influenced by relational model</a:t>
-            </a:r>
-          </a:p>
-          <a:p>
-            <a:r>
-              <a:rPr lang="en-US" dirty="0" smtClean="0">
-                <a:sym typeface="Wingdings" pitchFamily="2" charset="2"/>
-              </a:rPr>
-              <a:t>Truth: most projects using Entity Framework because they are database-centric</a:t>
-            </a:r>
             <a:endParaRPr lang="en-US" dirty="0"/>
           </a:p>
         </p:txBody>
       </p:sp>
     </p:spTree>
+    <p:extLst>
+      <p:ext uri="{BB962C8B-B14F-4D97-AF65-F5344CB8AC3E}">
+        <p14:creationId xmlns:p14="http://schemas.microsoft.com/office/powerpoint/2010/main" val="4132717108"/>
+      </p:ext>
+    </p:extLst>
   </p:cSld>
   <p:clrMapOvr>
     <a:masterClrMapping/>
@@ -4185,6 +4139,600 @@
           <a:p>
             <a:r>
               <a:rPr lang="en-US" dirty="0" smtClean="0"/>
+              <a:t>Entity Framework</a:t>
+            </a:r>
+            <a:endParaRPr lang="en-US" dirty="0"/>
+          </a:p>
+        </p:txBody>
+      </p:sp>
+      <p:sp>
+        <p:nvSpPr>
+          <p:cNvPr id="3" name="Content Placeholder 2"/>
+          <p:cNvSpPr>
+            <a:spLocks noGrp="1"/>
+          </p:cNvSpPr>
+          <p:nvPr>
+            <p:ph idx="1"/>
+          </p:nvPr>
+        </p:nvSpPr>
+        <p:spPr/>
+        <p:txBody>
+          <a:bodyPr/>
+          <a:lstStyle/>
+          <a:p>
+            <a:r>
+              <a:rPr lang="en-US" dirty="0" smtClean="0"/>
+              <a:t>Me too product</a:t>
+            </a:r>
+          </a:p>
+          <a:p>
+            <a:r>
+              <a:rPr lang="en-US" dirty="0" smtClean="0"/>
+              <a:t>Had very ambitious goals</a:t>
+            </a:r>
+          </a:p>
+          <a:p>
+            <a:r>
+              <a:rPr lang="en-US" dirty="0" smtClean="0"/>
+              <a:t>Failed to deliver even the same features of </a:t>
+            </a:r>
+            <a:r>
+              <a:rPr lang="en-US" dirty="0" err="1" smtClean="0"/>
+              <a:t>NHibernate</a:t>
+            </a:r>
+            <a:endParaRPr lang="en-US" dirty="0" smtClean="0"/>
+          </a:p>
+          <a:p>
+            <a:r>
+              <a:rPr lang="en-US" dirty="0" smtClean="0"/>
+              <a:t>Yet, still capture a lot of developer base</a:t>
+            </a:r>
+          </a:p>
+          <a:p>
+            <a:r>
+              <a:rPr lang="en-US" dirty="0" smtClean="0"/>
+              <a:t>However, it’s been gradually improved</a:t>
+            </a:r>
+            <a:endParaRPr lang="en-US" dirty="0"/>
+          </a:p>
+        </p:txBody>
+      </p:sp>
+    </p:spTree>
+    <p:extLst>
+      <p:ext uri="{BB962C8B-B14F-4D97-AF65-F5344CB8AC3E}">
+        <p14:creationId xmlns:p14="http://schemas.microsoft.com/office/powerpoint/2010/main" val="355774912"/>
+      </p:ext>
+    </p:extLst>
+  </p:cSld>
+  <p:clrMapOvr>
+    <a:masterClrMapping/>
+  </p:clrMapOvr>
+</p:sld>
+</file>
+
+<file path=ppt/slides/slide15.xml><?xml version="1.0" encoding="utf-8"?>
+<p:sld xmlns:a="http://schemas.openxmlformats.org/drawingml/2006/main" xmlns:r="http://schemas.openxmlformats.org/officeDocument/2006/relationships" xmlns:p="http://schemas.openxmlformats.org/presentationml/2006/main">
+  <p:cSld>
+    <p:spTree>
+      <p:nvGrpSpPr>
+        <p:cNvPr id="1" name=""/>
+        <p:cNvGrpSpPr/>
+        <p:nvPr/>
+      </p:nvGrpSpPr>
+      <p:grpSpPr>
+        <a:xfrm>
+          <a:off x="0" y="0"/>
+          <a:ext cx="0" cy="0"/>
+          <a:chOff x="0" y="0"/>
+          <a:chExt cx="0" cy="0"/>
+        </a:xfrm>
+      </p:grpSpPr>
+      <p:sp>
+        <p:nvSpPr>
+          <p:cNvPr id="2" name="Title 1"/>
+          <p:cNvSpPr>
+            <a:spLocks noGrp="1"/>
+          </p:cNvSpPr>
+          <p:nvPr>
+            <p:ph type="title"/>
+          </p:nvPr>
+        </p:nvSpPr>
+        <p:spPr/>
+        <p:txBody>
+          <a:bodyPr/>
+          <a:lstStyle/>
+          <a:p>
+            <a:r>
+              <a:rPr lang="en-US" dirty="0" smtClean="0"/>
+              <a:t>ORM Architecture Ideas</a:t>
+            </a:r>
+            <a:endParaRPr lang="en-US" dirty="0"/>
+          </a:p>
+        </p:txBody>
+      </p:sp>
+      <p:sp>
+        <p:nvSpPr>
+          <p:cNvPr id="3" name="Content Placeholder 2"/>
+          <p:cNvSpPr>
+            <a:spLocks noGrp="1"/>
+          </p:cNvSpPr>
+          <p:nvPr>
+            <p:ph idx="1"/>
+          </p:nvPr>
+        </p:nvSpPr>
+        <p:spPr/>
+        <p:txBody>
+          <a:bodyPr>
+            <a:normAutofit fontScale="85000" lnSpcReduction="20000"/>
+          </a:bodyPr>
+          <a:lstStyle/>
+          <a:p>
+            <a:r>
+              <a:rPr lang="en-US" dirty="0" smtClean="0"/>
+              <a:t>Object Mapping</a:t>
+            </a:r>
+          </a:p>
+          <a:p>
+            <a:pPr lvl="1"/>
+            <a:r>
+              <a:rPr lang="en-US" dirty="0" err="1" smtClean="0"/>
+              <a:t>Enum</a:t>
+            </a:r>
+            <a:r>
+              <a:rPr lang="en-US" dirty="0" smtClean="0"/>
+              <a:t> Mapping</a:t>
+            </a:r>
+          </a:p>
+          <a:p>
+            <a:pPr lvl="1"/>
+            <a:r>
+              <a:rPr lang="en-US" dirty="0" smtClean="0"/>
+              <a:t>Embedded Value</a:t>
+            </a:r>
+          </a:p>
+          <a:p>
+            <a:pPr lvl="1"/>
+            <a:r>
+              <a:rPr lang="en-US" dirty="0" smtClean="0"/>
+              <a:t>LOB Serialization</a:t>
+            </a:r>
+          </a:p>
+          <a:p>
+            <a:r>
+              <a:rPr lang="en-US" dirty="0" smtClean="0"/>
+              <a:t>Identity </a:t>
+            </a:r>
+            <a:r>
+              <a:rPr lang="en-US" dirty="0" err="1" smtClean="0"/>
+              <a:t>Managemet</a:t>
+            </a:r>
+            <a:endParaRPr lang="en-US" dirty="0" smtClean="0"/>
+          </a:p>
+          <a:p>
+            <a:pPr lvl="1"/>
+            <a:r>
+              <a:rPr lang="en-US" dirty="0" smtClean="0"/>
+              <a:t>Identity Field</a:t>
+            </a:r>
+          </a:p>
+          <a:p>
+            <a:pPr lvl="1"/>
+            <a:r>
+              <a:rPr lang="en-US" dirty="0" smtClean="0"/>
+              <a:t>Identity Mapping</a:t>
+            </a:r>
+          </a:p>
+          <a:p>
+            <a:r>
+              <a:rPr lang="en-US" dirty="0" smtClean="0"/>
+              <a:t>Unit of Work</a:t>
+            </a:r>
+          </a:p>
+          <a:p>
+            <a:r>
+              <a:rPr lang="en-US" dirty="0" smtClean="0"/>
+              <a:t>Lazy/Eager Load</a:t>
+            </a:r>
+          </a:p>
+          <a:p>
+            <a:r>
+              <a:rPr lang="en-US" dirty="0" smtClean="0"/>
+              <a:t>Inheritance Mapping</a:t>
+            </a:r>
+          </a:p>
+          <a:p>
+            <a:r>
+              <a:rPr lang="en-US" dirty="0" smtClean="0"/>
+              <a:t>Repository</a:t>
+            </a:r>
+            <a:endParaRPr lang="en-US" dirty="0"/>
+          </a:p>
+        </p:txBody>
+      </p:sp>
+    </p:spTree>
+    <p:extLst>
+      <p:ext uri="{BB962C8B-B14F-4D97-AF65-F5344CB8AC3E}">
+        <p14:creationId xmlns:p14="http://schemas.microsoft.com/office/powerpoint/2010/main" val="1309587586"/>
+      </p:ext>
+    </p:extLst>
+  </p:cSld>
+  <p:clrMapOvr>
+    <a:masterClrMapping/>
+  </p:clrMapOvr>
+</p:sld>
+</file>
+
+<file path=ppt/slides/slide16.xml><?xml version="1.0" encoding="utf-8"?>
+<p:sld xmlns:a="http://schemas.openxmlformats.org/drawingml/2006/main" xmlns:r="http://schemas.openxmlformats.org/officeDocument/2006/relationships" xmlns:p="http://schemas.openxmlformats.org/presentationml/2006/main">
+  <p:cSld>
+    <p:spTree>
+      <p:nvGrpSpPr>
+        <p:cNvPr id="1" name=""/>
+        <p:cNvGrpSpPr/>
+        <p:nvPr/>
+      </p:nvGrpSpPr>
+      <p:grpSpPr>
+        <a:xfrm>
+          <a:off x="0" y="0"/>
+          <a:ext cx="0" cy="0"/>
+          <a:chOff x="0" y="0"/>
+          <a:chExt cx="0" cy="0"/>
+        </a:xfrm>
+      </p:grpSpPr>
+      <p:sp>
+        <p:nvSpPr>
+          <p:cNvPr id="2" name="Title 1"/>
+          <p:cNvSpPr>
+            <a:spLocks noGrp="1"/>
+          </p:cNvSpPr>
+          <p:nvPr>
+            <p:ph type="title"/>
+          </p:nvPr>
+        </p:nvSpPr>
+        <p:spPr/>
+        <p:txBody>
+          <a:bodyPr/>
+          <a:lstStyle/>
+          <a:p>
+            <a:r>
+              <a:rPr lang="en-US" dirty="0" err="1" smtClean="0"/>
+              <a:t>NHibernate</a:t>
+            </a:r>
+            <a:r>
+              <a:rPr lang="en-US" dirty="0" smtClean="0"/>
+              <a:t> – Architecture Idea</a:t>
+            </a:r>
+            <a:endParaRPr lang="en-US" dirty="0"/>
+          </a:p>
+        </p:txBody>
+      </p:sp>
+      <p:sp>
+        <p:nvSpPr>
+          <p:cNvPr id="3" name="Content Placeholder 2"/>
+          <p:cNvSpPr>
+            <a:spLocks noGrp="1"/>
+          </p:cNvSpPr>
+          <p:nvPr>
+            <p:ph idx="1"/>
+          </p:nvPr>
+        </p:nvSpPr>
+        <p:spPr/>
+        <p:txBody>
+          <a:bodyPr/>
+          <a:lstStyle/>
+          <a:p>
+            <a:r>
+              <a:rPr lang="en-US" smtClean="0"/>
+              <a:t>Configuration</a:t>
+            </a:r>
+            <a:endParaRPr lang="en-US" dirty="0" smtClean="0"/>
+          </a:p>
+          <a:p>
+            <a:r>
+              <a:rPr lang="en-US" dirty="0" err="1" smtClean="0"/>
+              <a:t>ISessionFactory</a:t>
+            </a:r>
+            <a:endParaRPr lang="en-US" dirty="0" smtClean="0"/>
+          </a:p>
+          <a:p>
+            <a:r>
+              <a:rPr lang="en-US" dirty="0" err="1" smtClean="0"/>
+              <a:t>ISession</a:t>
+            </a:r>
+            <a:endParaRPr lang="en-US" dirty="0" smtClean="0"/>
+          </a:p>
+          <a:p>
+            <a:pPr lvl="1"/>
+            <a:r>
+              <a:rPr lang="en-US" dirty="0" smtClean="0"/>
+              <a:t>lightweight</a:t>
+            </a:r>
+            <a:endParaRPr lang="en-US" dirty="0"/>
+          </a:p>
+        </p:txBody>
+      </p:sp>
+    </p:spTree>
+    <p:extLst>
+      <p:ext uri="{BB962C8B-B14F-4D97-AF65-F5344CB8AC3E}">
+        <p14:creationId xmlns:p14="http://schemas.microsoft.com/office/powerpoint/2010/main" val="1860968687"/>
+      </p:ext>
+    </p:extLst>
+  </p:cSld>
+  <p:clrMapOvr>
+    <a:masterClrMapping/>
+  </p:clrMapOvr>
+</p:sld>
+</file>
+
+<file path=ppt/slides/slide17.xml><?xml version="1.0" encoding="utf-8"?>
+<p:sld xmlns:a="http://schemas.openxmlformats.org/drawingml/2006/main" xmlns:r="http://schemas.openxmlformats.org/officeDocument/2006/relationships" xmlns:p="http://schemas.openxmlformats.org/presentationml/2006/main">
+  <p:cSld>
+    <p:spTree>
+      <p:nvGrpSpPr>
+        <p:cNvPr id="1" name=""/>
+        <p:cNvGrpSpPr/>
+        <p:nvPr/>
+      </p:nvGrpSpPr>
+      <p:grpSpPr>
+        <a:xfrm>
+          <a:off x="0" y="0"/>
+          <a:ext cx="0" cy="0"/>
+          <a:chOff x="0" y="0"/>
+          <a:chExt cx="0" cy="0"/>
+        </a:xfrm>
+      </p:grpSpPr>
+      <p:sp>
+        <p:nvSpPr>
+          <p:cNvPr id="2" name="Title 1"/>
+          <p:cNvSpPr>
+            <a:spLocks noGrp="1"/>
+          </p:cNvSpPr>
+          <p:nvPr>
+            <p:ph type="title"/>
+          </p:nvPr>
+        </p:nvSpPr>
+        <p:spPr/>
+        <p:txBody>
+          <a:bodyPr/>
+          <a:lstStyle/>
+          <a:p>
+            <a:r>
+              <a:rPr lang="en-US" dirty="0" smtClean="0"/>
+              <a:t>EF – Architecture Ideas</a:t>
+            </a:r>
+            <a:endParaRPr lang="en-US" dirty="0"/>
+          </a:p>
+        </p:txBody>
+      </p:sp>
+      <p:sp>
+        <p:nvSpPr>
+          <p:cNvPr id="3" name="Content Placeholder 2"/>
+          <p:cNvSpPr>
+            <a:spLocks noGrp="1"/>
+          </p:cNvSpPr>
+          <p:nvPr>
+            <p:ph idx="1"/>
+          </p:nvPr>
+        </p:nvSpPr>
+        <p:spPr/>
+        <p:txBody>
+          <a:bodyPr/>
+          <a:lstStyle/>
+          <a:p>
+            <a:r>
+              <a:rPr lang="en-US" dirty="0" err="1" smtClean="0"/>
+              <a:t>ObjectContext</a:t>
+            </a:r>
+            <a:endParaRPr lang="en-US" dirty="0" smtClean="0"/>
+          </a:p>
+          <a:p>
+            <a:pPr lvl="1"/>
+            <a:r>
+              <a:rPr lang="en-US" dirty="0" smtClean="0"/>
+              <a:t>Holds configuration/model</a:t>
+            </a:r>
+          </a:p>
+          <a:p>
+            <a:pPr lvl="1"/>
+            <a:r>
+              <a:rPr lang="en-US" dirty="0" smtClean="0"/>
+              <a:t>Acts like </a:t>
+            </a:r>
+            <a:r>
+              <a:rPr lang="en-US" dirty="0" err="1" smtClean="0"/>
+              <a:t>UnitOfWork</a:t>
+            </a:r>
+            <a:endParaRPr lang="en-US" dirty="0" smtClean="0"/>
+          </a:p>
+          <a:p>
+            <a:r>
+              <a:rPr lang="en-US" dirty="0" err="1" smtClean="0"/>
+              <a:t>DBContext</a:t>
+            </a:r>
+            <a:r>
+              <a:rPr lang="en-US" dirty="0" smtClean="0"/>
+              <a:t>: Wrapper of </a:t>
+            </a:r>
+            <a:r>
+              <a:rPr lang="en-US" dirty="0" err="1" smtClean="0"/>
+              <a:t>ObjectContext</a:t>
+            </a:r>
+            <a:endParaRPr lang="en-US" dirty="0" smtClean="0"/>
+          </a:p>
+          <a:p>
+            <a:pPr lvl="1"/>
+            <a:r>
+              <a:rPr lang="en-US" dirty="0" smtClean="0"/>
+              <a:t>Provides easier API to </a:t>
+            </a:r>
+            <a:r>
+              <a:rPr lang="en-US" dirty="0" err="1" smtClean="0"/>
+              <a:t>ObjectContext</a:t>
+            </a:r>
+            <a:endParaRPr lang="en-US" dirty="0" smtClean="0"/>
+          </a:p>
+          <a:p>
+            <a:pPr lvl="1"/>
+            <a:r>
+              <a:rPr lang="en-US" dirty="0" smtClean="0"/>
+              <a:t>Enables Code First approach</a:t>
+            </a:r>
+          </a:p>
+        </p:txBody>
+      </p:sp>
+    </p:spTree>
+    <p:extLst>
+      <p:ext uri="{BB962C8B-B14F-4D97-AF65-F5344CB8AC3E}">
+        <p14:creationId xmlns:p14="http://schemas.microsoft.com/office/powerpoint/2010/main" val="586397514"/>
+      </p:ext>
+    </p:extLst>
+  </p:cSld>
+  <p:clrMapOvr>
+    <a:masterClrMapping/>
+  </p:clrMapOvr>
+</p:sld>
+</file>
+
+<file path=ppt/slides/slide18.xml><?xml version="1.0" encoding="utf-8"?>
+<p:sld xmlns:a="http://schemas.openxmlformats.org/drawingml/2006/main" xmlns:r="http://schemas.openxmlformats.org/officeDocument/2006/relationships" xmlns:p="http://schemas.openxmlformats.org/presentationml/2006/main">
+  <p:cSld>
+    <p:spTree>
+      <p:nvGrpSpPr>
+        <p:cNvPr id="1" name=""/>
+        <p:cNvGrpSpPr/>
+        <p:nvPr/>
+      </p:nvGrpSpPr>
+      <p:grpSpPr>
+        <a:xfrm>
+          <a:off x="0" y="0"/>
+          <a:ext cx="0" cy="0"/>
+          <a:chOff x="0" y="0"/>
+          <a:chExt cx="0" cy="0"/>
+        </a:xfrm>
+      </p:grpSpPr>
+      <p:sp>
+        <p:nvSpPr>
+          <p:cNvPr id="2" name="Title 1"/>
+          <p:cNvSpPr>
+            <a:spLocks noGrp="1"/>
+          </p:cNvSpPr>
+          <p:nvPr>
+            <p:ph type="title"/>
+          </p:nvPr>
+        </p:nvSpPr>
+        <p:spPr/>
+        <p:txBody>
+          <a:bodyPr/>
+          <a:lstStyle/>
+          <a:p>
+            <a:r>
+              <a:rPr lang="en-US" dirty="0" smtClean="0"/>
+              <a:t>POCO Support</a:t>
+            </a:r>
+            <a:endParaRPr lang="en-US" dirty="0"/>
+          </a:p>
+        </p:txBody>
+      </p:sp>
+      <p:sp>
+        <p:nvSpPr>
+          <p:cNvPr id="3" name="Content Placeholder 2"/>
+          <p:cNvSpPr>
+            <a:spLocks noGrp="1"/>
+          </p:cNvSpPr>
+          <p:nvPr>
+            <p:ph idx="1"/>
+          </p:nvPr>
+        </p:nvSpPr>
+        <p:spPr/>
+        <p:txBody>
+          <a:bodyPr/>
+          <a:lstStyle/>
+          <a:p>
+            <a:r>
+              <a:rPr lang="en-US" dirty="0" smtClean="0"/>
+              <a:t>Do you need POCO?</a:t>
+            </a:r>
+          </a:p>
+          <a:p>
+            <a:pPr lvl="1"/>
+            <a:r>
+              <a:rPr lang="en-US" dirty="0" smtClean="0"/>
+              <a:t>A lot of projects are still database-centric </a:t>
+            </a:r>
+            <a:r>
+              <a:rPr lang="en-US" dirty="0" smtClean="0">
+                <a:sym typeface="Wingdings" pitchFamily="2" charset="2"/>
+              </a:rPr>
+              <a:t> use Data objects directly</a:t>
+            </a:r>
+            <a:endParaRPr lang="en-US" dirty="0" smtClean="0"/>
+          </a:p>
+          <a:p>
+            <a:pPr lvl="1"/>
+            <a:r>
+              <a:rPr lang="en-US" dirty="0" smtClean="0"/>
+              <a:t>Some projects use OO extensively </a:t>
+            </a:r>
+            <a:r>
+              <a:rPr lang="en-US" dirty="0" smtClean="0">
+                <a:sym typeface="Wingdings" pitchFamily="2" charset="2"/>
+              </a:rPr>
+              <a:t> use POCO to ensure the object model does NOT get influenced by relational model</a:t>
+            </a:r>
+          </a:p>
+          <a:p>
+            <a:r>
+              <a:rPr lang="en-US" dirty="0" smtClean="0">
+                <a:sym typeface="Wingdings" pitchFamily="2" charset="2"/>
+              </a:rPr>
+              <a:t>Truth: most projects using Entity Framework because they are database-centric</a:t>
+            </a:r>
+            <a:endParaRPr lang="en-US" dirty="0"/>
+          </a:p>
+        </p:txBody>
+      </p:sp>
+    </p:spTree>
+  </p:cSld>
+  <p:clrMapOvr>
+    <a:masterClrMapping/>
+  </p:clrMapOvr>
+</p:sld>
+</file>
+
+<file path=ppt/slides/slide19.xml><?xml version="1.0" encoding="utf-8"?>
+<p:sld xmlns:a="http://schemas.openxmlformats.org/drawingml/2006/main" xmlns:r="http://schemas.openxmlformats.org/officeDocument/2006/relationships" xmlns:p="http://schemas.openxmlformats.org/presentationml/2006/main">
+  <p:cSld>
+    <p:spTree>
+      <p:nvGrpSpPr>
+        <p:cNvPr id="1" name=""/>
+        <p:cNvGrpSpPr/>
+        <p:nvPr/>
+      </p:nvGrpSpPr>
+      <p:grpSpPr>
+        <a:xfrm>
+          <a:off x="0" y="0"/>
+          <a:ext cx="0" cy="0"/>
+          <a:chOff x="0" y="0"/>
+          <a:chExt cx="0" cy="0"/>
+        </a:xfrm>
+      </p:grpSpPr>
+      <p:sp>
+        <p:nvSpPr>
+          <p:cNvPr id="2" name="Title 1"/>
+          <p:cNvSpPr>
+            <a:spLocks noGrp="1"/>
+          </p:cNvSpPr>
+          <p:nvPr>
+            <p:ph type="title"/>
+          </p:nvPr>
+        </p:nvSpPr>
+        <p:spPr/>
+        <p:txBody>
+          <a:bodyPr/>
+          <a:lstStyle/>
+          <a:p>
+            <a:r>
+              <a:rPr lang="en-US" dirty="0" smtClean="0"/>
               <a:t>Mapping</a:t>
             </a:r>
             <a:endParaRPr lang="en-US" dirty="0"/>
@@ -4288,7 +4836,485 @@
 </p:sld>
 </file>
 
-<file path=ppt/slides/slide15.xml><?xml version="1.0" encoding="utf-8"?>
+<file path=ppt/slides/slide2.xml><?xml version="1.0" encoding="utf-8"?>
+<p:sld xmlns:a="http://schemas.openxmlformats.org/drawingml/2006/main" xmlns:r="http://schemas.openxmlformats.org/officeDocument/2006/relationships" xmlns:p="http://schemas.openxmlformats.org/presentationml/2006/main">
+  <p:cSld>
+    <p:spTree>
+      <p:nvGrpSpPr>
+        <p:cNvPr id="1" name=""/>
+        <p:cNvGrpSpPr/>
+        <p:nvPr/>
+      </p:nvGrpSpPr>
+      <p:grpSpPr>
+        <a:xfrm>
+          <a:off x="0" y="0"/>
+          <a:ext cx="0" cy="0"/>
+          <a:chOff x="0" y="0"/>
+          <a:chExt cx="0" cy="0"/>
+        </a:xfrm>
+      </p:grpSpPr>
+      <p:sp>
+        <p:nvSpPr>
+          <p:cNvPr id="2" name="Title 1"/>
+          <p:cNvSpPr>
+            <a:spLocks noGrp="1"/>
+          </p:cNvSpPr>
+          <p:nvPr>
+            <p:ph type="title"/>
+          </p:nvPr>
+        </p:nvSpPr>
+        <p:spPr/>
+        <p:txBody>
+          <a:bodyPr/>
+          <a:lstStyle/>
+          <a:p>
+            <a:r>
+              <a:rPr lang="en-US" dirty="0" smtClean="0"/>
+              <a:t>Layered App</a:t>
+            </a:r>
+            <a:endParaRPr lang="en-US" dirty="0"/>
+          </a:p>
+        </p:txBody>
+      </p:sp>
+      <p:sp>
+        <p:nvSpPr>
+          <p:cNvPr id="5" name="Rectangle 4"/>
+          <p:cNvSpPr/>
+          <p:nvPr/>
+        </p:nvSpPr>
+        <p:spPr>
+          <a:xfrm>
+            <a:off x="996042" y="4093029"/>
+            <a:ext cx="1981200" cy="914400"/>
+          </a:xfrm>
+          <a:prstGeom prst="rect">
+            <a:avLst/>
+          </a:prstGeom>
+        </p:spPr>
+        <p:style>
+          <a:lnRef idx="2">
+            <a:schemeClr val="accent1">
+              <a:shade val="50000"/>
+            </a:schemeClr>
+          </a:lnRef>
+          <a:fillRef idx="1">
+            <a:schemeClr val="accent1"/>
+          </a:fillRef>
+          <a:effectRef idx="0">
+            <a:schemeClr val="accent1"/>
+          </a:effectRef>
+          <a:fontRef idx="minor">
+            <a:schemeClr val="lt1"/>
+          </a:fontRef>
+        </p:style>
+        <p:txBody>
+          <a:bodyPr rtlCol="0" anchor="ctr"/>
+          <a:lstStyle/>
+          <a:p>
+            <a:pPr algn="ctr"/>
+            <a:r>
+              <a:rPr lang="en-US" dirty="0" smtClean="0"/>
+              <a:t>Logic</a:t>
+            </a:r>
+            <a:endParaRPr lang="en-US" dirty="0"/>
+          </a:p>
+        </p:txBody>
+      </p:sp>
+      <p:sp>
+        <p:nvSpPr>
+          <p:cNvPr id="6" name="Rectangle 5"/>
+          <p:cNvSpPr/>
+          <p:nvPr/>
+        </p:nvSpPr>
+        <p:spPr>
+          <a:xfrm>
+            <a:off x="996042" y="3004458"/>
+            <a:ext cx="1981200" cy="914400"/>
+          </a:xfrm>
+          <a:prstGeom prst="rect">
+            <a:avLst/>
+          </a:prstGeom>
+        </p:spPr>
+        <p:style>
+          <a:lnRef idx="2">
+            <a:schemeClr val="accent1">
+              <a:shade val="50000"/>
+            </a:schemeClr>
+          </a:lnRef>
+          <a:fillRef idx="1">
+            <a:schemeClr val="accent1"/>
+          </a:fillRef>
+          <a:effectRef idx="0">
+            <a:schemeClr val="accent1"/>
+          </a:effectRef>
+          <a:fontRef idx="minor">
+            <a:schemeClr val="lt1"/>
+          </a:fontRef>
+        </p:style>
+        <p:txBody>
+          <a:bodyPr rtlCol="0" anchor="ctr"/>
+          <a:lstStyle/>
+          <a:p>
+            <a:pPr algn="ctr"/>
+            <a:r>
+              <a:rPr lang="en-US" dirty="0" smtClean="0"/>
+              <a:t>Service / Pre</a:t>
+            </a:r>
+            <a:r>
+              <a:rPr lang="en-US" sz="1600" dirty="0" smtClean="0"/>
+              <a:t>se</a:t>
+            </a:r>
+            <a:r>
+              <a:rPr lang="en-US" dirty="0" smtClean="0"/>
+              <a:t>ntation</a:t>
+            </a:r>
+            <a:endParaRPr lang="en-US" dirty="0"/>
+          </a:p>
+        </p:txBody>
+      </p:sp>
+      <p:sp>
+        <p:nvSpPr>
+          <p:cNvPr id="7" name="Can 6"/>
+          <p:cNvSpPr/>
+          <p:nvPr/>
+        </p:nvSpPr>
+        <p:spPr>
+          <a:xfrm>
+            <a:off x="996042" y="5197929"/>
+            <a:ext cx="1981200" cy="898072"/>
+          </a:xfrm>
+          <a:prstGeom prst="can">
+            <a:avLst>
+              <a:gd name="adj" fmla="val 17271"/>
+            </a:avLst>
+          </a:prstGeom>
+        </p:spPr>
+        <p:style>
+          <a:lnRef idx="2">
+            <a:schemeClr val="accent1">
+              <a:shade val="50000"/>
+            </a:schemeClr>
+          </a:lnRef>
+          <a:fillRef idx="1">
+            <a:schemeClr val="accent1"/>
+          </a:fillRef>
+          <a:effectRef idx="0">
+            <a:schemeClr val="accent1"/>
+          </a:effectRef>
+          <a:fontRef idx="minor">
+            <a:schemeClr val="lt1"/>
+          </a:fontRef>
+        </p:style>
+        <p:txBody>
+          <a:bodyPr rtlCol="0" anchor="ctr"/>
+          <a:lstStyle/>
+          <a:p>
+            <a:pPr algn="ctr"/>
+            <a:r>
+              <a:rPr lang="en-US" dirty="0" smtClean="0"/>
+              <a:t>DB</a:t>
+            </a:r>
+            <a:endParaRPr lang="en-US" dirty="0"/>
+          </a:p>
+        </p:txBody>
+      </p:sp>
+      <p:sp>
+        <p:nvSpPr>
+          <p:cNvPr id="8" name="Smiley Face 7"/>
+          <p:cNvSpPr/>
+          <p:nvPr/>
+        </p:nvSpPr>
+        <p:spPr>
+          <a:xfrm>
+            <a:off x="1373414" y="2188029"/>
+            <a:ext cx="613228" cy="609600"/>
+          </a:xfrm>
+          <a:prstGeom prst="smileyFace">
+            <a:avLst/>
+          </a:prstGeom>
+        </p:spPr>
+        <p:style>
+          <a:lnRef idx="2">
+            <a:schemeClr val="accent1">
+              <a:shade val="50000"/>
+            </a:schemeClr>
+          </a:lnRef>
+          <a:fillRef idx="1">
+            <a:schemeClr val="accent1"/>
+          </a:fillRef>
+          <a:effectRef idx="0">
+            <a:schemeClr val="accent1"/>
+          </a:effectRef>
+          <a:fontRef idx="minor">
+            <a:schemeClr val="lt1"/>
+          </a:fontRef>
+        </p:style>
+        <p:txBody>
+          <a:bodyPr rtlCol="0" anchor="ctr"/>
+          <a:lstStyle/>
+          <a:p>
+            <a:pPr algn="ctr"/>
+            <a:endParaRPr lang="en-US"/>
+          </a:p>
+        </p:txBody>
+      </p:sp>
+      <p:sp>
+        <p:nvSpPr>
+          <p:cNvPr id="9" name="Line Callout 1 8"/>
+          <p:cNvSpPr/>
+          <p:nvPr/>
+        </p:nvSpPr>
+        <p:spPr>
+          <a:xfrm>
+            <a:off x="3412671" y="2492829"/>
+            <a:ext cx="1752600" cy="664029"/>
+          </a:xfrm>
+          <a:prstGeom prst="borderCallout1">
+            <a:avLst/>
+          </a:prstGeom>
+        </p:spPr>
+        <p:style>
+          <a:lnRef idx="2">
+            <a:schemeClr val="accent6"/>
+          </a:lnRef>
+          <a:fillRef idx="1">
+            <a:schemeClr val="lt1"/>
+          </a:fillRef>
+          <a:effectRef idx="0">
+            <a:schemeClr val="accent6"/>
+          </a:effectRef>
+          <a:fontRef idx="minor">
+            <a:schemeClr val="dk1"/>
+          </a:fontRef>
+        </p:style>
+        <p:txBody>
+          <a:bodyPr rtlCol="0" anchor="ctr"/>
+          <a:lstStyle/>
+          <a:p>
+            <a:r>
+              <a:rPr lang="en-US" dirty="0" smtClean="0"/>
+              <a:t>Web/Windows</a:t>
+            </a:r>
+            <a:endParaRPr lang="en-US" dirty="0"/>
+          </a:p>
+        </p:txBody>
+      </p:sp>
+      <p:sp>
+        <p:nvSpPr>
+          <p:cNvPr id="10" name="Line Callout 1 9"/>
+          <p:cNvSpPr/>
+          <p:nvPr/>
+        </p:nvSpPr>
+        <p:spPr>
+          <a:xfrm>
+            <a:off x="3441700" y="3742871"/>
+            <a:ext cx="1752600" cy="664029"/>
+          </a:xfrm>
+          <a:prstGeom prst="borderCallout1">
+            <a:avLst/>
+          </a:prstGeom>
+        </p:spPr>
+        <p:style>
+          <a:lnRef idx="2">
+            <a:schemeClr val="accent6"/>
+          </a:lnRef>
+          <a:fillRef idx="1">
+            <a:schemeClr val="lt1"/>
+          </a:fillRef>
+          <a:effectRef idx="0">
+            <a:schemeClr val="accent6"/>
+          </a:effectRef>
+          <a:fontRef idx="minor">
+            <a:schemeClr val="dk1"/>
+          </a:fontRef>
+        </p:style>
+        <p:txBody>
+          <a:bodyPr rtlCol="0" anchor="ctr"/>
+          <a:lstStyle/>
+          <a:p>
+            <a:r>
+              <a:rPr lang="en-US" dirty="0" smtClean="0"/>
+              <a:t>objects</a:t>
+            </a:r>
+            <a:endParaRPr lang="en-US" dirty="0"/>
+          </a:p>
+        </p:txBody>
+      </p:sp>
+      <p:sp>
+        <p:nvSpPr>
+          <p:cNvPr id="11" name="Line Callout 1 10"/>
+          <p:cNvSpPr/>
+          <p:nvPr/>
+        </p:nvSpPr>
+        <p:spPr>
+          <a:xfrm>
+            <a:off x="3494314" y="4918528"/>
+            <a:ext cx="1699986" cy="664029"/>
+          </a:xfrm>
+          <a:prstGeom prst="borderCallout1">
+            <a:avLst/>
+          </a:prstGeom>
+        </p:spPr>
+        <p:style>
+          <a:lnRef idx="2">
+            <a:schemeClr val="accent6"/>
+          </a:lnRef>
+          <a:fillRef idx="1">
+            <a:schemeClr val="lt1"/>
+          </a:fillRef>
+          <a:effectRef idx="0">
+            <a:schemeClr val="accent6"/>
+          </a:effectRef>
+          <a:fontRef idx="minor">
+            <a:schemeClr val="dk1"/>
+          </a:fontRef>
+        </p:style>
+        <p:txBody>
+          <a:bodyPr rtlCol="0" anchor="ctr"/>
+          <a:lstStyle/>
+          <a:p>
+            <a:r>
+              <a:rPr lang="en-US" dirty="0" smtClean="0"/>
+              <a:t>data</a:t>
+            </a:r>
+            <a:endParaRPr lang="en-US" dirty="0"/>
+          </a:p>
+        </p:txBody>
+      </p:sp>
+      <p:sp>
+        <p:nvSpPr>
+          <p:cNvPr id="12" name="Heart 11"/>
+          <p:cNvSpPr/>
+          <p:nvPr/>
+        </p:nvSpPr>
+        <p:spPr>
+          <a:xfrm>
+            <a:off x="762000" y="4865914"/>
+            <a:ext cx="762000" cy="664029"/>
+          </a:xfrm>
+          <a:prstGeom prst="heart">
+            <a:avLst/>
+          </a:prstGeom>
+        </p:spPr>
+        <p:style>
+          <a:lnRef idx="2">
+            <a:schemeClr val="accent2">
+              <a:shade val="50000"/>
+            </a:schemeClr>
+          </a:lnRef>
+          <a:fillRef idx="1">
+            <a:schemeClr val="accent2"/>
+          </a:fillRef>
+          <a:effectRef idx="0">
+            <a:schemeClr val="accent2"/>
+          </a:effectRef>
+          <a:fontRef idx="minor">
+            <a:schemeClr val="lt1"/>
+          </a:fontRef>
+        </p:style>
+        <p:txBody>
+          <a:bodyPr rtlCol="0" anchor="ctr"/>
+          <a:lstStyle/>
+          <a:p>
+            <a:pPr algn="ctr"/>
+            <a:endParaRPr lang="en-US"/>
+          </a:p>
+        </p:txBody>
+      </p:sp>
+      <p:sp>
+        <p:nvSpPr>
+          <p:cNvPr id="13" name="Down Arrow 12"/>
+          <p:cNvSpPr/>
+          <p:nvPr/>
+        </p:nvSpPr>
+        <p:spPr>
+          <a:xfrm>
+            <a:off x="1696356" y="4793343"/>
+            <a:ext cx="381000" cy="457200"/>
+          </a:xfrm>
+          <a:prstGeom prst="downArrow">
+            <a:avLst/>
+          </a:prstGeom>
+        </p:spPr>
+        <p:style>
+          <a:lnRef idx="2">
+            <a:schemeClr val="accent1">
+              <a:shade val="50000"/>
+            </a:schemeClr>
+          </a:lnRef>
+          <a:fillRef idx="1">
+            <a:schemeClr val="accent1"/>
+          </a:fillRef>
+          <a:effectRef idx="0">
+            <a:schemeClr val="accent1"/>
+          </a:effectRef>
+          <a:fontRef idx="minor">
+            <a:schemeClr val="lt1"/>
+          </a:fontRef>
+        </p:style>
+        <p:txBody>
+          <a:bodyPr rtlCol="0" anchor="ctr"/>
+          <a:lstStyle/>
+          <a:p>
+            <a:pPr algn="ctr"/>
+            <a:endParaRPr lang="en-US"/>
+          </a:p>
+        </p:txBody>
+      </p:sp>
+      <p:sp>
+        <p:nvSpPr>
+          <p:cNvPr id="14" name="Down Arrow 13"/>
+          <p:cNvSpPr/>
+          <p:nvPr/>
+        </p:nvSpPr>
+        <p:spPr>
+          <a:xfrm rot="10800000">
+            <a:off x="2077356" y="4793343"/>
+            <a:ext cx="381000" cy="457200"/>
+          </a:xfrm>
+          <a:prstGeom prst="downArrow">
+            <a:avLst/>
+          </a:prstGeom>
+        </p:spPr>
+        <p:style>
+          <a:lnRef idx="2">
+            <a:schemeClr val="accent1">
+              <a:shade val="50000"/>
+            </a:schemeClr>
+          </a:lnRef>
+          <a:fillRef idx="1">
+            <a:schemeClr val="accent1"/>
+          </a:fillRef>
+          <a:effectRef idx="0">
+            <a:schemeClr val="accent1"/>
+          </a:effectRef>
+          <a:fontRef idx="minor">
+            <a:schemeClr val="lt1"/>
+          </a:fontRef>
+        </p:style>
+        <p:txBody>
+          <a:bodyPr rtlCol="0" anchor="ctr"/>
+          <a:lstStyle/>
+          <a:p>
+            <a:pPr algn="ctr"/>
+            <a:endParaRPr lang="en-US"/>
+          </a:p>
+        </p:txBody>
+      </p:sp>
+    </p:spTree>
+    <p:extLst>
+      <p:ext uri="{BB962C8B-B14F-4D97-AF65-F5344CB8AC3E}">
+        <p14:creationId xmlns:p14="http://schemas.microsoft.com/office/powerpoint/2010/main" val="2432363430"/>
+      </p:ext>
+    </p:extLst>
+  </p:cSld>
+  <p:clrMapOvr>
+    <a:masterClrMapping/>
+  </p:clrMapOvr>
+</p:sld>
+</file>
+
+<file path=ppt/slides/slide20.xml><?xml version="1.0" encoding="utf-8"?>
 <p:sld xmlns:a="http://schemas.openxmlformats.org/drawingml/2006/main" xmlns:r="http://schemas.openxmlformats.org/officeDocument/2006/relationships" xmlns:p="http://schemas.openxmlformats.org/presentationml/2006/main">
   <p:cSld>
     <p:spTree>
@@ -5431,7 +6457,7 @@
 </p:sld>
 </file>
 
-<file path=ppt/slides/slide16.xml><?xml version="1.0" encoding="utf-8"?>
+<file path=ppt/slides/slide21.xml><?xml version="1.0" encoding="utf-8"?>
 <p:sld xmlns:a="http://schemas.openxmlformats.org/drawingml/2006/main" xmlns:r="http://schemas.openxmlformats.org/officeDocument/2006/relationships" xmlns:p="http://schemas.openxmlformats.org/presentationml/2006/main">
   <p:cSld>
     <p:spTree>
@@ -5989,7 +7015,7 @@
 </p:sld>
 </file>
 
-<file path=ppt/slides/slide17.xml><?xml version="1.0" encoding="utf-8"?>
+<file path=ppt/slides/slide22.xml><?xml version="1.0" encoding="utf-8"?>
 <p:sld xmlns:a="http://schemas.openxmlformats.org/drawingml/2006/main" xmlns:r="http://schemas.openxmlformats.org/officeDocument/2006/relationships" xmlns:p="http://schemas.openxmlformats.org/presentationml/2006/main">
   <p:cSld>
     <p:spTree>
@@ -6484,7 +7510,7 @@
 </p:sld>
 </file>
 
-<file path=ppt/slides/slide18.xml><?xml version="1.0" encoding="utf-8"?>
+<file path=ppt/slides/slide23.xml><?xml version="1.0" encoding="utf-8"?>
 <p:sld xmlns:a="http://schemas.openxmlformats.org/drawingml/2006/main" xmlns:r="http://schemas.openxmlformats.org/officeDocument/2006/relationships" xmlns:p="http://schemas.openxmlformats.org/presentationml/2006/main">
   <p:cSld>
     <p:spTree>
@@ -6563,7 +7589,7 @@
 </p:sld>
 </file>
 
-<file path=ppt/slides/slide19.xml><?xml version="1.0" encoding="utf-8"?>
+<file path=ppt/slides/slide24.xml><?xml version="1.0" encoding="utf-8"?>
 <p:sld xmlns:a="http://schemas.openxmlformats.org/drawingml/2006/main" xmlns:r="http://schemas.openxmlformats.org/officeDocument/2006/relationships" xmlns:p="http://schemas.openxmlformats.org/presentationml/2006/main">
   <p:cSld>
     <p:spTree>
@@ -6674,121 +7700,7 @@
 </p:sld>
 </file>
 
-<file path=ppt/slides/slide2.xml><?xml version="1.0" encoding="utf-8"?>
-<p:sld xmlns:a="http://schemas.openxmlformats.org/drawingml/2006/main" xmlns:r="http://schemas.openxmlformats.org/officeDocument/2006/relationships" xmlns:p="http://schemas.openxmlformats.org/presentationml/2006/main">
-  <p:cSld>
-    <p:spTree>
-      <p:nvGrpSpPr>
-        <p:cNvPr id="1" name=""/>
-        <p:cNvGrpSpPr/>
-        <p:nvPr/>
-      </p:nvGrpSpPr>
-      <p:grpSpPr>
-        <a:xfrm>
-          <a:off x="0" y="0"/>
-          <a:ext cx="0" cy="0"/>
-          <a:chOff x="0" y="0"/>
-          <a:chExt cx="0" cy="0"/>
-        </a:xfrm>
-      </p:grpSpPr>
-      <p:sp>
-        <p:nvSpPr>
-          <p:cNvPr id="2" name="Title 1"/>
-          <p:cNvSpPr>
-            <a:spLocks noGrp="1"/>
-          </p:cNvSpPr>
-          <p:nvPr>
-            <p:ph type="title"/>
-          </p:nvPr>
-        </p:nvSpPr>
-        <p:spPr/>
-        <p:txBody>
-          <a:bodyPr/>
-          <a:lstStyle/>
-          <a:p>
-            <a:r>
-              <a:rPr lang="en-US" dirty="0" smtClean="0"/>
-              <a:t>MS Data Access Framework History</a:t>
-            </a:r>
-            <a:endParaRPr lang="en-US" dirty="0"/>
-          </a:p>
-        </p:txBody>
-      </p:sp>
-      <p:sp>
-        <p:nvSpPr>
-          <p:cNvPr id="3" name="Content Placeholder 2"/>
-          <p:cNvSpPr>
-            <a:spLocks noGrp="1"/>
-          </p:cNvSpPr>
-          <p:nvPr>
-            <p:ph idx="1"/>
-          </p:nvPr>
-        </p:nvSpPr>
-        <p:spPr/>
-        <p:txBody>
-          <a:bodyPr/>
-          <a:lstStyle/>
-          <a:p>
-            <a:r>
-              <a:rPr lang="en-US" dirty="0" smtClean="0"/>
-              <a:t>MDAC</a:t>
-            </a:r>
-          </a:p>
-          <a:p>
-            <a:pPr lvl="1"/>
-            <a:r>
-              <a:rPr lang="en-US" dirty="0" smtClean="0"/>
-              <a:t>ODBC, OLE DB, ADO, RDS, Jet Engine</a:t>
-            </a:r>
-          </a:p>
-          <a:p>
-            <a:r>
-              <a:rPr lang="en-US" dirty="0" smtClean="0"/>
-              <a:t>ADO.NET</a:t>
-            </a:r>
-          </a:p>
-          <a:p>
-            <a:r>
-              <a:rPr lang="en-US" dirty="0" smtClean="0"/>
-              <a:t>Various ADO.NET libraries (ORM)</a:t>
-            </a:r>
-          </a:p>
-          <a:p>
-            <a:r>
-              <a:rPr lang="en-US" dirty="0" err="1" smtClean="0"/>
-              <a:t>NHibernate</a:t>
-            </a:r>
-            <a:endParaRPr lang="en-US" dirty="0" smtClean="0"/>
-          </a:p>
-          <a:p>
-            <a:r>
-              <a:rPr lang="en-US" dirty="0" smtClean="0"/>
-              <a:t>Entity Framework</a:t>
-            </a:r>
-          </a:p>
-          <a:p>
-            <a:r>
-              <a:rPr lang="en-US" dirty="0" smtClean="0"/>
-              <a:t>Micro-ORM</a:t>
-            </a:r>
-            <a:endParaRPr lang="en-US" dirty="0"/>
-          </a:p>
-        </p:txBody>
-      </p:sp>
-    </p:spTree>
-    <p:extLst>
-      <p:ext uri="{BB962C8B-B14F-4D97-AF65-F5344CB8AC3E}">
-        <p14:creationId xmlns:p14="http://schemas.microsoft.com/office/powerpoint/2010/main" val="3911603256"/>
-      </p:ext>
-    </p:extLst>
-  </p:cSld>
-  <p:clrMapOvr>
-    <a:masterClrMapping/>
-  </p:clrMapOvr>
-</p:sld>
-</file>
-
-<file path=ppt/slides/slide20.xml><?xml version="1.0" encoding="utf-8"?>
+<file path=ppt/slides/slide25.xml><?xml version="1.0" encoding="utf-8"?>
 <p:sld xmlns:a="http://schemas.openxmlformats.org/drawingml/2006/main" xmlns:r="http://schemas.openxmlformats.org/officeDocument/2006/relationships" xmlns:p="http://schemas.openxmlformats.org/presentationml/2006/main">
   <p:cSld>
     <p:spTree>
@@ -6898,7 +7810,7 @@
           <a:p>
             <a:r>
               <a:rPr lang="en-US" dirty="0" smtClean="0"/>
-              <a:t>Data Access Framework</a:t>
+              <a:t>Logic/Object Layer</a:t>
             </a:r>
             <a:endParaRPr lang="en-US" dirty="0"/>
           </a:p>
@@ -6916,118 +7828,73 @@
         </p:nvSpPr>
         <p:spPr/>
         <p:txBody>
-          <a:bodyPr/>
-          <a:lstStyle/>
-          <a:p>
-            <a:r>
-              <a:rPr lang="en-US" dirty="0" smtClean="0"/>
-              <a:t>Persistence Framework</a:t>
-            </a:r>
-          </a:p>
-          <a:p>
-            <a:r>
-              <a:rPr lang="en-US" dirty="0" smtClean="0">
-                <a:solidFill>
-                  <a:srgbClr val="FF0000"/>
-                </a:solidFill>
-              </a:rPr>
-              <a:t>CRUD</a:t>
-            </a:r>
-          </a:p>
-          <a:p>
-            <a:r>
-              <a:rPr lang="en-US" dirty="0" smtClean="0"/>
-              <a:t>Application does all the work in memory</a:t>
+          <a:bodyPr>
+            <a:normAutofit lnSpcReduction="10000"/>
+          </a:bodyPr>
+          <a:lstStyle/>
+          <a:p>
+            <a:r>
+              <a:rPr lang="en-US" dirty="0" smtClean="0"/>
+              <a:t>Display Stuff</a:t>
             </a:r>
           </a:p>
           <a:p>
             <a:pPr lvl="1"/>
             <a:r>
               <a:rPr lang="en-US" dirty="0" smtClean="0"/>
-              <a:t>based on some already stored data (</a:t>
-            </a:r>
-            <a:r>
-              <a:rPr lang="en-US" dirty="0" smtClean="0">
-                <a:solidFill>
-                  <a:srgbClr val="FF0000"/>
-                </a:solidFill>
-              </a:rPr>
-              <a:t>R</a:t>
-            </a:r>
-            <a:r>
-              <a:rPr lang="en-US" dirty="0" smtClean="0"/>
-              <a:t>etrieve)</a:t>
+              <a:t>Objects </a:t>
+            </a:r>
+            <a:r>
+              <a:rPr lang="en-US" dirty="0"/>
+              <a:t>work together to perform tasks &gt; Display info on screen</a:t>
+            </a:r>
+          </a:p>
+          <a:p>
+            <a:r>
+              <a:rPr lang="en-US" dirty="0" smtClean="0"/>
+              <a:t>Create Stuff</a:t>
             </a:r>
           </a:p>
           <a:p>
             <a:pPr lvl="1"/>
             <a:r>
               <a:rPr lang="en-US" dirty="0" smtClean="0"/>
-              <a:t>eventually, you need to store back changes (</a:t>
-            </a:r>
-            <a:r>
-              <a:rPr lang="en-US" dirty="0" smtClean="0">
-                <a:solidFill>
-                  <a:srgbClr val="FF0000"/>
-                </a:solidFill>
-              </a:rPr>
-              <a:t>C</a:t>
-            </a:r>
-            <a:r>
-              <a:rPr lang="en-US" dirty="0" smtClean="0"/>
-              <a:t>reate, </a:t>
-            </a:r>
-            <a:r>
-              <a:rPr lang="en-US" dirty="0" smtClean="0">
-                <a:solidFill>
-                  <a:srgbClr val="FF0000"/>
-                </a:solidFill>
-              </a:rPr>
-              <a:t>U</a:t>
-            </a:r>
-            <a:r>
-              <a:rPr lang="en-US" dirty="0" smtClean="0"/>
-              <a:t>pdate, </a:t>
-            </a:r>
-            <a:r>
-              <a:rPr lang="en-US" dirty="0" smtClean="0">
-                <a:solidFill>
-                  <a:srgbClr val="FF0000"/>
-                </a:solidFill>
-              </a:rPr>
-              <a:t>D</a:t>
-            </a:r>
-            <a:r>
-              <a:rPr lang="en-US" dirty="0" smtClean="0"/>
-              <a:t>elete)</a:t>
-            </a:r>
-          </a:p>
-          <a:p>
-            <a:r>
-              <a:rPr lang="en-US" dirty="0" smtClean="0"/>
-              <a:t>It just happens Relational Database is the popular choice for most business</a:t>
-            </a:r>
-            <a:endParaRPr lang="en-US" dirty="0"/>
+              <a:t>New </a:t>
+            </a:r>
+            <a:r>
+              <a:rPr lang="en-US" dirty="0"/>
+              <a:t>Objects, maybe based on some existing objects </a:t>
+            </a:r>
+          </a:p>
+          <a:p>
+            <a:r>
+              <a:rPr lang="en-US" dirty="0" smtClean="0"/>
+              <a:t>Update Stuff</a:t>
+            </a:r>
+          </a:p>
+          <a:p>
+            <a:pPr lvl="1"/>
+            <a:r>
+              <a:rPr lang="en-US" dirty="0" smtClean="0"/>
+              <a:t>Existing </a:t>
+            </a:r>
+            <a:r>
+              <a:rPr lang="en-US" dirty="0"/>
+              <a:t>objects, change relationship of objects, or change data elements of the object</a:t>
+            </a:r>
           </a:p>
         </p:txBody>
       </p:sp>
     </p:spTree>
     <p:extLst>
       <p:ext uri="{BB962C8B-B14F-4D97-AF65-F5344CB8AC3E}">
-        <p14:creationId xmlns:p14="http://schemas.microsoft.com/office/powerpoint/2010/main" val="1869506865"/>
+        <p14:creationId xmlns:p14="http://schemas.microsoft.com/office/powerpoint/2010/main" val="1927951593"/>
       </p:ext>
     </p:extLst>
   </p:cSld>
   <p:clrMapOvr>
     <a:masterClrMapping/>
   </p:clrMapOvr>
-  <p:timing>
-    <p:tnLst>
-      <p:par>
-        <p:cTn id="1" dur="indefinite" restart="never" nodeType="tmRoot"/>
-      </p:par>
-    </p:tnLst>
-  </p:timing>
 </p:sld>
 </file>
 
@@ -7063,7 +7930,11 @@
           <a:bodyPr/>
           <a:lstStyle/>
           <a:p>
-            <a:endParaRPr lang="en-US"/>
+            <a:r>
+              <a:rPr lang="en-US" dirty="0" smtClean="0"/>
+              <a:t>DB/Relational Layer</a:t>
+            </a:r>
+            <a:endParaRPr lang="en-US" dirty="0"/>
           </a:p>
         </p:txBody>
       </p:sp>
@@ -7082,27 +7953,48 @@
           <a:bodyPr/>
           <a:lstStyle/>
           <a:p>
-            <a:endParaRPr lang="en-US"/>
+            <a:r>
+              <a:rPr lang="en-US" dirty="0" smtClean="0"/>
+              <a:t>Select</a:t>
+            </a:r>
+          </a:p>
+          <a:p>
+            <a:r>
+              <a:rPr lang="en-US" dirty="0" smtClean="0"/>
+              <a:t>Insert</a:t>
+            </a:r>
+          </a:p>
+          <a:p>
+            <a:r>
+              <a:rPr lang="en-US" dirty="0" smtClean="0"/>
+              <a:t>Update</a:t>
+            </a:r>
+          </a:p>
+          <a:p>
+            <a:r>
+              <a:rPr lang="en-US" dirty="0" smtClean="0"/>
+              <a:t>Delete</a:t>
+            </a:r>
+          </a:p>
+          <a:p>
+            <a:r>
+              <a:rPr lang="en-US" dirty="0" smtClean="0"/>
+              <a:t>Join</a:t>
+            </a:r>
+            <a:endParaRPr lang="en-US" dirty="0"/>
           </a:p>
         </p:txBody>
       </p:sp>
     </p:spTree>
     <p:extLst>
       <p:ext uri="{BB962C8B-B14F-4D97-AF65-F5344CB8AC3E}">
-        <p14:creationId xmlns:p14="http://schemas.microsoft.com/office/powerpoint/2010/main" val="1767043178"/>
+        <p14:creationId xmlns:p14="http://schemas.microsoft.com/office/powerpoint/2010/main" val="364294205"/>
       </p:ext>
     </p:extLst>
   </p:cSld>
   <p:clrMapOvr>
     <a:masterClrMapping/>
   </p:clrMapOvr>
-  <p:timing>
-    <p:tnLst>
-      <p:par>
-        <p:cTn id="1" dur="indefinite" restart="never" nodeType="tmRoot"/>
-      </p:par>
-    </p:tnLst>
-  </p:timing>
 </p:sld>
 </file>
 
@@ -7140,7 +8032,7 @@
           <a:p>
             <a:r>
               <a:rPr lang="en-US" dirty="0" smtClean="0"/>
-              <a:t>Pre-ORM</a:t>
+              <a:t>Mismatch</a:t>
             </a:r>
             <a:endParaRPr lang="en-US" dirty="0"/>
           </a:p>
@@ -7156,39 +8048,78 @@
             <p:ph idx="1"/>
           </p:nvPr>
         </p:nvSpPr>
-        <p:spPr/>
-        <p:txBody>
-          <a:bodyPr/>
-          <a:lstStyle/>
-          <a:p>
-            <a:r>
-              <a:rPr lang="en-US" dirty="0" smtClean="0"/>
-              <a:t>Call stored procedure or direct SQL, receive data in rows </a:t>
-            </a:r>
-          </a:p>
-          <a:p>
-            <a:r>
-              <a:rPr lang="en-US" dirty="0" smtClean="0"/>
-              <a:t>Loop through the rows, manually populate objects using the data in each row</a:t>
-            </a:r>
-          </a:p>
-          <a:p>
-            <a:r>
-              <a:rPr lang="en-US" dirty="0" smtClean="0"/>
-              <a:t>Nothing wrong</a:t>
-            </a:r>
-          </a:p>
-          <a:p>
-            <a:r>
-              <a:rPr lang="en-US" dirty="0" smtClean="0"/>
-              <a:t>Just tedious and easy to become inconsistent</a:t>
-            </a:r>
-            <a:br>
-              <a:rPr lang="en-US" dirty="0" smtClean="0"/>
-            </a:br>
-            <a:r>
-              <a:rPr lang="en-US" dirty="0" smtClean="0"/>
-              <a:t>(same type of object populated by different stored-procedures)</a:t>
+        <p:spPr>
+          <a:xfrm>
+            <a:off x="457200" y="1600200"/>
+            <a:ext cx="8229600" cy="4953000"/>
+          </a:xfrm>
+        </p:spPr>
+        <p:txBody>
+          <a:bodyPr>
+            <a:normAutofit/>
+          </a:bodyPr>
+          <a:lstStyle/>
+          <a:p>
+            <a:r>
+              <a:rPr lang="en-US" dirty="0" smtClean="0"/>
+              <a:t>object id vs. keys</a:t>
+            </a:r>
+            <a:endParaRPr lang="en-US" dirty="0"/>
+          </a:p>
+          <a:p>
+            <a:r>
+              <a:rPr lang="en-US" dirty="0" smtClean="0"/>
+              <a:t>inheritance vs. ??</a:t>
+            </a:r>
+            <a:endParaRPr lang="en-US" dirty="0"/>
+          </a:p>
+          <a:p>
+            <a:r>
+              <a:rPr lang="en-US" dirty="0" smtClean="0"/>
+              <a:t>association </a:t>
+            </a:r>
+            <a:r>
+              <a:rPr lang="en-US" dirty="0"/>
+              <a:t>between </a:t>
+            </a:r>
+            <a:r>
+              <a:rPr lang="en-US" dirty="0" smtClean="0"/>
+              <a:t>objects vs. foreign key reference</a:t>
+            </a:r>
+          </a:p>
+          <a:p>
+            <a:pPr lvl="1"/>
+            <a:r>
+              <a:rPr lang="en-US" dirty="0" smtClean="0"/>
+              <a:t>1 to 1, 1 to many, many to many</a:t>
+            </a:r>
+            <a:endParaRPr lang="en-US" dirty="0"/>
+          </a:p>
+          <a:p>
+            <a:r>
+              <a:rPr lang="en-US" dirty="0" smtClean="0"/>
+              <a:t>value types</a:t>
+            </a:r>
+          </a:p>
+          <a:p>
+            <a:pPr lvl="1"/>
+            <a:r>
+              <a:rPr lang="en-US" dirty="0" err="1" smtClean="0"/>
+              <a:t>enum</a:t>
+            </a:r>
+            <a:endParaRPr lang="en-US" dirty="0" smtClean="0"/>
+          </a:p>
+          <a:p>
+            <a:r>
+              <a:rPr lang="en-US" dirty="0" smtClean="0"/>
+              <a:t>object operations vs. SQL</a:t>
+            </a:r>
+          </a:p>
+          <a:p>
+            <a:pPr lvl="1"/>
+            <a:r>
+              <a:rPr lang="en-US" dirty="0" smtClean="0"/>
+              <a:t>performance</a:t>
             </a:r>
             <a:endParaRPr lang="en-US" dirty="0"/>
           </a:p>
@@ -7197,7 +8128,7 @@
     </p:spTree>
     <p:extLst>
       <p:ext uri="{BB962C8B-B14F-4D97-AF65-F5344CB8AC3E}">
-        <p14:creationId xmlns:p14="http://schemas.microsoft.com/office/powerpoint/2010/main" val="1121183573"/>
+        <p14:creationId xmlns:p14="http://schemas.microsoft.com/office/powerpoint/2010/main" val="1337555022"/>
       </p:ext>
     </p:extLst>
   </p:cSld>
@@ -7240,79 +8171,341 @@
           <a:lstStyle/>
           <a:p>
             <a:r>
-              <a:rPr lang="en-US" dirty="0" smtClean="0">
-                <a:solidFill>
-                  <a:srgbClr val="FF0000"/>
-                </a:solidFill>
+              <a:rPr lang="en-US" dirty="0" smtClean="0"/>
+              <a:t>Mapping – Fluent </a:t>
+            </a:r>
+            <a:r>
+              <a:rPr lang="en-US" dirty="0" err="1" smtClean="0"/>
+              <a:t>NHibernate</a:t>
+            </a:r>
+            <a:endParaRPr lang="en-US" dirty="0"/>
+          </a:p>
+        </p:txBody>
+      </p:sp>
+      <p:sp>
+        <p:nvSpPr>
+          <p:cNvPr id="3" name="Content Placeholder 2"/>
+          <p:cNvSpPr>
+            <a:spLocks noGrp="1"/>
+          </p:cNvSpPr>
+          <p:nvPr>
+            <p:ph idx="1"/>
+          </p:nvPr>
+        </p:nvSpPr>
+        <p:spPr/>
+        <p:txBody>
+          <a:bodyPr>
+            <a:normAutofit fontScale="70000" lnSpcReduction="20000"/>
+          </a:bodyPr>
+          <a:lstStyle/>
+          <a:p>
+            <a:pPr marL="0" indent="0">
+              <a:buNone/>
+            </a:pPr>
+            <a:r>
+              <a:rPr lang="en-US" dirty="0">
+                <a:latin typeface="Consolas" pitchFamily="49" charset="0"/>
+                <a:cs typeface="Consolas" pitchFamily="49" charset="0"/>
               </a:rPr>
-              <a:t>O</a:t>
-            </a:r>
-            <a:r>
-              <a:rPr lang="en-US" dirty="0" smtClean="0"/>
-              <a:t>RM</a:t>
-            </a:r>
-            <a:endParaRPr lang="en-US" dirty="0"/>
-          </a:p>
-        </p:txBody>
-      </p:sp>
-      <p:sp>
-        <p:nvSpPr>
-          <p:cNvPr id="3" name="Content Placeholder 2"/>
-          <p:cNvSpPr>
-            <a:spLocks noGrp="1"/>
-          </p:cNvSpPr>
-          <p:nvPr>
-            <p:ph idx="1"/>
-          </p:nvPr>
-        </p:nvSpPr>
-        <p:spPr/>
-        <p:txBody>
-          <a:bodyPr/>
-          <a:lstStyle/>
-          <a:p>
-            <a:r>
-              <a:rPr lang="en-US" dirty="0" smtClean="0"/>
-              <a:t>Object Oriented Development</a:t>
-            </a:r>
-          </a:p>
-          <a:p>
-            <a:r>
-              <a:rPr lang="en-US" dirty="0" smtClean="0"/>
-              <a:t>We have objects in our system</a:t>
-            </a:r>
-          </a:p>
-          <a:p>
-            <a:r>
-              <a:rPr lang="en-US" dirty="0" smtClean="0"/>
-              <a:t>Objects are normally graph</a:t>
-            </a:r>
-          </a:p>
-          <a:p>
-            <a:r>
-              <a:rPr lang="en-US" dirty="0" smtClean="0"/>
-              <a:t>Creating of Objects</a:t>
-            </a:r>
-            <a:endParaRPr lang="en-US" dirty="0"/>
+              <a:t>public class </a:t>
+            </a:r>
+            <a:r>
+              <a:rPr lang="en-US" dirty="0" err="1">
+                <a:latin typeface="Consolas" pitchFamily="49" charset="0"/>
+                <a:cs typeface="Consolas" pitchFamily="49" charset="0"/>
+              </a:rPr>
+              <a:t>CatMap</a:t>
+            </a:r>
+            <a:r>
+              <a:rPr lang="en-US" dirty="0">
+                <a:latin typeface="Consolas" pitchFamily="49" charset="0"/>
+                <a:cs typeface="Consolas" pitchFamily="49" charset="0"/>
+              </a:rPr>
+              <a:t> : </a:t>
+            </a:r>
+            <a:r>
+              <a:rPr lang="en-US" dirty="0" err="1">
+                <a:latin typeface="Consolas" pitchFamily="49" charset="0"/>
+                <a:cs typeface="Consolas" pitchFamily="49" charset="0"/>
+              </a:rPr>
+              <a:t>ClassMap</a:t>
+            </a:r>
+            <a:r>
+              <a:rPr lang="en-US" dirty="0">
+                <a:latin typeface="Consolas" pitchFamily="49" charset="0"/>
+                <a:cs typeface="Consolas" pitchFamily="49" charset="0"/>
+              </a:rPr>
+              <a:t>&lt;Cat&gt;</a:t>
+            </a:r>
+          </a:p>
+          <a:p>
+            <a:pPr marL="0" indent="0">
+              <a:buNone/>
+            </a:pPr>
+            <a:r>
+              <a:rPr lang="en-US" dirty="0">
+                <a:latin typeface="Consolas" pitchFamily="49" charset="0"/>
+                <a:cs typeface="Consolas" pitchFamily="49" charset="0"/>
+              </a:rPr>
+              <a:t>{</a:t>
+            </a:r>
+          </a:p>
+          <a:p>
+            <a:pPr marL="0" indent="0">
+              <a:buNone/>
+            </a:pPr>
+            <a:r>
+              <a:rPr lang="en-US" dirty="0">
+                <a:latin typeface="Consolas" pitchFamily="49" charset="0"/>
+                <a:cs typeface="Consolas" pitchFamily="49" charset="0"/>
+              </a:rPr>
+              <a:t>  public </a:t>
+            </a:r>
+            <a:r>
+              <a:rPr lang="en-US" dirty="0" err="1">
+                <a:latin typeface="Consolas" pitchFamily="49" charset="0"/>
+                <a:cs typeface="Consolas" pitchFamily="49" charset="0"/>
+              </a:rPr>
+              <a:t>CatMap</a:t>
+            </a:r>
+            <a:r>
+              <a:rPr lang="en-US" dirty="0">
+                <a:latin typeface="Consolas" pitchFamily="49" charset="0"/>
+                <a:cs typeface="Consolas" pitchFamily="49" charset="0"/>
+              </a:rPr>
+              <a:t>()</a:t>
+            </a:r>
+          </a:p>
+          <a:p>
+            <a:pPr marL="0" indent="0">
+              <a:buNone/>
+            </a:pPr>
+            <a:r>
+              <a:rPr lang="en-US" dirty="0">
+                <a:latin typeface="Consolas" pitchFamily="49" charset="0"/>
+                <a:cs typeface="Consolas" pitchFamily="49" charset="0"/>
+              </a:rPr>
+              <a:t>  {</a:t>
+            </a:r>
+          </a:p>
+          <a:p>
+            <a:pPr marL="0" indent="0">
+              <a:buNone/>
+            </a:pPr>
+            <a:r>
+              <a:rPr lang="en-US" dirty="0">
+                <a:latin typeface="Consolas" pitchFamily="49" charset="0"/>
+                <a:cs typeface="Consolas" pitchFamily="49" charset="0"/>
+              </a:rPr>
+              <a:t>    Id(x =&gt; </a:t>
+            </a:r>
+            <a:r>
+              <a:rPr lang="en-US" dirty="0" err="1">
+                <a:latin typeface="Consolas" pitchFamily="49" charset="0"/>
+                <a:cs typeface="Consolas" pitchFamily="49" charset="0"/>
+              </a:rPr>
+              <a:t>x.Id</a:t>
+            </a:r>
+            <a:r>
+              <a:rPr lang="en-US" dirty="0">
+                <a:latin typeface="Consolas" pitchFamily="49" charset="0"/>
+                <a:cs typeface="Consolas" pitchFamily="49" charset="0"/>
+              </a:rPr>
+              <a:t>);</a:t>
+            </a:r>
+          </a:p>
+          <a:p>
+            <a:pPr marL="0" indent="0">
+              <a:buNone/>
+            </a:pPr>
+            <a:r>
+              <a:rPr lang="en-US" dirty="0">
+                <a:latin typeface="Consolas" pitchFamily="49" charset="0"/>
+                <a:cs typeface="Consolas" pitchFamily="49" charset="0"/>
+              </a:rPr>
+              <a:t>    Map(x =&gt; </a:t>
+            </a:r>
+            <a:r>
+              <a:rPr lang="en-US" dirty="0" err="1">
+                <a:latin typeface="Consolas" pitchFamily="49" charset="0"/>
+                <a:cs typeface="Consolas" pitchFamily="49" charset="0"/>
+              </a:rPr>
+              <a:t>x.Name</a:t>
+            </a:r>
+            <a:r>
+              <a:rPr lang="en-US" dirty="0">
+                <a:latin typeface="Consolas" pitchFamily="49" charset="0"/>
+                <a:cs typeface="Consolas" pitchFamily="49" charset="0"/>
+              </a:rPr>
+              <a:t>)</a:t>
+            </a:r>
+          </a:p>
+          <a:p>
+            <a:pPr marL="0" indent="0">
+              <a:buNone/>
+            </a:pPr>
+            <a:r>
+              <a:rPr lang="en-US" dirty="0">
+                <a:latin typeface="Consolas" pitchFamily="49" charset="0"/>
+                <a:cs typeface="Consolas" pitchFamily="49" charset="0"/>
+              </a:rPr>
+              <a:t>      .Length(16)</a:t>
+            </a:r>
+          </a:p>
+          <a:p>
+            <a:pPr marL="0" indent="0">
+              <a:buNone/>
+            </a:pPr>
+            <a:r>
+              <a:rPr lang="en-US" dirty="0">
+                <a:latin typeface="Consolas" pitchFamily="49" charset="0"/>
+                <a:cs typeface="Consolas" pitchFamily="49" charset="0"/>
+              </a:rPr>
+              <a:t>      .</a:t>
+            </a:r>
+            <a:r>
+              <a:rPr lang="en-US" dirty="0" err="1">
+                <a:latin typeface="Consolas" pitchFamily="49" charset="0"/>
+                <a:cs typeface="Consolas" pitchFamily="49" charset="0"/>
+              </a:rPr>
+              <a:t>Not.Nullable</a:t>
+            </a:r>
+            <a:r>
+              <a:rPr lang="en-US" dirty="0">
+                <a:latin typeface="Consolas" pitchFamily="49" charset="0"/>
+                <a:cs typeface="Consolas" pitchFamily="49" charset="0"/>
+              </a:rPr>
+              <a:t>();</a:t>
+            </a:r>
+          </a:p>
+          <a:p>
+            <a:pPr marL="0" indent="0">
+              <a:buNone/>
+            </a:pPr>
+            <a:r>
+              <a:rPr lang="en-US" dirty="0">
+                <a:latin typeface="Consolas" pitchFamily="49" charset="0"/>
+                <a:cs typeface="Consolas" pitchFamily="49" charset="0"/>
+              </a:rPr>
+              <a:t>    Map(x =&gt; </a:t>
+            </a:r>
+            <a:r>
+              <a:rPr lang="en-US" dirty="0" err="1">
+                <a:latin typeface="Consolas" pitchFamily="49" charset="0"/>
+                <a:cs typeface="Consolas" pitchFamily="49" charset="0"/>
+              </a:rPr>
+              <a:t>x.Sex</a:t>
+            </a:r>
+            <a:r>
+              <a:rPr lang="en-US" dirty="0">
+                <a:latin typeface="Consolas" pitchFamily="49" charset="0"/>
+                <a:cs typeface="Consolas" pitchFamily="49" charset="0"/>
+              </a:rPr>
+              <a:t>);</a:t>
+            </a:r>
+          </a:p>
+          <a:p>
+            <a:pPr marL="0" indent="0">
+              <a:buNone/>
+            </a:pPr>
+            <a:r>
+              <a:rPr lang="en-US" dirty="0">
+                <a:latin typeface="Consolas" pitchFamily="49" charset="0"/>
+                <a:cs typeface="Consolas" pitchFamily="49" charset="0"/>
+              </a:rPr>
+              <a:t>    References(x =&gt; </a:t>
+            </a:r>
+            <a:r>
+              <a:rPr lang="en-US" dirty="0" err="1">
+                <a:latin typeface="Consolas" pitchFamily="49" charset="0"/>
+                <a:cs typeface="Consolas" pitchFamily="49" charset="0"/>
+              </a:rPr>
+              <a:t>x.Mate</a:t>
+            </a:r>
+            <a:r>
+              <a:rPr lang="en-US" dirty="0">
+                <a:latin typeface="Consolas" pitchFamily="49" charset="0"/>
+                <a:cs typeface="Consolas" pitchFamily="49" charset="0"/>
+              </a:rPr>
+              <a:t>);</a:t>
+            </a:r>
+          </a:p>
+          <a:p>
+            <a:pPr marL="0" indent="0">
+              <a:buNone/>
+            </a:pPr>
+            <a:r>
+              <a:rPr lang="en-US" dirty="0">
+                <a:latin typeface="Consolas" pitchFamily="49" charset="0"/>
+                <a:cs typeface="Consolas" pitchFamily="49" charset="0"/>
+              </a:rPr>
+              <a:t>    </a:t>
+            </a:r>
+            <a:r>
+              <a:rPr lang="en-US" dirty="0" err="1">
+                <a:latin typeface="Consolas" pitchFamily="49" charset="0"/>
+                <a:cs typeface="Consolas" pitchFamily="49" charset="0"/>
+              </a:rPr>
+              <a:t>HasMany</a:t>
+            </a:r>
+            <a:r>
+              <a:rPr lang="en-US" dirty="0">
+                <a:latin typeface="Consolas" pitchFamily="49" charset="0"/>
+                <a:cs typeface="Consolas" pitchFamily="49" charset="0"/>
+              </a:rPr>
+              <a:t>(x =&gt; </a:t>
+            </a:r>
+            <a:r>
+              <a:rPr lang="en-US" dirty="0" err="1">
+                <a:latin typeface="Consolas" pitchFamily="49" charset="0"/>
+                <a:cs typeface="Consolas" pitchFamily="49" charset="0"/>
+              </a:rPr>
+              <a:t>x.Kittens</a:t>
+            </a:r>
+            <a:r>
+              <a:rPr lang="en-US" dirty="0">
+                <a:latin typeface="Consolas" pitchFamily="49" charset="0"/>
+                <a:cs typeface="Consolas" pitchFamily="49" charset="0"/>
+              </a:rPr>
+              <a:t>);</a:t>
+            </a:r>
+          </a:p>
+          <a:p>
+            <a:pPr marL="0" indent="0">
+              <a:buNone/>
+            </a:pPr>
+            <a:r>
+              <a:rPr lang="en-US" dirty="0">
+                <a:latin typeface="Consolas" pitchFamily="49" charset="0"/>
+                <a:cs typeface="Consolas" pitchFamily="49" charset="0"/>
+              </a:rPr>
+              <a:t>  }</a:t>
+            </a:r>
+          </a:p>
+          <a:p>
+            <a:pPr marL="0" indent="0">
+              <a:buNone/>
+            </a:pPr>
+            <a:r>
+              <a:rPr lang="en-US" dirty="0">
+                <a:latin typeface="Consolas" pitchFamily="49" charset="0"/>
+                <a:cs typeface="Consolas" pitchFamily="49" charset="0"/>
+              </a:rPr>
+              <a:t>}</a:t>
+            </a:r>
           </a:p>
         </p:txBody>
       </p:sp>
     </p:spTree>
     <p:extLst>
       <p:ext uri="{BB962C8B-B14F-4D97-AF65-F5344CB8AC3E}">
-        <p14:creationId xmlns:p14="http://schemas.microsoft.com/office/powerpoint/2010/main" val="3615353800"/>
+        <p14:creationId xmlns:p14="http://schemas.microsoft.com/office/powerpoint/2010/main" val="1752297239"/>
       </p:ext>
     </p:extLst>
   </p:cSld>
   <p:clrMapOvr>
     <a:masterClrMapping/>
   </p:clrMapOvr>
-  <p:timing>
-    <p:tnLst>
-      <p:par>
-        <p:cTn id="1" dur="indefinite" restart="never" nodeType="tmRoot"/>
-      </p:par>
-    </p:tnLst>
-  </p:timing>
 </p:sld>
 </file>
 
@@ -7350,77 +8543,80 @@
           <a:p>
             <a:r>
               <a:rPr lang="en-US" dirty="0" smtClean="0"/>
-              <a:t>ORM</a:t>
+              <a:t>Mapping – EF Database-First</a:t>
             </a:r>
             <a:endParaRPr lang="en-US" dirty="0"/>
           </a:p>
         </p:txBody>
       </p:sp>
-      <p:sp>
-        <p:nvSpPr>
-          <p:cNvPr id="3" name="Content Placeholder 2"/>
-          <p:cNvSpPr>
-            <a:spLocks noGrp="1"/>
-          </p:cNvSpPr>
-          <p:nvPr>
-            <p:ph idx="1"/>
-          </p:nvPr>
-        </p:nvSpPr>
-        <p:spPr/>
-        <p:txBody>
-          <a:bodyPr/>
-          <a:lstStyle/>
-          <a:p>
-            <a:r>
-              <a:rPr lang="en-US" dirty="0" smtClean="0"/>
-              <a:t>ORM is NOT the only way</a:t>
-            </a:r>
-          </a:p>
-          <a:p>
-            <a:pPr lvl="1"/>
-            <a:r>
-              <a:rPr lang="en-US" dirty="0" smtClean="0"/>
-              <a:t>Stored Procedure Mapping</a:t>
-            </a:r>
-          </a:p>
-          <a:p>
-            <a:pPr lvl="1"/>
-            <a:r>
-              <a:rPr lang="en-US" dirty="0" smtClean="0"/>
-              <a:t>Table Data Gateway </a:t>
-            </a:r>
-          </a:p>
-          <a:p>
-            <a:pPr lvl="1"/>
-            <a:r>
-              <a:rPr lang="en-US" dirty="0" smtClean="0"/>
-              <a:t>Row Data Gateway</a:t>
-            </a:r>
-          </a:p>
-          <a:p>
-            <a:pPr lvl="1"/>
-            <a:r>
-              <a:rPr lang="en-US" dirty="0" smtClean="0"/>
-              <a:t>Active Record</a:t>
-            </a:r>
-          </a:p>
-          <a:p>
-            <a:r>
-              <a:rPr lang="en-US" dirty="0" smtClean="0"/>
-              <a:t>Or, why Relational Database? </a:t>
-            </a:r>
-            <a:r>
-              <a:rPr lang="en-US" dirty="0" err="1" smtClean="0"/>
-              <a:t>NoSQL</a:t>
-            </a:r>
-            <a:endParaRPr lang="en-US" dirty="0"/>
-          </a:p>
-        </p:txBody>
-      </p:sp>
+      <p:pic>
+        <p:nvPicPr>
+          <p:cNvPr id="1026" name="Picture 2"/>
+          <p:cNvPicPr>
+            <a:picLocks noChangeAspect="1" noChangeArrowheads="1"/>
+          </p:cNvPicPr>
+          <p:nvPr/>
+        </p:nvPicPr>
+        <p:blipFill>
+          <a:blip r:embed="rId2">
+            <a:extLst>
+              <a:ext uri="{28A0092B-C50C-407E-A947-70E740481C1C}">
+                <a14:useLocalDpi xmlns:a14="http://schemas.microsoft.com/office/drawing/2010/main" val="0"/>
+              </a:ext>
+            </a:extLst>
+          </a:blip>
+          <a:srcRect/>
+          <a:stretch>
+            <a:fillRect/>
+          </a:stretch>
+        </p:blipFill>
+        <p:spPr bwMode="auto">
+          <a:xfrm>
+            <a:off x="1143000" y="1447800"/>
+            <a:ext cx="6389687" cy="5191125"/>
+          </a:xfrm>
+          <a:prstGeom prst="rect">
+            <a:avLst/>
+          </a:prstGeom>
+          <a:noFill/>
+          <a:ln>
+            <a:noFill/>
+          </a:ln>
+          <a:effectLst/>
+          <a:extLst>
+            <a:ext uri="{909E8E84-426E-40DD-AFC4-6F175D3DCCD1}">
+              <a14:hiddenFill xmlns:a14="http://schemas.microsoft.com/office/drawing/2010/main">
+                <a:solidFill>
+                  <a:schemeClr val="accent1"/>
+                </a:solidFill>
+              </a14:hiddenFill>
+            </a:ext>
+            <a:ext uri="{91240B29-F687-4F45-9708-019B960494DF}">
+              <a14:hiddenLine xmlns:a14="http://schemas.microsoft.com/office/drawing/2010/main" w="9525">
+                <a:solidFill>
+                  <a:schemeClr val="tx1"/>
+                </a:solidFill>
+                <a:miter lim="800000"/>
+                <a:headEnd/>
+                <a:tailEnd/>
+              </a14:hiddenLine>
+            </a:ext>
+            <a:ext uri="{AF507438-7753-43E0-B8FC-AC1667EBCBE1}">
+              <a14:hiddenEffects xmlns:a14="http://schemas.microsoft.com/office/drawing/2010/main">
+                <a:effectLst>
+                  <a:outerShdw dist="35921" dir="2700000" algn="ctr" rotWithShape="0">
+                    <a:schemeClr val="bg2"/>
+                  </a:outerShdw>
+                </a:effectLst>
+              </a14:hiddenEffects>
+            </a:ext>
+          </a:extLst>
+        </p:spPr>
+      </p:pic>
     </p:spTree>
     <p:extLst>
       <p:ext uri="{BB962C8B-B14F-4D97-AF65-F5344CB8AC3E}">
-        <p14:creationId xmlns:p14="http://schemas.microsoft.com/office/powerpoint/2010/main" val="385287127"/>
+        <p14:creationId xmlns:p14="http://schemas.microsoft.com/office/powerpoint/2010/main" val="3248163672"/>
       </p:ext>
     </p:extLst>
   </p:cSld>
@@ -7463,61 +8659,75 @@
           <a:lstStyle/>
           <a:p>
             <a:r>
+              <a:rPr lang="en-US" dirty="0" smtClean="0"/>
+              <a:t>Data </a:t>
+            </a:r>
+            <a:r>
+              <a:rPr lang="en-US" dirty="0" smtClean="0"/>
+              <a:t>Access Framework History</a:t>
+            </a:r>
+            <a:endParaRPr lang="en-US" dirty="0"/>
+          </a:p>
+        </p:txBody>
+      </p:sp>
+      <p:sp>
+        <p:nvSpPr>
+          <p:cNvPr id="3" name="Content Placeholder 2"/>
+          <p:cNvSpPr>
+            <a:spLocks noGrp="1"/>
+          </p:cNvSpPr>
+          <p:nvPr>
+            <p:ph idx="1"/>
+          </p:nvPr>
+        </p:nvSpPr>
+        <p:spPr/>
+        <p:txBody>
+          <a:bodyPr/>
+          <a:lstStyle/>
+          <a:p>
+            <a:r>
+              <a:rPr lang="en-US" dirty="0" smtClean="0"/>
+              <a:t>Low Level Driver Library</a:t>
+            </a:r>
+            <a:endParaRPr lang="en-US" dirty="0" smtClean="0"/>
+          </a:p>
+          <a:p>
+            <a:pPr lvl="1"/>
+            <a:r>
+              <a:rPr lang="en-US" dirty="0" smtClean="0"/>
+              <a:t>ODBC, OLE DB, ADO, RDS, Jet Engine</a:t>
+            </a:r>
+          </a:p>
+          <a:p>
+            <a:r>
+              <a:rPr lang="en-US" dirty="0" smtClean="0"/>
+              <a:t>ADO.NET</a:t>
+            </a:r>
+          </a:p>
+          <a:p>
+            <a:r>
+              <a:rPr lang="en-US" dirty="0" smtClean="0"/>
+              <a:t>Various ADO.NET libraries (ORM)</a:t>
+            </a:r>
+          </a:p>
+          <a:p>
+            <a:r>
               <a:rPr lang="en-US" dirty="0" err="1" smtClean="0"/>
               <a:t>NHibernate</a:t>
             </a:r>
-            <a:endParaRPr lang="en-US" dirty="0"/>
-          </a:p>
-        </p:txBody>
-      </p:sp>
-      <p:sp>
-        <p:nvSpPr>
-          <p:cNvPr id="3" name="Content Placeholder 2"/>
-          <p:cNvSpPr>
-            <a:spLocks noGrp="1"/>
-          </p:cNvSpPr>
-          <p:nvPr>
-            <p:ph idx="1"/>
-          </p:nvPr>
-        </p:nvSpPr>
-        <p:spPr/>
-        <p:txBody>
-          <a:bodyPr/>
-          <a:lstStyle/>
-          <a:p>
-            <a:r>
-              <a:rPr lang="en-US" dirty="0" smtClean="0"/>
-              <a:t>Ported from Java Hibernate</a:t>
-            </a:r>
-          </a:p>
-          <a:p>
-            <a:r>
-              <a:rPr lang="en-US" dirty="0" smtClean="0"/>
-              <a:t>Latest Version: 3.3 (as of April 2013)</a:t>
-            </a:r>
-          </a:p>
-          <a:p>
-            <a:r>
-              <a:rPr lang="en-US" dirty="0" smtClean="0"/>
-              <a:t>Mapping Objects to Relations</a:t>
-            </a:r>
-          </a:p>
-          <a:p>
-            <a:r>
-              <a:rPr lang="en-US" dirty="0" smtClean="0"/>
-              <a:t>Implemented Architectural Ideas of ORM</a:t>
-            </a:r>
-          </a:p>
-          <a:p>
-            <a:r>
-              <a:rPr lang="en-US" dirty="0" smtClean="0"/>
-              <a:t>Quasi-standard of ORM</a:t>
-            </a:r>
-          </a:p>
-          <a:p>
             <a:endParaRPr lang="en-US" dirty="0" smtClean="0"/>
           </a:p>
           <a:p>
+            <a:r>
+              <a:rPr lang="en-US" dirty="0" smtClean="0"/>
+              <a:t>Entity Framework</a:t>
+            </a:r>
+          </a:p>
+          <a:p>
+            <a:r>
+              <a:rPr lang="en-US" dirty="0" smtClean="0"/>
+              <a:t>Micro-ORM</a:t>
+            </a:r>
             <a:endParaRPr lang="en-US" dirty="0"/>
           </a:p>
         </p:txBody>
@@ -7525,7 +8735,7 @@
     </p:spTree>
     <p:extLst>
       <p:ext uri="{BB962C8B-B14F-4D97-AF65-F5344CB8AC3E}">
-        <p14:creationId xmlns:p14="http://schemas.microsoft.com/office/powerpoint/2010/main" val="4132717108"/>
+        <p14:creationId xmlns:p14="http://schemas.microsoft.com/office/powerpoint/2010/main" val="3911603256"/>
       </p:ext>
     </p:extLst>
   </p:cSld>
@@ -7569,7 +8779,7 @@
           <a:p>
             <a:r>
               <a:rPr lang="en-US" dirty="0" smtClean="0"/>
-              <a:t>Entity Framework</a:t>
+              <a:t>Data Access Framework</a:t>
             </a:r>
             <a:endParaRPr lang="en-US" dirty="0"/>
           </a:p>
@@ -7592,36 +8802,91 @@
           <a:p>
             <a:r>
               <a:rPr lang="en-US" dirty="0" smtClean="0"/>
-              <a:t>Me too product</a:t>
-            </a:r>
-          </a:p>
-          <a:p>
-            <a:r>
-              <a:rPr lang="en-US" dirty="0" smtClean="0"/>
-              <a:t>Had very ambitious goals</a:t>
-            </a:r>
-          </a:p>
-          <a:p>
-            <a:r>
-              <a:rPr lang="en-US" dirty="0" smtClean="0"/>
-              <a:t>Failed to deliver even the same features of </a:t>
-            </a:r>
-            <a:r>
-              <a:rPr lang="en-US" dirty="0" err="1" smtClean="0"/>
-              <a:t>NHibernate</a:t>
-            </a:r>
-            <a:endParaRPr lang="en-US" dirty="0" smtClean="0"/>
-          </a:p>
-          <a:p>
-            <a:r>
-              <a:rPr lang="en-US" dirty="0" smtClean="0"/>
-              <a:t>Yet, still capture a lot of developer base</a:t>
-            </a:r>
-          </a:p>
-          <a:p>
-            <a:r>
-              <a:rPr lang="en-US" dirty="0" smtClean="0"/>
-              <a:t>However, it’s been gradually improved</a:t>
+              <a:t>Persistence Framework</a:t>
+            </a:r>
+          </a:p>
+          <a:p>
+            <a:r>
+              <a:rPr lang="en-US" dirty="0" smtClean="0">
+                <a:solidFill>
+                  <a:srgbClr val="FF0000"/>
+                </a:solidFill>
+              </a:rPr>
+              <a:t>CRUD</a:t>
+            </a:r>
+          </a:p>
+          <a:p>
+            <a:r>
+              <a:rPr lang="en-US" dirty="0" smtClean="0"/>
+              <a:t>Application does all the work in memory</a:t>
+            </a:r>
+          </a:p>
+          <a:p>
+            <a:pPr lvl="1"/>
+            <a:r>
+              <a:rPr lang="en-US" dirty="0" smtClean="0"/>
+              <a:t>based on some already stored data (</a:t>
+            </a:r>
+            <a:r>
+              <a:rPr lang="en-US" dirty="0" smtClean="0">
+                <a:solidFill>
+                  <a:srgbClr val="FF0000"/>
+                </a:solidFill>
+              </a:rPr>
+              <a:t>R</a:t>
+            </a:r>
+            <a:r>
+              <a:rPr lang="en-US" dirty="0" smtClean="0"/>
+              <a:t>etrieve)</a:t>
+            </a:r>
+          </a:p>
+          <a:p>
+            <a:pPr lvl="1"/>
+            <a:r>
+              <a:rPr lang="en-US" dirty="0" smtClean="0"/>
+              <a:t>eventually, you need to store back changes (</a:t>
+            </a:r>
+            <a:r>
+              <a:rPr lang="en-US" dirty="0" smtClean="0">
+                <a:solidFill>
+                  <a:srgbClr val="FF0000"/>
+                </a:solidFill>
+              </a:rPr>
+              <a:t>C</a:t>
+            </a:r>
+            <a:r>
+              <a:rPr lang="en-US" dirty="0" smtClean="0"/>
+              <a:t>reate, </a:t>
+            </a:r>
+            <a:r>
+              <a:rPr lang="en-US" dirty="0" smtClean="0">
+                <a:solidFill>
+                  <a:srgbClr val="FF0000"/>
+                </a:solidFill>
+              </a:rPr>
+              <a:t>U</a:t>
+            </a:r>
+            <a:r>
+              <a:rPr lang="en-US" dirty="0" smtClean="0"/>
+              <a:t>pdate, </a:t>
+            </a:r>
+            <a:r>
+              <a:rPr lang="en-US" dirty="0" smtClean="0">
+                <a:solidFill>
+                  <a:srgbClr val="FF0000"/>
+                </a:solidFill>
+              </a:rPr>
+              <a:t>D</a:t>
+            </a:r>
+            <a:r>
+              <a:rPr lang="en-US" dirty="0" smtClean="0"/>
+              <a:t>elete)</a:t>
+            </a:r>
+          </a:p>
+          <a:p>
+            <a:r>
+              <a:rPr lang="en-US" dirty="0" smtClean="0"/>
+              <a:t>It just happens Relational Database is the popular choice for most business</a:t>
             </a:r>
             <a:endParaRPr lang="en-US" dirty="0"/>
           </a:p>
@@ -7630,13 +8895,20 @@
     </p:spTree>
     <p:extLst>
       <p:ext uri="{BB962C8B-B14F-4D97-AF65-F5344CB8AC3E}">
-        <p14:creationId xmlns:p14="http://schemas.microsoft.com/office/powerpoint/2010/main" val="355774912"/>
+        <p14:creationId xmlns:p14="http://schemas.microsoft.com/office/powerpoint/2010/main" val="1869506865"/>
       </p:ext>
     </p:extLst>
   </p:cSld>
   <p:clrMapOvr>
     <a:masterClrMapping/>
   </p:clrMapOvr>
+  <p:timing>
+    <p:tnLst>
+      <p:par>
+        <p:cTn id="1" dur="indefinite" restart="never" nodeType="tmRoot"/>
+      </p:par>
+    </p:tnLst>
+  </p:timing>
 </p:sld>
 </file>
 

--- a/Data Access Framework.pptx
+++ b/Data Access Framework.pptx
@@ -5,34 +5,38 @@
     <p:sldMasterId id="2147483648" r:id="rId1"/>
   </p:sldMasterIdLst>
   <p:notesMasterIdLst>
-    <p:notesMasterId r:id="rId27"/>
+    <p:notesMasterId r:id="rId28"/>
   </p:notesMasterIdLst>
+  <p:handoutMasterIdLst>
+    <p:handoutMasterId r:id="rId29"/>
+  </p:handoutMasterIdLst>
   <p:sldIdLst>
     <p:sldId id="256" r:id="rId2"/>
     <p:sldId id="276" r:id="rId3"/>
-    <p:sldId id="278" r:id="rId4"/>
-    <p:sldId id="279" r:id="rId5"/>
-    <p:sldId id="277" r:id="rId6"/>
-    <p:sldId id="280" r:id="rId7"/>
-    <p:sldId id="281" r:id="rId8"/>
-    <p:sldId id="257" r:id="rId9"/>
-    <p:sldId id="264" r:id="rId10"/>
+    <p:sldId id="282" r:id="rId4"/>
+    <p:sldId id="264" r:id="rId5"/>
+    <p:sldId id="278" r:id="rId6"/>
+    <p:sldId id="279" r:id="rId7"/>
+    <p:sldId id="277" r:id="rId8"/>
+    <p:sldId id="280" r:id="rId9"/>
+    <p:sldId id="281" r:id="rId10"/>
     <p:sldId id="266" r:id="rId11"/>
-    <p:sldId id="265" r:id="rId12"/>
-    <p:sldId id="261" r:id="rId13"/>
-    <p:sldId id="258" r:id="rId14"/>
-    <p:sldId id="259" r:id="rId15"/>
-    <p:sldId id="260" r:id="rId16"/>
-    <p:sldId id="262" r:id="rId17"/>
-    <p:sldId id="263" r:id="rId18"/>
-    <p:sldId id="268" r:id="rId19"/>
-    <p:sldId id="269" r:id="rId20"/>
-    <p:sldId id="270" r:id="rId21"/>
+    <p:sldId id="270" r:id="rId12"/>
+    <p:sldId id="265" r:id="rId13"/>
+    <p:sldId id="261" r:id="rId14"/>
+    <p:sldId id="258" r:id="rId15"/>
+    <p:sldId id="259" r:id="rId16"/>
+    <p:sldId id="260" r:id="rId17"/>
+    <p:sldId id="262" r:id="rId18"/>
+    <p:sldId id="263" r:id="rId19"/>
+    <p:sldId id="268" r:id="rId20"/>
+    <p:sldId id="269" r:id="rId21"/>
     <p:sldId id="271" r:id="rId22"/>
     <p:sldId id="272" r:id="rId23"/>
     <p:sldId id="273" r:id="rId24"/>
     <p:sldId id="274" r:id="rId25"/>
     <p:sldId id="275" r:id="rId26"/>
+    <p:sldId id="283" r:id="rId27"/>
   </p:sldIdLst>
   <p:sldSz cx="9144000" cy="6858000" type="screen4x3"/>
   <p:notesSz cx="6858000" cy="9144000"/>
@@ -134,6 +138,166 @@
 </p:presentation>
 </file>
 
+<file path=ppt/handoutMasters/handoutMaster1.xml><?xml version="1.0" encoding="utf-8"?>
+<p:handoutMaster xmlns:a="http://schemas.openxmlformats.org/drawingml/2006/main" xmlns:r="http://schemas.openxmlformats.org/officeDocument/2006/relationships" xmlns:p="http://schemas.openxmlformats.org/presentationml/2006/main">
+  <p:cSld>
+    <p:bg>
+      <p:bgRef idx="1001">
+        <a:schemeClr val="bg1"/>
+      </p:bgRef>
+    </p:bg>
+    <p:spTree>
+      <p:nvGrpSpPr>
+        <p:cNvPr id="1" name=""/>
+        <p:cNvGrpSpPr/>
+        <p:nvPr/>
+      </p:nvGrpSpPr>
+      <p:grpSpPr>
+        <a:xfrm>
+          <a:off x="0" y="0"/>
+          <a:ext cx="0" cy="0"/>
+          <a:chOff x="0" y="0"/>
+          <a:chExt cx="0" cy="0"/>
+        </a:xfrm>
+      </p:grpSpPr>
+      <p:sp>
+        <p:nvSpPr>
+          <p:cNvPr id="2" name="Header Placeholder 1"/>
+          <p:cNvSpPr>
+            <a:spLocks noGrp="1"/>
+          </p:cNvSpPr>
+          <p:nvPr>
+            <p:ph type="hdr" sz="quarter"/>
+          </p:nvPr>
+        </p:nvSpPr>
+        <p:spPr>
+          <a:xfrm>
+            <a:off x="0" y="0"/>
+            <a:ext cx="2971800" cy="457200"/>
+          </a:xfrm>
+          <a:prstGeom prst="rect">
+            <a:avLst/>
+          </a:prstGeom>
+        </p:spPr>
+        <p:txBody>
+          <a:bodyPr vert="horz" lIns="91440" tIns="45720" rIns="91440" bIns="45720" rtlCol="0"/>
+          <a:lstStyle>
+            <a:lvl1pPr algn="l">
+              <a:defRPr sz="1200"/>
+            </a:lvl1pPr>
+          </a:lstStyle>
+          <a:p>
+            <a:endParaRPr lang="en-US"/>
+          </a:p>
+        </p:txBody>
+      </p:sp>
+      <p:sp>
+        <p:nvSpPr>
+          <p:cNvPr id="3" name="Date Placeholder 2"/>
+          <p:cNvSpPr>
+            <a:spLocks noGrp="1"/>
+          </p:cNvSpPr>
+          <p:nvPr>
+            <p:ph type="dt" sz="quarter" idx="1"/>
+          </p:nvPr>
+        </p:nvSpPr>
+        <p:spPr>
+          <a:xfrm>
+            <a:off x="3884613" y="0"/>
+            <a:ext cx="2971800" cy="457200"/>
+          </a:xfrm>
+          <a:prstGeom prst="rect">
+            <a:avLst/>
+          </a:prstGeom>
+        </p:spPr>
+        <p:txBody>
+          <a:bodyPr vert="horz" lIns="91440" tIns="45720" rIns="91440" bIns="45720" rtlCol="0"/>
+          <a:lstStyle>
+            <a:lvl1pPr algn="r">
+              <a:defRPr sz="1200"/>
+            </a:lvl1pPr>
+          </a:lstStyle>
+          <a:p>
+            <a:fld id="{55943A54-FAA8-4FD8-88F7-CBE003661A14}" type="datetimeFigureOut">
+              <a:rPr lang="en-US" smtClean="0"/>
+              <a:t>5/30/2013</a:t>
+            </a:fld>
+            <a:endParaRPr lang="en-US"/>
+          </a:p>
+        </p:txBody>
+      </p:sp>
+      <p:sp>
+        <p:nvSpPr>
+          <p:cNvPr id="4" name="Footer Placeholder 3"/>
+          <p:cNvSpPr>
+            <a:spLocks noGrp="1"/>
+          </p:cNvSpPr>
+          <p:nvPr>
+            <p:ph type="ftr" sz="quarter" idx="2"/>
+          </p:nvPr>
+        </p:nvSpPr>
+        <p:spPr>
+          <a:xfrm>
+            <a:off x="0" y="8685213"/>
+            <a:ext cx="2971800" cy="457200"/>
+          </a:xfrm>
+          <a:prstGeom prst="rect">
+            <a:avLst/>
+          </a:prstGeom>
+        </p:spPr>
+        <p:txBody>
+          <a:bodyPr vert="horz" lIns="91440" tIns="45720" rIns="91440" bIns="45720" rtlCol="0" anchor="b"/>
+          <a:lstStyle>
+            <a:lvl1pPr algn="l">
+              <a:defRPr sz="1200"/>
+            </a:lvl1pPr>
+          </a:lstStyle>
+          <a:p>
+            <a:endParaRPr lang="en-US"/>
+          </a:p>
+        </p:txBody>
+      </p:sp>
+      <p:sp>
+        <p:nvSpPr>
+          <p:cNvPr id="5" name="Slide Number Placeholder 4"/>
+          <p:cNvSpPr>
+            <a:spLocks noGrp="1"/>
+          </p:cNvSpPr>
+          <p:nvPr>
+            <p:ph type="sldNum" sz="quarter" idx="3"/>
+          </p:nvPr>
+        </p:nvSpPr>
+        <p:spPr>
+          <a:xfrm>
+            <a:off x="3884613" y="8685213"/>
+            <a:ext cx="2971800" cy="457200"/>
+          </a:xfrm>
+          <a:prstGeom prst="rect">
+            <a:avLst/>
+          </a:prstGeom>
+        </p:spPr>
+        <p:txBody>
+          <a:bodyPr vert="horz" lIns="91440" tIns="45720" rIns="91440" bIns="45720" rtlCol="0" anchor="b"/>
+          <a:lstStyle>
+            <a:lvl1pPr algn="r">
+              <a:defRPr sz="1200"/>
+            </a:lvl1pPr>
+          </a:lstStyle>
+          <a:p>
+            <a:fld id="{2058E6CC-57A1-4EFA-9E5D-5EA03C824E9B}" type="slidenum">
+              <a:rPr lang="en-US" smtClean="0"/>
+              <a:t>‹#›</a:t>
+            </a:fld>
+            <a:endParaRPr lang="en-US"/>
+          </a:p>
+        </p:txBody>
+      </p:sp>
+    </p:spTree>
+  </p:cSld>
+  <p:clrMap bg1="lt1" tx1="dk1" bg2="lt2" tx2="dk2" accent1="accent1" accent2="accent2" accent3="accent3" accent4="accent4" accent5="accent5" accent6="accent6" hlink="hlink" folHlink="folHlink"/>
+</p:handoutMaster>
+</file>
+
 <file path=ppt/notesMasters/notesMaster1.xml><?xml version="1.0" encoding="utf-8"?>
 <p:notesMaster xmlns:a="http://schemas.openxmlformats.org/drawingml/2006/main" xmlns:r="http://schemas.openxmlformats.org/officeDocument/2006/relationships" xmlns:p="http://schemas.openxmlformats.org/presentationml/2006/main">
   <p:cSld>
@@ -216,6 +380,7 @@
           <a:p>
             <a:fld id="{84A8F7E2-2F0E-4735-8B13-E77030B67893}" type="datetimeFigureOut">
               <a:rPr lang="en-US" smtClean="0"/>
+              <a:pPr/>
               <a:t>5/30/2013</a:t>
             </a:fld>
             <a:endParaRPr lang="en-US"/>
@@ -375,6 +540,7 @@
           <a:p>
             <a:fld id="{B9F2808E-0F5B-4CF0-94C7-EB2723229868}" type="slidenum">
               <a:rPr lang="en-US" smtClean="0"/>
+              <a:pPr/>
               <a:t>‹#›</a:t>
             </a:fld>
             <a:endParaRPr lang="en-US"/>
@@ -384,7 +550,7 @@
     </p:spTree>
     <p:extLst>
       <p:ext uri="{BB962C8B-B14F-4D97-AF65-F5344CB8AC3E}">
-        <p14:creationId xmlns:p14="http://schemas.microsoft.com/office/powerpoint/2010/main" val="3859228907"/>
+        <p14:creationId xmlns:p14="http://schemas.microsoft.com/office/powerpoint/2010/main" xmlns="" val="3859228907"/>
       </p:ext>
     </p:extLst>
   </p:cSld>
@@ -564,6 +730,7 @@
           <a:p>
             <a:fld id="{B9F2808E-0F5B-4CF0-94C7-EB2723229868}" type="slidenum">
               <a:rPr lang="en-US" smtClean="0"/>
+              <a:pPr/>
               <a:t>24</a:t>
             </a:fld>
             <a:endParaRPr lang="en-US"/>
@@ -573,7 +740,7 @@
     </p:spTree>
     <p:extLst>
       <p:ext uri="{BB962C8B-B14F-4D97-AF65-F5344CB8AC3E}">
-        <p14:creationId xmlns:p14="http://schemas.microsoft.com/office/powerpoint/2010/main" val="1654043103"/>
+        <p14:creationId xmlns:p14="http://schemas.microsoft.com/office/powerpoint/2010/main" xmlns="" val="1654043103"/>
       </p:ext>
     </p:extLst>
   </p:cSld>
@@ -817,7 +984,7 @@
     </p:spTree>
     <p:extLst>
       <p:ext uri="{BB962C8B-B14F-4D97-AF65-F5344CB8AC3E}">
-        <p14:creationId xmlns:p14="http://schemas.microsoft.com/office/powerpoint/2010/main" val="3904161444"/>
+        <p14:creationId xmlns:p14="http://schemas.microsoft.com/office/powerpoint/2010/main" xmlns="" val="3904161444"/>
       </p:ext>
     </p:extLst>
   </p:cSld>
@@ -989,7 +1156,7 @@
     </p:spTree>
     <p:extLst>
       <p:ext uri="{BB962C8B-B14F-4D97-AF65-F5344CB8AC3E}">
-        <p14:creationId xmlns:p14="http://schemas.microsoft.com/office/powerpoint/2010/main" val="3615976683"/>
+        <p14:creationId xmlns:p14="http://schemas.microsoft.com/office/powerpoint/2010/main" xmlns="" val="3615976683"/>
       </p:ext>
     </p:extLst>
   </p:cSld>
@@ -1171,7 +1338,7 @@
     </p:spTree>
     <p:extLst>
       <p:ext uri="{BB962C8B-B14F-4D97-AF65-F5344CB8AC3E}">
-        <p14:creationId xmlns:p14="http://schemas.microsoft.com/office/powerpoint/2010/main" val="2157255715"/>
+        <p14:creationId xmlns:p14="http://schemas.microsoft.com/office/powerpoint/2010/main" xmlns="" val="2157255715"/>
       </p:ext>
     </p:extLst>
   </p:cSld>
@@ -1343,7 +1510,7 @@
     </p:spTree>
     <p:extLst>
       <p:ext uri="{BB962C8B-B14F-4D97-AF65-F5344CB8AC3E}">
-        <p14:creationId xmlns:p14="http://schemas.microsoft.com/office/powerpoint/2010/main" val="3990059746"/>
+        <p14:creationId xmlns:p14="http://schemas.microsoft.com/office/powerpoint/2010/main" xmlns="" val="3990059746"/>
       </p:ext>
     </p:extLst>
   </p:cSld>
@@ -1591,7 +1758,7 @@
     </p:spTree>
     <p:extLst>
       <p:ext uri="{BB962C8B-B14F-4D97-AF65-F5344CB8AC3E}">
-        <p14:creationId xmlns:p14="http://schemas.microsoft.com/office/powerpoint/2010/main" val="2320092870"/>
+        <p14:creationId xmlns:p14="http://schemas.microsoft.com/office/powerpoint/2010/main" xmlns="" val="2320092870"/>
       </p:ext>
     </p:extLst>
   </p:cSld>
@@ -1881,7 +2048,7 @@
     </p:spTree>
     <p:extLst>
       <p:ext uri="{BB962C8B-B14F-4D97-AF65-F5344CB8AC3E}">
-        <p14:creationId xmlns:p14="http://schemas.microsoft.com/office/powerpoint/2010/main" val="972544740"/>
+        <p14:creationId xmlns:p14="http://schemas.microsoft.com/office/powerpoint/2010/main" xmlns="" val="972544740"/>
       </p:ext>
     </p:extLst>
   </p:cSld>
@@ -2305,7 +2472,7 @@
     </p:spTree>
     <p:extLst>
       <p:ext uri="{BB962C8B-B14F-4D97-AF65-F5344CB8AC3E}">
-        <p14:creationId xmlns:p14="http://schemas.microsoft.com/office/powerpoint/2010/main" val="2184852314"/>
+        <p14:creationId xmlns:p14="http://schemas.microsoft.com/office/powerpoint/2010/main" xmlns="" val="2184852314"/>
       </p:ext>
     </p:extLst>
   </p:cSld>
@@ -2425,7 +2592,7 @@
     </p:spTree>
     <p:extLst>
       <p:ext uri="{BB962C8B-B14F-4D97-AF65-F5344CB8AC3E}">
-        <p14:creationId xmlns:p14="http://schemas.microsoft.com/office/powerpoint/2010/main" val="1409141690"/>
+        <p14:creationId xmlns:p14="http://schemas.microsoft.com/office/powerpoint/2010/main" xmlns="" val="1409141690"/>
       </p:ext>
     </p:extLst>
   </p:cSld>
@@ -2522,7 +2689,7 @@
     </p:spTree>
     <p:extLst>
       <p:ext uri="{BB962C8B-B14F-4D97-AF65-F5344CB8AC3E}">
-        <p14:creationId xmlns:p14="http://schemas.microsoft.com/office/powerpoint/2010/main" val="3082393418"/>
+        <p14:creationId xmlns:p14="http://schemas.microsoft.com/office/powerpoint/2010/main" xmlns="" val="3082393418"/>
       </p:ext>
     </p:extLst>
   </p:cSld>
@@ -2801,7 +2968,7 @@
     </p:spTree>
     <p:extLst>
       <p:ext uri="{BB962C8B-B14F-4D97-AF65-F5344CB8AC3E}">
-        <p14:creationId xmlns:p14="http://schemas.microsoft.com/office/powerpoint/2010/main" val="2283734537"/>
+        <p14:creationId xmlns:p14="http://schemas.microsoft.com/office/powerpoint/2010/main" xmlns="" val="2283734537"/>
       </p:ext>
     </p:extLst>
   </p:cSld>
@@ -3056,7 +3223,7 @@
     </p:spTree>
     <p:extLst>
       <p:ext uri="{BB962C8B-B14F-4D97-AF65-F5344CB8AC3E}">
-        <p14:creationId xmlns:p14="http://schemas.microsoft.com/office/powerpoint/2010/main" val="2177445655"/>
+        <p14:creationId xmlns:p14="http://schemas.microsoft.com/office/powerpoint/2010/main" xmlns="" val="2177445655"/>
       </p:ext>
     </p:extLst>
   </p:cSld>
@@ -3307,7 +3474,7 @@
     </p:spTree>
     <p:extLst>
       <p:ext uri="{BB962C8B-B14F-4D97-AF65-F5344CB8AC3E}">
-        <p14:creationId xmlns:p14="http://schemas.microsoft.com/office/powerpoint/2010/main" val="4184703300"/>
+        <p14:creationId xmlns:p14="http://schemas.microsoft.com/office/powerpoint/2010/main" xmlns="" val="4184703300"/>
       </p:ext>
     </p:extLst>
   </p:cSld>
@@ -3645,7 +3812,6 @@
               <a:rPr lang="en-US" dirty="0" smtClean="0"/>
               <a:t>, ORMs</a:t>
             </a:r>
-            <a:endParaRPr lang="en-US" dirty="0" smtClean="0"/>
           </a:p>
           <a:p>
             <a:r>
@@ -3659,7 +3825,7 @@
     </p:spTree>
     <p:extLst>
       <p:ext uri="{BB962C8B-B14F-4D97-AF65-F5344CB8AC3E}">
-        <p14:creationId xmlns:p14="http://schemas.microsoft.com/office/powerpoint/2010/main" val="590857642"/>
+        <p14:creationId xmlns:p14="http://schemas.microsoft.com/office/powerpoint/2010/main" xmlns="" val="590857642"/>
       </p:ext>
     </p:extLst>
   </p:cSld>
@@ -3767,7 +3933,7 @@
     </p:spTree>
     <p:extLst>
       <p:ext uri="{BB962C8B-B14F-4D97-AF65-F5344CB8AC3E}">
-        <p14:creationId xmlns:p14="http://schemas.microsoft.com/office/powerpoint/2010/main" val="1121183573"/>
+        <p14:creationId xmlns:p14="http://schemas.microsoft.com/office/powerpoint/2010/main" xmlns="" val="1121183573"/>
       </p:ext>
     </p:extLst>
   </p:cSld>
@@ -3796,1543 +3962,6 @@
       </p:grpSpPr>
       <p:sp>
         <p:nvSpPr>
-          <p:cNvPr id="2" name="Title 1"/>
-          <p:cNvSpPr>
-            <a:spLocks noGrp="1"/>
-          </p:cNvSpPr>
-          <p:nvPr>
-            <p:ph type="title"/>
-          </p:nvPr>
-        </p:nvSpPr>
-        <p:spPr/>
-        <p:txBody>
-          <a:bodyPr/>
-          <a:lstStyle/>
-          <a:p>
-            <a:r>
-              <a:rPr lang="en-US" dirty="0" smtClean="0">
-                <a:solidFill>
-                  <a:srgbClr val="FF0000"/>
-                </a:solidFill>
-              </a:rPr>
-              <a:t>O</a:t>
-            </a:r>
-            <a:r>
-              <a:rPr lang="en-US" dirty="0" smtClean="0"/>
-              <a:t>RM</a:t>
-            </a:r>
-            <a:endParaRPr lang="en-US" dirty="0"/>
-          </a:p>
-        </p:txBody>
-      </p:sp>
-      <p:sp>
-        <p:nvSpPr>
-          <p:cNvPr id="3" name="Content Placeholder 2"/>
-          <p:cNvSpPr>
-            <a:spLocks noGrp="1"/>
-          </p:cNvSpPr>
-          <p:nvPr>
-            <p:ph idx="1"/>
-          </p:nvPr>
-        </p:nvSpPr>
-        <p:spPr/>
-        <p:txBody>
-          <a:bodyPr/>
-          <a:lstStyle/>
-          <a:p>
-            <a:r>
-              <a:rPr lang="en-US" dirty="0" smtClean="0"/>
-              <a:t>Object Oriented Development</a:t>
-            </a:r>
-          </a:p>
-          <a:p>
-            <a:r>
-              <a:rPr lang="en-US" dirty="0" smtClean="0"/>
-              <a:t>We have objects in our system</a:t>
-            </a:r>
-          </a:p>
-          <a:p>
-            <a:r>
-              <a:rPr lang="en-US" dirty="0" smtClean="0"/>
-              <a:t>Objects are normally graph</a:t>
-            </a:r>
-          </a:p>
-          <a:p>
-            <a:r>
-              <a:rPr lang="en-US" dirty="0" smtClean="0"/>
-              <a:t>Creating of Objects</a:t>
-            </a:r>
-            <a:endParaRPr lang="en-US" dirty="0"/>
-          </a:p>
-        </p:txBody>
-      </p:sp>
-    </p:spTree>
-    <p:extLst>
-      <p:ext uri="{BB962C8B-B14F-4D97-AF65-F5344CB8AC3E}">
-        <p14:creationId xmlns:p14="http://schemas.microsoft.com/office/powerpoint/2010/main" val="3615353800"/>
-      </p:ext>
-    </p:extLst>
-  </p:cSld>
-  <p:clrMapOvr>
-    <a:masterClrMapping/>
-  </p:clrMapOvr>
-  <p:timing>
-    <p:tnLst>
-      <p:par>
-        <p:cTn id="1" dur="indefinite" restart="never" nodeType="tmRoot"/>
-      </p:par>
-    </p:tnLst>
-  </p:timing>
-</p:sld>
-</file>
-
-<file path=ppt/slides/slide12.xml><?xml version="1.0" encoding="utf-8"?>
-<p:sld xmlns:a="http://schemas.openxmlformats.org/drawingml/2006/main" xmlns:r="http://schemas.openxmlformats.org/officeDocument/2006/relationships" xmlns:p="http://schemas.openxmlformats.org/presentationml/2006/main">
-  <p:cSld>
-    <p:spTree>
-      <p:nvGrpSpPr>
-        <p:cNvPr id="1" name=""/>
-        <p:cNvGrpSpPr/>
-        <p:nvPr/>
-      </p:nvGrpSpPr>
-      <p:grpSpPr>
-        <a:xfrm>
-          <a:off x="0" y="0"/>
-          <a:ext cx="0" cy="0"/>
-          <a:chOff x="0" y="0"/>
-          <a:chExt cx="0" cy="0"/>
-        </a:xfrm>
-      </p:grpSpPr>
-      <p:sp>
-        <p:nvSpPr>
-          <p:cNvPr id="2" name="Title 1"/>
-          <p:cNvSpPr>
-            <a:spLocks noGrp="1"/>
-          </p:cNvSpPr>
-          <p:nvPr>
-            <p:ph type="title"/>
-          </p:nvPr>
-        </p:nvSpPr>
-        <p:spPr/>
-        <p:txBody>
-          <a:bodyPr/>
-          <a:lstStyle/>
-          <a:p>
-            <a:r>
-              <a:rPr lang="en-US" dirty="0" smtClean="0"/>
-              <a:t>ORM</a:t>
-            </a:r>
-            <a:endParaRPr lang="en-US" dirty="0"/>
-          </a:p>
-        </p:txBody>
-      </p:sp>
-      <p:sp>
-        <p:nvSpPr>
-          <p:cNvPr id="3" name="Content Placeholder 2"/>
-          <p:cNvSpPr>
-            <a:spLocks noGrp="1"/>
-          </p:cNvSpPr>
-          <p:nvPr>
-            <p:ph idx="1"/>
-          </p:nvPr>
-        </p:nvSpPr>
-        <p:spPr/>
-        <p:txBody>
-          <a:bodyPr/>
-          <a:lstStyle/>
-          <a:p>
-            <a:r>
-              <a:rPr lang="en-US" dirty="0" smtClean="0"/>
-              <a:t>ORM is NOT the only way</a:t>
-            </a:r>
-          </a:p>
-          <a:p>
-            <a:pPr lvl="1"/>
-            <a:r>
-              <a:rPr lang="en-US" dirty="0" smtClean="0"/>
-              <a:t>Stored Procedure Mapping</a:t>
-            </a:r>
-          </a:p>
-          <a:p>
-            <a:pPr lvl="1"/>
-            <a:r>
-              <a:rPr lang="en-US" dirty="0" smtClean="0"/>
-              <a:t>Table Data Gateway </a:t>
-            </a:r>
-          </a:p>
-          <a:p>
-            <a:pPr lvl="1"/>
-            <a:r>
-              <a:rPr lang="en-US" dirty="0" smtClean="0"/>
-              <a:t>Row Data Gateway</a:t>
-            </a:r>
-          </a:p>
-          <a:p>
-            <a:pPr lvl="1"/>
-            <a:r>
-              <a:rPr lang="en-US" dirty="0" smtClean="0"/>
-              <a:t>Active Record</a:t>
-            </a:r>
-          </a:p>
-          <a:p>
-            <a:r>
-              <a:rPr lang="en-US" dirty="0" smtClean="0"/>
-              <a:t>Or, why Relational Database? </a:t>
-            </a:r>
-            <a:r>
-              <a:rPr lang="en-US" dirty="0" err="1" smtClean="0"/>
-              <a:t>NoSQL</a:t>
-            </a:r>
-            <a:endParaRPr lang="en-US" dirty="0"/>
-          </a:p>
-        </p:txBody>
-      </p:sp>
-    </p:spTree>
-    <p:extLst>
-      <p:ext uri="{BB962C8B-B14F-4D97-AF65-F5344CB8AC3E}">
-        <p14:creationId xmlns:p14="http://schemas.microsoft.com/office/powerpoint/2010/main" val="385287127"/>
-      </p:ext>
-    </p:extLst>
-  </p:cSld>
-  <p:clrMapOvr>
-    <a:masterClrMapping/>
-  </p:clrMapOvr>
-</p:sld>
-</file>
-
-<file path=ppt/slides/slide13.xml><?xml version="1.0" encoding="utf-8"?>
-<p:sld xmlns:a="http://schemas.openxmlformats.org/drawingml/2006/main" xmlns:r="http://schemas.openxmlformats.org/officeDocument/2006/relationships" xmlns:p="http://schemas.openxmlformats.org/presentationml/2006/main">
-  <p:cSld>
-    <p:spTree>
-      <p:nvGrpSpPr>
-        <p:cNvPr id="1" name=""/>
-        <p:cNvGrpSpPr/>
-        <p:nvPr/>
-      </p:nvGrpSpPr>
-      <p:grpSpPr>
-        <a:xfrm>
-          <a:off x="0" y="0"/>
-          <a:ext cx="0" cy="0"/>
-          <a:chOff x="0" y="0"/>
-          <a:chExt cx="0" cy="0"/>
-        </a:xfrm>
-      </p:grpSpPr>
-      <p:sp>
-        <p:nvSpPr>
-          <p:cNvPr id="2" name="Title 1"/>
-          <p:cNvSpPr>
-            <a:spLocks noGrp="1"/>
-          </p:cNvSpPr>
-          <p:nvPr>
-            <p:ph type="title"/>
-          </p:nvPr>
-        </p:nvSpPr>
-        <p:spPr/>
-        <p:txBody>
-          <a:bodyPr/>
-          <a:lstStyle/>
-          <a:p>
-            <a:r>
-              <a:rPr lang="en-US" dirty="0" err="1" smtClean="0"/>
-              <a:t>NHibernate</a:t>
-            </a:r>
-            <a:endParaRPr lang="en-US" dirty="0"/>
-          </a:p>
-        </p:txBody>
-      </p:sp>
-      <p:sp>
-        <p:nvSpPr>
-          <p:cNvPr id="3" name="Content Placeholder 2"/>
-          <p:cNvSpPr>
-            <a:spLocks noGrp="1"/>
-          </p:cNvSpPr>
-          <p:nvPr>
-            <p:ph idx="1"/>
-          </p:nvPr>
-        </p:nvSpPr>
-        <p:spPr/>
-        <p:txBody>
-          <a:bodyPr/>
-          <a:lstStyle/>
-          <a:p>
-            <a:r>
-              <a:rPr lang="en-US" dirty="0" smtClean="0"/>
-              <a:t>Ported from Java Hibernate</a:t>
-            </a:r>
-          </a:p>
-          <a:p>
-            <a:r>
-              <a:rPr lang="en-US" dirty="0" smtClean="0"/>
-              <a:t>Latest Version: 3.3 (as of April 2013)</a:t>
-            </a:r>
-          </a:p>
-          <a:p>
-            <a:r>
-              <a:rPr lang="en-US" dirty="0" smtClean="0"/>
-              <a:t>Mapping Objects to Relations</a:t>
-            </a:r>
-          </a:p>
-          <a:p>
-            <a:r>
-              <a:rPr lang="en-US" dirty="0" smtClean="0"/>
-              <a:t>Implemented Architectural Ideas of ORM</a:t>
-            </a:r>
-          </a:p>
-          <a:p>
-            <a:r>
-              <a:rPr lang="en-US" dirty="0" smtClean="0"/>
-              <a:t>Quasi-standard of ORM</a:t>
-            </a:r>
-          </a:p>
-          <a:p>
-            <a:endParaRPr lang="en-US" dirty="0" smtClean="0"/>
-          </a:p>
-          <a:p>
-            <a:endParaRPr lang="en-US" dirty="0"/>
-          </a:p>
-        </p:txBody>
-      </p:sp>
-    </p:spTree>
-    <p:extLst>
-      <p:ext uri="{BB962C8B-B14F-4D97-AF65-F5344CB8AC3E}">
-        <p14:creationId xmlns:p14="http://schemas.microsoft.com/office/powerpoint/2010/main" val="4132717108"/>
-      </p:ext>
-    </p:extLst>
-  </p:cSld>
-  <p:clrMapOvr>
-    <a:masterClrMapping/>
-  </p:clrMapOvr>
-</p:sld>
-</file>
-
-<file path=ppt/slides/slide14.xml><?xml version="1.0" encoding="utf-8"?>
-<p:sld xmlns:a="http://schemas.openxmlformats.org/drawingml/2006/main" xmlns:r="http://schemas.openxmlformats.org/officeDocument/2006/relationships" xmlns:p="http://schemas.openxmlformats.org/presentationml/2006/main">
-  <p:cSld>
-    <p:spTree>
-      <p:nvGrpSpPr>
-        <p:cNvPr id="1" name=""/>
-        <p:cNvGrpSpPr/>
-        <p:nvPr/>
-      </p:nvGrpSpPr>
-      <p:grpSpPr>
-        <a:xfrm>
-          <a:off x="0" y="0"/>
-          <a:ext cx="0" cy="0"/>
-          <a:chOff x="0" y="0"/>
-          <a:chExt cx="0" cy="0"/>
-        </a:xfrm>
-      </p:grpSpPr>
-      <p:sp>
-        <p:nvSpPr>
-          <p:cNvPr id="2" name="Title 1"/>
-          <p:cNvSpPr>
-            <a:spLocks noGrp="1"/>
-          </p:cNvSpPr>
-          <p:nvPr>
-            <p:ph type="title"/>
-          </p:nvPr>
-        </p:nvSpPr>
-        <p:spPr/>
-        <p:txBody>
-          <a:bodyPr/>
-          <a:lstStyle/>
-          <a:p>
-            <a:r>
-              <a:rPr lang="en-US" dirty="0" smtClean="0"/>
-              <a:t>Entity Framework</a:t>
-            </a:r>
-            <a:endParaRPr lang="en-US" dirty="0"/>
-          </a:p>
-        </p:txBody>
-      </p:sp>
-      <p:sp>
-        <p:nvSpPr>
-          <p:cNvPr id="3" name="Content Placeholder 2"/>
-          <p:cNvSpPr>
-            <a:spLocks noGrp="1"/>
-          </p:cNvSpPr>
-          <p:nvPr>
-            <p:ph idx="1"/>
-          </p:nvPr>
-        </p:nvSpPr>
-        <p:spPr/>
-        <p:txBody>
-          <a:bodyPr/>
-          <a:lstStyle/>
-          <a:p>
-            <a:r>
-              <a:rPr lang="en-US" dirty="0" smtClean="0"/>
-              <a:t>Me too product</a:t>
-            </a:r>
-          </a:p>
-          <a:p>
-            <a:r>
-              <a:rPr lang="en-US" dirty="0" smtClean="0"/>
-              <a:t>Had very ambitious goals</a:t>
-            </a:r>
-          </a:p>
-          <a:p>
-            <a:r>
-              <a:rPr lang="en-US" dirty="0" smtClean="0"/>
-              <a:t>Failed to deliver even the same features of </a:t>
-            </a:r>
-            <a:r>
-              <a:rPr lang="en-US" dirty="0" err="1" smtClean="0"/>
-              <a:t>NHibernate</a:t>
-            </a:r>
-            <a:endParaRPr lang="en-US" dirty="0" smtClean="0"/>
-          </a:p>
-          <a:p>
-            <a:r>
-              <a:rPr lang="en-US" dirty="0" smtClean="0"/>
-              <a:t>Yet, still capture a lot of developer base</a:t>
-            </a:r>
-          </a:p>
-          <a:p>
-            <a:r>
-              <a:rPr lang="en-US" dirty="0" smtClean="0"/>
-              <a:t>However, it’s been gradually improved</a:t>
-            </a:r>
-            <a:endParaRPr lang="en-US" dirty="0"/>
-          </a:p>
-        </p:txBody>
-      </p:sp>
-    </p:spTree>
-    <p:extLst>
-      <p:ext uri="{BB962C8B-B14F-4D97-AF65-F5344CB8AC3E}">
-        <p14:creationId xmlns:p14="http://schemas.microsoft.com/office/powerpoint/2010/main" val="355774912"/>
-      </p:ext>
-    </p:extLst>
-  </p:cSld>
-  <p:clrMapOvr>
-    <a:masterClrMapping/>
-  </p:clrMapOvr>
-</p:sld>
-</file>
-
-<file path=ppt/slides/slide15.xml><?xml version="1.0" encoding="utf-8"?>
-<p:sld xmlns:a="http://schemas.openxmlformats.org/drawingml/2006/main" xmlns:r="http://schemas.openxmlformats.org/officeDocument/2006/relationships" xmlns:p="http://schemas.openxmlformats.org/presentationml/2006/main">
-  <p:cSld>
-    <p:spTree>
-      <p:nvGrpSpPr>
-        <p:cNvPr id="1" name=""/>
-        <p:cNvGrpSpPr/>
-        <p:nvPr/>
-      </p:nvGrpSpPr>
-      <p:grpSpPr>
-        <a:xfrm>
-          <a:off x="0" y="0"/>
-          <a:ext cx="0" cy="0"/>
-          <a:chOff x="0" y="0"/>
-          <a:chExt cx="0" cy="0"/>
-        </a:xfrm>
-      </p:grpSpPr>
-      <p:sp>
-        <p:nvSpPr>
-          <p:cNvPr id="2" name="Title 1"/>
-          <p:cNvSpPr>
-            <a:spLocks noGrp="1"/>
-          </p:cNvSpPr>
-          <p:nvPr>
-            <p:ph type="title"/>
-          </p:nvPr>
-        </p:nvSpPr>
-        <p:spPr/>
-        <p:txBody>
-          <a:bodyPr/>
-          <a:lstStyle/>
-          <a:p>
-            <a:r>
-              <a:rPr lang="en-US" dirty="0" smtClean="0"/>
-              <a:t>ORM Architecture Ideas</a:t>
-            </a:r>
-            <a:endParaRPr lang="en-US" dirty="0"/>
-          </a:p>
-        </p:txBody>
-      </p:sp>
-      <p:sp>
-        <p:nvSpPr>
-          <p:cNvPr id="3" name="Content Placeholder 2"/>
-          <p:cNvSpPr>
-            <a:spLocks noGrp="1"/>
-          </p:cNvSpPr>
-          <p:nvPr>
-            <p:ph idx="1"/>
-          </p:nvPr>
-        </p:nvSpPr>
-        <p:spPr/>
-        <p:txBody>
-          <a:bodyPr>
-            <a:normAutofit fontScale="85000" lnSpcReduction="20000"/>
-          </a:bodyPr>
-          <a:lstStyle/>
-          <a:p>
-            <a:r>
-              <a:rPr lang="en-US" dirty="0" smtClean="0"/>
-              <a:t>Object Mapping</a:t>
-            </a:r>
-          </a:p>
-          <a:p>
-            <a:pPr lvl="1"/>
-            <a:r>
-              <a:rPr lang="en-US" dirty="0" err="1" smtClean="0"/>
-              <a:t>Enum</a:t>
-            </a:r>
-            <a:r>
-              <a:rPr lang="en-US" dirty="0" smtClean="0"/>
-              <a:t> Mapping</a:t>
-            </a:r>
-          </a:p>
-          <a:p>
-            <a:pPr lvl="1"/>
-            <a:r>
-              <a:rPr lang="en-US" dirty="0" smtClean="0"/>
-              <a:t>Embedded Value</a:t>
-            </a:r>
-          </a:p>
-          <a:p>
-            <a:pPr lvl="1"/>
-            <a:r>
-              <a:rPr lang="en-US" dirty="0" smtClean="0"/>
-              <a:t>LOB Serialization</a:t>
-            </a:r>
-          </a:p>
-          <a:p>
-            <a:r>
-              <a:rPr lang="en-US" dirty="0" smtClean="0"/>
-              <a:t>Identity </a:t>
-            </a:r>
-            <a:r>
-              <a:rPr lang="en-US" dirty="0" err="1" smtClean="0"/>
-              <a:t>Managemet</a:t>
-            </a:r>
-            <a:endParaRPr lang="en-US" dirty="0" smtClean="0"/>
-          </a:p>
-          <a:p>
-            <a:pPr lvl="1"/>
-            <a:r>
-              <a:rPr lang="en-US" dirty="0" smtClean="0"/>
-              <a:t>Identity Field</a:t>
-            </a:r>
-          </a:p>
-          <a:p>
-            <a:pPr lvl="1"/>
-            <a:r>
-              <a:rPr lang="en-US" dirty="0" smtClean="0"/>
-              <a:t>Identity Mapping</a:t>
-            </a:r>
-          </a:p>
-          <a:p>
-            <a:r>
-              <a:rPr lang="en-US" dirty="0" smtClean="0"/>
-              <a:t>Unit of Work</a:t>
-            </a:r>
-          </a:p>
-          <a:p>
-            <a:r>
-              <a:rPr lang="en-US" dirty="0" smtClean="0"/>
-              <a:t>Lazy/Eager Load</a:t>
-            </a:r>
-          </a:p>
-          <a:p>
-            <a:r>
-              <a:rPr lang="en-US" dirty="0" smtClean="0"/>
-              <a:t>Inheritance Mapping</a:t>
-            </a:r>
-          </a:p>
-          <a:p>
-            <a:r>
-              <a:rPr lang="en-US" dirty="0" smtClean="0"/>
-              <a:t>Repository</a:t>
-            </a:r>
-            <a:endParaRPr lang="en-US" dirty="0"/>
-          </a:p>
-        </p:txBody>
-      </p:sp>
-    </p:spTree>
-    <p:extLst>
-      <p:ext uri="{BB962C8B-B14F-4D97-AF65-F5344CB8AC3E}">
-        <p14:creationId xmlns:p14="http://schemas.microsoft.com/office/powerpoint/2010/main" val="1309587586"/>
-      </p:ext>
-    </p:extLst>
-  </p:cSld>
-  <p:clrMapOvr>
-    <a:masterClrMapping/>
-  </p:clrMapOvr>
-</p:sld>
-</file>
-
-<file path=ppt/slides/slide16.xml><?xml version="1.0" encoding="utf-8"?>
-<p:sld xmlns:a="http://schemas.openxmlformats.org/drawingml/2006/main" xmlns:r="http://schemas.openxmlformats.org/officeDocument/2006/relationships" xmlns:p="http://schemas.openxmlformats.org/presentationml/2006/main">
-  <p:cSld>
-    <p:spTree>
-      <p:nvGrpSpPr>
-        <p:cNvPr id="1" name=""/>
-        <p:cNvGrpSpPr/>
-        <p:nvPr/>
-      </p:nvGrpSpPr>
-      <p:grpSpPr>
-        <a:xfrm>
-          <a:off x="0" y="0"/>
-          <a:ext cx="0" cy="0"/>
-          <a:chOff x="0" y="0"/>
-          <a:chExt cx="0" cy="0"/>
-        </a:xfrm>
-      </p:grpSpPr>
-      <p:sp>
-        <p:nvSpPr>
-          <p:cNvPr id="2" name="Title 1"/>
-          <p:cNvSpPr>
-            <a:spLocks noGrp="1"/>
-          </p:cNvSpPr>
-          <p:nvPr>
-            <p:ph type="title"/>
-          </p:nvPr>
-        </p:nvSpPr>
-        <p:spPr/>
-        <p:txBody>
-          <a:bodyPr/>
-          <a:lstStyle/>
-          <a:p>
-            <a:r>
-              <a:rPr lang="en-US" dirty="0" err="1" smtClean="0"/>
-              <a:t>NHibernate</a:t>
-            </a:r>
-            <a:r>
-              <a:rPr lang="en-US" dirty="0" smtClean="0"/>
-              <a:t> – Architecture Idea</a:t>
-            </a:r>
-            <a:endParaRPr lang="en-US" dirty="0"/>
-          </a:p>
-        </p:txBody>
-      </p:sp>
-      <p:sp>
-        <p:nvSpPr>
-          <p:cNvPr id="3" name="Content Placeholder 2"/>
-          <p:cNvSpPr>
-            <a:spLocks noGrp="1"/>
-          </p:cNvSpPr>
-          <p:nvPr>
-            <p:ph idx="1"/>
-          </p:nvPr>
-        </p:nvSpPr>
-        <p:spPr/>
-        <p:txBody>
-          <a:bodyPr/>
-          <a:lstStyle/>
-          <a:p>
-            <a:r>
-              <a:rPr lang="en-US" smtClean="0"/>
-              <a:t>Configuration</a:t>
-            </a:r>
-            <a:endParaRPr lang="en-US" dirty="0" smtClean="0"/>
-          </a:p>
-          <a:p>
-            <a:r>
-              <a:rPr lang="en-US" dirty="0" err="1" smtClean="0"/>
-              <a:t>ISessionFactory</a:t>
-            </a:r>
-            <a:endParaRPr lang="en-US" dirty="0" smtClean="0"/>
-          </a:p>
-          <a:p>
-            <a:r>
-              <a:rPr lang="en-US" dirty="0" err="1" smtClean="0"/>
-              <a:t>ISession</a:t>
-            </a:r>
-            <a:endParaRPr lang="en-US" dirty="0" smtClean="0"/>
-          </a:p>
-          <a:p>
-            <a:pPr lvl="1"/>
-            <a:r>
-              <a:rPr lang="en-US" dirty="0" smtClean="0"/>
-              <a:t>lightweight</a:t>
-            </a:r>
-            <a:endParaRPr lang="en-US" dirty="0"/>
-          </a:p>
-        </p:txBody>
-      </p:sp>
-    </p:spTree>
-    <p:extLst>
-      <p:ext uri="{BB962C8B-B14F-4D97-AF65-F5344CB8AC3E}">
-        <p14:creationId xmlns:p14="http://schemas.microsoft.com/office/powerpoint/2010/main" val="1860968687"/>
-      </p:ext>
-    </p:extLst>
-  </p:cSld>
-  <p:clrMapOvr>
-    <a:masterClrMapping/>
-  </p:clrMapOvr>
-</p:sld>
-</file>
-
-<file path=ppt/slides/slide17.xml><?xml version="1.0" encoding="utf-8"?>
-<p:sld xmlns:a="http://schemas.openxmlformats.org/drawingml/2006/main" xmlns:r="http://schemas.openxmlformats.org/officeDocument/2006/relationships" xmlns:p="http://schemas.openxmlformats.org/presentationml/2006/main">
-  <p:cSld>
-    <p:spTree>
-      <p:nvGrpSpPr>
-        <p:cNvPr id="1" name=""/>
-        <p:cNvGrpSpPr/>
-        <p:nvPr/>
-      </p:nvGrpSpPr>
-      <p:grpSpPr>
-        <a:xfrm>
-          <a:off x="0" y="0"/>
-          <a:ext cx="0" cy="0"/>
-          <a:chOff x="0" y="0"/>
-          <a:chExt cx="0" cy="0"/>
-        </a:xfrm>
-      </p:grpSpPr>
-      <p:sp>
-        <p:nvSpPr>
-          <p:cNvPr id="2" name="Title 1"/>
-          <p:cNvSpPr>
-            <a:spLocks noGrp="1"/>
-          </p:cNvSpPr>
-          <p:nvPr>
-            <p:ph type="title"/>
-          </p:nvPr>
-        </p:nvSpPr>
-        <p:spPr/>
-        <p:txBody>
-          <a:bodyPr/>
-          <a:lstStyle/>
-          <a:p>
-            <a:r>
-              <a:rPr lang="en-US" dirty="0" smtClean="0"/>
-              <a:t>EF – Architecture Ideas</a:t>
-            </a:r>
-            <a:endParaRPr lang="en-US" dirty="0"/>
-          </a:p>
-        </p:txBody>
-      </p:sp>
-      <p:sp>
-        <p:nvSpPr>
-          <p:cNvPr id="3" name="Content Placeholder 2"/>
-          <p:cNvSpPr>
-            <a:spLocks noGrp="1"/>
-          </p:cNvSpPr>
-          <p:nvPr>
-            <p:ph idx="1"/>
-          </p:nvPr>
-        </p:nvSpPr>
-        <p:spPr/>
-        <p:txBody>
-          <a:bodyPr/>
-          <a:lstStyle/>
-          <a:p>
-            <a:r>
-              <a:rPr lang="en-US" dirty="0" err="1" smtClean="0"/>
-              <a:t>ObjectContext</a:t>
-            </a:r>
-            <a:endParaRPr lang="en-US" dirty="0" smtClean="0"/>
-          </a:p>
-          <a:p>
-            <a:pPr lvl="1"/>
-            <a:r>
-              <a:rPr lang="en-US" dirty="0" smtClean="0"/>
-              <a:t>Holds configuration/model</a:t>
-            </a:r>
-          </a:p>
-          <a:p>
-            <a:pPr lvl="1"/>
-            <a:r>
-              <a:rPr lang="en-US" dirty="0" smtClean="0"/>
-              <a:t>Acts like </a:t>
-            </a:r>
-            <a:r>
-              <a:rPr lang="en-US" dirty="0" err="1" smtClean="0"/>
-              <a:t>UnitOfWork</a:t>
-            </a:r>
-            <a:endParaRPr lang="en-US" dirty="0" smtClean="0"/>
-          </a:p>
-          <a:p>
-            <a:r>
-              <a:rPr lang="en-US" dirty="0" err="1" smtClean="0"/>
-              <a:t>DBContext</a:t>
-            </a:r>
-            <a:r>
-              <a:rPr lang="en-US" dirty="0" smtClean="0"/>
-              <a:t>: Wrapper of </a:t>
-            </a:r>
-            <a:r>
-              <a:rPr lang="en-US" dirty="0" err="1" smtClean="0"/>
-              <a:t>ObjectContext</a:t>
-            </a:r>
-            <a:endParaRPr lang="en-US" dirty="0" smtClean="0"/>
-          </a:p>
-          <a:p>
-            <a:pPr lvl="1"/>
-            <a:r>
-              <a:rPr lang="en-US" dirty="0" smtClean="0"/>
-              <a:t>Provides easier API to </a:t>
-            </a:r>
-            <a:r>
-              <a:rPr lang="en-US" dirty="0" err="1" smtClean="0"/>
-              <a:t>ObjectContext</a:t>
-            </a:r>
-            <a:endParaRPr lang="en-US" dirty="0" smtClean="0"/>
-          </a:p>
-          <a:p>
-            <a:pPr lvl="1"/>
-            <a:r>
-              <a:rPr lang="en-US" dirty="0" smtClean="0"/>
-              <a:t>Enables Code First approach</a:t>
-            </a:r>
-          </a:p>
-        </p:txBody>
-      </p:sp>
-    </p:spTree>
-    <p:extLst>
-      <p:ext uri="{BB962C8B-B14F-4D97-AF65-F5344CB8AC3E}">
-        <p14:creationId xmlns:p14="http://schemas.microsoft.com/office/powerpoint/2010/main" val="586397514"/>
-      </p:ext>
-    </p:extLst>
-  </p:cSld>
-  <p:clrMapOvr>
-    <a:masterClrMapping/>
-  </p:clrMapOvr>
-</p:sld>
-</file>
-
-<file path=ppt/slides/slide18.xml><?xml version="1.0" encoding="utf-8"?>
-<p:sld xmlns:a="http://schemas.openxmlformats.org/drawingml/2006/main" xmlns:r="http://schemas.openxmlformats.org/officeDocument/2006/relationships" xmlns:p="http://schemas.openxmlformats.org/presentationml/2006/main">
-  <p:cSld>
-    <p:spTree>
-      <p:nvGrpSpPr>
-        <p:cNvPr id="1" name=""/>
-        <p:cNvGrpSpPr/>
-        <p:nvPr/>
-      </p:nvGrpSpPr>
-      <p:grpSpPr>
-        <a:xfrm>
-          <a:off x="0" y="0"/>
-          <a:ext cx="0" cy="0"/>
-          <a:chOff x="0" y="0"/>
-          <a:chExt cx="0" cy="0"/>
-        </a:xfrm>
-      </p:grpSpPr>
-      <p:sp>
-        <p:nvSpPr>
-          <p:cNvPr id="2" name="Title 1"/>
-          <p:cNvSpPr>
-            <a:spLocks noGrp="1"/>
-          </p:cNvSpPr>
-          <p:nvPr>
-            <p:ph type="title"/>
-          </p:nvPr>
-        </p:nvSpPr>
-        <p:spPr/>
-        <p:txBody>
-          <a:bodyPr/>
-          <a:lstStyle/>
-          <a:p>
-            <a:r>
-              <a:rPr lang="en-US" dirty="0" smtClean="0"/>
-              <a:t>POCO Support</a:t>
-            </a:r>
-            <a:endParaRPr lang="en-US" dirty="0"/>
-          </a:p>
-        </p:txBody>
-      </p:sp>
-      <p:sp>
-        <p:nvSpPr>
-          <p:cNvPr id="3" name="Content Placeholder 2"/>
-          <p:cNvSpPr>
-            <a:spLocks noGrp="1"/>
-          </p:cNvSpPr>
-          <p:nvPr>
-            <p:ph idx="1"/>
-          </p:nvPr>
-        </p:nvSpPr>
-        <p:spPr/>
-        <p:txBody>
-          <a:bodyPr/>
-          <a:lstStyle/>
-          <a:p>
-            <a:r>
-              <a:rPr lang="en-US" dirty="0" smtClean="0"/>
-              <a:t>Do you need POCO?</a:t>
-            </a:r>
-          </a:p>
-          <a:p>
-            <a:pPr lvl="1"/>
-            <a:r>
-              <a:rPr lang="en-US" dirty="0" smtClean="0"/>
-              <a:t>A lot of projects are still database-centric </a:t>
-            </a:r>
-            <a:r>
-              <a:rPr lang="en-US" dirty="0" smtClean="0">
-                <a:sym typeface="Wingdings" pitchFamily="2" charset="2"/>
-              </a:rPr>
-              <a:t> use Data objects directly</a:t>
-            </a:r>
-            <a:endParaRPr lang="en-US" dirty="0" smtClean="0"/>
-          </a:p>
-          <a:p>
-            <a:pPr lvl="1"/>
-            <a:r>
-              <a:rPr lang="en-US" dirty="0" smtClean="0"/>
-              <a:t>Some projects use OO extensively </a:t>
-            </a:r>
-            <a:r>
-              <a:rPr lang="en-US" dirty="0" smtClean="0">
-                <a:sym typeface="Wingdings" pitchFamily="2" charset="2"/>
-              </a:rPr>
-              <a:t> use POCO to ensure the object model does NOT get influenced by relational model</a:t>
-            </a:r>
-          </a:p>
-          <a:p>
-            <a:r>
-              <a:rPr lang="en-US" dirty="0" smtClean="0">
-                <a:sym typeface="Wingdings" pitchFamily="2" charset="2"/>
-              </a:rPr>
-              <a:t>Truth: most projects using Entity Framework because they are database-centric</a:t>
-            </a:r>
-            <a:endParaRPr lang="en-US" dirty="0"/>
-          </a:p>
-        </p:txBody>
-      </p:sp>
-    </p:spTree>
-  </p:cSld>
-  <p:clrMapOvr>
-    <a:masterClrMapping/>
-  </p:clrMapOvr>
-</p:sld>
-</file>
-
-<file path=ppt/slides/slide19.xml><?xml version="1.0" encoding="utf-8"?>
-<p:sld xmlns:a="http://schemas.openxmlformats.org/drawingml/2006/main" xmlns:r="http://schemas.openxmlformats.org/officeDocument/2006/relationships" xmlns:p="http://schemas.openxmlformats.org/presentationml/2006/main">
-  <p:cSld>
-    <p:spTree>
-      <p:nvGrpSpPr>
-        <p:cNvPr id="1" name=""/>
-        <p:cNvGrpSpPr/>
-        <p:nvPr/>
-      </p:nvGrpSpPr>
-      <p:grpSpPr>
-        <a:xfrm>
-          <a:off x="0" y="0"/>
-          <a:ext cx="0" cy="0"/>
-          <a:chOff x="0" y="0"/>
-          <a:chExt cx="0" cy="0"/>
-        </a:xfrm>
-      </p:grpSpPr>
-      <p:sp>
-        <p:nvSpPr>
-          <p:cNvPr id="2" name="Title 1"/>
-          <p:cNvSpPr>
-            <a:spLocks noGrp="1"/>
-          </p:cNvSpPr>
-          <p:nvPr>
-            <p:ph type="title"/>
-          </p:nvPr>
-        </p:nvSpPr>
-        <p:spPr/>
-        <p:txBody>
-          <a:bodyPr/>
-          <a:lstStyle/>
-          <a:p>
-            <a:r>
-              <a:rPr lang="en-US" dirty="0" smtClean="0"/>
-              <a:t>Mapping</a:t>
-            </a:r>
-            <a:endParaRPr lang="en-US" dirty="0"/>
-          </a:p>
-        </p:txBody>
-      </p:sp>
-      <p:sp>
-        <p:nvSpPr>
-          <p:cNvPr id="3" name="Content Placeholder 2"/>
-          <p:cNvSpPr>
-            <a:spLocks noGrp="1"/>
-          </p:cNvSpPr>
-          <p:nvPr>
-            <p:ph idx="1"/>
-          </p:nvPr>
-        </p:nvSpPr>
-        <p:spPr/>
-        <p:txBody>
-          <a:bodyPr/>
-          <a:lstStyle/>
-          <a:p>
-            <a:r>
-              <a:rPr lang="en-US" dirty="0" smtClean="0"/>
-              <a:t>Allow mapping relations to objects</a:t>
-            </a:r>
-          </a:p>
-          <a:p>
-            <a:r>
-              <a:rPr lang="en-US" dirty="0" smtClean="0"/>
-              <a:t>How?</a:t>
-            </a:r>
-          </a:p>
-          <a:p>
-            <a:pPr lvl="1"/>
-            <a:r>
-              <a:rPr lang="en-US" dirty="0" smtClean="0"/>
-              <a:t>Format</a:t>
-            </a:r>
-          </a:p>
-          <a:p>
-            <a:pPr lvl="2"/>
-            <a:r>
-              <a:rPr lang="en-US" dirty="0" smtClean="0"/>
-              <a:t>XML file</a:t>
-            </a:r>
-          </a:p>
-          <a:p>
-            <a:pPr lvl="2"/>
-            <a:r>
-              <a:rPr lang="en-US" dirty="0" smtClean="0"/>
-              <a:t>Attribute</a:t>
-            </a:r>
-          </a:p>
-          <a:p>
-            <a:pPr lvl="2"/>
-            <a:r>
-              <a:rPr lang="en-US" dirty="0" smtClean="0"/>
-              <a:t>Code</a:t>
-            </a:r>
-          </a:p>
-          <a:p>
-            <a:pPr lvl="1"/>
-            <a:r>
-              <a:rPr lang="en-US" dirty="0" err="1" smtClean="0"/>
-              <a:t>Autogen</a:t>
-            </a:r>
-            <a:r>
-              <a:rPr lang="en-US" dirty="0" smtClean="0"/>
-              <a:t> </a:t>
-            </a:r>
-          </a:p>
-          <a:p>
-            <a:pPr lvl="2"/>
-            <a:r>
-              <a:rPr lang="en-US" dirty="0" smtClean="0"/>
-              <a:t>Generate Code from DB </a:t>
-            </a:r>
-          </a:p>
-          <a:p>
-            <a:pPr lvl="2"/>
-            <a:r>
-              <a:rPr lang="en-US" dirty="0" smtClean="0"/>
-              <a:t>Generate DB from Code</a:t>
-            </a:r>
-            <a:endParaRPr lang="en-US" dirty="0"/>
-          </a:p>
-        </p:txBody>
-      </p:sp>
-    </p:spTree>
-  </p:cSld>
-  <p:clrMapOvr>
-    <a:masterClrMapping/>
-  </p:clrMapOvr>
-  <p:timing>
-    <p:tnLst>
-      <p:par>
-        <p:cTn id="1" dur="indefinite" restart="never" nodeType="tmRoot"/>
-      </p:par>
-    </p:tnLst>
-  </p:timing>
-</p:sld>
-</file>
-
-<file path=ppt/slides/slide2.xml><?xml version="1.0" encoding="utf-8"?>
-<p:sld xmlns:a="http://schemas.openxmlformats.org/drawingml/2006/main" xmlns:r="http://schemas.openxmlformats.org/officeDocument/2006/relationships" xmlns:p="http://schemas.openxmlformats.org/presentationml/2006/main">
-  <p:cSld>
-    <p:spTree>
-      <p:nvGrpSpPr>
-        <p:cNvPr id="1" name=""/>
-        <p:cNvGrpSpPr/>
-        <p:nvPr/>
-      </p:nvGrpSpPr>
-      <p:grpSpPr>
-        <a:xfrm>
-          <a:off x="0" y="0"/>
-          <a:ext cx="0" cy="0"/>
-          <a:chOff x="0" y="0"/>
-          <a:chExt cx="0" cy="0"/>
-        </a:xfrm>
-      </p:grpSpPr>
-      <p:sp>
-        <p:nvSpPr>
-          <p:cNvPr id="2" name="Title 1"/>
-          <p:cNvSpPr>
-            <a:spLocks noGrp="1"/>
-          </p:cNvSpPr>
-          <p:nvPr>
-            <p:ph type="title"/>
-          </p:nvPr>
-        </p:nvSpPr>
-        <p:spPr/>
-        <p:txBody>
-          <a:bodyPr/>
-          <a:lstStyle/>
-          <a:p>
-            <a:r>
-              <a:rPr lang="en-US" dirty="0" smtClean="0"/>
-              <a:t>Layered App</a:t>
-            </a:r>
-            <a:endParaRPr lang="en-US" dirty="0"/>
-          </a:p>
-        </p:txBody>
-      </p:sp>
-      <p:sp>
-        <p:nvSpPr>
-          <p:cNvPr id="5" name="Rectangle 4"/>
-          <p:cNvSpPr/>
-          <p:nvPr/>
-        </p:nvSpPr>
-        <p:spPr>
-          <a:xfrm>
-            <a:off x="996042" y="4093029"/>
-            <a:ext cx="1981200" cy="914400"/>
-          </a:xfrm>
-          <a:prstGeom prst="rect">
-            <a:avLst/>
-          </a:prstGeom>
-        </p:spPr>
-        <p:style>
-          <a:lnRef idx="2">
-            <a:schemeClr val="accent1">
-              <a:shade val="50000"/>
-            </a:schemeClr>
-          </a:lnRef>
-          <a:fillRef idx="1">
-            <a:schemeClr val="accent1"/>
-          </a:fillRef>
-          <a:effectRef idx="0">
-            <a:schemeClr val="accent1"/>
-          </a:effectRef>
-          <a:fontRef idx="minor">
-            <a:schemeClr val="lt1"/>
-          </a:fontRef>
-        </p:style>
-        <p:txBody>
-          <a:bodyPr rtlCol="0" anchor="ctr"/>
-          <a:lstStyle/>
-          <a:p>
-            <a:pPr algn="ctr"/>
-            <a:r>
-              <a:rPr lang="en-US" dirty="0" smtClean="0"/>
-              <a:t>Logic</a:t>
-            </a:r>
-            <a:endParaRPr lang="en-US" dirty="0"/>
-          </a:p>
-        </p:txBody>
-      </p:sp>
-      <p:sp>
-        <p:nvSpPr>
-          <p:cNvPr id="6" name="Rectangle 5"/>
-          <p:cNvSpPr/>
-          <p:nvPr/>
-        </p:nvSpPr>
-        <p:spPr>
-          <a:xfrm>
-            <a:off x="996042" y="3004458"/>
-            <a:ext cx="1981200" cy="914400"/>
-          </a:xfrm>
-          <a:prstGeom prst="rect">
-            <a:avLst/>
-          </a:prstGeom>
-        </p:spPr>
-        <p:style>
-          <a:lnRef idx="2">
-            <a:schemeClr val="accent1">
-              <a:shade val="50000"/>
-            </a:schemeClr>
-          </a:lnRef>
-          <a:fillRef idx="1">
-            <a:schemeClr val="accent1"/>
-          </a:fillRef>
-          <a:effectRef idx="0">
-            <a:schemeClr val="accent1"/>
-          </a:effectRef>
-          <a:fontRef idx="minor">
-            <a:schemeClr val="lt1"/>
-          </a:fontRef>
-        </p:style>
-        <p:txBody>
-          <a:bodyPr rtlCol="0" anchor="ctr"/>
-          <a:lstStyle/>
-          <a:p>
-            <a:pPr algn="ctr"/>
-            <a:r>
-              <a:rPr lang="en-US" dirty="0" smtClean="0"/>
-              <a:t>Service / Pre</a:t>
-            </a:r>
-            <a:r>
-              <a:rPr lang="en-US" sz="1600" dirty="0" smtClean="0"/>
-              <a:t>se</a:t>
-            </a:r>
-            <a:r>
-              <a:rPr lang="en-US" dirty="0" smtClean="0"/>
-              <a:t>ntation</a:t>
-            </a:r>
-            <a:endParaRPr lang="en-US" dirty="0"/>
-          </a:p>
-        </p:txBody>
-      </p:sp>
-      <p:sp>
-        <p:nvSpPr>
-          <p:cNvPr id="7" name="Can 6"/>
-          <p:cNvSpPr/>
-          <p:nvPr/>
-        </p:nvSpPr>
-        <p:spPr>
-          <a:xfrm>
-            <a:off x="996042" y="5197929"/>
-            <a:ext cx="1981200" cy="898072"/>
-          </a:xfrm>
-          <a:prstGeom prst="can">
-            <a:avLst>
-              <a:gd name="adj" fmla="val 17271"/>
-            </a:avLst>
-          </a:prstGeom>
-        </p:spPr>
-        <p:style>
-          <a:lnRef idx="2">
-            <a:schemeClr val="accent1">
-              <a:shade val="50000"/>
-            </a:schemeClr>
-          </a:lnRef>
-          <a:fillRef idx="1">
-            <a:schemeClr val="accent1"/>
-          </a:fillRef>
-          <a:effectRef idx="0">
-            <a:schemeClr val="accent1"/>
-          </a:effectRef>
-          <a:fontRef idx="minor">
-            <a:schemeClr val="lt1"/>
-          </a:fontRef>
-        </p:style>
-        <p:txBody>
-          <a:bodyPr rtlCol="0" anchor="ctr"/>
-          <a:lstStyle/>
-          <a:p>
-            <a:pPr algn="ctr"/>
-            <a:r>
-              <a:rPr lang="en-US" dirty="0" smtClean="0"/>
-              <a:t>DB</a:t>
-            </a:r>
-            <a:endParaRPr lang="en-US" dirty="0"/>
-          </a:p>
-        </p:txBody>
-      </p:sp>
-      <p:sp>
-        <p:nvSpPr>
-          <p:cNvPr id="8" name="Smiley Face 7"/>
-          <p:cNvSpPr/>
-          <p:nvPr/>
-        </p:nvSpPr>
-        <p:spPr>
-          <a:xfrm>
-            <a:off x="1373414" y="2188029"/>
-            <a:ext cx="613228" cy="609600"/>
-          </a:xfrm>
-          <a:prstGeom prst="smileyFace">
-            <a:avLst/>
-          </a:prstGeom>
-        </p:spPr>
-        <p:style>
-          <a:lnRef idx="2">
-            <a:schemeClr val="accent1">
-              <a:shade val="50000"/>
-            </a:schemeClr>
-          </a:lnRef>
-          <a:fillRef idx="1">
-            <a:schemeClr val="accent1"/>
-          </a:fillRef>
-          <a:effectRef idx="0">
-            <a:schemeClr val="accent1"/>
-          </a:effectRef>
-          <a:fontRef idx="minor">
-            <a:schemeClr val="lt1"/>
-          </a:fontRef>
-        </p:style>
-        <p:txBody>
-          <a:bodyPr rtlCol="0" anchor="ctr"/>
-          <a:lstStyle/>
-          <a:p>
-            <a:pPr algn="ctr"/>
-            <a:endParaRPr lang="en-US"/>
-          </a:p>
-        </p:txBody>
-      </p:sp>
-      <p:sp>
-        <p:nvSpPr>
-          <p:cNvPr id="9" name="Line Callout 1 8"/>
-          <p:cNvSpPr/>
-          <p:nvPr/>
-        </p:nvSpPr>
-        <p:spPr>
-          <a:xfrm>
-            <a:off x="3412671" y="2492829"/>
-            <a:ext cx="1752600" cy="664029"/>
-          </a:xfrm>
-          <a:prstGeom prst="borderCallout1">
-            <a:avLst/>
-          </a:prstGeom>
-        </p:spPr>
-        <p:style>
-          <a:lnRef idx="2">
-            <a:schemeClr val="accent6"/>
-          </a:lnRef>
-          <a:fillRef idx="1">
-            <a:schemeClr val="lt1"/>
-          </a:fillRef>
-          <a:effectRef idx="0">
-            <a:schemeClr val="accent6"/>
-          </a:effectRef>
-          <a:fontRef idx="minor">
-            <a:schemeClr val="dk1"/>
-          </a:fontRef>
-        </p:style>
-        <p:txBody>
-          <a:bodyPr rtlCol="0" anchor="ctr"/>
-          <a:lstStyle/>
-          <a:p>
-            <a:r>
-              <a:rPr lang="en-US" dirty="0" smtClean="0"/>
-              <a:t>Web/Windows</a:t>
-            </a:r>
-            <a:endParaRPr lang="en-US" dirty="0"/>
-          </a:p>
-        </p:txBody>
-      </p:sp>
-      <p:sp>
-        <p:nvSpPr>
-          <p:cNvPr id="10" name="Line Callout 1 9"/>
-          <p:cNvSpPr/>
-          <p:nvPr/>
-        </p:nvSpPr>
-        <p:spPr>
-          <a:xfrm>
-            <a:off x="3441700" y="3742871"/>
-            <a:ext cx="1752600" cy="664029"/>
-          </a:xfrm>
-          <a:prstGeom prst="borderCallout1">
-            <a:avLst/>
-          </a:prstGeom>
-        </p:spPr>
-        <p:style>
-          <a:lnRef idx="2">
-            <a:schemeClr val="accent6"/>
-          </a:lnRef>
-          <a:fillRef idx="1">
-            <a:schemeClr val="lt1"/>
-          </a:fillRef>
-          <a:effectRef idx="0">
-            <a:schemeClr val="accent6"/>
-          </a:effectRef>
-          <a:fontRef idx="minor">
-            <a:schemeClr val="dk1"/>
-          </a:fontRef>
-        </p:style>
-        <p:txBody>
-          <a:bodyPr rtlCol="0" anchor="ctr"/>
-          <a:lstStyle/>
-          <a:p>
-            <a:r>
-              <a:rPr lang="en-US" dirty="0" smtClean="0"/>
-              <a:t>objects</a:t>
-            </a:r>
-            <a:endParaRPr lang="en-US" dirty="0"/>
-          </a:p>
-        </p:txBody>
-      </p:sp>
-      <p:sp>
-        <p:nvSpPr>
-          <p:cNvPr id="11" name="Line Callout 1 10"/>
-          <p:cNvSpPr/>
-          <p:nvPr/>
-        </p:nvSpPr>
-        <p:spPr>
-          <a:xfrm>
-            <a:off x="3494314" y="4918528"/>
-            <a:ext cx="1699986" cy="664029"/>
-          </a:xfrm>
-          <a:prstGeom prst="borderCallout1">
-            <a:avLst/>
-          </a:prstGeom>
-        </p:spPr>
-        <p:style>
-          <a:lnRef idx="2">
-            <a:schemeClr val="accent6"/>
-          </a:lnRef>
-          <a:fillRef idx="1">
-            <a:schemeClr val="lt1"/>
-          </a:fillRef>
-          <a:effectRef idx="0">
-            <a:schemeClr val="accent6"/>
-          </a:effectRef>
-          <a:fontRef idx="minor">
-            <a:schemeClr val="dk1"/>
-          </a:fontRef>
-        </p:style>
-        <p:txBody>
-          <a:bodyPr rtlCol="0" anchor="ctr"/>
-          <a:lstStyle/>
-          <a:p>
-            <a:r>
-              <a:rPr lang="en-US" dirty="0" smtClean="0"/>
-              <a:t>data</a:t>
-            </a:r>
-            <a:endParaRPr lang="en-US" dirty="0"/>
-          </a:p>
-        </p:txBody>
-      </p:sp>
-      <p:sp>
-        <p:nvSpPr>
-          <p:cNvPr id="12" name="Heart 11"/>
-          <p:cNvSpPr/>
-          <p:nvPr/>
-        </p:nvSpPr>
-        <p:spPr>
-          <a:xfrm>
-            <a:off x="762000" y="4865914"/>
-            <a:ext cx="762000" cy="664029"/>
-          </a:xfrm>
-          <a:prstGeom prst="heart">
-            <a:avLst/>
-          </a:prstGeom>
-        </p:spPr>
-        <p:style>
-          <a:lnRef idx="2">
-            <a:schemeClr val="accent2">
-              <a:shade val="50000"/>
-            </a:schemeClr>
-          </a:lnRef>
-          <a:fillRef idx="1">
-            <a:schemeClr val="accent2"/>
-          </a:fillRef>
-          <a:effectRef idx="0">
-            <a:schemeClr val="accent2"/>
-          </a:effectRef>
-          <a:fontRef idx="minor">
-            <a:schemeClr val="lt1"/>
-          </a:fontRef>
-        </p:style>
-        <p:txBody>
-          <a:bodyPr rtlCol="0" anchor="ctr"/>
-          <a:lstStyle/>
-          <a:p>
-            <a:pPr algn="ctr"/>
-            <a:endParaRPr lang="en-US"/>
-          </a:p>
-        </p:txBody>
-      </p:sp>
-      <p:sp>
-        <p:nvSpPr>
-          <p:cNvPr id="13" name="Down Arrow 12"/>
-          <p:cNvSpPr/>
-          <p:nvPr/>
-        </p:nvSpPr>
-        <p:spPr>
-          <a:xfrm>
-            <a:off x="1696356" y="4793343"/>
-            <a:ext cx="381000" cy="457200"/>
-          </a:xfrm>
-          <a:prstGeom prst="downArrow">
-            <a:avLst/>
-          </a:prstGeom>
-        </p:spPr>
-        <p:style>
-          <a:lnRef idx="2">
-            <a:schemeClr val="accent1">
-              <a:shade val="50000"/>
-            </a:schemeClr>
-          </a:lnRef>
-          <a:fillRef idx="1">
-            <a:schemeClr val="accent1"/>
-          </a:fillRef>
-          <a:effectRef idx="0">
-            <a:schemeClr val="accent1"/>
-          </a:effectRef>
-          <a:fontRef idx="minor">
-            <a:schemeClr val="lt1"/>
-          </a:fontRef>
-        </p:style>
-        <p:txBody>
-          <a:bodyPr rtlCol="0" anchor="ctr"/>
-          <a:lstStyle/>
-          <a:p>
-            <a:pPr algn="ctr"/>
-            <a:endParaRPr lang="en-US"/>
-          </a:p>
-        </p:txBody>
-      </p:sp>
-      <p:sp>
-        <p:nvSpPr>
-          <p:cNvPr id="14" name="Down Arrow 13"/>
-          <p:cNvSpPr/>
-          <p:nvPr/>
-        </p:nvSpPr>
-        <p:spPr>
-          <a:xfrm rot="10800000">
-            <a:off x="2077356" y="4793343"/>
-            <a:ext cx="381000" cy="457200"/>
-          </a:xfrm>
-          <a:prstGeom prst="downArrow">
-            <a:avLst/>
-          </a:prstGeom>
-        </p:spPr>
-        <p:style>
-          <a:lnRef idx="2">
-            <a:schemeClr val="accent1">
-              <a:shade val="50000"/>
-            </a:schemeClr>
-          </a:lnRef>
-          <a:fillRef idx="1">
-            <a:schemeClr val="accent1"/>
-          </a:fillRef>
-          <a:effectRef idx="0">
-            <a:schemeClr val="accent1"/>
-          </a:effectRef>
-          <a:fontRef idx="minor">
-            <a:schemeClr val="lt1"/>
-          </a:fontRef>
-        </p:style>
-        <p:txBody>
-          <a:bodyPr rtlCol="0" anchor="ctr"/>
-          <a:lstStyle/>
-          <a:p>
-            <a:pPr algn="ctr"/>
-            <a:endParaRPr lang="en-US"/>
-          </a:p>
-        </p:txBody>
-      </p:sp>
-    </p:spTree>
-    <p:extLst>
-      <p:ext uri="{BB962C8B-B14F-4D97-AF65-F5344CB8AC3E}">
-        <p14:creationId xmlns:p14="http://schemas.microsoft.com/office/powerpoint/2010/main" val="2432363430"/>
-      </p:ext>
-    </p:extLst>
-  </p:cSld>
-  <p:clrMapOvr>
-    <a:masterClrMapping/>
-  </p:clrMapOvr>
-</p:sld>
-</file>
-
-<file path=ppt/slides/slide20.xml><?xml version="1.0" encoding="utf-8"?>
-<p:sld xmlns:a="http://schemas.openxmlformats.org/drawingml/2006/main" xmlns:r="http://schemas.openxmlformats.org/officeDocument/2006/relationships" xmlns:p="http://schemas.openxmlformats.org/presentationml/2006/main">
-  <p:cSld>
-    <p:spTree>
-      <p:nvGrpSpPr>
-        <p:cNvPr id="1" name=""/>
-        <p:cNvGrpSpPr/>
-        <p:nvPr/>
-      </p:nvGrpSpPr>
-      <p:grpSpPr>
-        <a:xfrm>
-          <a:off x="0" y="0"/>
-          <a:ext cx="0" cy="0"/>
-          <a:chOff x="0" y="0"/>
-          <a:chExt cx="0" cy="0"/>
-        </a:xfrm>
-      </p:grpSpPr>
-      <p:sp>
-        <p:nvSpPr>
           <p:cNvPr id="7" name="Rectangle 6"/>
           <p:cNvSpPr/>
           <p:nvPr/>
@@ -5410,7 +4039,7 @@
           <a:p>
             <a:r>
               <a:rPr lang="en-US" dirty="0" smtClean="0"/>
-              <a:t>How has it been done?</a:t>
+              <a:t>Before ORM</a:t>
             </a:r>
             <a:endParaRPr lang="en-US" dirty="0"/>
           </a:p>
@@ -5430,13 +4059,6 @@
         <p:txBody>
           <a:bodyPr/>
           <a:lstStyle/>
-          <a:p>
-            <a:r>
-              <a:rPr lang="en-US" dirty="0" smtClean="0"/>
-              <a:t>Pre-ORM</a:t>
-            </a:r>
-            <a:endParaRPr lang="en-US" dirty="0"/>
-          </a:p>
           <a:p>
             <a:endParaRPr lang="en-US" dirty="0"/>
           </a:p>
@@ -6440,9 +5062,1546 @@
     </p:spTree>
     <p:extLst>
       <p:ext uri="{BB962C8B-B14F-4D97-AF65-F5344CB8AC3E}">
-        <p14:creationId xmlns:p14="http://schemas.microsoft.com/office/powerpoint/2010/main" val="1057406908"/>
+        <p14:creationId xmlns:p14="http://schemas.microsoft.com/office/powerpoint/2010/main" xmlns="" val="1057406908"/>
       </p:ext>
     </p:extLst>
+  </p:cSld>
+  <p:clrMapOvr>
+    <a:masterClrMapping/>
+  </p:clrMapOvr>
+  <p:timing>
+    <p:tnLst>
+      <p:par>
+        <p:cTn id="1" dur="indefinite" restart="never" nodeType="tmRoot"/>
+      </p:par>
+    </p:tnLst>
+  </p:timing>
+</p:sld>
+</file>
+
+<file path=ppt/slides/slide12.xml><?xml version="1.0" encoding="utf-8"?>
+<p:sld xmlns:a="http://schemas.openxmlformats.org/drawingml/2006/main" xmlns:r="http://schemas.openxmlformats.org/officeDocument/2006/relationships" xmlns:p="http://schemas.openxmlformats.org/presentationml/2006/main">
+  <p:cSld>
+    <p:spTree>
+      <p:nvGrpSpPr>
+        <p:cNvPr id="1" name=""/>
+        <p:cNvGrpSpPr/>
+        <p:nvPr/>
+      </p:nvGrpSpPr>
+      <p:grpSpPr>
+        <a:xfrm>
+          <a:off x="0" y="0"/>
+          <a:ext cx="0" cy="0"/>
+          <a:chOff x="0" y="0"/>
+          <a:chExt cx="0" cy="0"/>
+        </a:xfrm>
+      </p:grpSpPr>
+      <p:sp>
+        <p:nvSpPr>
+          <p:cNvPr id="2" name="Title 1"/>
+          <p:cNvSpPr>
+            <a:spLocks noGrp="1"/>
+          </p:cNvSpPr>
+          <p:nvPr>
+            <p:ph type="title"/>
+          </p:nvPr>
+        </p:nvSpPr>
+        <p:spPr/>
+        <p:txBody>
+          <a:bodyPr/>
+          <a:lstStyle/>
+          <a:p>
+            <a:r>
+              <a:rPr lang="en-US" dirty="0" smtClean="0">
+                <a:solidFill>
+                  <a:srgbClr val="FF0000"/>
+                </a:solidFill>
+              </a:rPr>
+              <a:t>O</a:t>
+            </a:r>
+            <a:r>
+              <a:rPr lang="en-US" dirty="0" smtClean="0"/>
+              <a:t>RM</a:t>
+            </a:r>
+            <a:endParaRPr lang="en-US" dirty="0"/>
+          </a:p>
+        </p:txBody>
+      </p:sp>
+      <p:sp>
+        <p:nvSpPr>
+          <p:cNvPr id="3" name="Content Placeholder 2"/>
+          <p:cNvSpPr>
+            <a:spLocks noGrp="1"/>
+          </p:cNvSpPr>
+          <p:nvPr>
+            <p:ph idx="1"/>
+          </p:nvPr>
+        </p:nvSpPr>
+        <p:spPr/>
+        <p:txBody>
+          <a:bodyPr/>
+          <a:lstStyle/>
+          <a:p>
+            <a:r>
+              <a:rPr lang="en-US" dirty="0" smtClean="0"/>
+              <a:t>Object Oriented Development</a:t>
+            </a:r>
+          </a:p>
+          <a:p>
+            <a:r>
+              <a:rPr lang="en-US" dirty="0" smtClean="0"/>
+              <a:t>We have objects in our system</a:t>
+            </a:r>
+          </a:p>
+          <a:p>
+            <a:r>
+              <a:rPr lang="en-US" dirty="0" smtClean="0"/>
+              <a:t>Objects are normally graph</a:t>
+            </a:r>
+          </a:p>
+          <a:p>
+            <a:r>
+              <a:rPr lang="en-US" dirty="0" smtClean="0"/>
+              <a:t>Creating of Objects</a:t>
+            </a:r>
+            <a:endParaRPr lang="en-US" dirty="0"/>
+          </a:p>
+        </p:txBody>
+      </p:sp>
+    </p:spTree>
+    <p:extLst>
+      <p:ext uri="{BB962C8B-B14F-4D97-AF65-F5344CB8AC3E}">
+        <p14:creationId xmlns:p14="http://schemas.microsoft.com/office/powerpoint/2010/main" xmlns="" val="3615353800"/>
+      </p:ext>
+    </p:extLst>
+  </p:cSld>
+  <p:clrMapOvr>
+    <a:masterClrMapping/>
+  </p:clrMapOvr>
+  <p:timing>
+    <p:tnLst>
+      <p:par>
+        <p:cTn id="1" dur="indefinite" restart="never" nodeType="tmRoot"/>
+      </p:par>
+    </p:tnLst>
+  </p:timing>
+</p:sld>
+</file>
+
+<file path=ppt/slides/slide13.xml><?xml version="1.0" encoding="utf-8"?>
+<p:sld xmlns:a="http://schemas.openxmlformats.org/drawingml/2006/main" xmlns:r="http://schemas.openxmlformats.org/officeDocument/2006/relationships" xmlns:p="http://schemas.openxmlformats.org/presentationml/2006/main">
+  <p:cSld>
+    <p:spTree>
+      <p:nvGrpSpPr>
+        <p:cNvPr id="1" name=""/>
+        <p:cNvGrpSpPr/>
+        <p:nvPr/>
+      </p:nvGrpSpPr>
+      <p:grpSpPr>
+        <a:xfrm>
+          <a:off x="0" y="0"/>
+          <a:ext cx="0" cy="0"/>
+          <a:chOff x="0" y="0"/>
+          <a:chExt cx="0" cy="0"/>
+        </a:xfrm>
+      </p:grpSpPr>
+      <p:sp>
+        <p:nvSpPr>
+          <p:cNvPr id="2" name="Title 1"/>
+          <p:cNvSpPr>
+            <a:spLocks noGrp="1"/>
+          </p:cNvSpPr>
+          <p:nvPr>
+            <p:ph type="title"/>
+          </p:nvPr>
+        </p:nvSpPr>
+        <p:spPr/>
+        <p:txBody>
+          <a:bodyPr/>
+          <a:lstStyle/>
+          <a:p>
+            <a:r>
+              <a:rPr lang="en-US" dirty="0" smtClean="0"/>
+              <a:t>ORM</a:t>
+            </a:r>
+            <a:endParaRPr lang="en-US" dirty="0"/>
+          </a:p>
+        </p:txBody>
+      </p:sp>
+      <p:sp>
+        <p:nvSpPr>
+          <p:cNvPr id="3" name="Content Placeholder 2"/>
+          <p:cNvSpPr>
+            <a:spLocks noGrp="1"/>
+          </p:cNvSpPr>
+          <p:nvPr>
+            <p:ph idx="1"/>
+          </p:nvPr>
+        </p:nvSpPr>
+        <p:spPr/>
+        <p:txBody>
+          <a:bodyPr/>
+          <a:lstStyle/>
+          <a:p>
+            <a:r>
+              <a:rPr lang="en-US" dirty="0" smtClean="0"/>
+              <a:t>ORM is NOT the only way</a:t>
+            </a:r>
+          </a:p>
+          <a:p>
+            <a:pPr lvl="1"/>
+            <a:r>
+              <a:rPr lang="en-US" dirty="0" smtClean="0"/>
+              <a:t>Stored Procedure Mapping</a:t>
+            </a:r>
+          </a:p>
+          <a:p>
+            <a:pPr lvl="1"/>
+            <a:r>
+              <a:rPr lang="en-US" dirty="0" smtClean="0"/>
+              <a:t>Table Data Gateway </a:t>
+            </a:r>
+          </a:p>
+          <a:p>
+            <a:pPr lvl="1"/>
+            <a:r>
+              <a:rPr lang="en-US" dirty="0" smtClean="0"/>
+              <a:t>Row Data Gateway</a:t>
+            </a:r>
+          </a:p>
+          <a:p>
+            <a:pPr lvl="1"/>
+            <a:r>
+              <a:rPr lang="en-US" dirty="0" smtClean="0"/>
+              <a:t>Active Record</a:t>
+            </a:r>
+          </a:p>
+          <a:p>
+            <a:r>
+              <a:rPr lang="en-US" dirty="0" smtClean="0"/>
+              <a:t>Or, why Relational Database? </a:t>
+            </a:r>
+            <a:r>
+              <a:rPr lang="en-US" dirty="0" err="1" smtClean="0"/>
+              <a:t>NoSQL</a:t>
+            </a:r>
+            <a:endParaRPr lang="en-US" dirty="0"/>
+          </a:p>
+        </p:txBody>
+      </p:sp>
+    </p:spTree>
+    <p:extLst>
+      <p:ext uri="{BB962C8B-B14F-4D97-AF65-F5344CB8AC3E}">
+        <p14:creationId xmlns:p14="http://schemas.microsoft.com/office/powerpoint/2010/main" xmlns="" val="385287127"/>
+      </p:ext>
+    </p:extLst>
+  </p:cSld>
+  <p:clrMapOvr>
+    <a:masterClrMapping/>
+  </p:clrMapOvr>
+</p:sld>
+</file>
+
+<file path=ppt/slides/slide14.xml><?xml version="1.0" encoding="utf-8"?>
+<p:sld xmlns:a="http://schemas.openxmlformats.org/drawingml/2006/main" xmlns:r="http://schemas.openxmlformats.org/officeDocument/2006/relationships" xmlns:p="http://schemas.openxmlformats.org/presentationml/2006/main">
+  <p:cSld>
+    <p:spTree>
+      <p:nvGrpSpPr>
+        <p:cNvPr id="1" name=""/>
+        <p:cNvGrpSpPr/>
+        <p:nvPr/>
+      </p:nvGrpSpPr>
+      <p:grpSpPr>
+        <a:xfrm>
+          <a:off x="0" y="0"/>
+          <a:ext cx="0" cy="0"/>
+          <a:chOff x="0" y="0"/>
+          <a:chExt cx="0" cy="0"/>
+        </a:xfrm>
+      </p:grpSpPr>
+      <p:sp>
+        <p:nvSpPr>
+          <p:cNvPr id="2" name="Title 1"/>
+          <p:cNvSpPr>
+            <a:spLocks noGrp="1"/>
+          </p:cNvSpPr>
+          <p:nvPr>
+            <p:ph type="title"/>
+          </p:nvPr>
+        </p:nvSpPr>
+        <p:spPr/>
+        <p:txBody>
+          <a:bodyPr/>
+          <a:lstStyle/>
+          <a:p>
+            <a:r>
+              <a:rPr lang="en-US" dirty="0" err="1" smtClean="0"/>
+              <a:t>NHibernate</a:t>
+            </a:r>
+            <a:endParaRPr lang="en-US" dirty="0"/>
+          </a:p>
+        </p:txBody>
+      </p:sp>
+      <p:sp>
+        <p:nvSpPr>
+          <p:cNvPr id="3" name="Content Placeholder 2"/>
+          <p:cNvSpPr>
+            <a:spLocks noGrp="1"/>
+          </p:cNvSpPr>
+          <p:nvPr>
+            <p:ph idx="1"/>
+          </p:nvPr>
+        </p:nvSpPr>
+        <p:spPr/>
+        <p:txBody>
+          <a:bodyPr/>
+          <a:lstStyle/>
+          <a:p>
+            <a:r>
+              <a:rPr lang="en-US" dirty="0" smtClean="0"/>
+              <a:t>Ported from Java Hibernate</a:t>
+            </a:r>
+          </a:p>
+          <a:p>
+            <a:r>
+              <a:rPr lang="en-US" dirty="0" smtClean="0"/>
+              <a:t>Latest Version: 3.3 (as of April 2013)</a:t>
+            </a:r>
+          </a:p>
+          <a:p>
+            <a:r>
+              <a:rPr lang="en-US" dirty="0" smtClean="0"/>
+              <a:t>Mapping Objects to Relations</a:t>
+            </a:r>
+          </a:p>
+          <a:p>
+            <a:r>
+              <a:rPr lang="en-US" dirty="0" smtClean="0"/>
+              <a:t>Implemented Architectural Ideas of ORM</a:t>
+            </a:r>
+          </a:p>
+          <a:p>
+            <a:r>
+              <a:rPr lang="en-US" dirty="0" smtClean="0"/>
+              <a:t>Quasi-standard of ORM</a:t>
+            </a:r>
+          </a:p>
+          <a:p>
+            <a:endParaRPr lang="en-US" dirty="0" smtClean="0"/>
+          </a:p>
+          <a:p>
+            <a:endParaRPr lang="en-US" dirty="0"/>
+          </a:p>
+        </p:txBody>
+      </p:sp>
+    </p:spTree>
+    <p:extLst>
+      <p:ext uri="{BB962C8B-B14F-4D97-AF65-F5344CB8AC3E}">
+        <p14:creationId xmlns:p14="http://schemas.microsoft.com/office/powerpoint/2010/main" xmlns="" val="4132717108"/>
+      </p:ext>
+    </p:extLst>
+  </p:cSld>
+  <p:clrMapOvr>
+    <a:masterClrMapping/>
+  </p:clrMapOvr>
+</p:sld>
+</file>
+
+<file path=ppt/slides/slide15.xml><?xml version="1.0" encoding="utf-8"?>
+<p:sld xmlns:a="http://schemas.openxmlformats.org/drawingml/2006/main" xmlns:r="http://schemas.openxmlformats.org/officeDocument/2006/relationships" xmlns:p="http://schemas.openxmlformats.org/presentationml/2006/main">
+  <p:cSld>
+    <p:spTree>
+      <p:nvGrpSpPr>
+        <p:cNvPr id="1" name=""/>
+        <p:cNvGrpSpPr/>
+        <p:nvPr/>
+      </p:nvGrpSpPr>
+      <p:grpSpPr>
+        <a:xfrm>
+          <a:off x="0" y="0"/>
+          <a:ext cx="0" cy="0"/>
+          <a:chOff x="0" y="0"/>
+          <a:chExt cx="0" cy="0"/>
+        </a:xfrm>
+      </p:grpSpPr>
+      <p:sp>
+        <p:nvSpPr>
+          <p:cNvPr id="2" name="Title 1"/>
+          <p:cNvSpPr>
+            <a:spLocks noGrp="1"/>
+          </p:cNvSpPr>
+          <p:nvPr>
+            <p:ph type="title"/>
+          </p:nvPr>
+        </p:nvSpPr>
+        <p:spPr/>
+        <p:txBody>
+          <a:bodyPr/>
+          <a:lstStyle/>
+          <a:p>
+            <a:r>
+              <a:rPr lang="en-US" dirty="0" smtClean="0"/>
+              <a:t>Entity Framework</a:t>
+            </a:r>
+            <a:endParaRPr lang="en-US" dirty="0"/>
+          </a:p>
+        </p:txBody>
+      </p:sp>
+      <p:sp>
+        <p:nvSpPr>
+          <p:cNvPr id="3" name="Content Placeholder 2"/>
+          <p:cNvSpPr>
+            <a:spLocks noGrp="1"/>
+          </p:cNvSpPr>
+          <p:nvPr>
+            <p:ph idx="1"/>
+          </p:nvPr>
+        </p:nvSpPr>
+        <p:spPr/>
+        <p:txBody>
+          <a:bodyPr/>
+          <a:lstStyle/>
+          <a:p>
+            <a:r>
+              <a:rPr lang="en-US" dirty="0" smtClean="0"/>
+              <a:t>Me too product</a:t>
+            </a:r>
+          </a:p>
+          <a:p>
+            <a:r>
+              <a:rPr lang="en-US" dirty="0" smtClean="0"/>
+              <a:t>Had very ambitious goals</a:t>
+            </a:r>
+          </a:p>
+          <a:p>
+            <a:r>
+              <a:rPr lang="en-US" dirty="0" smtClean="0"/>
+              <a:t>Failed to deliver even the same features of </a:t>
+            </a:r>
+            <a:r>
+              <a:rPr lang="en-US" dirty="0" err="1" smtClean="0"/>
+              <a:t>NHibernate</a:t>
+            </a:r>
+            <a:endParaRPr lang="en-US" dirty="0" smtClean="0"/>
+          </a:p>
+          <a:p>
+            <a:r>
+              <a:rPr lang="en-US" dirty="0" smtClean="0"/>
+              <a:t>Yet, still capture a lot of developer base</a:t>
+            </a:r>
+          </a:p>
+          <a:p>
+            <a:r>
+              <a:rPr lang="en-US" dirty="0" smtClean="0"/>
+              <a:t>However, it’s been gradually improved</a:t>
+            </a:r>
+            <a:endParaRPr lang="en-US" dirty="0"/>
+          </a:p>
+        </p:txBody>
+      </p:sp>
+    </p:spTree>
+    <p:extLst>
+      <p:ext uri="{BB962C8B-B14F-4D97-AF65-F5344CB8AC3E}">
+        <p14:creationId xmlns:p14="http://schemas.microsoft.com/office/powerpoint/2010/main" xmlns="" val="355774912"/>
+      </p:ext>
+    </p:extLst>
+  </p:cSld>
+  <p:clrMapOvr>
+    <a:masterClrMapping/>
+  </p:clrMapOvr>
+</p:sld>
+</file>
+
+<file path=ppt/slides/slide16.xml><?xml version="1.0" encoding="utf-8"?>
+<p:sld xmlns:a="http://schemas.openxmlformats.org/drawingml/2006/main" xmlns:r="http://schemas.openxmlformats.org/officeDocument/2006/relationships" xmlns:p="http://schemas.openxmlformats.org/presentationml/2006/main">
+  <p:cSld>
+    <p:spTree>
+      <p:nvGrpSpPr>
+        <p:cNvPr id="1" name=""/>
+        <p:cNvGrpSpPr/>
+        <p:nvPr/>
+      </p:nvGrpSpPr>
+      <p:grpSpPr>
+        <a:xfrm>
+          <a:off x="0" y="0"/>
+          <a:ext cx="0" cy="0"/>
+          <a:chOff x="0" y="0"/>
+          <a:chExt cx="0" cy="0"/>
+        </a:xfrm>
+      </p:grpSpPr>
+      <p:sp>
+        <p:nvSpPr>
+          <p:cNvPr id="2" name="Title 1"/>
+          <p:cNvSpPr>
+            <a:spLocks noGrp="1"/>
+          </p:cNvSpPr>
+          <p:nvPr>
+            <p:ph type="title"/>
+          </p:nvPr>
+        </p:nvSpPr>
+        <p:spPr/>
+        <p:txBody>
+          <a:bodyPr/>
+          <a:lstStyle/>
+          <a:p>
+            <a:r>
+              <a:rPr lang="en-US" dirty="0" smtClean="0"/>
+              <a:t>ORM Architecture Ideas</a:t>
+            </a:r>
+            <a:endParaRPr lang="en-US" dirty="0"/>
+          </a:p>
+        </p:txBody>
+      </p:sp>
+      <p:sp>
+        <p:nvSpPr>
+          <p:cNvPr id="3" name="Content Placeholder 2"/>
+          <p:cNvSpPr>
+            <a:spLocks noGrp="1"/>
+          </p:cNvSpPr>
+          <p:nvPr>
+            <p:ph idx="1"/>
+          </p:nvPr>
+        </p:nvSpPr>
+        <p:spPr/>
+        <p:txBody>
+          <a:bodyPr>
+            <a:normAutofit fontScale="85000" lnSpcReduction="20000"/>
+          </a:bodyPr>
+          <a:lstStyle/>
+          <a:p>
+            <a:r>
+              <a:rPr lang="en-US" dirty="0" smtClean="0"/>
+              <a:t>Object Mapping</a:t>
+            </a:r>
+          </a:p>
+          <a:p>
+            <a:pPr lvl="1"/>
+            <a:r>
+              <a:rPr lang="en-US" dirty="0" err="1" smtClean="0"/>
+              <a:t>Enum</a:t>
+            </a:r>
+            <a:r>
+              <a:rPr lang="en-US" dirty="0" smtClean="0"/>
+              <a:t> Mapping</a:t>
+            </a:r>
+          </a:p>
+          <a:p>
+            <a:pPr lvl="1"/>
+            <a:r>
+              <a:rPr lang="en-US" dirty="0" smtClean="0"/>
+              <a:t>Embedded Value</a:t>
+            </a:r>
+          </a:p>
+          <a:p>
+            <a:pPr lvl="1"/>
+            <a:r>
+              <a:rPr lang="en-US" dirty="0" smtClean="0"/>
+              <a:t>LOB Serialization</a:t>
+            </a:r>
+          </a:p>
+          <a:p>
+            <a:r>
+              <a:rPr lang="en-US" dirty="0" smtClean="0"/>
+              <a:t>Identity </a:t>
+            </a:r>
+            <a:r>
+              <a:rPr lang="en-US" dirty="0" err="1" smtClean="0"/>
+              <a:t>Managemet</a:t>
+            </a:r>
+            <a:endParaRPr lang="en-US" dirty="0" smtClean="0"/>
+          </a:p>
+          <a:p>
+            <a:pPr lvl="1"/>
+            <a:r>
+              <a:rPr lang="en-US" dirty="0" smtClean="0"/>
+              <a:t>Identity Field</a:t>
+            </a:r>
+          </a:p>
+          <a:p>
+            <a:pPr lvl="1"/>
+            <a:r>
+              <a:rPr lang="en-US" dirty="0" smtClean="0"/>
+              <a:t>Identity Mapping</a:t>
+            </a:r>
+          </a:p>
+          <a:p>
+            <a:r>
+              <a:rPr lang="en-US" dirty="0" smtClean="0"/>
+              <a:t>Unit of Work</a:t>
+            </a:r>
+          </a:p>
+          <a:p>
+            <a:r>
+              <a:rPr lang="en-US" dirty="0" smtClean="0"/>
+              <a:t>Lazy/Eager Load</a:t>
+            </a:r>
+          </a:p>
+          <a:p>
+            <a:r>
+              <a:rPr lang="en-US" dirty="0" smtClean="0"/>
+              <a:t>Inheritance Mapping</a:t>
+            </a:r>
+          </a:p>
+          <a:p>
+            <a:r>
+              <a:rPr lang="en-US" dirty="0" smtClean="0"/>
+              <a:t>Repository</a:t>
+            </a:r>
+            <a:endParaRPr lang="en-US" dirty="0"/>
+          </a:p>
+        </p:txBody>
+      </p:sp>
+    </p:spTree>
+    <p:extLst>
+      <p:ext uri="{BB962C8B-B14F-4D97-AF65-F5344CB8AC3E}">
+        <p14:creationId xmlns:p14="http://schemas.microsoft.com/office/powerpoint/2010/main" xmlns="" val="1309587586"/>
+      </p:ext>
+    </p:extLst>
+  </p:cSld>
+  <p:clrMapOvr>
+    <a:masterClrMapping/>
+  </p:clrMapOvr>
+</p:sld>
+</file>
+
+<file path=ppt/slides/slide17.xml><?xml version="1.0" encoding="utf-8"?>
+<p:sld xmlns:a="http://schemas.openxmlformats.org/drawingml/2006/main" xmlns:r="http://schemas.openxmlformats.org/officeDocument/2006/relationships" xmlns:p="http://schemas.openxmlformats.org/presentationml/2006/main">
+  <p:cSld>
+    <p:spTree>
+      <p:nvGrpSpPr>
+        <p:cNvPr id="1" name=""/>
+        <p:cNvGrpSpPr/>
+        <p:nvPr/>
+      </p:nvGrpSpPr>
+      <p:grpSpPr>
+        <a:xfrm>
+          <a:off x="0" y="0"/>
+          <a:ext cx="0" cy="0"/>
+          <a:chOff x="0" y="0"/>
+          <a:chExt cx="0" cy="0"/>
+        </a:xfrm>
+      </p:grpSpPr>
+      <p:sp>
+        <p:nvSpPr>
+          <p:cNvPr id="2" name="Title 1"/>
+          <p:cNvSpPr>
+            <a:spLocks noGrp="1"/>
+          </p:cNvSpPr>
+          <p:nvPr>
+            <p:ph type="title"/>
+          </p:nvPr>
+        </p:nvSpPr>
+        <p:spPr/>
+        <p:txBody>
+          <a:bodyPr/>
+          <a:lstStyle/>
+          <a:p>
+            <a:r>
+              <a:rPr lang="en-US" dirty="0" err="1" smtClean="0"/>
+              <a:t>NHibernate</a:t>
+            </a:r>
+            <a:r>
+              <a:rPr lang="en-US" dirty="0" smtClean="0"/>
+              <a:t> – Architecture Idea</a:t>
+            </a:r>
+            <a:endParaRPr lang="en-US" dirty="0"/>
+          </a:p>
+        </p:txBody>
+      </p:sp>
+      <p:sp>
+        <p:nvSpPr>
+          <p:cNvPr id="3" name="Content Placeholder 2"/>
+          <p:cNvSpPr>
+            <a:spLocks noGrp="1"/>
+          </p:cNvSpPr>
+          <p:nvPr>
+            <p:ph idx="1"/>
+          </p:nvPr>
+        </p:nvSpPr>
+        <p:spPr/>
+        <p:txBody>
+          <a:bodyPr/>
+          <a:lstStyle/>
+          <a:p>
+            <a:r>
+              <a:rPr lang="en-US" smtClean="0"/>
+              <a:t>Configuration</a:t>
+            </a:r>
+            <a:endParaRPr lang="en-US" dirty="0" smtClean="0"/>
+          </a:p>
+          <a:p>
+            <a:r>
+              <a:rPr lang="en-US" dirty="0" err="1" smtClean="0"/>
+              <a:t>ISessionFactory</a:t>
+            </a:r>
+            <a:endParaRPr lang="en-US" dirty="0" smtClean="0"/>
+          </a:p>
+          <a:p>
+            <a:r>
+              <a:rPr lang="en-US" dirty="0" err="1" smtClean="0"/>
+              <a:t>ISession</a:t>
+            </a:r>
+            <a:endParaRPr lang="en-US" dirty="0" smtClean="0"/>
+          </a:p>
+          <a:p>
+            <a:pPr lvl="1"/>
+            <a:r>
+              <a:rPr lang="en-US" dirty="0" smtClean="0"/>
+              <a:t>lightweight</a:t>
+            </a:r>
+            <a:endParaRPr lang="en-US" dirty="0"/>
+          </a:p>
+        </p:txBody>
+      </p:sp>
+    </p:spTree>
+    <p:extLst>
+      <p:ext uri="{BB962C8B-B14F-4D97-AF65-F5344CB8AC3E}">
+        <p14:creationId xmlns:p14="http://schemas.microsoft.com/office/powerpoint/2010/main" xmlns="" val="1860968687"/>
+      </p:ext>
+    </p:extLst>
+  </p:cSld>
+  <p:clrMapOvr>
+    <a:masterClrMapping/>
+  </p:clrMapOvr>
+</p:sld>
+</file>
+
+<file path=ppt/slides/slide18.xml><?xml version="1.0" encoding="utf-8"?>
+<p:sld xmlns:a="http://schemas.openxmlformats.org/drawingml/2006/main" xmlns:r="http://schemas.openxmlformats.org/officeDocument/2006/relationships" xmlns:p="http://schemas.openxmlformats.org/presentationml/2006/main">
+  <p:cSld>
+    <p:spTree>
+      <p:nvGrpSpPr>
+        <p:cNvPr id="1" name=""/>
+        <p:cNvGrpSpPr/>
+        <p:nvPr/>
+      </p:nvGrpSpPr>
+      <p:grpSpPr>
+        <a:xfrm>
+          <a:off x="0" y="0"/>
+          <a:ext cx="0" cy="0"/>
+          <a:chOff x="0" y="0"/>
+          <a:chExt cx="0" cy="0"/>
+        </a:xfrm>
+      </p:grpSpPr>
+      <p:sp>
+        <p:nvSpPr>
+          <p:cNvPr id="2" name="Title 1"/>
+          <p:cNvSpPr>
+            <a:spLocks noGrp="1"/>
+          </p:cNvSpPr>
+          <p:nvPr>
+            <p:ph type="title"/>
+          </p:nvPr>
+        </p:nvSpPr>
+        <p:spPr/>
+        <p:txBody>
+          <a:bodyPr/>
+          <a:lstStyle/>
+          <a:p>
+            <a:r>
+              <a:rPr lang="en-US" dirty="0" smtClean="0"/>
+              <a:t>EF – Architecture Ideas</a:t>
+            </a:r>
+            <a:endParaRPr lang="en-US" dirty="0"/>
+          </a:p>
+        </p:txBody>
+      </p:sp>
+      <p:sp>
+        <p:nvSpPr>
+          <p:cNvPr id="3" name="Content Placeholder 2"/>
+          <p:cNvSpPr>
+            <a:spLocks noGrp="1"/>
+          </p:cNvSpPr>
+          <p:nvPr>
+            <p:ph idx="1"/>
+          </p:nvPr>
+        </p:nvSpPr>
+        <p:spPr/>
+        <p:txBody>
+          <a:bodyPr/>
+          <a:lstStyle/>
+          <a:p>
+            <a:r>
+              <a:rPr lang="en-US" dirty="0" err="1" smtClean="0"/>
+              <a:t>ObjectContext</a:t>
+            </a:r>
+            <a:endParaRPr lang="en-US" dirty="0" smtClean="0"/>
+          </a:p>
+          <a:p>
+            <a:pPr lvl="1"/>
+            <a:r>
+              <a:rPr lang="en-US" dirty="0" smtClean="0"/>
+              <a:t>Holds configuration/model</a:t>
+            </a:r>
+          </a:p>
+          <a:p>
+            <a:pPr lvl="1"/>
+            <a:r>
+              <a:rPr lang="en-US" dirty="0" smtClean="0"/>
+              <a:t>Acts like </a:t>
+            </a:r>
+            <a:r>
+              <a:rPr lang="en-US" dirty="0" err="1" smtClean="0"/>
+              <a:t>UnitOfWork</a:t>
+            </a:r>
+            <a:endParaRPr lang="en-US" dirty="0" smtClean="0"/>
+          </a:p>
+          <a:p>
+            <a:r>
+              <a:rPr lang="en-US" dirty="0" err="1" smtClean="0"/>
+              <a:t>DBContext</a:t>
+            </a:r>
+            <a:r>
+              <a:rPr lang="en-US" dirty="0" smtClean="0"/>
+              <a:t>: Wrapper of </a:t>
+            </a:r>
+            <a:r>
+              <a:rPr lang="en-US" dirty="0" err="1" smtClean="0"/>
+              <a:t>ObjectContext</a:t>
+            </a:r>
+            <a:endParaRPr lang="en-US" dirty="0" smtClean="0"/>
+          </a:p>
+          <a:p>
+            <a:pPr lvl="1"/>
+            <a:r>
+              <a:rPr lang="en-US" dirty="0" smtClean="0"/>
+              <a:t>Provides easier API to </a:t>
+            </a:r>
+            <a:r>
+              <a:rPr lang="en-US" dirty="0" err="1" smtClean="0"/>
+              <a:t>ObjectContext</a:t>
+            </a:r>
+            <a:endParaRPr lang="en-US" dirty="0" smtClean="0"/>
+          </a:p>
+          <a:p>
+            <a:pPr lvl="1"/>
+            <a:r>
+              <a:rPr lang="en-US" dirty="0" smtClean="0"/>
+              <a:t>Enables Code First approach</a:t>
+            </a:r>
+          </a:p>
+        </p:txBody>
+      </p:sp>
+    </p:spTree>
+    <p:extLst>
+      <p:ext uri="{BB962C8B-B14F-4D97-AF65-F5344CB8AC3E}">
+        <p14:creationId xmlns:p14="http://schemas.microsoft.com/office/powerpoint/2010/main" xmlns="" val="586397514"/>
+      </p:ext>
+    </p:extLst>
+  </p:cSld>
+  <p:clrMapOvr>
+    <a:masterClrMapping/>
+  </p:clrMapOvr>
+</p:sld>
+</file>
+
+<file path=ppt/slides/slide19.xml><?xml version="1.0" encoding="utf-8"?>
+<p:sld xmlns:a="http://schemas.openxmlformats.org/drawingml/2006/main" xmlns:r="http://schemas.openxmlformats.org/officeDocument/2006/relationships" xmlns:p="http://schemas.openxmlformats.org/presentationml/2006/main">
+  <p:cSld>
+    <p:spTree>
+      <p:nvGrpSpPr>
+        <p:cNvPr id="1" name=""/>
+        <p:cNvGrpSpPr/>
+        <p:nvPr/>
+      </p:nvGrpSpPr>
+      <p:grpSpPr>
+        <a:xfrm>
+          <a:off x="0" y="0"/>
+          <a:ext cx="0" cy="0"/>
+          <a:chOff x="0" y="0"/>
+          <a:chExt cx="0" cy="0"/>
+        </a:xfrm>
+      </p:grpSpPr>
+      <p:sp>
+        <p:nvSpPr>
+          <p:cNvPr id="2" name="Title 1"/>
+          <p:cNvSpPr>
+            <a:spLocks noGrp="1"/>
+          </p:cNvSpPr>
+          <p:nvPr>
+            <p:ph type="title"/>
+          </p:nvPr>
+        </p:nvSpPr>
+        <p:spPr/>
+        <p:txBody>
+          <a:bodyPr/>
+          <a:lstStyle/>
+          <a:p>
+            <a:r>
+              <a:rPr lang="en-US" dirty="0" smtClean="0"/>
+              <a:t>POCO Support</a:t>
+            </a:r>
+            <a:endParaRPr lang="en-US" dirty="0"/>
+          </a:p>
+        </p:txBody>
+      </p:sp>
+      <p:sp>
+        <p:nvSpPr>
+          <p:cNvPr id="3" name="Content Placeholder 2"/>
+          <p:cNvSpPr>
+            <a:spLocks noGrp="1"/>
+          </p:cNvSpPr>
+          <p:nvPr>
+            <p:ph idx="1"/>
+          </p:nvPr>
+        </p:nvSpPr>
+        <p:spPr/>
+        <p:txBody>
+          <a:bodyPr/>
+          <a:lstStyle/>
+          <a:p>
+            <a:r>
+              <a:rPr lang="en-US" dirty="0" smtClean="0"/>
+              <a:t>Do you need POCO?</a:t>
+            </a:r>
+          </a:p>
+          <a:p>
+            <a:pPr lvl="1"/>
+            <a:r>
+              <a:rPr lang="en-US" dirty="0" smtClean="0"/>
+              <a:t>A lot of projects are still database-centric </a:t>
+            </a:r>
+            <a:r>
+              <a:rPr lang="en-US" dirty="0" smtClean="0">
+                <a:sym typeface="Wingdings" pitchFamily="2" charset="2"/>
+              </a:rPr>
+              <a:t> use Data objects directly</a:t>
+            </a:r>
+            <a:endParaRPr lang="en-US" dirty="0" smtClean="0"/>
+          </a:p>
+          <a:p>
+            <a:pPr lvl="1"/>
+            <a:r>
+              <a:rPr lang="en-US" dirty="0" smtClean="0"/>
+              <a:t>Some projects use OO extensively </a:t>
+            </a:r>
+            <a:r>
+              <a:rPr lang="en-US" dirty="0" smtClean="0">
+                <a:sym typeface="Wingdings" pitchFamily="2" charset="2"/>
+              </a:rPr>
+              <a:t> use POCO to ensure the object model does NOT get influenced by relational model</a:t>
+            </a:r>
+          </a:p>
+          <a:p>
+            <a:r>
+              <a:rPr lang="en-US" dirty="0" smtClean="0">
+                <a:sym typeface="Wingdings" pitchFamily="2" charset="2"/>
+              </a:rPr>
+              <a:t>Truth: most projects using Entity Framework because they are database-centric</a:t>
+            </a:r>
+            <a:endParaRPr lang="en-US" dirty="0"/>
+          </a:p>
+        </p:txBody>
+      </p:sp>
+    </p:spTree>
+  </p:cSld>
+  <p:clrMapOvr>
+    <a:masterClrMapping/>
+  </p:clrMapOvr>
+</p:sld>
+</file>
+
+<file path=ppt/slides/slide2.xml><?xml version="1.0" encoding="utf-8"?>
+<p:sld xmlns:a="http://schemas.openxmlformats.org/drawingml/2006/main" xmlns:r="http://schemas.openxmlformats.org/officeDocument/2006/relationships" xmlns:p="http://schemas.openxmlformats.org/presentationml/2006/main">
+  <p:cSld>
+    <p:spTree>
+      <p:nvGrpSpPr>
+        <p:cNvPr id="1" name=""/>
+        <p:cNvGrpSpPr/>
+        <p:nvPr/>
+      </p:nvGrpSpPr>
+      <p:grpSpPr>
+        <a:xfrm>
+          <a:off x="0" y="0"/>
+          <a:ext cx="0" cy="0"/>
+          <a:chOff x="0" y="0"/>
+          <a:chExt cx="0" cy="0"/>
+        </a:xfrm>
+      </p:grpSpPr>
+      <p:sp>
+        <p:nvSpPr>
+          <p:cNvPr id="2" name="Title 1"/>
+          <p:cNvSpPr>
+            <a:spLocks noGrp="1"/>
+          </p:cNvSpPr>
+          <p:nvPr>
+            <p:ph type="title"/>
+          </p:nvPr>
+        </p:nvSpPr>
+        <p:spPr/>
+        <p:txBody>
+          <a:bodyPr/>
+          <a:lstStyle/>
+          <a:p>
+            <a:r>
+              <a:rPr lang="en-US" dirty="0" smtClean="0"/>
+              <a:t>Layered App</a:t>
+            </a:r>
+            <a:endParaRPr lang="en-US" dirty="0"/>
+          </a:p>
+        </p:txBody>
+      </p:sp>
+      <p:sp>
+        <p:nvSpPr>
+          <p:cNvPr id="5" name="Rectangle 4"/>
+          <p:cNvSpPr/>
+          <p:nvPr/>
+        </p:nvSpPr>
+        <p:spPr>
+          <a:xfrm>
+            <a:off x="996042" y="4093029"/>
+            <a:ext cx="1981200" cy="914400"/>
+          </a:xfrm>
+          <a:prstGeom prst="rect">
+            <a:avLst/>
+          </a:prstGeom>
+        </p:spPr>
+        <p:style>
+          <a:lnRef idx="2">
+            <a:schemeClr val="accent1">
+              <a:shade val="50000"/>
+            </a:schemeClr>
+          </a:lnRef>
+          <a:fillRef idx="1">
+            <a:schemeClr val="accent1"/>
+          </a:fillRef>
+          <a:effectRef idx="0">
+            <a:schemeClr val="accent1"/>
+          </a:effectRef>
+          <a:fontRef idx="minor">
+            <a:schemeClr val="lt1"/>
+          </a:fontRef>
+        </p:style>
+        <p:txBody>
+          <a:bodyPr rtlCol="0" anchor="ctr"/>
+          <a:lstStyle/>
+          <a:p>
+            <a:pPr algn="ctr"/>
+            <a:r>
+              <a:rPr lang="en-US" dirty="0" smtClean="0"/>
+              <a:t>Logic</a:t>
+            </a:r>
+            <a:endParaRPr lang="en-US" dirty="0"/>
+          </a:p>
+        </p:txBody>
+      </p:sp>
+      <p:sp>
+        <p:nvSpPr>
+          <p:cNvPr id="6" name="Rectangle 5"/>
+          <p:cNvSpPr/>
+          <p:nvPr/>
+        </p:nvSpPr>
+        <p:spPr>
+          <a:xfrm>
+            <a:off x="996042" y="3004458"/>
+            <a:ext cx="1981200" cy="914400"/>
+          </a:xfrm>
+          <a:prstGeom prst="rect">
+            <a:avLst/>
+          </a:prstGeom>
+        </p:spPr>
+        <p:style>
+          <a:lnRef idx="2">
+            <a:schemeClr val="accent1">
+              <a:shade val="50000"/>
+            </a:schemeClr>
+          </a:lnRef>
+          <a:fillRef idx="1">
+            <a:schemeClr val="accent1"/>
+          </a:fillRef>
+          <a:effectRef idx="0">
+            <a:schemeClr val="accent1"/>
+          </a:effectRef>
+          <a:fontRef idx="minor">
+            <a:schemeClr val="lt1"/>
+          </a:fontRef>
+        </p:style>
+        <p:txBody>
+          <a:bodyPr rtlCol="0" anchor="ctr"/>
+          <a:lstStyle/>
+          <a:p>
+            <a:pPr algn="ctr"/>
+            <a:r>
+              <a:rPr lang="en-US" dirty="0" smtClean="0"/>
+              <a:t>Service / Pre</a:t>
+            </a:r>
+            <a:r>
+              <a:rPr lang="en-US" sz="1600" dirty="0" smtClean="0"/>
+              <a:t>se</a:t>
+            </a:r>
+            <a:r>
+              <a:rPr lang="en-US" dirty="0" smtClean="0"/>
+              <a:t>ntation</a:t>
+            </a:r>
+            <a:endParaRPr lang="en-US" dirty="0"/>
+          </a:p>
+        </p:txBody>
+      </p:sp>
+      <p:sp>
+        <p:nvSpPr>
+          <p:cNvPr id="7" name="Can 6"/>
+          <p:cNvSpPr/>
+          <p:nvPr/>
+        </p:nvSpPr>
+        <p:spPr>
+          <a:xfrm>
+            <a:off x="996042" y="5197929"/>
+            <a:ext cx="1981200" cy="898072"/>
+          </a:xfrm>
+          <a:prstGeom prst="can">
+            <a:avLst>
+              <a:gd name="adj" fmla="val 17271"/>
+            </a:avLst>
+          </a:prstGeom>
+        </p:spPr>
+        <p:style>
+          <a:lnRef idx="2">
+            <a:schemeClr val="accent1">
+              <a:shade val="50000"/>
+            </a:schemeClr>
+          </a:lnRef>
+          <a:fillRef idx="1">
+            <a:schemeClr val="accent1"/>
+          </a:fillRef>
+          <a:effectRef idx="0">
+            <a:schemeClr val="accent1"/>
+          </a:effectRef>
+          <a:fontRef idx="minor">
+            <a:schemeClr val="lt1"/>
+          </a:fontRef>
+        </p:style>
+        <p:txBody>
+          <a:bodyPr rtlCol="0" anchor="ctr"/>
+          <a:lstStyle/>
+          <a:p>
+            <a:pPr algn="ctr"/>
+            <a:r>
+              <a:rPr lang="en-US" dirty="0" smtClean="0"/>
+              <a:t>DB</a:t>
+            </a:r>
+            <a:endParaRPr lang="en-US" dirty="0"/>
+          </a:p>
+        </p:txBody>
+      </p:sp>
+      <p:sp>
+        <p:nvSpPr>
+          <p:cNvPr id="8" name="Smiley Face 7"/>
+          <p:cNvSpPr/>
+          <p:nvPr/>
+        </p:nvSpPr>
+        <p:spPr>
+          <a:xfrm>
+            <a:off x="1373414" y="2188029"/>
+            <a:ext cx="613228" cy="609600"/>
+          </a:xfrm>
+          <a:prstGeom prst="smileyFace">
+            <a:avLst/>
+          </a:prstGeom>
+        </p:spPr>
+        <p:style>
+          <a:lnRef idx="2">
+            <a:schemeClr val="accent1">
+              <a:shade val="50000"/>
+            </a:schemeClr>
+          </a:lnRef>
+          <a:fillRef idx="1">
+            <a:schemeClr val="accent1"/>
+          </a:fillRef>
+          <a:effectRef idx="0">
+            <a:schemeClr val="accent1"/>
+          </a:effectRef>
+          <a:fontRef idx="minor">
+            <a:schemeClr val="lt1"/>
+          </a:fontRef>
+        </p:style>
+        <p:txBody>
+          <a:bodyPr rtlCol="0" anchor="ctr"/>
+          <a:lstStyle/>
+          <a:p>
+            <a:pPr algn="ctr"/>
+            <a:endParaRPr lang="en-US"/>
+          </a:p>
+        </p:txBody>
+      </p:sp>
+      <p:sp>
+        <p:nvSpPr>
+          <p:cNvPr id="9" name="Line Callout 1 8"/>
+          <p:cNvSpPr/>
+          <p:nvPr/>
+        </p:nvSpPr>
+        <p:spPr>
+          <a:xfrm>
+            <a:off x="3412671" y="2492829"/>
+            <a:ext cx="1752600" cy="664029"/>
+          </a:xfrm>
+          <a:prstGeom prst="borderCallout1">
+            <a:avLst/>
+          </a:prstGeom>
+        </p:spPr>
+        <p:style>
+          <a:lnRef idx="2">
+            <a:schemeClr val="accent6"/>
+          </a:lnRef>
+          <a:fillRef idx="1">
+            <a:schemeClr val="lt1"/>
+          </a:fillRef>
+          <a:effectRef idx="0">
+            <a:schemeClr val="accent6"/>
+          </a:effectRef>
+          <a:fontRef idx="minor">
+            <a:schemeClr val="dk1"/>
+          </a:fontRef>
+        </p:style>
+        <p:txBody>
+          <a:bodyPr rtlCol="0" anchor="ctr"/>
+          <a:lstStyle/>
+          <a:p>
+            <a:r>
+              <a:rPr lang="en-US" dirty="0" smtClean="0"/>
+              <a:t>Web/Windows</a:t>
+            </a:r>
+            <a:endParaRPr lang="en-US" dirty="0"/>
+          </a:p>
+        </p:txBody>
+      </p:sp>
+      <p:sp>
+        <p:nvSpPr>
+          <p:cNvPr id="10" name="Line Callout 1 9"/>
+          <p:cNvSpPr/>
+          <p:nvPr/>
+        </p:nvSpPr>
+        <p:spPr>
+          <a:xfrm>
+            <a:off x="3441700" y="3742871"/>
+            <a:ext cx="1752600" cy="664029"/>
+          </a:xfrm>
+          <a:prstGeom prst="borderCallout1">
+            <a:avLst/>
+          </a:prstGeom>
+        </p:spPr>
+        <p:style>
+          <a:lnRef idx="2">
+            <a:schemeClr val="accent6"/>
+          </a:lnRef>
+          <a:fillRef idx="1">
+            <a:schemeClr val="lt1"/>
+          </a:fillRef>
+          <a:effectRef idx="0">
+            <a:schemeClr val="accent6"/>
+          </a:effectRef>
+          <a:fontRef idx="minor">
+            <a:schemeClr val="dk1"/>
+          </a:fontRef>
+        </p:style>
+        <p:txBody>
+          <a:bodyPr rtlCol="0" anchor="ctr"/>
+          <a:lstStyle/>
+          <a:p>
+            <a:r>
+              <a:rPr lang="en-US" dirty="0" smtClean="0"/>
+              <a:t>objects</a:t>
+            </a:r>
+            <a:endParaRPr lang="en-US" dirty="0"/>
+          </a:p>
+        </p:txBody>
+      </p:sp>
+      <p:sp>
+        <p:nvSpPr>
+          <p:cNvPr id="11" name="Line Callout 1 10"/>
+          <p:cNvSpPr/>
+          <p:nvPr/>
+        </p:nvSpPr>
+        <p:spPr>
+          <a:xfrm>
+            <a:off x="3494314" y="4918528"/>
+            <a:ext cx="1699986" cy="664029"/>
+          </a:xfrm>
+          <a:prstGeom prst="borderCallout1">
+            <a:avLst/>
+          </a:prstGeom>
+        </p:spPr>
+        <p:style>
+          <a:lnRef idx="2">
+            <a:schemeClr val="accent6"/>
+          </a:lnRef>
+          <a:fillRef idx="1">
+            <a:schemeClr val="lt1"/>
+          </a:fillRef>
+          <a:effectRef idx="0">
+            <a:schemeClr val="accent6"/>
+          </a:effectRef>
+          <a:fontRef idx="minor">
+            <a:schemeClr val="dk1"/>
+          </a:fontRef>
+        </p:style>
+        <p:txBody>
+          <a:bodyPr rtlCol="0" anchor="ctr"/>
+          <a:lstStyle/>
+          <a:p>
+            <a:r>
+              <a:rPr lang="en-US" dirty="0" smtClean="0"/>
+              <a:t>data</a:t>
+            </a:r>
+            <a:endParaRPr lang="en-US" dirty="0"/>
+          </a:p>
+        </p:txBody>
+      </p:sp>
+      <p:sp>
+        <p:nvSpPr>
+          <p:cNvPr id="12" name="Heart 11"/>
+          <p:cNvSpPr/>
+          <p:nvPr/>
+        </p:nvSpPr>
+        <p:spPr>
+          <a:xfrm>
+            <a:off x="762000" y="4865914"/>
+            <a:ext cx="762000" cy="664029"/>
+          </a:xfrm>
+          <a:prstGeom prst="heart">
+            <a:avLst/>
+          </a:prstGeom>
+        </p:spPr>
+        <p:style>
+          <a:lnRef idx="2">
+            <a:schemeClr val="accent2">
+              <a:shade val="50000"/>
+            </a:schemeClr>
+          </a:lnRef>
+          <a:fillRef idx="1">
+            <a:schemeClr val="accent2"/>
+          </a:fillRef>
+          <a:effectRef idx="0">
+            <a:schemeClr val="accent2"/>
+          </a:effectRef>
+          <a:fontRef idx="minor">
+            <a:schemeClr val="lt1"/>
+          </a:fontRef>
+        </p:style>
+        <p:txBody>
+          <a:bodyPr rtlCol="0" anchor="ctr"/>
+          <a:lstStyle/>
+          <a:p>
+            <a:pPr algn="ctr"/>
+            <a:endParaRPr lang="en-US"/>
+          </a:p>
+        </p:txBody>
+      </p:sp>
+      <p:sp>
+        <p:nvSpPr>
+          <p:cNvPr id="13" name="Down Arrow 12"/>
+          <p:cNvSpPr/>
+          <p:nvPr/>
+        </p:nvSpPr>
+        <p:spPr>
+          <a:xfrm>
+            <a:off x="1696356" y="4793343"/>
+            <a:ext cx="381000" cy="457200"/>
+          </a:xfrm>
+          <a:prstGeom prst="downArrow">
+            <a:avLst/>
+          </a:prstGeom>
+        </p:spPr>
+        <p:style>
+          <a:lnRef idx="2">
+            <a:schemeClr val="accent1">
+              <a:shade val="50000"/>
+            </a:schemeClr>
+          </a:lnRef>
+          <a:fillRef idx="1">
+            <a:schemeClr val="accent1"/>
+          </a:fillRef>
+          <a:effectRef idx="0">
+            <a:schemeClr val="accent1"/>
+          </a:effectRef>
+          <a:fontRef idx="minor">
+            <a:schemeClr val="lt1"/>
+          </a:fontRef>
+        </p:style>
+        <p:txBody>
+          <a:bodyPr rtlCol="0" anchor="ctr"/>
+          <a:lstStyle/>
+          <a:p>
+            <a:pPr algn="ctr"/>
+            <a:endParaRPr lang="en-US"/>
+          </a:p>
+        </p:txBody>
+      </p:sp>
+      <p:sp>
+        <p:nvSpPr>
+          <p:cNvPr id="14" name="Down Arrow 13"/>
+          <p:cNvSpPr/>
+          <p:nvPr/>
+        </p:nvSpPr>
+        <p:spPr>
+          <a:xfrm rot="10800000">
+            <a:off x="2077356" y="4793343"/>
+            <a:ext cx="381000" cy="457200"/>
+          </a:xfrm>
+          <a:prstGeom prst="downArrow">
+            <a:avLst/>
+          </a:prstGeom>
+        </p:spPr>
+        <p:style>
+          <a:lnRef idx="2">
+            <a:schemeClr val="accent1">
+              <a:shade val="50000"/>
+            </a:schemeClr>
+          </a:lnRef>
+          <a:fillRef idx="1">
+            <a:schemeClr val="accent1"/>
+          </a:fillRef>
+          <a:effectRef idx="0">
+            <a:schemeClr val="accent1"/>
+          </a:effectRef>
+          <a:fontRef idx="minor">
+            <a:schemeClr val="lt1"/>
+          </a:fontRef>
+        </p:style>
+        <p:txBody>
+          <a:bodyPr rtlCol="0" anchor="ctr"/>
+          <a:lstStyle/>
+          <a:p>
+            <a:pPr algn="ctr"/>
+            <a:endParaRPr lang="en-US"/>
+          </a:p>
+        </p:txBody>
+      </p:sp>
+    </p:spTree>
+    <p:extLst>
+      <p:ext uri="{BB962C8B-B14F-4D97-AF65-F5344CB8AC3E}">
+        <p14:creationId xmlns:p14="http://schemas.microsoft.com/office/powerpoint/2010/main" xmlns="" val="2432363430"/>
+      </p:ext>
+    </p:extLst>
+  </p:cSld>
+  <p:clrMapOvr>
+    <a:masterClrMapping/>
+  </p:clrMapOvr>
+</p:sld>
+</file>
+
+<file path=ppt/slides/slide20.xml><?xml version="1.0" encoding="utf-8"?>
+<p:sld xmlns:a="http://schemas.openxmlformats.org/drawingml/2006/main" xmlns:r="http://schemas.openxmlformats.org/officeDocument/2006/relationships" xmlns:p="http://schemas.openxmlformats.org/presentationml/2006/main">
+  <p:cSld>
+    <p:spTree>
+      <p:nvGrpSpPr>
+        <p:cNvPr id="1" name=""/>
+        <p:cNvGrpSpPr/>
+        <p:nvPr/>
+      </p:nvGrpSpPr>
+      <p:grpSpPr>
+        <a:xfrm>
+          <a:off x="0" y="0"/>
+          <a:ext cx="0" cy="0"/>
+          <a:chOff x="0" y="0"/>
+          <a:chExt cx="0" cy="0"/>
+        </a:xfrm>
+      </p:grpSpPr>
+      <p:sp>
+        <p:nvSpPr>
+          <p:cNvPr id="2" name="Title 1"/>
+          <p:cNvSpPr>
+            <a:spLocks noGrp="1"/>
+          </p:cNvSpPr>
+          <p:nvPr>
+            <p:ph type="title"/>
+          </p:nvPr>
+        </p:nvSpPr>
+        <p:spPr/>
+        <p:txBody>
+          <a:bodyPr/>
+          <a:lstStyle/>
+          <a:p>
+            <a:r>
+              <a:rPr lang="en-US" dirty="0" smtClean="0"/>
+              <a:t>Mapping</a:t>
+            </a:r>
+            <a:endParaRPr lang="en-US" dirty="0"/>
+          </a:p>
+        </p:txBody>
+      </p:sp>
+      <p:sp>
+        <p:nvSpPr>
+          <p:cNvPr id="3" name="Content Placeholder 2"/>
+          <p:cNvSpPr>
+            <a:spLocks noGrp="1"/>
+          </p:cNvSpPr>
+          <p:nvPr>
+            <p:ph idx="1"/>
+          </p:nvPr>
+        </p:nvSpPr>
+        <p:spPr/>
+        <p:txBody>
+          <a:bodyPr/>
+          <a:lstStyle/>
+          <a:p>
+            <a:r>
+              <a:rPr lang="en-US" dirty="0" smtClean="0"/>
+              <a:t>Allow mapping relations to objects</a:t>
+            </a:r>
+          </a:p>
+          <a:p>
+            <a:r>
+              <a:rPr lang="en-US" dirty="0" smtClean="0"/>
+              <a:t>How?</a:t>
+            </a:r>
+          </a:p>
+          <a:p>
+            <a:pPr lvl="1"/>
+            <a:r>
+              <a:rPr lang="en-US" dirty="0" smtClean="0"/>
+              <a:t>Format</a:t>
+            </a:r>
+          </a:p>
+          <a:p>
+            <a:pPr lvl="2"/>
+            <a:r>
+              <a:rPr lang="en-US" dirty="0" smtClean="0"/>
+              <a:t>XML file</a:t>
+            </a:r>
+          </a:p>
+          <a:p>
+            <a:pPr lvl="2"/>
+            <a:r>
+              <a:rPr lang="en-US" dirty="0" smtClean="0"/>
+              <a:t>Attribute</a:t>
+            </a:r>
+          </a:p>
+          <a:p>
+            <a:pPr lvl="2"/>
+            <a:r>
+              <a:rPr lang="en-US" dirty="0" smtClean="0"/>
+              <a:t>Code</a:t>
+            </a:r>
+          </a:p>
+          <a:p>
+            <a:pPr lvl="1"/>
+            <a:r>
+              <a:rPr lang="en-US" dirty="0" err="1" smtClean="0"/>
+              <a:t>Autogen</a:t>
+            </a:r>
+            <a:r>
+              <a:rPr lang="en-US" dirty="0" smtClean="0"/>
+              <a:t> </a:t>
+            </a:r>
+          </a:p>
+          <a:p>
+            <a:pPr lvl="2"/>
+            <a:r>
+              <a:rPr lang="en-US" dirty="0" smtClean="0"/>
+              <a:t>Generate Code from DB </a:t>
+            </a:r>
+          </a:p>
+          <a:p>
+            <a:pPr lvl="2"/>
+            <a:r>
+              <a:rPr lang="en-US" dirty="0" smtClean="0"/>
+              <a:t>Generate DB from Code</a:t>
+            </a:r>
+            <a:endParaRPr lang="en-US" dirty="0"/>
+          </a:p>
+        </p:txBody>
+      </p:sp>
+    </p:spTree>
   </p:cSld>
   <p:clrMapOvr>
     <a:masterClrMapping/>
@@ -6998,7 +7157,7 @@
     </p:spTree>
     <p:extLst>
       <p:ext uri="{BB962C8B-B14F-4D97-AF65-F5344CB8AC3E}">
-        <p14:creationId xmlns:p14="http://schemas.microsoft.com/office/powerpoint/2010/main" val="4114507348"/>
+        <p14:creationId xmlns:p14="http://schemas.microsoft.com/office/powerpoint/2010/main" xmlns="" val="4114507348"/>
       </p:ext>
     </p:extLst>
   </p:cSld>
@@ -7493,7 +7652,7 @@
     </p:spTree>
     <p:extLst>
       <p:ext uri="{BB962C8B-B14F-4D97-AF65-F5344CB8AC3E}">
-        <p14:creationId xmlns:p14="http://schemas.microsoft.com/office/powerpoint/2010/main" val="150448000"/>
+        <p14:creationId xmlns:p14="http://schemas.microsoft.com/office/powerpoint/2010/main" xmlns="" val="150448000"/>
       </p:ext>
     </p:extLst>
   </p:cSld>
@@ -7572,7 +7731,7 @@
     </p:spTree>
     <p:extLst>
       <p:ext uri="{BB962C8B-B14F-4D97-AF65-F5344CB8AC3E}">
-        <p14:creationId xmlns:p14="http://schemas.microsoft.com/office/powerpoint/2010/main" val="1631547554"/>
+        <p14:creationId xmlns:p14="http://schemas.microsoft.com/office/powerpoint/2010/main" xmlns="" val="1631547554"/>
       </p:ext>
     </p:extLst>
   </p:cSld>
@@ -7683,7 +7842,7 @@
     </p:spTree>
     <p:extLst>
       <p:ext uri="{BB962C8B-B14F-4D97-AF65-F5344CB8AC3E}">
-        <p14:creationId xmlns:p14="http://schemas.microsoft.com/office/powerpoint/2010/main" val="2085101604"/>
+        <p14:creationId xmlns:p14="http://schemas.microsoft.com/office/powerpoint/2010/main" xmlns="" val="2085101604"/>
       </p:ext>
     </p:extLst>
   </p:cSld>
@@ -7766,9 +7925,76 @@
     </p:spTree>
     <p:extLst>
       <p:ext uri="{BB962C8B-B14F-4D97-AF65-F5344CB8AC3E}">
-        <p14:creationId xmlns:p14="http://schemas.microsoft.com/office/powerpoint/2010/main" val="3400995736"/>
+        <p14:creationId xmlns:p14="http://schemas.microsoft.com/office/powerpoint/2010/main" xmlns="" val="3400995736"/>
       </p:ext>
     </p:extLst>
+  </p:cSld>
+  <p:clrMapOvr>
+    <a:masterClrMapping/>
+  </p:clrMapOvr>
+</p:sld>
+</file>
+
+<file path=ppt/slides/slide26.xml><?xml version="1.0" encoding="utf-8"?>
+<p:sld xmlns:a="http://schemas.openxmlformats.org/drawingml/2006/main" xmlns:r="http://schemas.openxmlformats.org/officeDocument/2006/relationships" xmlns:p="http://schemas.openxmlformats.org/presentationml/2006/main">
+  <p:cSld>
+    <p:spTree>
+      <p:nvGrpSpPr>
+        <p:cNvPr id="1" name=""/>
+        <p:cNvGrpSpPr/>
+        <p:nvPr/>
+      </p:nvGrpSpPr>
+      <p:grpSpPr>
+        <a:xfrm>
+          <a:off x="0" y="0"/>
+          <a:ext cx="0" cy="0"/>
+          <a:chOff x="0" y="0"/>
+          <a:chExt cx="0" cy="0"/>
+        </a:xfrm>
+      </p:grpSpPr>
+      <p:sp>
+        <p:nvSpPr>
+          <p:cNvPr id="2" name="Title 1"/>
+          <p:cNvSpPr>
+            <a:spLocks noGrp="1"/>
+          </p:cNvSpPr>
+          <p:nvPr>
+            <p:ph type="title"/>
+          </p:nvPr>
+        </p:nvSpPr>
+        <p:spPr/>
+        <p:txBody>
+          <a:bodyPr/>
+          <a:lstStyle/>
+          <a:p>
+            <a:r>
+              <a:rPr lang="en-US" dirty="0" smtClean="0"/>
+              <a:t>Why Objects?</a:t>
+            </a:r>
+            <a:endParaRPr lang="en-US" dirty="0"/>
+          </a:p>
+        </p:txBody>
+      </p:sp>
+      <p:sp>
+        <p:nvSpPr>
+          <p:cNvPr id="3" name="Content Placeholder 2"/>
+          <p:cNvSpPr>
+            <a:spLocks noGrp="1"/>
+          </p:cNvSpPr>
+          <p:nvPr>
+            <p:ph idx="1"/>
+          </p:nvPr>
+        </p:nvSpPr>
+        <p:spPr/>
+        <p:txBody>
+          <a:bodyPr/>
+          <a:lstStyle/>
+          <a:p>
+            <a:endParaRPr lang="en-US"/>
+          </a:p>
+        </p:txBody>
+      </p:sp>
+    </p:spTree>
   </p:cSld>
   <p:clrMapOvr>
     <a:masterClrMapping/>
@@ -7810,7 +8036,7 @@
           <a:p>
             <a:r>
               <a:rPr lang="en-US" dirty="0" smtClean="0"/>
-              <a:t>Logic/Object Layer</a:t>
+              <a:t>Data Access Framework History</a:t>
             </a:r>
             <a:endParaRPr lang="en-US" dirty="0"/>
           </a:p>
@@ -7828,67 +8054,59 @@
         </p:nvSpPr>
         <p:spPr/>
         <p:txBody>
-          <a:bodyPr>
-            <a:normAutofit lnSpcReduction="10000"/>
-          </a:bodyPr>
-          <a:lstStyle/>
-          <a:p>
-            <a:r>
-              <a:rPr lang="en-US" dirty="0" smtClean="0"/>
-              <a:t>Display Stuff</a:t>
+          <a:bodyPr/>
+          <a:lstStyle/>
+          <a:p>
+            <a:r>
+              <a:rPr lang="en-US" dirty="0" smtClean="0"/>
+              <a:t>Low Level Driver Library</a:t>
             </a:r>
           </a:p>
           <a:p>
             <a:pPr lvl="1"/>
             <a:r>
               <a:rPr lang="en-US" dirty="0" smtClean="0"/>
-              <a:t>Objects </a:t>
-            </a:r>
-            <a:r>
-              <a:rPr lang="en-US" dirty="0"/>
-              <a:t>work together to perform tasks &gt; Display info on screen</a:t>
-            </a:r>
-          </a:p>
-          <a:p>
-            <a:r>
-              <a:rPr lang="en-US" dirty="0" smtClean="0"/>
-              <a:t>Create Stuff</a:t>
-            </a:r>
-          </a:p>
-          <a:p>
-            <a:pPr lvl="1"/>
-            <a:r>
-              <a:rPr lang="en-US" dirty="0" smtClean="0"/>
-              <a:t>New </a:t>
-            </a:r>
-            <a:r>
-              <a:rPr lang="en-US" dirty="0"/>
-              <a:t>Objects, maybe based on some existing objects </a:t>
-            </a:r>
-          </a:p>
-          <a:p>
-            <a:r>
-              <a:rPr lang="en-US" dirty="0" smtClean="0"/>
-              <a:t>Update Stuff</a:t>
-            </a:r>
-          </a:p>
-          <a:p>
-            <a:pPr lvl="1"/>
-            <a:r>
-              <a:rPr lang="en-US" dirty="0" smtClean="0"/>
-              <a:t>Existing </a:t>
-            </a:r>
-            <a:r>
-              <a:rPr lang="en-US" dirty="0"/>
-              <a:t>objects, change relationship of objects, or change data elements of the object</a:t>
-            </a:r>
+              <a:t>ODBC, OLE DB, ADO, RDS, Jet Engine</a:t>
+            </a:r>
+          </a:p>
+          <a:p>
+            <a:r>
+              <a:rPr lang="en-US" dirty="0" smtClean="0"/>
+              <a:t>ADO.NET</a:t>
+            </a:r>
+          </a:p>
+          <a:p>
+            <a:r>
+              <a:rPr lang="en-US" dirty="0" smtClean="0"/>
+              <a:t>Various ADO.NET libraries (ORM)</a:t>
+            </a:r>
+          </a:p>
+          <a:p>
+            <a:r>
+              <a:rPr lang="en-US" dirty="0" err="1" smtClean="0"/>
+              <a:t>NHibernate</a:t>
+            </a:r>
+            <a:endParaRPr lang="en-US" dirty="0" smtClean="0"/>
+          </a:p>
+          <a:p>
+            <a:r>
+              <a:rPr lang="en-US" dirty="0" smtClean="0"/>
+              <a:t>Entity Framework</a:t>
+            </a:r>
+          </a:p>
+          <a:p>
+            <a:r>
+              <a:rPr lang="en-US" dirty="0" smtClean="0"/>
+              <a:t>Micro-ORM</a:t>
+            </a:r>
+            <a:endParaRPr lang="en-US" dirty="0"/>
           </a:p>
         </p:txBody>
       </p:sp>
     </p:spTree>
     <p:extLst>
       <p:ext uri="{BB962C8B-B14F-4D97-AF65-F5344CB8AC3E}">
-        <p14:creationId xmlns:p14="http://schemas.microsoft.com/office/powerpoint/2010/main" val="1927951593"/>
+        <p14:creationId xmlns:p14="http://schemas.microsoft.com/office/powerpoint/2010/main" xmlns="" val="3911603256"/>
       </p:ext>
     </p:extLst>
   </p:cSld>
@@ -7932,7 +8150,7 @@
           <a:p>
             <a:r>
               <a:rPr lang="en-US" dirty="0" smtClean="0"/>
-              <a:t>DB/Relational Layer</a:t>
+              <a:t>Data Access Framework</a:t>
             </a:r>
             <a:endParaRPr lang="en-US" dirty="0"/>
           </a:p>
@@ -7955,31 +8173,91 @@
           <a:p>
             <a:r>
               <a:rPr lang="en-US" dirty="0" smtClean="0"/>
-              <a:t>Select</a:t>
-            </a:r>
-          </a:p>
-          <a:p>
-            <a:r>
-              <a:rPr lang="en-US" dirty="0" smtClean="0"/>
-              <a:t>Insert</a:t>
-            </a:r>
-          </a:p>
-          <a:p>
-            <a:r>
-              <a:rPr lang="en-US" dirty="0" smtClean="0"/>
-              <a:t>Update</a:t>
-            </a:r>
-          </a:p>
-          <a:p>
-            <a:r>
-              <a:rPr lang="en-US" dirty="0" smtClean="0"/>
-              <a:t>Delete</a:t>
-            </a:r>
-          </a:p>
-          <a:p>
-            <a:r>
-              <a:rPr lang="en-US" dirty="0" smtClean="0"/>
-              <a:t>Join</a:t>
+              <a:t>Persistence Framework</a:t>
+            </a:r>
+          </a:p>
+          <a:p>
+            <a:r>
+              <a:rPr lang="en-US" dirty="0" smtClean="0">
+                <a:solidFill>
+                  <a:srgbClr val="FF0000"/>
+                </a:solidFill>
+              </a:rPr>
+              <a:t>CRUD</a:t>
+            </a:r>
+          </a:p>
+          <a:p>
+            <a:r>
+              <a:rPr lang="en-US" dirty="0" smtClean="0"/>
+              <a:t>Application does all the work in memory</a:t>
+            </a:r>
+          </a:p>
+          <a:p>
+            <a:pPr lvl="1"/>
+            <a:r>
+              <a:rPr lang="en-US" dirty="0" smtClean="0"/>
+              <a:t>based on some already stored data (</a:t>
+            </a:r>
+            <a:r>
+              <a:rPr lang="en-US" dirty="0" smtClean="0">
+                <a:solidFill>
+                  <a:srgbClr val="FF0000"/>
+                </a:solidFill>
+              </a:rPr>
+              <a:t>R</a:t>
+            </a:r>
+            <a:r>
+              <a:rPr lang="en-US" dirty="0" smtClean="0"/>
+              <a:t>etrieve)</a:t>
+            </a:r>
+          </a:p>
+          <a:p>
+            <a:pPr lvl="1"/>
+            <a:r>
+              <a:rPr lang="en-US" dirty="0" smtClean="0"/>
+              <a:t>eventually, you need to store back changes (</a:t>
+            </a:r>
+            <a:r>
+              <a:rPr lang="en-US" dirty="0" smtClean="0">
+                <a:solidFill>
+                  <a:srgbClr val="FF0000"/>
+                </a:solidFill>
+              </a:rPr>
+              <a:t>C</a:t>
+            </a:r>
+            <a:r>
+              <a:rPr lang="en-US" dirty="0" smtClean="0"/>
+              <a:t>reate, </a:t>
+            </a:r>
+            <a:r>
+              <a:rPr lang="en-US" dirty="0" smtClean="0">
+                <a:solidFill>
+                  <a:srgbClr val="FF0000"/>
+                </a:solidFill>
+              </a:rPr>
+              <a:t>U</a:t>
+            </a:r>
+            <a:r>
+              <a:rPr lang="en-US" dirty="0" smtClean="0"/>
+              <a:t>pdate, </a:t>
+            </a:r>
+            <a:r>
+              <a:rPr lang="en-US" dirty="0" smtClean="0">
+                <a:solidFill>
+                  <a:srgbClr val="FF0000"/>
+                </a:solidFill>
+              </a:rPr>
+              <a:t>D</a:t>
+            </a:r>
+            <a:r>
+              <a:rPr lang="en-US" dirty="0" smtClean="0"/>
+              <a:t>elete)</a:t>
+            </a:r>
+          </a:p>
+          <a:p>
+            <a:r>
+              <a:rPr lang="en-US" dirty="0" smtClean="0"/>
+              <a:t>It just happens Relational Database is the popular choice for most business</a:t>
             </a:r>
             <a:endParaRPr lang="en-US" dirty="0"/>
           </a:p>
@@ -7988,13 +8266,20 @@
     </p:spTree>
     <p:extLst>
       <p:ext uri="{BB962C8B-B14F-4D97-AF65-F5344CB8AC3E}">
-        <p14:creationId xmlns:p14="http://schemas.microsoft.com/office/powerpoint/2010/main" val="364294205"/>
+        <p14:creationId xmlns:p14="http://schemas.microsoft.com/office/powerpoint/2010/main" xmlns="" val="1869506865"/>
       </p:ext>
     </p:extLst>
   </p:cSld>
   <p:clrMapOvr>
     <a:masterClrMapping/>
   </p:clrMapOvr>
+  <p:timing>
+    <p:tnLst>
+      <p:par>
+        <p:cTn id="1" dur="indefinite" restart="never" nodeType="tmRoot"/>
+      </p:par>
+    </p:tnLst>
+  </p:timing>
 </p:sld>
 </file>
 
@@ -8032,7 +8317,7 @@
           <a:p>
             <a:r>
               <a:rPr lang="en-US" dirty="0" smtClean="0"/>
-              <a:t>Mismatch</a:t>
+              <a:t>Logic/Object Layer</a:t>
             </a:r>
             <a:endParaRPr lang="en-US" dirty="0"/>
           </a:p>
@@ -8048,87 +8333,69 @@
             <p:ph idx="1"/>
           </p:nvPr>
         </p:nvSpPr>
-        <p:spPr>
-          <a:xfrm>
-            <a:off x="457200" y="1600200"/>
-            <a:ext cx="8229600" cy="4953000"/>
-          </a:xfrm>
-        </p:spPr>
+        <p:spPr/>
         <p:txBody>
           <a:bodyPr>
-            <a:normAutofit/>
+            <a:normAutofit lnSpcReduction="10000"/>
           </a:bodyPr>
           <a:lstStyle/>
           <a:p>
             <a:r>
               <a:rPr lang="en-US" dirty="0" smtClean="0"/>
-              <a:t>object id vs. keys</a:t>
-            </a:r>
-            <a:endParaRPr lang="en-US" dirty="0"/>
-          </a:p>
-          <a:p>
-            <a:r>
-              <a:rPr lang="en-US" dirty="0" smtClean="0"/>
-              <a:t>inheritance vs. ??</a:t>
-            </a:r>
-            <a:endParaRPr lang="en-US" dirty="0"/>
-          </a:p>
-          <a:p>
-            <a:r>
-              <a:rPr lang="en-US" dirty="0" smtClean="0"/>
-              <a:t>association </a:t>
+              <a:t>Display Stuff</a:t>
+            </a:r>
+          </a:p>
+          <a:p>
+            <a:pPr lvl="1"/>
+            <a:r>
+              <a:rPr lang="en-US" dirty="0" smtClean="0"/>
+              <a:t>Objects </a:t>
             </a:r>
             <a:r>
               <a:rPr lang="en-US" dirty="0"/>
-              <a:t>between </a:t>
-            </a:r>
-            <a:r>
-              <a:rPr lang="en-US" dirty="0" smtClean="0"/>
-              <a:t>objects vs. foreign key reference</a:t>
+              <a:t>work together to perform tasks &gt; Display info on screen</a:t>
+            </a:r>
+          </a:p>
+          <a:p>
+            <a:r>
+              <a:rPr lang="en-US" dirty="0" smtClean="0"/>
+              <a:t>Create Stuff</a:t>
             </a:r>
           </a:p>
           <a:p>
             <a:pPr lvl="1"/>
             <a:r>
               <a:rPr lang="en-US" dirty="0" smtClean="0"/>
-              <a:t>1 to 1, 1 to many, many to many</a:t>
-            </a:r>
-            <a:endParaRPr lang="en-US" dirty="0"/>
-          </a:p>
-          <a:p>
-            <a:r>
-              <a:rPr lang="en-US" dirty="0" smtClean="0"/>
-              <a:t>value types</a:t>
+              <a:t>New </a:t>
+            </a:r>
+            <a:r>
+              <a:rPr lang="en-US" dirty="0"/>
+              <a:t>Objects, maybe based on some existing objects </a:t>
+            </a:r>
+          </a:p>
+          <a:p>
+            <a:r>
+              <a:rPr lang="en-US" dirty="0" smtClean="0"/>
+              <a:t>Update Stuff</a:t>
             </a:r>
           </a:p>
           <a:p>
             <a:pPr lvl="1"/>
             <a:r>
-              <a:rPr lang="en-US" dirty="0" err="1" smtClean="0"/>
-              <a:t>enum</a:t>
-            </a:r>
-            <a:endParaRPr lang="en-US" dirty="0" smtClean="0"/>
-          </a:p>
-          <a:p>
-            <a:r>
-              <a:rPr lang="en-US" dirty="0" smtClean="0"/>
-              <a:t>object operations vs. SQL</a:t>
-            </a:r>
-          </a:p>
-          <a:p>
-            <a:pPr lvl="1"/>
-            <a:r>
-              <a:rPr lang="en-US" dirty="0" smtClean="0"/>
-              <a:t>performance</a:t>
-            </a:r>
-            <a:endParaRPr lang="en-US" dirty="0"/>
+              <a:rPr lang="en-US" dirty="0" smtClean="0"/>
+              <a:t>Existing </a:t>
+            </a:r>
+            <a:r>
+              <a:rPr lang="en-US" dirty="0"/>
+              <a:t>objects, change relationship of objects, or change data elements of the object</a:t>
+            </a:r>
           </a:p>
         </p:txBody>
       </p:sp>
     </p:spTree>
     <p:extLst>
       <p:ext uri="{BB962C8B-B14F-4D97-AF65-F5344CB8AC3E}">
-        <p14:creationId xmlns:p14="http://schemas.microsoft.com/office/powerpoint/2010/main" val="1337555022"/>
+        <p14:creationId xmlns:p14="http://schemas.microsoft.com/office/powerpoint/2010/main" xmlns="" val="1927951593"/>
       </p:ext>
     </p:extLst>
   </p:cSld>
@@ -8172,11 +8439,7 @@
           <a:p>
             <a:r>
               <a:rPr lang="en-US" dirty="0" smtClean="0"/>
-              <a:t>Mapping – Fluent </a:t>
-            </a:r>
-            <a:r>
-              <a:rPr lang="en-US" dirty="0" err="1" smtClean="0"/>
-              <a:t>NHibernate</a:t>
+              <a:t>DB/Relational Layer</a:t>
             </a:r>
             <a:endParaRPr lang="en-US" dirty="0"/>
           </a:p>
@@ -8194,312 +8457,45 @@
         </p:nvSpPr>
         <p:spPr/>
         <p:txBody>
-          <a:bodyPr>
-            <a:normAutofit fontScale="70000" lnSpcReduction="20000"/>
-          </a:bodyPr>
-          <a:lstStyle/>
-          <a:p>
-            <a:pPr marL="0" indent="0">
-              <a:buNone/>
-            </a:pPr>
-            <a:r>
-              <a:rPr lang="en-US" dirty="0">
-                <a:latin typeface="Consolas" pitchFamily="49" charset="0"/>
-                <a:cs typeface="Consolas" pitchFamily="49" charset="0"/>
-              </a:rPr>
-              <a:t>public class </a:t>
-            </a:r>
-            <a:r>
-              <a:rPr lang="en-US" dirty="0" err="1">
-                <a:latin typeface="Consolas" pitchFamily="49" charset="0"/>
-                <a:cs typeface="Consolas" pitchFamily="49" charset="0"/>
-              </a:rPr>
-              <a:t>CatMap</a:t>
-            </a:r>
-            <a:r>
-              <a:rPr lang="en-US" dirty="0">
-                <a:latin typeface="Consolas" pitchFamily="49" charset="0"/>
-                <a:cs typeface="Consolas" pitchFamily="49" charset="0"/>
-              </a:rPr>
-              <a:t> : </a:t>
-            </a:r>
-            <a:r>
-              <a:rPr lang="en-US" dirty="0" err="1">
-                <a:latin typeface="Consolas" pitchFamily="49" charset="0"/>
-                <a:cs typeface="Consolas" pitchFamily="49" charset="0"/>
-              </a:rPr>
-              <a:t>ClassMap</a:t>
-            </a:r>
-            <a:r>
-              <a:rPr lang="en-US" dirty="0">
-                <a:latin typeface="Consolas" pitchFamily="49" charset="0"/>
-                <a:cs typeface="Consolas" pitchFamily="49" charset="0"/>
-              </a:rPr>
-              <a:t>&lt;Cat&gt;</a:t>
-            </a:r>
-          </a:p>
-          <a:p>
-            <a:pPr marL="0" indent="0">
-              <a:buNone/>
-            </a:pPr>
-            <a:r>
-              <a:rPr lang="en-US" dirty="0">
-                <a:latin typeface="Consolas" pitchFamily="49" charset="0"/>
-                <a:cs typeface="Consolas" pitchFamily="49" charset="0"/>
-              </a:rPr>
-              <a:t>{</a:t>
-            </a:r>
-          </a:p>
-          <a:p>
-            <a:pPr marL="0" indent="0">
-              <a:buNone/>
-            </a:pPr>
-            <a:r>
-              <a:rPr lang="en-US" dirty="0">
-                <a:latin typeface="Consolas" pitchFamily="49" charset="0"/>
-                <a:cs typeface="Consolas" pitchFamily="49" charset="0"/>
-              </a:rPr>
-              <a:t>  public </a:t>
-            </a:r>
-            <a:r>
-              <a:rPr lang="en-US" dirty="0" err="1">
-                <a:latin typeface="Consolas" pitchFamily="49" charset="0"/>
-                <a:cs typeface="Consolas" pitchFamily="49" charset="0"/>
-              </a:rPr>
-              <a:t>CatMap</a:t>
-            </a:r>
-            <a:r>
-              <a:rPr lang="en-US" dirty="0">
-                <a:latin typeface="Consolas" pitchFamily="49" charset="0"/>
-                <a:cs typeface="Consolas" pitchFamily="49" charset="0"/>
-              </a:rPr>
-              <a:t>()</a:t>
-            </a:r>
-          </a:p>
-          <a:p>
-            <a:pPr marL="0" indent="0">
-              <a:buNone/>
-            </a:pPr>
-            <a:r>
-              <a:rPr lang="en-US" dirty="0">
-                <a:latin typeface="Consolas" pitchFamily="49" charset="0"/>
-                <a:cs typeface="Consolas" pitchFamily="49" charset="0"/>
-              </a:rPr>
-              <a:t>  {</a:t>
-            </a:r>
-          </a:p>
-          <a:p>
-            <a:pPr marL="0" indent="0">
-              <a:buNone/>
-            </a:pPr>
-            <a:r>
-              <a:rPr lang="en-US" dirty="0">
-                <a:latin typeface="Consolas" pitchFamily="49" charset="0"/>
-                <a:cs typeface="Consolas" pitchFamily="49" charset="0"/>
-              </a:rPr>
-              <a:t>    Id(x =&gt; </a:t>
-            </a:r>
-            <a:r>
-              <a:rPr lang="en-US" dirty="0" err="1">
-                <a:latin typeface="Consolas" pitchFamily="49" charset="0"/>
-                <a:cs typeface="Consolas" pitchFamily="49" charset="0"/>
-              </a:rPr>
-              <a:t>x.Id</a:t>
-            </a:r>
-            <a:r>
-              <a:rPr lang="en-US" dirty="0">
-                <a:latin typeface="Consolas" pitchFamily="49" charset="0"/>
-                <a:cs typeface="Consolas" pitchFamily="49" charset="0"/>
-              </a:rPr>
-              <a:t>);</a:t>
-            </a:r>
-          </a:p>
-          <a:p>
-            <a:pPr marL="0" indent="0">
-              <a:buNone/>
-            </a:pPr>
-            <a:r>
-              <a:rPr lang="en-US" dirty="0">
-                <a:latin typeface="Consolas" pitchFamily="49" charset="0"/>
-                <a:cs typeface="Consolas" pitchFamily="49" charset="0"/>
-              </a:rPr>
-              <a:t>    Map(x =&gt; </a:t>
-            </a:r>
-            <a:r>
-              <a:rPr lang="en-US" dirty="0" err="1">
-                <a:latin typeface="Consolas" pitchFamily="49" charset="0"/>
-                <a:cs typeface="Consolas" pitchFamily="49" charset="0"/>
-              </a:rPr>
-              <a:t>x.Name</a:t>
-            </a:r>
-            <a:r>
-              <a:rPr lang="en-US" dirty="0">
-                <a:latin typeface="Consolas" pitchFamily="49" charset="0"/>
-                <a:cs typeface="Consolas" pitchFamily="49" charset="0"/>
-              </a:rPr>
-              <a:t>)</a:t>
-            </a:r>
-          </a:p>
-          <a:p>
-            <a:pPr marL="0" indent="0">
-              <a:buNone/>
-            </a:pPr>
-            <a:r>
-              <a:rPr lang="en-US" dirty="0">
-                <a:latin typeface="Consolas" pitchFamily="49" charset="0"/>
-                <a:cs typeface="Consolas" pitchFamily="49" charset="0"/>
-              </a:rPr>
-              <a:t>      .Length(16)</a:t>
-            </a:r>
-          </a:p>
-          <a:p>
-            <a:pPr marL="0" indent="0">
-              <a:buNone/>
-            </a:pPr>
-            <a:r>
-              <a:rPr lang="en-US" dirty="0">
-                <a:latin typeface="Consolas" pitchFamily="49" charset="0"/>
-                <a:cs typeface="Consolas" pitchFamily="49" charset="0"/>
-              </a:rPr>
-              <a:t>      .</a:t>
-            </a:r>
-            <a:r>
-              <a:rPr lang="en-US" dirty="0" err="1">
-                <a:latin typeface="Consolas" pitchFamily="49" charset="0"/>
-                <a:cs typeface="Consolas" pitchFamily="49" charset="0"/>
-              </a:rPr>
-              <a:t>Not.Nullable</a:t>
-            </a:r>
-            <a:r>
-              <a:rPr lang="en-US" dirty="0">
-                <a:latin typeface="Consolas" pitchFamily="49" charset="0"/>
-                <a:cs typeface="Consolas" pitchFamily="49" charset="0"/>
-              </a:rPr>
-              <a:t>();</a:t>
-            </a:r>
-          </a:p>
-          <a:p>
-            <a:pPr marL="0" indent="0">
-              <a:buNone/>
-            </a:pPr>
-            <a:r>
-              <a:rPr lang="en-US" dirty="0">
-                <a:latin typeface="Consolas" pitchFamily="49" charset="0"/>
-                <a:cs typeface="Consolas" pitchFamily="49" charset="0"/>
-              </a:rPr>
-              <a:t>    Map(x =&gt; </a:t>
-            </a:r>
-            <a:r>
-              <a:rPr lang="en-US" dirty="0" err="1">
-                <a:latin typeface="Consolas" pitchFamily="49" charset="0"/>
-                <a:cs typeface="Consolas" pitchFamily="49" charset="0"/>
-              </a:rPr>
-              <a:t>x.Sex</a:t>
-            </a:r>
-            <a:r>
-              <a:rPr lang="en-US" dirty="0">
-                <a:latin typeface="Consolas" pitchFamily="49" charset="0"/>
-                <a:cs typeface="Consolas" pitchFamily="49" charset="0"/>
-              </a:rPr>
-              <a:t>);</a:t>
-            </a:r>
-          </a:p>
-          <a:p>
-            <a:pPr marL="0" indent="0">
-              <a:buNone/>
-            </a:pPr>
-            <a:r>
-              <a:rPr lang="en-US" dirty="0">
-                <a:latin typeface="Consolas" pitchFamily="49" charset="0"/>
-                <a:cs typeface="Consolas" pitchFamily="49" charset="0"/>
-              </a:rPr>
-              <a:t>    References(x =&gt; </a:t>
-            </a:r>
-            <a:r>
-              <a:rPr lang="en-US" dirty="0" err="1">
-                <a:latin typeface="Consolas" pitchFamily="49" charset="0"/>
-                <a:cs typeface="Consolas" pitchFamily="49" charset="0"/>
-              </a:rPr>
-              <a:t>x.Mate</a:t>
-            </a:r>
-            <a:r>
-              <a:rPr lang="en-US" dirty="0">
-                <a:latin typeface="Consolas" pitchFamily="49" charset="0"/>
-                <a:cs typeface="Consolas" pitchFamily="49" charset="0"/>
-              </a:rPr>
-              <a:t>);</a:t>
-            </a:r>
-          </a:p>
-          <a:p>
-            <a:pPr marL="0" indent="0">
-              <a:buNone/>
-            </a:pPr>
-            <a:r>
-              <a:rPr lang="en-US" dirty="0">
-                <a:latin typeface="Consolas" pitchFamily="49" charset="0"/>
-                <a:cs typeface="Consolas" pitchFamily="49" charset="0"/>
-              </a:rPr>
-              <a:t>    </a:t>
-            </a:r>
-            <a:r>
-              <a:rPr lang="en-US" dirty="0" err="1">
-                <a:latin typeface="Consolas" pitchFamily="49" charset="0"/>
-                <a:cs typeface="Consolas" pitchFamily="49" charset="0"/>
-              </a:rPr>
-              <a:t>HasMany</a:t>
-            </a:r>
-            <a:r>
-              <a:rPr lang="en-US" dirty="0">
-                <a:latin typeface="Consolas" pitchFamily="49" charset="0"/>
-                <a:cs typeface="Consolas" pitchFamily="49" charset="0"/>
-              </a:rPr>
-              <a:t>(x =&gt; </a:t>
-            </a:r>
-            <a:r>
-              <a:rPr lang="en-US" dirty="0" err="1">
-                <a:latin typeface="Consolas" pitchFamily="49" charset="0"/>
-                <a:cs typeface="Consolas" pitchFamily="49" charset="0"/>
-              </a:rPr>
-              <a:t>x.Kittens</a:t>
-            </a:r>
-            <a:r>
-              <a:rPr lang="en-US" dirty="0">
-                <a:latin typeface="Consolas" pitchFamily="49" charset="0"/>
-                <a:cs typeface="Consolas" pitchFamily="49" charset="0"/>
-              </a:rPr>
-              <a:t>);</a:t>
-            </a:r>
-          </a:p>
-          <a:p>
-            <a:pPr marL="0" indent="0">
-              <a:buNone/>
-            </a:pPr>
-            <a:r>
-              <a:rPr lang="en-US" dirty="0">
-                <a:latin typeface="Consolas" pitchFamily="49" charset="0"/>
-                <a:cs typeface="Consolas" pitchFamily="49" charset="0"/>
-              </a:rPr>
-              <a:t>  }</a:t>
-            </a:r>
-          </a:p>
-          <a:p>
-            <a:pPr marL="0" indent="0">
-              <a:buNone/>
-            </a:pPr>
-            <a:r>
-              <a:rPr lang="en-US" dirty="0">
-                <a:latin typeface="Consolas" pitchFamily="49" charset="0"/>
-                <a:cs typeface="Consolas" pitchFamily="49" charset="0"/>
-              </a:rPr>
-              <a:t>}</a:t>
-            </a:r>
+          <a:bodyPr/>
+          <a:lstStyle/>
+          <a:p>
+            <a:r>
+              <a:rPr lang="en-US" dirty="0" smtClean="0"/>
+              <a:t>Select</a:t>
+            </a:r>
+          </a:p>
+          <a:p>
+            <a:r>
+              <a:rPr lang="en-US" dirty="0" smtClean="0"/>
+              <a:t>Insert</a:t>
+            </a:r>
+          </a:p>
+          <a:p>
+            <a:r>
+              <a:rPr lang="en-US" dirty="0" smtClean="0"/>
+              <a:t>Update</a:t>
+            </a:r>
+          </a:p>
+          <a:p>
+            <a:r>
+              <a:rPr lang="en-US" dirty="0" smtClean="0"/>
+              <a:t>Delete</a:t>
+            </a:r>
+          </a:p>
+          <a:p>
+            <a:r>
+              <a:rPr lang="en-US" dirty="0" smtClean="0"/>
+              <a:t>Join</a:t>
+            </a:r>
+            <a:endParaRPr lang="en-US" dirty="0"/>
           </a:p>
         </p:txBody>
       </p:sp>
     </p:spTree>
     <p:extLst>
       <p:ext uri="{BB962C8B-B14F-4D97-AF65-F5344CB8AC3E}">
-        <p14:creationId xmlns:p14="http://schemas.microsoft.com/office/powerpoint/2010/main" val="1752297239"/>
+        <p14:creationId xmlns:p14="http://schemas.microsoft.com/office/powerpoint/2010/main" xmlns="" val="364294205"/>
       </p:ext>
     </p:extLst>
   </p:cSld>
@@ -8543,80 +8539,103 @@
           <a:p>
             <a:r>
               <a:rPr lang="en-US" dirty="0" smtClean="0"/>
-              <a:t>Mapping – EF Database-First</a:t>
+              <a:t>Mismatch</a:t>
             </a:r>
             <a:endParaRPr lang="en-US" dirty="0"/>
           </a:p>
         </p:txBody>
       </p:sp>
-      <p:pic>
-        <p:nvPicPr>
-          <p:cNvPr id="1026" name="Picture 2"/>
-          <p:cNvPicPr>
-            <a:picLocks noChangeAspect="1" noChangeArrowheads="1"/>
-          </p:cNvPicPr>
-          <p:nvPr/>
-        </p:nvPicPr>
-        <p:blipFill>
-          <a:blip r:embed="rId2">
-            <a:extLst>
-              <a:ext uri="{28A0092B-C50C-407E-A947-70E740481C1C}">
-                <a14:useLocalDpi xmlns:a14="http://schemas.microsoft.com/office/drawing/2010/main" val="0"/>
-              </a:ext>
-            </a:extLst>
-          </a:blip>
-          <a:srcRect/>
-          <a:stretch>
-            <a:fillRect/>
-          </a:stretch>
-        </p:blipFill>
-        <p:spPr bwMode="auto">
+      <p:sp>
+        <p:nvSpPr>
+          <p:cNvPr id="3" name="Content Placeholder 2"/>
+          <p:cNvSpPr>
+            <a:spLocks noGrp="1"/>
+          </p:cNvSpPr>
+          <p:nvPr>
+            <p:ph idx="1"/>
+          </p:nvPr>
+        </p:nvSpPr>
+        <p:spPr>
           <a:xfrm>
-            <a:off x="1143000" y="1447800"/>
-            <a:ext cx="6389687" cy="5191125"/>
+            <a:off x="457200" y="1600200"/>
+            <a:ext cx="8229600" cy="4953000"/>
           </a:xfrm>
-          <a:prstGeom prst="rect">
-            <a:avLst/>
-          </a:prstGeom>
-          <a:noFill/>
-          <a:ln>
-            <a:noFill/>
-          </a:ln>
-          <a:effectLst/>
-          <a:extLst>
-            <a:ext uri="{909E8E84-426E-40DD-AFC4-6F175D3DCCD1}">
-              <a14:hiddenFill xmlns:a14="http://schemas.microsoft.com/office/drawing/2010/main">
-                <a:solidFill>
-                  <a:schemeClr val="accent1"/>
-                </a:solidFill>
-              </a14:hiddenFill>
-            </a:ext>
-            <a:ext uri="{91240B29-F687-4F45-9708-019B960494DF}">
-              <a14:hiddenLine xmlns:a14="http://schemas.microsoft.com/office/drawing/2010/main" w="9525">
-                <a:solidFill>
-                  <a:schemeClr val="tx1"/>
-                </a:solidFill>
-                <a:miter lim="800000"/>
-                <a:headEnd/>
-                <a:tailEnd/>
-              </a14:hiddenLine>
-            </a:ext>
-            <a:ext uri="{AF507438-7753-43E0-B8FC-AC1667EBCBE1}">
-              <a14:hiddenEffects xmlns:a14="http://schemas.microsoft.com/office/drawing/2010/main">
-                <a:effectLst>
-                  <a:outerShdw dist="35921" dir="2700000" algn="ctr" rotWithShape="0">
-                    <a:schemeClr val="bg2"/>
-                  </a:outerShdw>
-                </a:effectLst>
-              </a14:hiddenEffects>
-            </a:ext>
-          </a:extLst>
         </p:spPr>
-      </p:pic>
+        <p:txBody>
+          <a:bodyPr>
+            <a:normAutofit/>
+          </a:bodyPr>
+          <a:lstStyle/>
+          <a:p>
+            <a:r>
+              <a:rPr lang="en-US" dirty="0" smtClean="0"/>
+              <a:t>object id vs. keys</a:t>
+            </a:r>
+            <a:endParaRPr lang="en-US" dirty="0"/>
+          </a:p>
+          <a:p>
+            <a:r>
+              <a:rPr lang="en-US" dirty="0" smtClean="0"/>
+              <a:t>inheritance vs. ??</a:t>
+            </a:r>
+            <a:endParaRPr lang="en-US" dirty="0"/>
+          </a:p>
+          <a:p>
+            <a:r>
+              <a:rPr lang="en-US" dirty="0" smtClean="0"/>
+              <a:t>association </a:t>
+            </a:r>
+            <a:r>
+              <a:rPr lang="en-US" dirty="0"/>
+              <a:t>between </a:t>
+            </a:r>
+            <a:r>
+              <a:rPr lang="en-US" dirty="0" smtClean="0"/>
+              <a:t>objects vs. foreign key reference</a:t>
+            </a:r>
+          </a:p>
+          <a:p>
+            <a:pPr lvl="1"/>
+            <a:r>
+              <a:rPr lang="en-US" dirty="0" smtClean="0"/>
+              <a:t>1 to 1, 1 to many, many to many</a:t>
+            </a:r>
+            <a:endParaRPr lang="en-US" dirty="0"/>
+          </a:p>
+          <a:p>
+            <a:r>
+              <a:rPr lang="en-US" dirty="0" smtClean="0"/>
+              <a:t>value types</a:t>
+            </a:r>
+          </a:p>
+          <a:p>
+            <a:pPr lvl="1"/>
+            <a:r>
+              <a:rPr lang="en-US" dirty="0" err="1" smtClean="0"/>
+              <a:t>enum</a:t>
+            </a:r>
+            <a:endParaRPr lang="en-US" dirty="0" smtClean="0"/>
+          </a:p>
+          <a:p>
+            <a:r>
+              <a:rPr lang="en-US" dirty="0" smtClean="0"/>
+              <a:t>object operations vs. SQL</a:t>
+            </a:r>
+          </a:p>
+          <a:p>
+            <a:pPr lvl="1"/>
+            <a:r>
+              <a:rPr lang="en-US" dirty="0" smtClean="0"/>
+              <a:t>performance</a:t>
+            </a:r>
+            <a:endParaRPr lang="en-US" dirty="0"/>
+          </a:p>
+        </p:txBody>
+      </p:sp>
     </p:spTree>
     <p:extLst>
       <p:ext uri="{BB962C8B-B14F-4D97-AF65-F5344CB8AC3E}">
-        <p14:creationId xmlns:p14="http://schemas.microsoft.com/office/powerpoint/2010/main" val="3248163672"/>
+        <p14:creationId xmlns:p14="http://schemas.microsoft.com/office/powerpoint/2010/main" xmlns="" val="1337555022"/>
       </p:ext>
     </p:extLst>
   </p:cSld>
@@ -8660,82 +8679,334 @@
           <a:p>
             <a:r>
               <a:rPr lang="en-US" dirty="0" smtClean="0"/>
-              <a:t>Data </a:t>
-            </a:r>
-            <a:r>
-              <a:rPr lang="en-US" dirty="0" smtClean="0"/>
-              <a:t>Access Framework History</a:t>
-            </a:r>
-            <a:endParaRPr lang="en-US" dirty="0"/>
-          </a:p>
-        </p:txBody>
-      </p:sp>
-      <p:sp>
-        <p:nvSpPr>
-          <p:cNvPr id="3" name="Content Placeholder 2"/>
-          <p:cNvSpPr>
-            <a:spLocks noGrp="1"/>
-          </p:cNvSpPr>
-          <p:nvPr>
-            <p:ph idx="1"/>
-          </p:nvPr>
-        </p:nvSpPr>
-        <p:spPr/>
-        <p:txBody>
-          <a:bodyPr/>
-          <a:lstStyle/>
-          <a:p>
-            <a:r>
-              <a:rPr lang="en-US" dirty="0" smtClean="0"/>
-              <a:t>Low Level Driver Library</a:t>
-            </a:r>
-            <a:endParaRPr lang="en-US" dirty="0" smtClean="0"/>
-          </a:p>
-          <a:p>
-            <a:pPr lvl="1"/>
-            <a:r>
-              <a:rPr lang="en-US" dirty="0" smtClean="0"/>
-              <a:t>ODBC, OLE DB, ADO, RDS, Jet Engine</a:t>
-            </a:r>
-          </a:p>
-          <a:p>
-            <a:r>
-              <a:rPr lang="en-US" dirty="0" smtClean="0"/>
-              <a:t>ADO.NET</a:t>
-            </a:r>
-          </a:p>
-          <a:p>
-            <a:r>
-              <a:rPr lang="en-US" dirty="0" smtClean="0"/>
-              <a:t>Various ADO.NET libraries (ORM)</a:t>
-            </a:r>
-          </a:p>
-          <a:p>
+              <a:t>Mapping – Fluent </a:t>
+            </a:r>
             <a:r>
               <a:rPr lang="en-US" dirty="0" err="1" smtClean="0"/>
               <a:t>NHibernate</a:t>
             </a:r>
-            <a:endParaRPr lang="en-US" dirty="0" smtClean="0"/>
-          </a:p>
-          <a:p>
-            <a:r>
-              <a:rPr lang="en-US" dirty="0" smtClean="0"/>
-              <a:t>Entity Framework</a:t>
-            </a:r>
-          </a:p>
-          <a:p>
-            <a:r>
-              <a:rPr lang="en-US" dirty="0" smtClean="0"/>
-              <a:t>Micro-ORM</a:t>
-            </a:r>
             <a:endParaRPr lang="en-US" dirty="0"/>
+          </a:p>
+        </p:txBody>
+      </p:sp>
+      <p:sp>
+        <p:nvSpPr>
+          <p:cNvPr id="3" name="Content Placeholder 2"/>
+          <p:cNvSpPr>
+            <a:spLocks noGrp="1"/>
+          </p:cNvSpPr>
+          <p:nvPr>
+            <p:ph idx="1"/>
+          </p:nvPr>
+        </p:nvSpPr>
+        <p:spPr/>
+        <p:txBody>
+          <a:bodyPr>
+            <a:normAutofit fontScale="70000" lnSpcReduction="20000"/>
+          </a:bodyPr>
+          <a:lstStyle/>
+          <a:p>
+            <a:pPr marL="0" indent="0">
+              <a:buNone/>
+            </a:pPr>
+            <a:r>
+              <a:rPr lang="en-US" dirty="0">
+                <a:latin typeface="Consolas" pitchFamily="49" charset="0"/>
+                <a:cs typeface="Consolas" pitchFamily="49" charset="0"/>
+              </a:rPr>
+              <a:t>public class </a:t>
+            </a:r>
+            <a:r>
+              <a:rPr lang="en-US" dirty="0" err="1">
+                <a:latin typeface="Consolas" pitchFamily="49" charset="0"/>
+                <a:cs typeface="Consolas" pitchFamily="49" charset="0"/>
+              </a:rPr>
+              <a:t>CatMap</a:t>
+            </a:r>
+            <a:r>
+              <a:rPr lang="en-US" dirty="0">
+                <a:latin typeface="Consolas" pitchFamily="49" charset="0"/>
+                <a:cs typeface="Consolas" pitchFamily="49" charset="0"/>
+              </a:rPr>
+              <a:t> : </a:t>
+            </a:r>
+            <a:r>
+              <a:rPr lang="en-US" dirty="0" err="1">
+                <a:latin typeface="Consolas" pitchFamily="49" charset="0"/>
+                <a:cs typeface="Consolas" pitchFamily="49" charset="0"/>
+              </a:rPr>
+              <a:t>ClassMap</a:t>
+            </a:r>
+            <a:r>
+              <a:rPr lang="en-US" dirty="0">
+                <a:latin typeface="Consolas" pitchFamily="49" charset="0"/>
+                <a:cs typeface="Consolas" pitchFamily="49" charset="0"/>
+              </a:rPr>
+              <a:t>&lt;Cat&gt;</a:t>
+            </a:r>
+          </a:p>
+          <a:p>
+            <a:pPr marL="0" indent="0">
+              <a:buNone/>
+            </a:pPr>
+            <a:r>
+              <a:rPr lang="en-US" dirty="0">
+                <a:latin typeface="Consolas" pitchFamily="49" charset="0"/>
+                <a:cs typeface="Consolas" pitchFamily="49" charset="0"/>
+              </a:rPr>
+              <a:t>{</a:t>
+            </a:r>
+          </a:p>
+          <a:p>
+            <a:pPr marL="0" indent="0">
+              <a:buNone/>
+            </a:pPr>
+            <a:r>
+              <a:rPr lang="en-US" dirty="0">
+                <a:latin typeface="Consolas" pitchFamily="49" charset="0"/>
+                <a:cs typeface="Consolas" pitchFamily="49" charset="0"/>
+              </a:rPr>
+              <a:t>  public </a:t>
+            </a:r>
+            <a:r>
+              <a:rPr lang="en-US" dirty="0" err="1">
+                <a:latin typeface="Consolas" pitchFamily="49" charset="0"/>
+                <a:cs typeface="Consolas" pitchFamily="49" charset="0"/>
+              </a:rPr>
+              <a:t>CatMap</a:t>
+            </a:r>
+            <a:r>
+              <a:rPr lang="en-US" dirty="0">
+                <a:latin typeface="Consolas" pitchFamily="49" charset="0"/>
+                <a:cs typeface="Consolas" pitchFamily="49" charset="0"/>
+              </a:rPr>
+              <a:t>()</a:t>
+            </a:r>
+          </a:p>
+          <a:p>
+            <a:pPr marL="0" indent="0">
+              <a:buNone/>
+            </a:pPr>
+            <a:r>
+              <a:rPr lang="en-US" dirty="0">
+                <a:latin typeface="Consolas" pitchFamily="49" charset="0"/>
+                <a:cs typeface="Consolas" pitchFamily="49" charset="0"/>
+              </a:rPr>
+              <a:t>  {</a:t>
+            </a:r>
+          </a:p>
+          <a:p>
+            <a:pPr marL="0" indent="0">
+              <a:buNone/>
+            </a:pPr>
+            <a:r>
+              <a:rPr lang="en-US" dirty="0">
+                <a:latin typeface="Consolas" pitchFamily="49" charset="0"/>
+                <a:cs typeface="Consolas" pitchFamily="49" charset="0"/>
+              </a:rPr>
+              <a:t>    Id(x =&gt; </a:t>
+            </a:r>
+            <a:r>
+              <a:rPr lang="en-US" dirty="0" err="1">
+                <a:latin typeface="Consolas" pitchFamily="49" charset="0"/>
+                <a:cs typeface="Consolas" pitchFamily="49" charset="0"/>
+              </a:rPr>
+              <a:t>x.Id</a:t>
+            </a:r>
+            <a:r>
+              <a:rPr lang="en-US" dirty="0">
+                <a:latin typeface="Consolas" pitchFamily="49" charset="0"/>
+                <a:cs typeface="Consolas" pitchFamily="49" charset="0"/>
+              </a:rPr>
+              <a:t>);</a:t>
+            </a:r>
+          </a:p>
+          <a:p>
+            <a:pPr marL="0" indent="0">
+              <a:buNone/>
+            </a:pPr>
+            <a:r>
+              <a:rPr lang="en-US" dirty="0">
+                <a:latin typeface="Consolas" pitchFamily="49" charset="0"/>
+                <a:cs typeface="Consolas" pitchFamily="49" charset="0"/>
+              </a:rPr>
+              <a:t>    Map(x =&gt; </a:t>
+            </a:r>
+            <a:r>
+              <a:rPr lang="en-US" dirty="0" err="1">
+                <a:latin typeface="Consolas" pitchFamily="49" charset="0"/>
+                <a:cs typeface="Consolas" pitchFamily="49" charset="0"/>
+              </a:rPr>
+              <a:t>x.Name</a:t>
+            </a:r>
+            <a:r>
+              <a:rPr lang="en-US" dirty="0">
+                <a:latin typeface="Consolas" pitchFamily="49" charset="0"/>
+                <a:cs typeface="Consolas" pitchFamily="49" charset="0"/>
+              </a:rPr>
+              <a:t>)</a:t>
+            </a:r>
+          </a:p>
+          <a:p>
+            <a:pPr marL="0" indent="0">
+              <a:buNone/>
+            </a:pPr>
+            <a:r>
+              <a:rPr lang="en-US" dirty="0">
+                <a:latin typeface="Consolas" pitchFamily="49" charset="0"/>
+                <a:cs typeface="Consolas" pitchFamily="49" charset="0"/>
+              </a:rPr>
+              <a:t>      .Length(16)</a:t>
+            </a:r>
+          </a:p>
+          <a:p>
+            <a:pPr marL="0" indent="0">
+              <a:buNone/>
+            </a:pPr>
+            <a:r>
+              <a:rPr lang="en-US" dirty="0">
+                <a:latin typeface="Consolas" pitchFamily="49" charset="0"/>
+                <a:cs typeface="Consolas" pitchFamily="49" charset="0"/>
+              </a:rPr>
+              <a:t>      .</a:t>
+            </a:r>
+            <a:r>
+              <a:rPr lang="en-US" dirty="0" err="1">
+                <a:latin typeface="Consolas" pitchFamily="49" charset="0"/>
+                <a:cs typeface="Consolas" pitchFamily="49" charset="0"/>
+              </a:rPr>
+              <a:t>Not.Nullable</a:t>
+            </a:r>
+            <a:r>
+              <a:rPr lang="en-US" dirty="0">
+                <a:latin typeface="Consolas" pitchFamily="49" charset="0"/>
+                <a:cs typeface="Consolas" pitchFamily="49" charset="0"/>
+              </a:rPr>
+              <a:t>();</a:t>
+            </a:r>
+          </a:p>
+          <a:p>
+            <a:pPr marL="0" indent="0">
+              <a:buNone/>
+            </a:pPr>
+            <a:r>
+              <a:rPr lang="en-US" dirty="0">
+                <a:latin typeface="Consolas" pitchFamily="49" charset="0"/>
+                <a:cs typeface="Consolas" pitchFamily="49" charset="0"/>
+              </a:rPr>
+              <a:t>    Map(x =&gt; </a:t>
+            </a:r>
+            <a:r>
+              <a:rPr lang="en-US" dirty="0" err="1">
+                <a:latin typeface="Consolas" pitchFamily="49" charset="0"/>
+                <a:cs typeface="Consolas" pitchFamily="49" charset="0"/>
+              </a:rPr>
+              <a:t>x.Sex</a:t>
+            </a:r>
+            <a:r>
+              <a:rPr lang="en-US" dirty="0">
+                <a:latin typeface="Consolas" pitchFamily="49" charset="0"/>
+                <a:cs typeface="Consolas" pitchFamily="49" charset="0"/>
+              </a:rPr>
+              <a:t>);</a:t>
+            </a:r>
+          </a:p>
+          <a:p>
+            <a:pPr marL="0" indent="0">
+              <a:buNone/>
+            </a:pPr>
+            <a:r>
+              <a:rPr lang="en-US" dirty="0">
+                <a:latin typeface="Consolas" pitchFamily="49" charset="0"/>
+                <a:cs typeface="Consolas" pitchFamily="49" charset="0"/>
+              </a:rPr>
+              <a:t>    References(x =&gt; </a:t>
+            </a:r>
+            <a:r>
+              <a:rPr lang="en-US" dirty="0" err="1">
+                <a:latin typeface="Consolas" pitchFamily="49" charset="0"/>
+                <a:cs typeface="Consolas" pitchFamily="49" charset="0"/>
+              </a:rPr>
+              <a:t>x.Mate</a:t>
+            </a:r>
+            <a:r>
+              <a:rPr lang="en-US" dirty="0">
+                <a:latin typeface="Consolas" pitchFamily="49" charset="0"/>
+                <a:cs typeface="Consolas" pitchFamily="49" charset="0"/>
+              </a:rPr>
+              <a:t>);</a:t>
+            </a:r>
+          </a:p>
+          <a:p>
+            <a:pPr marL="0" indent="0">
+              <a:buNone/>
+            </a:pPr>
+            <a:r>
+              <a:rPr lang="en-US" dirty="0">
+                <a:latin typeface="Consolas" pitchFamily="49" charset="0"/>
+                <a:cs typeface="Consolas" pitchFamily="49" charset="0"/>
+              </a:rPr>
+              <a:t>    </a:t>
+            </a:r>
+            <a:r>
+              <a:rPr lang="en-US" dirty="0" err="1">
+                <a:latin typeface="Consolas" pitchFamily="49" charset="0"/>
+                <a:cs typeface="Consolas" pitchFamily="49" charset="0"/>
+              </a:rPr>
+              <a:t>HasMany</a:t>
+            </a:r>
+            <a:r>
+              <a:rPr lang="en-US" dirty="0">
+                <a:latin typeface="Consolas" pitchFamily="49" charset="0"/>
+                <a:cs typeface="Consolas" pitchFamily="49" charset="0"/>
+              </a:rPr>
+              <a:t>(x =&gt; </a:t>
+            </a:r>
+            <a:r>
+              <a:rPr lang="en-US" dirty="0" err="1">
+                <a:latin typeface="Consolas" pitchFamily="49" charset="0"/>
+                <a:cs typeface="Consolas" pitchFamily="49" charset="0"/>
+              </a:rPr>
+              <a:t>x.Kittens</a:t>
+            </a:r>
+            <a:r>
+              <a:rPr lang="en-US" dirty="0">
+                <a:latin typeface="Consolas" pitchFamily="49" charset="0"/>
+                <a:cs typeface="Consolas" pitchFamily="49" charset="0"/>
+              </a:rPr>
+              <a:t>);</a:t>
+            </a:r>
+          </a:p>
+          <a:p>
+            <a:pPr marL="0" indent="0">
+              <a:buNone/>
+            </a:pPr>
+            <a:r>
+              <a:rPr lang="en-US" dirty="0">
+                <a:latin typeface="Consolas" pitchFamily="49" charset="0"/>
+                <a:cs typeface="Consolas" pitchFamily="49" charset="0"/>
+              </a:rPr>
+              <a:t>  }</a:t>
+            </a:r>
+          </a:p>
+          <a:p>
+            <a:pPr marL="0" indent="0">
+              <a:buNone/>
+            </a:pPr>
+            <a:r>
+              <a:rPr lang="en-US" dirty="0">
+                <a:latin typeface="Consolas" pitchFamily="49" charset="0"/>
+                <a:cs typeface="Consolas" pitchFamily="49" charset="0"/>
+              </a:rPr>
+              <a:t>}</a:t>
+            </a:r>
           </a:p>
         </p:txBody>
       </p:sp>
     </p:spTree>
     <p:extLst>
       <p:ext uri="{BB962C8B-B14F-4D97-AF65-F5344CB8AC3E}">
-        <p14:creationId xmlns:p14="http://schemas.microsoft.com/office/powerpoint/2010/main" val="3911603256"/>
+        <p14:creationId xmlns:p14="http://schemas.microsoft.com/office/powerpoint/2010/main" xmlns="" val="1752297239"/>
       </p:ext>
     </p:extLst>
   </p:cSld>
@@ -8779,136 +9050,86 @@
           <a:p>
             <a:r>
               <a:rPr lang="en-US" dirty="0" smtClean="0"/>
-              <a:t>Data Access Framework</a:t>
+              <a:t>Mapping – EF Database-First</a:t>
             </a:r>
             <a:endParaRPr lang="en-US" dirty="0"/>
           </a:p>
         </p:txBody>
       </p:sp>
-      <p:sp>
-        <p:nvSpPr>
-          <p:cNvPr id="3" name="Content Placeholder 2"/>
-          <p:cNvSpPr>
-            <a:spLocks noGrp="1"/>
-          </p:cNvSpPr>
-          <p:nvPr>
-            <p:ph idx="1"/>
-          </p:nvPr>
-        </p:nvSpPr>
-        <p:spPr/>
-        <p:txBody>
-          <a:bodyPr/>
-          <a:lstStyle/>
-          <a:p>
-            <a:r>
-              <a:rPr lang="en-US" dirty="0" smtClean="0"/>
-              <a:t>Persistence Framework</a:t>
-            </a:r>
-          </a:p>
-          <a:p>
-            <a:r>
-              <a:rPr lang="en-US" dirty="0" smtClean="0">
+      <p:pic>
+        <p:nvPicPr>
+          <p:cNvPr id="1026" name="Picture 2"/>
+          <p:cNvPicPr>
+            <a:picLocks noChangeAspect="1" noChangeArrowheads="1"/>
+          </p:cNvPicPr>
+          <p:nvPr/>
+        </p:nvPicPr>
+        <p:blipFill>
+          <a:blip r:embed="rId2" cstate="print">
+            <a:extLst>
+              <a:ext uri="{28A0092B-C50C-407E-A947-70E740481C1C}">
+                <a14:useLocalDpi xmlns:a14="http://schemas.microsoft.com/office/drawing/2010/main" xmlns="" val="0"/>
+              </a:ext>
+            </a:extLst>
+          </a:blip>
+          <a:srcRect/>
+          <a:stretch>
+            <a:fillRect/>
+          </a:stretch>
+        </p:blipFill>
+        <p:spPr bwMode="auto">
+          <a:xfrm>
+            <a:off x="1143000" y="1447800"/>
+            <a:ext cx="6389687" cy="5191125"/>
+          </a:xfrm>
+          <a:prstGeom prst="rect">
+            <a:avLst/>
+          </a:prstGeom>
+          <a:noFill/>
+          <a:ln>
+            <a:noFill/>
+          </a:ln>
+          <a:effectLst/>
+          <a:extLst>
+            <a:ext uri="{909E8E84-426E-40DD-AFC4-6F175D3DCCD1}">
+              <a14:hiddenFill xmlns:a14="http://schemas.microsoft.com/office/drawing/2010/main" xmlns="">
                 <a:solidFill>
-                  <a:srgbClr val="FF0000"/>
+                  <a:schemeClr val="accent1"/>
                 </a:solidFill>
-              </a:rPr>
-              <a:t>CRUD</a:t>
-            </a:r>
-          </a:p>
-          <a:p>
-            <a:r>
-              <a:rPr lang="en-US" dirty="0" smtClean="0"/>
-              <a:t>Application does all the work in memory</a:t>
-            </a:r>
-          </a:p>
-          <a:p>
-            <a:pPr lvl="1"/>
-            <a:r>
-              <a:rPr lang="en-US" dirty="0" smtClean="0"/>
-              <a:t>based on some already stored data (</a:t>
-            </a:r>
-            <a:r>
-              <a:rPr lang="en-US" dirty="0" smtClean="0">
+              </a14:hiddenFill>
+            </a:ext>
+            <a:ext uri="{91240B29-F687-4F45-9708-019B960494DF}">
+              <a14:hiddenLine xmlns:a14="http://schemas.microsoft.com/office/drawing/2010/main" xmlns="" w="9525">
                 <a:solidFill>
-                  <a:srgbClr val="FF0000"/>
+                  <a:schemeClr val="tx1"/>
                 </a:solidFill>
-              </a:rPr>
-              <a:t>R</a:t>
-            </a:r>
-            <a:r>
-              <a:rPr lang="en-US" dirty="0" smtClean="0"/>
-              <a:t>etrieve)</a:t>
-            </a:r>
-          </a:p>
-          <a:p>
-            <a:pPr lvl="1"/>
-            <a:r>
-              <a:rPr lang="en-US" dirty="0" smtClean="0"/>
-              <a:t>eventually, you need to store back changes (</a:t>
-            </a:r>
-            <a:r>
-              <a:rPr lang="en-US" dirty="0" smtClean="0">
-                <a:solidFill>
-                  <a:srgbClr val="FF0000"/>
-                </a:solidFill>
-              </a:rPr>
-              <a:t>C</a:t>
-            </a:r>
-            <a:r>
-              <a:rPr lang="en-US" dirty="0" smtClean="0"/>
-              <a:t>reate, </a:t>
-            </a:r>
-            <a:r>
-              <a:rPr lang="en-US" dirty="0" smtClean="0">
-                <a:solidFill>
-                  <a:srgbClr val="FF0000"/>
-                </a:solidFill>
-              </a:rPr>
-              <a:t>U</a:t>
-            </a:r>
-            <a:r>
-              <a:rPr lang="en-US" dirty="0" smtClean="0"/>
-              <a:t>pdate, </a:t>
-            </a:r>
-            <a:r>
-              <a:rPr lang="en-US" dirty="0" smtClean="0">
-                <a:solidFill>
-                  <a:srgbClr val="FF0000"/>
-                </a:solidFill>
-              </a:rPr>
-              <a:t>D</a:t>
-            </a:r>
-            <a:r>
-              <a:rPr lang="en-US" dirty="0" smtClean="0"/>
-              <a:t>elete)</a:t>
-            </a:r>
-          </a:p>
-          <a:p>
-            <a:r>
-              <a:rPr lang="en-US" dirty="0" smtClean="0"/>
-              <a:t>It just happens Relational Database is the popular choice for most business</a:t>
-            </a:r>
-            <a:endParaRPr lang="en-US" dirty="0"/>
-          </a:p>
-        </p:txBody>
-      </p:sp>
+                <a:miter lim="800000"/>
+                <a:headEnd/>
+                <a:tailEnd/>
+              </a14:hiddenLine>
+            </a:ext>
+            <a:ext uri="{AF507438-7753-43E0-B8FC-AC1667EBCBE1}">
+              <a14:hiddenEffects xmlns:a14="http://schemas.microsoft.com/office/drawing/2010/main" xmlns="">
+                <a:effectLst>
+                  <a:outerShdw dist="35921" dir="2700000" algn="ctr" rotWithShape="0">
+                    <a:schemeClr val="bg2"/>
+                  </a:outerShdw>
+                </a:effectLst>
+              </a14:hiddenEffects>
+            </a:ext>
+          </a:extLst>
+        </p:spPr>
+      </p:pic>
     </p:spTree>
     <p:extLst>
       <p:ext uri="{BB962C8B-B14F-4D97-AF65-F5344CB8AC3E}">
-        <p14:creationId xmlns:p14="http://schemas.microsoft.com/office/powerpoint/2010/main" val="1869506865"/>
+        <p14:creationId xmlns:p14="http://schemas.microsoft.com/office/powerpoint/2010/main" xmlns="" val="3248163672"/>
       </p:ext>
     </p:extLst>
   </p:cSld>
   <p:clrMapOvr>
     <a:masterClrMapping/>
   </p:clrMapOvr>
-  <p:timing>
-    <p:tnLst>
-      <p:par>
-        <p:cTn id="1" dur="indefinite" restart="never" nodeType="tmRoot"/>
-      </p:par>
-    </p:tnLst>
-  </p:timing>
 </p:sld>
 </file>
 
@@ -9480,4 +9701,287 @@
   <a:objectDefaults/>
   <a:extraClrSchemeLst/>
 </a:theme>
+</file>
+
+<file path=ppt/theme/theme3.xml><?xml version="1.0" encoding="utf-8"?>
+<a:theme xmlns:a="http://schemas.openxmlformats.org/drawingml/2006/main" name="Office Theme">
+  <a:themeElements>
+    <a:clrScheme name="Office">
+      <a:dk1>
+        <a:sysClr val="windowText" lastClr="000000"/>
+      </a:dk1>
+      <a:lt1>
+        <a:sysClr val="window" lastClr="FFFFFF"/>
+      </a:lt1>
+      <a:dk2>
+        <a:srgbClr val="1F497D"/>
+      </a:dk2>
+      <a:lt2>
+        <a:srgbClr val="EEECE1"/>
+      </a:lt2>
+      <a:accent1>
+        <a:srgbClr val="4F81BD"/>
+      </a:accent1>
+      <a:accent2>
+        <a:srgbClr val="C0504D"/>
+      </a:accent2>
+      <a:accent3>
+        <a:srgbClr val="9BBB59"/>
+      </a:accent3>
+      <a:accent4>
+        <a:srgbClr val="8064A2"/>
+      </a:accent4>
+      <a:accent5>
+        <a:srgbClr val="4BACC6"/>
+      </a:accent5>
+      <a:accent6>
+        <a:srgbClr val="F79646"/>
+      </a:accent6>
+      <a:hlink>
+        <a:srgbClr val="0000FF"/>
+      </a:hlink>
+      <a:folHlink>
+        <a:srgbClr val="800080"/>
+      </a:folHlink>
+    </a:clrScheme>
+    <a:fontScheme name="Office">
+      <a:majorFont>
+        <a:latin typeface="Calibri"/>
+        <a:ea typeface=""/>
+        <a:cs typeface=""/>
+        <a:font script="Jpan" typeface="ＭＳ Ｐゴシック"/>
+        <a:font script="Hang" typeface="맑은 고딕"/>
+        <a:font script="Hans" typeface="宋体"/>
+        <a:font script="Hant" typeface="新細明體"/>
+        <a:font script="Arab" typeface="Times New Roman"/>
+        <a:font script="Hebr" typeface="Times New Roman"/>
+        <a:font script="Thai" typeface="Angsana New"/>
+        <a:font script="Ethi" typeface="Nyala"/>
+        <a:font script="Beng" typeface="Vrinda"/>
+        <a:font script="Gujr" typeface="Shruti"/>
+        <a:font script="Khmr" typeface="MoolBoran"/>
+        <a:font script="Knda" typeface="Tunga"/>
+        <a:font script="Guru" typeface="Raavi"/>
+        <a:font script="Cans" typeface="Euphemia"/>
+        <a:font script="Cher" typeface="Plantagenet Cherokee"/>
+        <a:font script="Yiii" typeface="Microsoft Yi Baiti"/>
+        <a:font script="Tibt" typeface="Microsoft Himalaya"/>
+        <a:font script="Thaa" typeface="MV Boli"/>
+        <a:font script="Deva" typeface="Mangal"/>
+        <a:font script="Telu" typeface="Gautami"/>
+        <a:font script="Taml" typeface="Latha"/>
+        <a:font script="Syrc" typeface="Estrangelo Edessa"/>
+        <a:font script="Orya" typeface="Kalinga"/>
+        <a:font script="Mlym" typeface="Kartika"/>
+        <a:font script="Laoo" typeface="DokChampa"/>
+        <a:font script="Sinh" typeface="Iskoola Pota"/>
+        <a:font script="Mong" typeface="Mongolian Baiti"/>
+        <a:font script="Viet" typeface="Times New Roman"/>
+        <a:font script="Uigh" typeface="Microsoft Uighur"/>
+      </a:majorFont>
+      <a:minorFont>
+        <a:latin typeface="Calibri"/>
+        <a:ea typeface=""/>
+        <a:cs typeface=""/>
+        <a:font script="Jpan" typeface="ＭＳ Ｐゴシック"/>
+        <a:font script="Hang" typeface="맑은 고딕"/>
+        <a:font script="Hans" typeface="宋体"/>
+        <a:font script="Hant" typeface="新細明體"/>
+        <a:font script="Arab" typeface="Arial"/>
+        <a:font script="Hebr" typeface="Arial"/>
+        <a:font script="Thai" typeface="Cordia New"/>
+        <a:font script="Ethi" typeface="Nyala"/>
+        <a:font script="Beng" typeface="Vrinda"/>
+        <a:font script="Gujr" typeface="Shruti"/>
+        <a:font script="Khmr" typeface="DaunPenh"/>
+        <a:font script="Knda" typeface="Tunga"/>
+        <a:font script="Guru" typeface="Raavi"/>
+        <a:font script="Cans" typeface="Euphemia"/>
+        <a:font script="Cher" typeface="Plantagenet Cherokee"/>
+        <a:font script="Yiii" typeface="Microsoft Yi Baiti"/>
+        <a:font script="Tibt" typeface="Microsoft Himalaya"/>
+        <a:font script="Thaa" typeface="MV Boli"/>
+        <a:font script="Deva" typeface="Mangal"/>
+        <a:font script="Telu" typeface="Gautami"/>
+        <a:font script="Taml" typeface="Latha"/>
+        <a:font script="Syrc" typeface="Estrangelo Edessa"/>
+        <a:font script="Orya" typeface="Kalinga"/>
+        <a:font script="Mlym" typeface="Kartika"/>
+        <a:font script="Laoo" typeface="DokChampa"/>
+        <a:font script="Sinh" typeface="Iskoola Pota"/>
+        <a:font script="Mong" typeface="Mongolian Baiti"/>
+        <a:font script="Viet" typeface="Arial"/>
+        <a:font script="Uigh" typeface="Microsoft Uighur"/>
+      </a:minorFont>
+    </a:fontScheme>
+    <a:fmtScheme name="Office">
+      <a:fillStyleLst>
+        <a:solidFill>
+          <a:schemeClr val="phClr"/>
+        </a:solidFill>
+        <a:gradFill rotWithShape="1">
+          <a:gsLst>
+            <a:gs pos="0">
+              <a:schemeClr val="phClr">
+                <a:tint val="50000"/>
+                <a:satMod val="300000"/>
+              </a:schemeClr>
+            </a:gs>
+            <a:gs pos="35000">
+              <a:schemeClr val="phClr">
+                <a:tint val="37000"/>
+                <a:satMod val="300000"/>
+              </a:schemeClr>
+            </a:gs>
+            <a:gs pos="100000">
+              <a:schemeClr val="phClr">
+                <a:tint val="15000"/>
+                <a:satMod val="350000"/>
+              </a:schemeClr>
+            </a:gs>
+          </a:gsLst>
+          <a:lin ang="16200000" scaled="1"/>
+        </a:gradFill>
+        <a:gradFill rotWithShape="1">
+          <a:gsLst>
+            <a:gs pos="0">
+              <a:schemeClr val="phClr">
+                <a:shade val="51000"/>
+                <a:satMod val="130000"/>
+              </a:schemeClr>
+            </a:gs>
+            <a:gs pos="80000">
+              <a:schemeClr val="phClr">
+                <a:shade val="93000"/>
+                <a:satMod val="130000"/>
+              </a:schemeClr>
+            </a:gs>
+            <a:gs pos="100000">
+              <a:schemeClr val="phClr">
+                <a:shade val="94000"/>
+                <a:satMod val="135000"/>
+              </a:schemeClr>
+            </a:gs>
+          </a:gsLst>
+          <a:lin ang="16200000" scaled="0"/>
+        </a:gradFill>
+      </a:fillStyleLst>
+      <a:lnStyleLst>
+        <a:ln w="9525" cap="flat" cmpd="sng" algn="ctr">
+          <a:solidFill>
+            <a:schemeClr val="phClr">
+              <a:shade val="95000"/>
+              <a:satMod val="105000"/>
+            </a:schemeClr>
+          </a:solidFill>
+          <a:prstDash val="solid"/>
+        </a:ln>
+        <a:ln w="25400" cap="flat" cmpd="sng" algn="ctr">
+          <a:solidFill>
+            <a:schemeClr val="phClr"/>
+          </a:solidFill>
+          <a:prstDash val="solid"/>
+        </a:ln>
+        <a:ln w="38100" cap="flat" cmpd="sng" algn="ctr">
+          <a:solidFill>
+            <a:schemeClr val="phClr"/>
+          </a:solidFill>
+          <a:prstDash val="solid"/>
+        </a:ln>
+      </a:lnStyleLst>
+      <a:effectStyleLst>
+        <a:effectStyle>
+          <a:effectLst>
+            <a:outerShdw blurRad="40000" dist="20000" dir="5400000" rotWithShape="0">
+              <a:srgbClr val="000000">
+                <a:alpha val="38000"/>
+              </a:srgbClr>
+            </a:outerShdw>
+          </a:effectLst>
+        </a:effectStyle>
+        <a:effectStyle>
+          <a:effectLst>
+            <a:outerShdw blurRad="40000" dist="23000" dir="5400000" rotWithShape="0">
+              <a:srgbClr val="000000">
+                <a:alpha val="35000"/>
+              </a:srgbClr>
+            </a:outerShdw>
+          </a:effectLst>
+        </a:effectStyle>
+        <a:effectStyle>
+          <a:effectLst>
+            <a:outerShdw blurRad="40000" dist="23000" dir="5400000" rotWithShape="0">
+              <a:srgbClr val="000000">
+                <a:alpha val="35000"/>
+              </a:srgbClr>
+            </a:outerShdw>
+          </a:effectLst>
+          <a:scene3d>
+            <a:camera prst="orthographicFront">
+              <a:rot lat="0" lon="0" rev="0"/>
+            </a:camera>
+            <a:lightRig rig="threePt" dir="t">
+              <a:rot lat="0" lon="0" rev="1200000"/>
+            </a:lightRig>
+          </a:scene3d>
+          <a:sp3d>
+            <a:bevelT w="63500" h="25400"/>
+          </a:sp3d>
+        </a:effectStyle>
+      </a:effectStyleLst>
+      <a:bgFillStyleLst>
+        <a:solidFill>
+          <a:schemeClr val="phClr"/>
+        </a:solidFill>
+        <a:gradFill rotWithShape="1">
+          <a:gsLst>
+            <a:gs pos="0">
+              <a:schemeClr val="phClr">
+                <a:tint val="40000"/>
+                <a:satMod val="350000"/>
+              </a:schemeClr>
+            </a:gs>
+            <a:gs pos="40000">
+              <a:schemeClr val="phClr">
+                <a:tint val="45000"/>
+                <a:shade val="99000"/>
+                <a:satMod val="350000"/>
+              </a:schemeClr>
+            </a:gs>
+            <a:gs pos="100000">
+              <a:schemeClr val="phClr">
+                <a:shade val="20000"/>
+                <a:satMod val="255000"/>
+              </a:schemeClr>
+            </a:gs>
+          </a:gsLst>
+          <a:path path="circle">
+            <a:fillToRect l="50000" t="-80000" r="50000" b="180000"/>
+          </a:path>
+        </a:gradFill>
+        <a:gradFill rotWithShape="1">
+          <a:gsLst>
+            <a:gs pos="0">
+              <a:schemeClr val="phClr">
+                <a:tint val="80000"/>
+                <a:satMod val="300000"/>
+              </a:schemeClr>
+            </a:gs>
+            <a:gs pos="100000">
+              <a:schemeClr val="phClr">
+                <a:shade val="30000"/>
+                <a:satMod val="200000"/>
+              </a:schemeClr>
+            </a:gs>
+          </a:gsLst>
+          <a:path path="circle">
+            <a:fillToRect l="50000" t="50000" r="50000" b="50000"/>
+          </a:path>
+        </a:gradFill>
+      </a:bgFillStyleLst>
+    </a:fmtScheme>
+  </a:themeElements>
+  <a:objectDefaults/>
+  <a:extraClrSchemeLst/>
+</a:theme>
 </file>